--- a/Governance and Compliance.pptx
+++ b/Governance and Compliance.pptx
@@ -23,6 +23,10 @@
     <p:sldId id="271" r:id="rId17"/>
     <p:sldId id="272" r:id="rId18"/>
     <p:sldId id="273" r:id="rId19"/>
+    <p:sldId id="276" r:id="rId20"/>
+    <p:sldId id="277" r:id="rId21"/>
+    <p:sldId id="278" r:id="rId22"/>
+    <p:sldId id="279" r:id="rId23"/>
   </p:sldIdLst>
   <p:sldSz cx="12192000" cy="6858000"/>
   <p:notesSz cx="6858000" cy="9144000"/>
@@ -121,6 +125,11 @@
       </a:defRPr>
     </a:lvl9pPr>
   </p:defaultTextStyle>
+  <p:extLst>
+    <p:ext uri="{EFAFB233-063F-42B5-8137-9DF3F51BA10A}">
+      <p15:sldGuideLst xmlns:p15="http://schemas.microsoft.com/office/powerpoint/2012/main"/>
+    </p:ext>
+  </p:extLst>
 </p:presentation>
 </file>
 
@@ -179,6 +188,278 @@
 </inkml:ink>
 </file>
 
+<file path=ppt/ink/ink100.xml><?xml version="1.0" encoding="utf-8"?>
+<inkml:ink xmlns:inkml="http://www.w3.org/2003/InkML">
+  <inkml:definitions>
+    <inkml:context xml:id="ctx0">
+      <inkml:inkSource xml:id="inkSrc0">
+        <inkml:traceFormat>
+          <inkml:channel name="X" type="integer" min="-2.14748E9" max="2.14748E9" units="cm"/>
+          <inkml:channel name="Y" type="integer" min="-2.14748E9" max="2.14748E9" units="cm"/>
+          <inkml:channel name="F" type="integer" max="32767" units="dev"/>
+        </inkml:traceFormat>
+        <inkml:channelProperties>
+          <inkml:channelProperty channel="X" name="resolution" value="1000" units="1/cm"/>
+          <inkml:channelProperty channel="Y" name="resolution" value="1000" units="1/cm"/>
+          <inkml:channelProperty channel="F" name="resolution" value="0" units="1/dev"/>
+        </inkml:channelProperties>
+      </inkml:inkSource>
+      <inkml:timestamp xml:id="ts0" timeString="2023-09-16T03:55:54.519"/>
+    </inkml:context>
+    <inkml:brush xml:id="br0">
+      <inkml:brushProperty name="width" value="0.05" units="cm"/>
+      <inkml:brushProperty name="height" value="0.05" units="cm"/>
+    </inkml:brush>
+  </inkml:definitions>
+  <inkml:trace contextRef="#ctx0" brushRef="#br0">1 167 876,'38'-3'124,"-1"-3"-48,7 2-24,-2-2-52,2 0-52,0 0-60,1 6 32</inkml:trace>
+  <inkml:trace contextRef="#ctx0" brushRef="#br0" timeOffset="1">940 144 1004,'18'-1'196,"-1"0"-32,1-3-4,-3-2-16,7 2 16,-3-1-44,3 1-16,0-4-16,-1-1-12,15-2 8,-6 0-64,-3 1-8,10-2-60,-2 1-44,2-3-12,-1 4-84,-7 1-220,6-5 76</inkml:trace>
+</inkml:ink>
+</file>
+
+<file path=ppt/ink/ink101.xml><?xml version="1.0" encoding="utf-8"?>
+<inkml:ink xmlns:inkml="http://www.w3.org/2003/InkML">
+  <inkml:definitions>
+    <inkml:context xml:id="ctx0">
+      <inkml:inkSource xml:id="inkSrc0">
+        <inkml:traceFormat>
+          <inkml:channel name="X" type="integer" min="-2.14748E9" max="2.14748E9" units="cm"/>
+          <inkml:channel name="Y" type="integer" min="-2.14748E9" max="2.14748E9" units="cm"/>
+          <inkml:channel name="F" type="integer" max="32767" units="dev"/>
+        </inkml:traceFormat>
+        <inkml:channelProperties>
+          <inkml:channelProperty channel="X" name="resolution" value="1000" units="1/cm"/>
+          <inkml:channelProperty channel="Y" name="resolution" value="1000" units="1/cm"/>
+          <inkml:channelProperty channel="F" name="resolution" value="0" units="1/dev"/>
+        </inkml:channelProperties>
+      </inkml:inkSource>
+      <inkml:timestamp xml:id="ts0" timeString="2023-09-16T03:55:55.071"/>
+    </inkml:context>
+    <inkml:brush xml:id="br0">
+      <inkml:brushProperty name="width" value="0.05" units="cm"/>
+      <inkml:brushProperty name="height" value="0.05" units="cm"/>
+    </inkml:brush>
+  </inkml:definitions>
+  <inkml:trace contextRef="#ctx0" brushRef="#br0">1 632 1004,'11'-1'323,"19"-2"591,1-2 0,0-1 0,-1-1 0,38-14 0,275-91 72,-260 88-1059,219-54-839,-146 40 345,-92 23 362,149-43-149,46-37 166,-84 29-289,-144 53 31,56-31 1,-45 7 173,-34 30 278,-6 6 114,1 0-36,-2 1-67,0 0 0,0 0 1,0 0-1,0 0 0,0 0 0,0 0 0,0 1 0,0-1 0,0 0 0,0 0 0,0 1 0,-1-1 0,1 1 0,0-1 0,0 1 1,0-1-1,0 1 0,-1-1 0,1 1 0,0 0 0,0-1 0,-1 1 0,1 0 0,0 0 0,-1-1 0,1 1 0,-1 0 1,1 0-1,-1 0 0,0 0 0,1 0 0,-1 0 0,1 1 0,4 12 85,-1 1-1,0-1 1,-1 1-1,-1 0 1,0 0-1,0 16 1,1 7 18,21 362 589,-12-156-430,7-27-3,80 365 1,-68-420-157,-21-108-87,13 79-1,-5 0 0,0 154 1,-18-130-2894,0-131 1453</inkml:trace>
+</inkml:ink>
+</file>
+
+<file path=ppt/ink/ink102.xml><?xml version="1.0" encoding="utf-8"?>
+<inkml:ink xmlns:inkml="http://www.w3.org/2003/InkML">
+  <inkml:definitions>
+    <inkml:context xml:id="ctx0">
+      <inkml:inkSource xml:id="inkSrc0">
+        <inkml:traceFormat>
+          <inkml:channel name="X" type="integer" min="-2.14748E9" max="2.14748E9" units="cm"/>
+          <inkml:channel name="Y" type="integer" min="-2.14748E9" max="2.14748E9" units="cm"/>
+          <inkml:channel name="F" type="integer" max="32767" units="dev"/>
+        </inkml:traceFormat>
+        <inkml:channelProperties>
+          <inkml:channelProperty channel="X" name="resolution" value="1000" units="1/cm"/>
+          <inkml:channelProperty channel="Y" name="resolution" value="1000" units="1/cm"/>
+          <inkml:channelProperty channel="F" name="resolution" value="0" units="1/dev"/>
+        </inkml:channelProperties>
+      </inkml:inkSource>
+      <inkml:timestamp xml:id="ts0" timeString="2023-09-16T03:55:56.272"/>
+    </inkml:context>
+    <inkml:brush xml:id="br0">
+      <inkml:brushProperty name="width" value="0.05" units="cm"/>
+      <inkml:brushProperty name="height" value="0.05" units="cm"/>
+    </inkml:brush>
+  </inkml:definitions>
+  <inkml:trace contextRef="#ctx0" brushRef="#br0">0 0 852,'86'456'4262,"41"-18"-2245,-109-379-1762,21 79 208,-20-64-239,3-1 0,37 82 0,-56-151-236,-1 0 0,1-1-1,0 1 1,0 0 0,0-1 0,0 0 0,1 0 0,-1 0 0,1 0 0,0-1 0,0 1-1,0-1 1,0 0 0,0 0 0,0 0 0,1-1 0,-1 1 0,1-1 0,-1 0 0,1-1-1,6 1 1,11 1-65,0-1-1,-1-2 1,26-3-1,-43 4 74,447-54-542,-95 9 391,-99 13 93,233-35 13,-361 47 66,428-79 238,-481 84-180,335-52 603,-4 0 199,-273 43-672,139-30 85,-165 28-209,299-79 73,-368 93-147,20-5 13,100-44-1,64-38-113,-194 88-594,-3 0-3575,-12 4 2214</inkml:trace>
+</inkml:ink>
+</file>
+
+<file path=ppt/ink/ink103.xml><?xml version="1.0" encoding="utf-8"?>
+<inkml:ink xmlns:inkml="http://www.w3.org/2003/InkML">
+  <inkml:definitions>
+    <inkml:context xml:id="ctx0">
+      <inkml:inkSource xml:id="inkSrc0">
+        <inkml:traceFormat>
+          <inkml:channel name="X" type="integer" min="-2.14748E9" max="2.14748E9" units="cm"/>
+          <inkml:channel name="Y" type="integer" min="-2.14748E9" max="2.14748E9" units="cm"/>
+          <inkml:channel name="F" type="integer" max="32767" units="dev"/>
+        </inkml:traceFormat>
+        <inkml:channelProperties>
+          <inkml:channelProperty channel="X" name="resolution" value="1000" units="1/cm"/>
+          <inkml:channelProperty channel="Y" name="resolution" value="1000" units="1/cm"/>
+          <inkml:channelProperty channel="F" name="resolution" value="0" units="1/dev"/>
+        </inkml:channelProperties>
+      </inkml:inkSource>
+      <inkml:timestamp xml:id="ts0" timeString="2023-09-16T03:55:57.542"/>
+    </inkml:context>
+    <inkml:brush xml:id="br0">
+      <inkml:brushProperty name="width" value="0.05" units="cm"/>
+      <inkml:brushProperty name="height" value="0.05" units="cm"/>
+    </inkml:brush>
+  </inkml:definitions>
+  <inkml:trace contextRef="#ctx0" brushRef="#br0">73 0 1916,'3'4'6859,"-28"98"-5710,16-59-747,-4 8 97,2 1 0,3 0-1,-2 62 1,10-99-314,1 0-1,4 24 1,-4-34-125,0 0 0,0-1 0,1 1 0,-1 0 0,1-1 0,0 0 0,0 1 0,1-1 0,-1 0 0,1 0 0,0 0 0,4 4 0,-3-5-17,-1-1-1,1 1 1,0-1-1,0 0 0,1 0 1,-1 0-1,0-1 1,1 0-1,-1 1 1,7 0-1,48 2 171,-53-4-197,61-1 109,0-3 1,79-16 0,-78 10-69,128-23 65,-24 3-25,-89 18-59,338-46 129,426-37-31,-229 35-217,-452 40 18,132-11-88,-293 31 148,17-4-5,-19 3 11,-1 1 0,1-1 0,-1 1-1,1-1 1,-1 0 0,0 0-1,0 0 1,1-1 0,-1 1 0,0 0-1,0-1 1,0 0 0,2-1-1,-3 1 2,-1-1 5,1-7-8,-1 8 65,0-1-53,0 3-8,0 0-1,0-1 1,0 1-1,0 0 1,0 0 0,0-1-1,0 1 1,0 0-1,0 0 1,0-1-1,0 1 1,0 0 0,0 0-1,1 0 1,-1-1-1,0 1 1,0 0 0,0 0-1,0 0 1,0-1-1,0 1 1,0 0 0,1 0-1,-1 0 1,0-1-1,0 1 1,0 0-1,1 0 1,-1 0 0,0 0-1,0 0 1,0 0-1,1-1 1,-1 1 0,0 0-1,1 0 1,6 7 41,-6-4-41,1-1-1,-1 1 0,0 0 1,0 0-1,0-1 0,0 1 1,-1 0-1,1 0 0,0 4 0,-2 8 12,-1 0 0,0 0 0,-1 0-1,0-1 1,-1 1 0,-1-1-1,0 0 1,-8 15 0,-6 7-334,-41 58 0,9-29-1011,7-8-4518,29-38 2292</inkml:trace>
+</inkml:ink>
+</file>
+
+<file path=ppt/ink/ink104.xml><?xml version="1.0" encoding="utf-8"?>
+<inkml:ink xmlns:inkml="http://www.w3.org/2003/InkML">
+  <inkml:definitions>
+    <inkml:context xml:id="ctx0">
+      <inkml:inkSource xml:id="inkSrc0">
+        <inkml:traceFormat>
+          <inkml:channel name="X" type="integer" min="-2.14748E9" max="2.14748E9" units="cm"/>
+          <inkml:channel name="Y" type="integer" min="-2.14748E9" max="2.14748E9" units="cm"/>
+          <inkml:channel name="F" type="integer" max="32767" units="dev"/>
+        </inkml:traceFormat>
+        <inkml:channelProperties>
+          <inkml:channelProperty channel="X" name="resolution" value="1000" units="1/cm"/>
+          <inkml:channelProperty channel="Y" name="resolution" value="1000" units="1/cm"/>
+          <inkml:channelProperty channel="F" name="resolution" value="0" units="1/dev"/>
+        </inkml:channelProperties>
+      </inkml:inkSource>
+      <inkml:timestamp xml:id="ts0" timeString="2023-09-16T03:55:58.473"/>
+    </inkml:context>
+    <inkml:brush xml:id="br0">
+      <inkml:brushProperty name="width" value="0.05" units="cm"/>
+      <inkml:brushProperty name="height" value="0.05" units="cm"/>
+    </inkml:brush>
+  </inkml:definitions>
+  <inkml:trace contextRef="#ctx0" brushRef="#br0">141 126 1612,'1'21'592,"-2"1"-1,-1 0 1,0 0 0,-8 27-1,3-16-147,-70 328 3684,49-257 145,26-109-4088,-1-4-118,0-1 0,1 1 0,0 0 0,1-1 0,0 1 0,0-11 1,5-64 203,-1 38-135,32-300 693,-23 255-407,6-11 616,-18 102-1029,0 0 0,0-1-1,-1 1 1,1 0 0,0-1 0,0 1 0,0 0-1,0 0 1,0-1 0,0 1 0,0 0-1,0-1 1,0 1 0,1 0 0,-1-1-1,0 1 1,0 0 0,0-1 0,0 1-1,0 0 1,0 0 0,1-1 0,-1 1 0,0 0-1,0 0 1,0-1 0,1 1 0,-1 0-1,0 0 1,0 0 0,1-1 0,-1 1-1,0 0 1,1 0 0,-1 0 0,0 0-1,0 0 1,1 0 0,-1-1 0,0 1 0,1 0-1,-1 0 1,0 0 0,1 0 0,-1 0-1,0 0 1,1 0 0,-1 0 0,0 0-1,0 1 1,1-1 0,-1 0 0,1 0-1,11 11 266,-10-8-330,2 1 87,0 1 1,-1 0-1,1 0 0,-1 0 1,0 1-1,-1-1 0,3 8 1,11 43 129,-9-29-113,54 265 441,-40-194-2552,-21-96 1392,2 15-1188,-2-14-266</inkml:trace>
+</inkml:ink>
+</file>
+
+<file path=ppt/ink/ink105.xml><?xml version="1.0" encoding="utf-8"?>
+<inkml:ink xmlns:inkml="http://www.w3.org/2003/InkML">
+  <inkml:definitions>
+    <inkml:context xml:id="ctx0">
+      <inkml:inkSource xml:id="inkSrc0">
+        <inkml:traceFormat>
+          <inkml:channel name="X" type="integer" min="-2.14748E9" max="2.14748E9" units="cm"/>
+          <inkml:channel name="Y" type="integer" min="-2.14748E9" max="2.14748E9" units="cm"/>
+          <inkml:channel name="F" type="integer" max="32767" units="dev"/>
+        </inkml:traceFormat>
+        <inkml:channelProperties>
+          <inkml:channelProperty channel="X" name="resolution" value="1000" units="1/cm"/>
+          <inkml:channelProperty channel="Y" name="resolution" value="1000" units="1/cm"/>
+          <inkml:channelProperty channel="F" name="resolution" value="0" units="1/dev"/>
+        </inkml:channelProperties>
+      </inkml:inkSource>
+      <inkml:timestamp xml:id="ts0" timeString="2023-09-16T03:55:58.834"/>
+    </inkml:context>
+    <inkml:brush xml:id="br0">
+      <inkml:brushProperty name="width" value="0.05" units="cm"/>
+      <inkml:brushProperty name="height" value="0.05" units="cm"/>
+    </inkml:brush>
+  </inkml:definitions>
+  <inkml:trace contextRef="#ctx0" brushRef="#br0">16 192 1828,'0'-1'193,"-1"1"0,0 0-1,0 0 1,1 0 0,-1-1-1,0 1 1,0 0 0,1-1-1,-1 1 1,0 0 0,1-1-1,-1 1 1,1-1 0,-1 1-1,0-1 1,1 0 0,-1 1-1,1-1 1,-1 1 0,1-1 0,0 0-1,-1 1 1,0-2 0,1 0 1000,4-1-694,17-11-80,2 1 0,0 1 0,1 1 0,43-14 0,48-23-1023,-32 7-3744,-61 31 2032</inkml:trace>
+</inkml:ink>
+</file>
+
+<file path=ppt/ink/ink106.xml><?xml version="1.0" encoding="utf-8"?>
+<inkml:ink xmlns:inkml="http://www.w3.org/2003/InkML">
+  <inkml:definitions>
+    <inkml:context xml:id="ctx0">
+      <inkml:inkSource xml:id="inkSrc0">
+        <inkml:traceFormat>
+          <inkml:channel name="X" type="integer" min="-2.14748E9" max="2.14748E9" units="cm"/>
+          <inkml:channel name="Y" type="integer" min="-2.14748E9" max="2.14748E9" units="cm"/>
+          <inkml:channel name="F" type="integer" max="32767" units="dev"/>
+        </inkml:traceFormat>
+        <inkml:channelProperties>
+          <inkml:channelProperty channel="X" name="resolution" value="1000" units="1/cm"/>
+          <inkml:channelProperty channel="Y" name="resolution" value="1000" units="1/cm"/>
+          <inkml:channelProperty channel="F" name="resolution" value="0" units="1/dev"/>
+        </inkml:channelProperties>
+      </inkml:inkSource>
+      <inkml:timestamp xml:id="ts0" timeString="2023-09-16T03:55:59.165"/>
+    </inkml:context>
+    <inkml:brush xml:id="br0">
+      <inkml:brushProperty name="width" value="0.05" units="cm"/>
+      <inkml:brushProperty name="height" value="0.05" units="cm"/>
+    </inkml:brush>
+  </inkml:definitions>
+  <inkml:trace contextRef="#ctx0" brushRef="#br0">129 12 1144,'0'0'246,"0"-1"0,0 1 0,0-1 1,0 1-1,0-1 0,0 1 0,1 0 0,-1-1 0,0 1 0,0-1 0,0 1 0,1 0 0,-1-1 1,0 1-1,1 0 0,-1-1 0,0 1 0,1 0 0,-1-1 0,0 1 0,1 0 0,-1 0 0,1-1 1,3 10 1658,-1 26-2358,-3-27 1216,28 202 894,-28-209-1650,17 117-276,-8-38-4924,-7-61 2789</inkml:trace>
+  <inkml:trace contextRef="#ctx0" brushRef="#br0" timeOffset="1">0 148 1540,'1'-12'730,"0"0"-1,1 0 0,0 0 1,4-11-1,-5 19-540,1 0 0,-1 0 0,1 1 0,0-1 0,0 1 0,0-1 1,0 1-1,1 0 0,0 0 0,-1 0 0,1 0 0,0 1 0,0-1 0,1 1 0,5-4 0,0 2-39,0 0 0,0 1 0,0 0 0,1 1 0,-1 0 0,1 0 0,0 1 0,-1 0 0,1 1 0,0 0 0,-1 0 0,1 1 0,0 1 0,-1-1 0,1 2 0,-1-1 0,0 1 0,17 8 0,-12-4-17,1 0-1,-2 1 0,1 0 1,-1 2-1,-1-1 1,0 1-1,0 1 1,-1 0-1,0 1 1,16 23-1,-19-24-11,-1 1 0,-1 0 1,0 1-1,0-1 0,-1 1 0,-1 0 0,0 0 0,3 24 0,-6-28-49,-1 0 0,0-1 0,0 1 0,-1 0 0,0 0 0,0-1 0,-1 1 0,0-1-1,-1 1 1,1-1 0,-2 0 0,1 0 0,-1 0 0,-8 12 0,6-12-3,0-1 1,0 1-1,-1-1 1,0 0-1,-1 0 0,1-1 1,-1 0-1,0-1 0,-1 1 1,-17 7-1,20-11-69,0 1-1,0-1 0,0-1 1,0 1-1,-1-1 0,1 0 1,-1 0-1,1-1 0,-1 0 1,1 0-1,0 0 0,-1-1 1,1 0-1,-1-1 0,1 1 1,0-1-1,-10-4 0,14 5-134,-1-1 0,1 1 0,0-1 0,-1 0 0,1 0-1,0 0 1,0 0 0,-2-3 0,1 1-873,0 0 1,1 0-1,0 0 1,0 0-1,0 0 1,-2-6-1</inkml:trace>
+</inkml:ink>
+</file>
+
+<file path=ppt/ink/ink107.xml><?xml version="1.0" encoding="utf-8"?>
+<inkml:ink xmlns:inkml="http://www.w3.org/2003/InkML">
+  <inkml:definitions>
+    <inkml:context xml:id="ctx0">
+      <inkml:inkSource xml:id="inkSrc0">
+        <inkml:traceFormat>
+          <inkml:channel name="X" type="integer" min="-2.14748E9" max="2.14748E9" units="cm"/>
+          <inkml:channel name="Y" type="integer" min="-2.14748E9" max="2.14748E9" units="cm"/>
+          <inkml:channel name="F" type="integer" max="32767" units="dev"/>
+        </inkml:traceFormat>
+        <inkml:channelProperties>
+          <inkml:channelProperty channel="X" name="resolution" value="1000" units="1/cm"/>
+          <inkml:channelProperty channel="Y" name="resolution" value="1000" units="1/cm"/>
+          <inkml:channelProperty channel="F" name="resolution" value="0" units="1/dev"/>
+        </inkml:channelProperties>
+      </inkml:inkSource>
+      <inkml:timestamp xml:id="ts0" timeString="2023-09-16T03:55:59.639"/>
+    </inkml:context>
+    <inkml:brush xml:id="br0">
+      <inkml:brushProperty name="width" value="0.05" units="cm"/>
+      <inkml:brushProperty name="height" value="0.05" units="cm"/>
+    </inkml:brush>
+  </inkml:definitions>
+  <inkml:trace contextRef="#ctx0" brushRef="#br0">234 19 1388,'0'0'1120,"-2"-3"-108,-4-9-86,5 9 709,-5 8-894,-12 14 182,-32 41-1,27-26-460,2 2 0,1 1 0,1 0 0,-19 60 0,31-75-328,0 1 1,2-1-1,1 1 1,1 0-1,1 1 1,1-1-1,0 0 1,2 1-1,6 35 1,-5-51-84,-1 0 1,1 0 0,1-1 0,-1 1-1,2 0 1,-1-1 0,1 0-1,0 0 1,0 0 0,1 0-1,-1-1 1,2 1 0,-1-1 0,8 6-1,-12-11-42,0-1 1,0 0-1,0 0 0,0 1 0,-1-1 0,1 0 0,0 0 1,0 0-1,0 0 0,0 0 0,0 0 0,-1 0 1,1-1-1,0 1 0,0 0 0,0 0 0,0 0 0,-1-1 1,1 1-1,0-1 0,1 0 0,14-9 81,-15 9-93,7-5 86,0-2 0,-1 1 1,1-1-1,-1 0 0,6-11 1,18-19 419,34-31 762,-64 68-1240,1 0 1,0 1-1,-1-1 0,1 1 1,0-1-1,0 1 0,0 0 1,-1-1-1,1 1 0,0 0 0,0 0 1,0 0-1,0 1 0,-1-1 1,1 0-1,3 2 0,-4-2-18,1 0 13,1 1-1,0 0 1,0 0 0,0 0 0,-1 0-1,1 1 1,-1-1 0,1 1 0,-1 0-1,4 2 1,2 2 26,5 4 13,1 1 0,-2 1 0,0 0 0,21 27 0,3 10-2010,-6 0-5548</inkml:trace>
+</inkml:ink>
+</file>
+
+<file path=ppt/ink/ink108.xml><?xml version="1.0" encoding="utf-8"?>
+<inkml:ink xmlns:inkml="http://www.w3.org/2003/InkML">
+  <inkml:definitions>
+    <inkml:context xml:id="ctx0">
+      <inkml:inkSource xml:id="inkSrc0">
+        <inkml:traceFormat>
+          <inkml:channel name="X" type="integer" min="-2.14748E9" max="2.14748E9" units="cm"/>
+          <inkml:channel name="Y" type="integer" min="-2.14748E9" max="2.14748E9" units="cm"/>
+          <inkml:channel name="F" type="integer" max="32767" units="dev"/>
+        </inkml:traceFormat>
+        <inkml:channelProperties>
+          <inkml:channelProperty channel="X" name="resolution" value="1000" units="1/cm"/>
+          <inkml:channelProperty channel="Y" name="resolution" value="1000" units="1/cm"/>
+          <inkml:channelProperty channel="F" name="resolution" value="0" units="1/dev"/>
+        </inkml:channelProperties>
+      </inkml:inkSource>
+      <inkml:timestamp xml:id="ts0" timeString="2023-09-16T03:56:00.163"/>
+    </inkml:context>
+    <inkml:brush xml:id="br0">
+      <inkml:brushProperty name="width" value="0.05" units="cm"/>
+      <inkml:brushProperty name="height" value="0.05" units="cm"/>
+    </inkml:brush>
+  </inkml:definitions>
+  <inkml:trace contextRef="#ctx0" brushRef="#br0">1 91 952,'0'-4'287,"0"-1"0,1 1 0,0-1-1,-1 1 1,2-1 0,-1 1 0,0 0 0,1-1 0,0 1-1,0 0 1,0 0 0,0 0 0,1 0 0,0 1-1,0-1 1,0 1 0,0 0 0,0-1 0,5-2 0,-5 5-178,0-1 0,0 1 1,0 0-1,0 0 1,0 1-1,0-1 0,0 1 1,1-1-1,-1 1 1,0 0-1,0 0 0,1 1 1,-1-1-1,0 0 1,0 1-1,0 0 0,0 0 1,4 2-1,6 2 157,-1 0-1,21 13 1,-15-6-86,0 1 1,-2 0-1,1 1 1,-1 1-1,-1 0 0,-1 1 1,18 26-1,-17-19-34,-1 0-1,0 1 1,-2 0-1,-2 1 1,13 40-1,-19-52-90,-1-1-1,-1 1 0,0 0 0,-1 0 0,0 0 1,-1 0-1,-3 18 0,3-25-46,-1 0 1,0 0-1,-1-1 0,1 1 0,-1 0 1,0-1-1,0 0 0,-1 1 0,0-1 1,0 0-1,0 0 0,0-1 1,-1 1-1,0-1 0,0 1 0,0-1 1,-1-1-1,-5 5 0,8-7 1,1 0-1,-1-1 1,1 0 0,-1 1-1,1-1 1,-1 0 0,1 0-1,-1 0 1,0 0 0,1 0-1,-1 0 1,1-1 0,-1 1-1,1 0 1,-1-1-1,1 1 1,-1-1 0,1 0-1,-1 1 1,1-1 0,0 0-1,-1 0 1,1 0 0,0 0-1,0 0 1,0 0 0,-1 0-1,1-1 1,-1-1 0,0-1 2,0 0 1,0 0-1,0 0 1,0 0-1,1 0 1,0 0 0,0-1-1,0 1 1,0 0-1,1-1 1,0 1 0,0-6-1,0-1 8,1-1-1,0 1 1,5-18-1,2 1-2,1 1 0,2 0 0,0 0 0,19-30-1,-5 16-215,54-68-1,-68 96 47,0 0-1,0 0 0,1 1 1,1 1-1,0 0 1,17-11-1,-30 22 140,1 0 0,-1-1 0,1 1 0,0 0 0,-1-1 0,1 1 0,-1 0 0,1 0 0,0-1 0,-1 1 0,1 0 0,0 0 0,-1 0 0,1 0 1,-1 0-1,1 0 0,0 0 0,-1 0 0,1 0 0,0 1 0,-1-1 0,1 0 0,0 0 0,-1 0 0,1 1 0,0-1 0,0 1 5,0 0 1,-1 0-1,1 0 1,0 0-1,0 0 1,-1 0-1,1 0 1,-1 0-1,1 1 1,-1-1-1,1 0 0,-1 0 1,0 2-1,2 5 12,-2 1 0,1 0 0,-1 10 0,-1-12-40,2 29 21,8 66 0,-8-91 21,2 1 0,0-1-1,0 0 1,1 1 0,0-2 0,1 1 0,0 0-1,1-1 1,10 15 0,-14-22 11,0-1 0,0 0 1,0 1-1,0-1 0,0 0 0,1 0 1,-1-1-1,1 1 0,-1 0 0,1-1 1,-1 0-1,1 1 0,0-1 0,0 0 1,-1 0-1,1-1 0,0 1 0,0-1 1,0 1-1,0-1 0,0 0 0,0 0 1,0 0-1,0 0 0,0-1 0,0 1 0,5-3 1,-6 2 36,0 0 1,-1 0 0,1 0 0,0-1-1,0 1 1,-1-1 0,1 1-1,0-1 1,-1 0 0,0 0-1,1 0 1,-1 0 0,0 1-1,0-2 1,1-2 0,8-31 523,-8 24-419,-1 0 1,-1-1-1,0 1 0,-1 0 0,0 0 1,-1 0-1,0 0 0,-1 0 0,0 0 1,-1 0-1,-9-19 0,4 13-259,-1 0 1,0 1-1,-1 1 0,-1-1 0,0 2 0,-21-21 0,30 34-865,1 1 0,0-1-1,-1 0 1,0 1 0,1-1 0,-6-1-1,6 2 915</inkml:trace>
+</inkml:ink>
+</file>
+
+<file path=ppt/ink/ink109.xml><?xml version="1.0" encoding="utf-8"?>
+<inkml:ink xmlns:inkml="http://www.w3.org/2003/InkML">
+  <inkml:definitions>
+    <inkml:context xml:id="ctx0">
+      <inkml:inkSource xml:id="inkSrc0">
+        <inkml:traceFormat>
+          <inkml:channel name="X" type="integer" min="-2.14748E9" max="2.14748E9" units="cm"/>
+          <inkml:channel name="Y" type="integer" min="-2.14748E9" max="2.14748E9" units="cm"/>
+          <inkml:channel name="F" type="integer" max="32767" units="dev"/>
+        </inkml:traceFormat>
+        <inkml:channelProperties>
+          <inkml:channelProperty channel="X" name="resolution" value="1000" units="1/cm"/>
+          <inkml:channelProperty channel="Y" name="resolution" value="1000" units="1/cm"/>
+          <inkml:channelProperty channel="F" name="resolution" value="0" units="1/dev"/>
+        </inkml:channelProperties>
+      </inkml:inkSource>
+      <inkml:timestamp xml:id="ts0" timeString="2023-09-16T03:56:00.893"/>
+    </inkml:context>
+    <inkml:brush xml:id="br0">
+      <inkml:brushProperty name="width" value="0.05" units="cm"/>
+      <inkml:brushProperty name="height" value="0.05" units="cm"/>
+    </inkml:brush>
+  </inkml:definitions>
+  <inkml:trace contextRef="#ctx0" brushRef="#br0">1 55 1096,'2'3'1091,"26"54"3011,18 29-1444,-41-77-2405,1-1 0,1 0 1,-1 0-1,1-1 1,0 1-1,16 11 0,-20-18-210,0 1 0,0-1-1,0 0 1,0 0 0,0 0 0,0 0-1,0-1 1,0 1 0,0-1-1,0 0 1,0 0 0,0 0 0,0 0-1,0 0 1,1-1 0,4-1-1,1 0 10,0-1-1,0 0 1,-1-1-1,11-5 1,42-31 160,6-3 38,-65 43-243,-1-1 0,1 1 0,-1-1 1,1 1-1,0 0 0,-1-1 0,1 1 0,-1 0 0,1 0 0,0 0 0,-1 0 0,1 1 0,-1-1 0,1 0 0,-1 1 0,1-1 0,1 1 0,-1 0-13,1 0 4,-1 0 0,0 0 0,0 0 0,0 1 0,0-1 0,0 0 0,0 1-1,0 0 1,0-1 0,-1 1 0,3 2 0,15 13-567,-15-14 488,-1-1-1,1-1 1,0 1-1,0 0 1,0-1 0,0 0-1,0 0 1,0 0-1,7 0 1,-8-1 30,0-1 2,9-1 28,-9 2 31,-1-1 36,10-3 26,-10 3 10,1 1-10,-2 0-38,1-1-1,-1 1 1,1 0-1,0 0 1,-1 0 0,1 0-1,-1 1 1,1-1-1,-1 0 1,1 1-1,-1-1 1,1 1-1,-1-1 1,1 1-1,-1 0 1,1 0-1,-1 0 1,0 0-1,0 0 1,1 0-1,-1 0 1,0 0-1,0 0 1,0 0 0,0 0-1,0 1 1,0-1-1,-1 1 1,1-1-1,0 0 1,0 3-1,2 6 28,0 0 0,0 0 0,-1 0-1,1 10 1,0-2 12,24 142 322,24 113 7,-45-247-368,30 124 150,-36-147-110,-3-9-73,-8-25 31,1 0 0,-12-65 1,13 52 29,-34-297 754,41 311-705,1 0-1,1 0 0,2 0 0,2 0 0,0 0 1,16-52-1,-18 75-79,2-1 1,-1 1-1,1 0 1,0 0-1,0 0 1,1 1-1,0-1 1,0 1-1,0 0 1,1 1-1,0-1 1,0 1-1,13-8 1,-14 10-18,0 0 0,-1 1 0,1 0 0,0 0 0,0 0 1,0 1-1,1 0 0,-1 0 0,0 0 0,0 0 1,1 1-1,-1 0 0,0 0 0,1 1 0,-1-1 0,0 1 1,0 0-1,1 0 0,-1 1 0,0 0 0,8 3 0,-10-2-6,1-1 0,0 1 0,-1-1 0,0 1-1,0 0 1,0 0 0,0 0 0,0 1-1,0-1 1,-1 1 0,0 0 0,0-1-1,0 1 1,0 0 0,0 0 0,-1 1 0,0-1-1,0 0 1,0 0 0,0 0 0,-1 1-1,1-1 1,-1 0 0,-1 6 0,1 3 2,-2 1 0,1-1 0,-2 1 1,0-1-1,0 0 0,-8 18 1,3-14-61,-1 0 0,0-1 0,-1 0 0,-1 0 0,0-1 0,-1 0 0,-1-1 0,0 0 0,-26 19 0,10-11-965,-34 20-1,-32 12-4842,53-32 2205</inkml:trace>
+</inkml:ink>
+</file>
+
 <file path=ppt/ink/ink11.xml><?xml version="1.0" encoding="utf-8"?>
 <inkml:ink xmlns:inkml="http://www.w3.org/2003/InkML">
   <inkml:definitions>
@@ -209,6 +490,277 @@
 </inkml:ink>
 </file>
 
+<file path=ppt/ink/ink110.xml><?xml version="1.0" encoding="utf-8"?>
+<inkml:ink xmlns:inkml="http://www.w3.org/2003/InkML">
+  <inkml:definitions>
+    <inkml:context xml:id="ctx0">
+      <inkml:inkSource xml:id="inkSrc0">
+        <inkml:traceFormat>
+          <inkml:channel name="X" type="integer" min="-2.14748E9" max="2.14748E9" units="cm"/>
+          <inkml:channel name="Y" type="integer" min="-2.14748E9" max="2.14748E9" units="cm"/>
+          <inkml:channel name="F" type="integer" max="32767" units="dev"/>
+        </inkml:traceFormat>
+        <inkml:channelProperties>
+          <inkml:channelProperty channel="X" name="resolution" value="1000" units="1/cm"/>
+          <inkml:channelProperty channel="Y" name="resolution" value="1000" units="1/cm"/>
+          <inkml:channelProperty channel="F" name="resolution" value="0" units="1/dev"/>
+        </inkml:channelProperties>
+      </inkml:inkSource>
+      <inkml:timestamp xml:id="ts0" timeString="2023-09-16T03:56:18.508"/>
+    </inkml:context>
+    <inkml:brush xml:id="br0">
+      <inkml:brushProperty name="width" value="0.05" units="cm"/>
+      <inkml:brushProperty name="height" value="0.05" units="cm"/>
+    </inkml:brush>
+  </inkml:definitions>
+  <inkml:trace contextRef="#ctx0" brushRef="#br0">4539 863 1176,'-5'-13'8162,"5"13"-8136,0-1 0,0 1 0,0 0 0,0-1 0,0 1-1,0 0 1,0 0 0,0-1 0,0 1 0,1 0 0,-1-1 0,0 1 0,0 0-1,0 0 1,0-1 0,0 1 0,1 0 0,-1-1 0,0 1 0,0 0 0,0 0-1,1 0 1,-1-1 0,0 1 0,0 0 0,1 0 0,-1 0 0,0 0 0,1-1 0,-1 1-1,0 0 1,0 0 0,1 0 0,-1 0 0,0 0 0,1 0 0,-1 0 0,0 0-1,1 0 1,-1 0 0,0 0 0,1 0 0,11 9 988,-8-5-1289,1 1 350,-1 0-1,0 1 1,0 0-1,0 0 0,0 0 1,-1 0-1,0 1 0,2 6 1,2 5 34,0-3-17,0 0-1,-2 0 1,1 1-1,-2 0 1,0 0 0,-1 1-1,-1-1 1,-1 1-1,0-1 1,-1 1-1,-1-1 1,0 1 0,-1-1-1,-1 1 1,0-1-1,-2 0 1,1 0-1,-2-1 1,-8 17 0,-6 4-24,-2-1 1,-1 0 0,-2-2-1,-1-1 1,-2-1 0,-41 36-1,40-42-36,-1-1-1,-1-2 1,-1-1-1,-45 22 1,29-21-10,0-1 1,-82 21-1,26-15 23,-118 35-19,149-42-13,0-2-1,0-4 1,-77 5 0,-74-14-12,204-5-3,-15-3-1,-69-13 1,88 13 1,-256-59 45,203 42-25,-124-54 0,139 45 23,1-3-1,2-2 1,-57-48 0,-66-58 1,-32-28 91,139 109-65,18 14-7,-57-38-1,1 7-1,33 23 6,-91-50-1,8 13-15,127 76-60,-41-15-1,11 6 27,3 2 35,-96-24 0,96 30-7,-34-11 34,-41-11 264,99 31-248,-37-3-1,26 5-12,28 5-84,11-1 4,0 1 5,0 0-4,-35 22-17,36-22 18,-5 10-5,4-5 10,0 1-1,0 0 1,1-1-1,0 1 1,1 0-1,-1 0 1,1 0-1,1 1 1,-1-1-1,2 13 1,-1-2 23,0-2 18,2 78 369,-1-92-348,-1 1-8,3 42 266,-3-42-274,0-2 148,2 15-315,-2-9 621,-2-9 1185,-10-21-1681,9 18 2,-7-19 33,2-4-29,4 14 3,3 2-5,1 10-15,-1-15-2,1 13 9,3-14-12,1 0 0,0 0 1,1 0-1,1 1 0,16-33 1,4 5 12,2 1 1,2 1-1,56-61 1,-71 86-32,-1 1 26,21-18 0,-34 34-10,0 0 8,0 1-1,0-1 0,0 0 0,0 0 0,0 1 0,0-1 1,0 0-1,0 0 0,0 0 0,-1 0 0,2-2 0,3-4-8,1 2 16,-4 3-4,7-7-12,-4 3 8,-4 4-3,0 1 4,4-5-1,-3 4 3,1-1 7,1 0 0,-1-1 0,0 1 0,0-1 0,4-7 0,18-26 27,-24 35-30,-6 8-66,-89 88 100,77-79-50,0 1-1,-23 30 1,-2 4 11,17-21-4,21-23-6,3-3 9,-1 0 1,0 0 0,0-1-1,1 1 1,-1-1 0,-1 1-1,-3 3 1,-25 26 18,30-31-16,-10 11-15,-7 4 1,1 0 0,-24 29 0,18-21 9,17-18-1,5-5-4,0 0-7,-5 6 7,5-6-12,-1 1-22,-11 11 137,13-12-91,0-1 1,0 0 0,0 0-1,-1 1 1,1-1 0,0 0 0,0 0-1,0 1 1,0-1 0,-1 0-1,1 0 1,0 1 0,0-1 0,-1 0-1,1 0 1,0 0 0,-1 0-1,1 0 1,0 1 0,0-1 0,-1 0-1,1 0 1,0 0 0,-1 0-1,1 0 1,0 0 0,-1 0 0,1 0-1,0 0 1,0 0 0,-1 0-1,1 0 1,0 0 0,-1 0 0,1 0-1,0-1 1,0 1 0,-1 0-1,1 0 1,0 0 0,-1-1 0,-5-16-8,4 13-4,34 7-136,-21 1 138,170 122 45,-154-107-28,18 19 124,0 1 0,-3 2 0,40 50 0,-55-57 385,-26-32 1,4 2-377,-4-3 0,-4-3 762,-229-234-590,145 158-333,34 43 5,52 34 6,-2 0 2,1 1 1,0-1-1,-1 1 0,1-1 1,0 0-1,0 0 0,0 0 1,-4-3-1,-15-7-24,19 10 17,2 1-7,0 0 11,0 0 0,-1 0-1,1 0 1,0 0 0,0 0 0,0 0 0,-1 0 0,1 0-1,0 0 1,0 0 0,0 0 0,0 1 0,-1-1-1,1 0 1,0 0 0,0 0 0,0 0 0,0 0 0,-1 0-1,1 0 1,0 1 0,0-1 0,0 0 0,0 0-1,0 0 1,0 0 0,0 1 0,-1-1 0,1 0 0,0 0-1,0 0 1,0 0 0,0 1 0,0-1 0,0 0-1,0 0 1,0 0 0,0 1 0,0-1 0,0 0 0,0 0-1,0 0 1,0 1 0,0-1 0,0 0 0,0 0 0,0 0-1,1 1 1,-1-1 0,0 0 0,0 0 0,0 0-1,0 0 1,0 1 0,12 18-28,25 26 38,38 39-7,91 78 0,19-7 144,-183-154-11,-2 0-115,11 5 338,-7-4 35,-5-4 171,-219-236-378,36 77-215,147 130-9,35 30 32,1 0 7,0 1 0,0 0 0,0-1 0,0 1 0,0-1 0,0 1 0,0-1 0,1 0 0,-1 1 0,0-1 0,0 0 0,0 1 0,0-3 0,-12-7-33,12 8 29,-1 1 5,-5-4-6,6 4 2,0-1 12,-4-5-2,3 6 2,2 0-16,-1 0 7,1 1 1,0-1-1,-1 0 0,1 1 0,0-1 1,-1 0-1,1 0 0,0 1 0,0-1 1,0 0-1,-1 0 0,1 0 0,0 1 1,0-1-1,0 0 0,0 0 0,1 1 1,-1-1-1,0 0 0,0-1 0,3-12-2,-2 8 1,1-1-1,0 1 1,1 0 0,-1 0 0,1 0-1,0 1 1,5-7 0,1-4-1,11-17 1,1 1 0,33-38 1,57-54-5,-94 105 6,42-41-7,37-43-9,-56 60 11,-39 42 10,0 0-4,-1 1-1,1 0 1,0-1-1,-1 1 0,1-1 1,-1 1-1,1-1 1,-1 1-1,1-1 1,-1 1-1,1-1 1,-1 1-1,1-1 0,-1 0 1,1 1-1,-1-1 1,0 0-1,1 0 1,7-9 4,-5 8 1,6-11 0,-7 12-8,-2 1-19,0 0 21,1-1 1,-1 1-1,0 0 0,1 0 0,-1 0 0,0 0 1,1-1-1,-1 1 0,0 0 0,1 0 0,-1 0 1,0-1-1,0 1 0,1 0 0,-1-1 0,0 1 1,0 0-1,0-1 0,1 1 0,-1 0 0,0-1 1,0 1-1,0 0 0,0-1 0,0 0 0,7-9-6,-6 8 10,-6 7-614,-112 99-3032,34-35-6214,62-50 4929</inkml:trace>
+</inkml:ink>
+</file>
+
+<file path=ppt/ink/ink111.xml><?xml version="1.0" encoding="utf-8"?>
+<inkml:ink xmlns:inkml="http://www.w3.org/2003/InkML">
+  <inkml:definitions>
+    <inkml:context xml:id="ctx0">
+      <inkml:inkSource xml:id="inkSrc0">
+        <inkml:traceFormat>
+          <inkml:channel name="X" type="integer" min="-2.14748E9" max="2.14748E9" units="cm"/>
+          <inkml:channel name="Y" type="integer" min="-2.14748E9" max="2.14748E9" units="cm"/>
+          <inkml:channel name="F" type="integer" max="32767" units="dev"/>
+        </inkml:traceFormat>
+        <inkml:channelProperties>
+          <inkml:channelProperty channel="X" name="resolution" value="1000" units="1/cm"/>
+          <inkml:channelProperty channel="Y" name="resolution" value="1000" units="1/cm"/>
+          <inkml:channelProperty channel="F" name="resolution" value="0" units="1/dev"/>
+        </inkml:channelProperties>
+      </inkml:inkSource>
+      <inkml:timestamp xml:id="ts0" timeString="2023-09-16T03:56:25.308"/>
+    </inkml:context>
+    <inkml:brush xml:id="br0">
+      <inkml:brushProperty name="width" value="0.05" units="cm"/>
+      <inkml:brushProperty name="height" value="0.05" units="cm"/>
+    </inkml:brush>
+  </inkml:definitions>
+  <inkml:trace contextRef="#ctx0" brushRef="#br0">187 199 844,'0'0'837,"-2"-1"-26,-37-26 3916,26 19-3032,0-1-1,-18-15 0,29 22-1602,0 0 0,0 1 0,1-1 0,-1 0 0,1 0 0,-1 0 0,1 0 0,0 0 0,-1 0 0,1 0 0,0-1 0,1 1 0,-1 0 0,0-1 0,1 1 0,-1 0 0,1-1 0,0 1 0,0-1 0,0 1 0,0-1 0,0 1 0,0-1 0,1 1 0,-1 0 0,1-1-1,-1 1 1,1 0 0,0-1 0,2-3 0,0 2-41,0 0 1,1 0-1,-1 0 0,1 0 0,-1 0 0,1 1 0,0 0 1,0 0-1,1 0 0,-1 0 0,1 1 0,-1-1 0,9-2 0,-10 4-33,1-1 0,-1 1 0,1 0 0,-1 0-1,1 1 1,0-1 0,-1 1 0,1 0-1,0 0 1,0 0 0,-1 0 0,1 0 0,0 1-1,-1 0 1,1 0 0,-1 0 0,1 0-1,-1 0 1,1 1 0,-1 0 0,0-1-1,1 1 1,-1 0 0,0 1 0,4 3 0,-4-2-4,0 0 0,-1 0 1,1 0-1,-1 0 1,1 0-1,-1 1 0,-1-1 1,1 1-1,-1-1 1,0 1-1,0 0 0,0 0 1,0-1-1,-1 1 1,0 0-1,0 0 0,0 0 1,-1 0-1,0 5 1,-5 14 12,0-1 0,-1 0 1,-1-1-1,-1 0 1,-1 0-1,-14 20 1,2-7 17,-1 0 0,-46 51 0,49-66-38,13-13-3,1-1 1,-1 1-1,1 1 1,1-1-1,0 1 1,0 0-1,-6 13 1,10-20-12,3 2-4,5 10 13,5-6 16,-2-4-85,-1 0 1,1-1 0,0 0 0,1-1-1,-1 0 1,0 0 0,0-1 0,0-1 0,0 0-1,0 0 1,14-4 0,0-1-773,-1-1-1,1-1 1,35-18 0,-3-7-5119,-37 21 2844</inkml:trace>
+</inkml:ink>
+</file>
+
+<file path=ppt/ink/ink112.xml><?xml version="1.0" encoding="utf-8"?>
+<inkml:ink xmlns:inkml="http://www.w3.org/2003/InkML">
+  <inkml:definitions>
+    <inkml:context xml:id="ctx0">
+      <inkml:inkSource xml:id="inkSrc0">
+        <inkml:traceFormat>
+          <inkml:channel name="X" type="integer" min="-2.14748E9" max="2.14748E9" units="cm"/>
+          <inkml:channel name="Y" type="integer" min="-2.14748E9" max="2.14748E9" units="cm"/>
+          <inkml:channel name="F" type="integer" max="32767" units="dev"/>
+        </inkml:traceFormat>
+        <inkml:channelProperties>
+          <inkml:channelProperty channel="X" name="resolution" value="1000" units="1/cm"/>
+          <inkml:channelProperty channel="Y" name="resolution" value="1000" units="1/cm"/>
+          <inkml:channelProperty channel="F" name="resolution" value="0" units="1/dev"/>
+        </inkml:channelProperties>
+      </inkml:inkSource>
+      <inkml:timestamp xml:id="ts0" timeString="2023-09-16T03:56:25.862"/>
+    </inkml:context>
+    <inkml:brush xml:id="br0">
+      <inkml:brushProperty name="width" value="0.05" units="cm"/>
+      <inkml:brushProperty name="height" value="0.05" units="cm"/>
+    </inkml:brush>
+  </inkml:definitions>
+  <inkml:trace contextRef="#ctx0" brushRef="#br0">1 13 920,'5'-12'9270,"-4"123"-7152,4-64-1147,-5-45-755,0 0 8,2 16 1028,-2-18-1228,0 1-1,0-1 1,1 0-1,-1 0 1,0 0-1,0 0 1,0 0 0,0 0-1,0 0 1,0 0-1,1 0 1,-1 0-1,0 0 1,0 0-1,0 0 1,0 0 0,0 0-1,0 0 1,1 0-1,-1 0 1,0 0-1,0 0 1,0 0-1,0 0 1,0 0 0,0 0-1,1 0 1,-1 0-1,0 0 1,0-1-1,0 1 1,0 0-1,0 0 1,0 0 0,0 0-1,0 0 1,1 0-1,-1 0 1,0 0-1,0-1 1,0 1 0,0 0-1,0 0 1,0 0-1,0 0 1,0 0-1,0 0 1,0-1-1,0 1 1,0 0 0,0 0-1,0 0 1,0 0-1,13-36 1682,-7 19-1777,7-22 462,-13 37-350,1 0 2,3-7 4,-3 7-16,-1 1-22,1 1-1,-1-1 1,0 1-1,1-1 1,-1 1 0,1-1-1,-1 1 1,1 0-1,-1-1 1,1 1-1,-1 0 1,1-1-1,-1 1 1,1 0-1,0 0 1,-1-1-1,1 1 1,-1 0-1,1 0 1,0 0-1,12 2-22,-10-2 46,0 1-18,9 3-11,-9-3-1,10 3 35,-3-4-22,-4-1-11,0 1 0,0-1 0,0 0 1,0 0-1,-1-1 0,10-3 0,9-2-37,-11 4 40,-6 1-19,1 0 1,-1 0-1,1 1 1,0 1 0,11-1-1,-6 3-306,-1 1-1,0-1 1,0 2 0,20 8-1,-27-10-159,0 1-1,1-1 1,-1 0-1,1-1 1,-1 1-1,7 0 1,11 0-6292,-2 0 3668</inkml:trace>
+</inkml:ink>
+</file>
+
+<file path=ppt/ink/ink113.xml><?xml version="1.0" encoding="utf-8"?>
+<inkml:ink xmlns:inkml="http://www.w3.org/2003/InkML">
+  <inkml:definitions>
+    <inkml:context xml:id="ctx0">
+      <inkml:inkSource xml:id="inkSrc0">
+        <inkml:traceFormat>
+          <inkml:channel name="X" type="integer" min="-2.14748E9" max="2.14748E9" units="cm"/>
+          <inkml:channel name="Y" type="integer" min="-2.14748E9" max="2.14748E9" units="cm"/>
+          <inkml:channel name="F" type="integer" max="32767" units="dev"/>
+        </inkml:traceFormat>
+        <inkml:channelProperties>
+          <inkml:channelProperty channel="X" name="resolution" value="1000" units="1/cm"/>
+          <inkml:channelProperty channel="Y" name="resolution" value="1000" units="1/cm"/>
+          <inkml:channelProperty channel="F" name="resolution" value="0" units="1/dev"/>
+        </inkml:channelProperties>
+      </inkml:inkSource>
+      <inkml:timestamp xml:id="ts0" timeString="2023-09-16T03:56:27.083"/>
+    </inkml:context>
+    <inkml:brush xml:id="br0">
+      <inkml:brushProperty name="width" value="0.05" units="cm"/>
+      <inkml:brushProperty name="height" value="0.05" units="cm"/>
+    </inkml:brush>
+  </inkml:definitions>
+  <inkml:trace contextRef="#ctx0" brushRef="#br0">1 347 856,'0'0'1351,"2"-1"-790,32-18 2309,-21 12-2241,0 0 0,17-13 1,-26 16-444,1 1 1,-1-1 0,0 0 0,-1-1 0,1 1-1,-1-1 1,0 0 0,0 0 0,0 0-1,2-6 1,-4 8-73,-1 0 0,1 0 0,-1 0 0,0 0-1,1 0 1,-1 0 0,-1 0 0,1 0 0,0 0 0,-1 0 0,0 0-1,-1-4 1,1 3 19,1 4-127,0 0 1,0 0-1,-1 0 1,1-1-1,0 1 1,0 0-1,0 0 1,0 0-1,0-1 1,0 1-1,0 0 0,0 0 1,0 0-1,0 0 1,0-1-1,-1 1 1,1 0-1,0 0 1,0 0-1,0 0 1,0 0-1,0-1 1,-1 1-1,1 0 0,0 0 1,0 0-1,0 0 1,-1 0-1,1 0 1,0 0-1,0 0 1,0 0-1,-1 0 1,1 0-1,0 0 0,0 0 1,0 0-1,-1 0 1,1 0-1,0 0 1,-13 3 232,-2 5-124,13-7-109,1-1 0,0 1 0,0 0 0,0 0 0,0 0 0,0 0 0,0 0 0,0 0 0,0 0 0,0 0 0,0 0 1,1 1-1,-1-1 0,0 0 0,0 2 0,-1 2 15,0-2-27,1-1 0,0 0 0,0 1 0,0-1-1,0 1 1,0-1 0,0 1 0,0-1 0,1 1-1,0 0 1,-1-1 0,1 1 0,0 0 0,0-1-1,0 1 1,1 0 0,-1-1 0,1 1 0,-1-1 0,1 1-1,0-1 1,0 1 0,0-1 0,0 1 0,1-1-1,-1 0 1,1 1 0,-1-1 0,1 0 0,0 0-1,2 2 1,1 1-66,1-1 0,-1 1 0,1-1 0,0 0-1,0 0 1,1-1 0,-1 0 0,1 0 0,-1 0 0,13 2-1,14-2-99,-31-3 172,0 0 0,0 0 1,0 0-1,-1 0 0,1-1 0,0 1 0,0-1 0,0 1 0,0-1 0,-1 0 1,1 0-1,0 0 0,0 0 0,-1 0 0,1 0 0,1-2 0,-2 2 70,2-1 5,-1 0 0,1 0 0,-1 0-1,1 0 1,-1-1 0,0 1-1,0-1 1,2-3 0,-2 4-70,-1 1 239,2 3-223,2 3-9,-1 1 0,1-1 0,-1 1 0,0 0 0,-1 0 0,1 0 0,2 9 0,-3-9-9,12 30 41,-15-33-24,1-2 186,4 12-522,-5-13 399,0 0 0,0 1 0,0-1-1,0 0 1,0 0 0,0 1 0,0-1-1,0 0 1,1 0 0,-1 1-1,0-1 1,0 0 0,0 0 0,0 0-1,1 1 1,-1-1 0,0 0 0,0 0-1,0 0 1,1 1 0,-1-1-1,0 0 1,0 0 0,1 0 0,-1 0-1,0 0 1,0 0 0,1 1 0,-1-1-1,0 0 1,0 0 0,1 0-1,-1 0 1,0 0 0,0 0 0,1 0-1,-1 0 1,16-14 46,-12 11 7,0-11 103,-2 8-118,0 0-1,1-1 1,0 1 0,4-8-1,-4 9-41,-2 3-48,16-14 25,-15 16-48,1 0-3,0 0 0,0-1 0,-1 2 0,1-1-1,0 0 1,0 0 0,0 1 0,-1 0-1,1-1 1,0 1 0,-1 0 0,1 0-1,0 1 1,2 1 0,1 0-3,-4-2 6,31 15-16,-24-15 20,-6 0 3,0-2-4,10 0 8,-10 0 3,-1 1-11,8-2-16,-4 0-2,0 1-1,1-1 1,-1 1-1,1 1 0,8 0 1,-8 0-2,0 1 1,0 0-1,-1 0 0,1 1 1,0 0-1,10 5 1,12 2-95,-24-8 33,1 0 0,-1-1-1,1 1 1,-1-1 0,1 0-1,0-1 1,-1 0 0,1 1 0,-1-2-1,0 1 1,9-4 0,-10 3 37,1 0 0,-1-1 0,0 0 0,0 1 0,-1-2 0,1 1 0,-1 0 0,1-1 0,-1 1 0,0-1 0,0 0 0,-1 0 0,3-5 0,7-17-12,-1-1-1,-1 0 0,-2-1 0,6-31 0,-7 32 13,18-100-157,-25 125 161,-2 6-76,-19 38 6,-25 80 0,40-105 37,1 1-1,1 0 1,-2 23-1,6-38 61,1-1-1,-1 0 0,0 0 1,1 0-1,-1 0 0,1 0 1,0 0-1,0 0 0,0 0 1,0 0-1,0 0 0,0 0 1,0 0-1,4 3 0,22 21-32,-24-24 32,69 51-57,-42-28 32,-30-25 25,1 1 0,-1-1 0,0 0 0,0 1 0,1-1 0,-1 0-1,0 1 1,0-1 0,0 1 0,1-1 0,-1 0 0,0 1 0,0-1 0,0 1-1,0-1 1,0 1 0,0-1 0,0 1 0,0-1 0,0 0 0,0 1 0,0-1-1,0 1 1,0-1 0,0 1 0,-1-1 0,1 0 0,0 1 0,0-1 0,0 1-1,-1-1 1,1 0 0,0 1 0,-1-1 0,1 0 0,0 1 0,0-1 0,-1 0-1,1 1 1,-1-1 0,1 0 0,0 0 0,-1 1 0,1-1 0,-1 0 0,1 0-1,0 0 1,-1 0 0,-2 2-12,0 1-150,2-3-112,-1 0 226,1 0 0,0 0 1,-1 0-1,1 0 0,0-1 1,-1 1-1,1 0 0,0-1 1,-2 0-1,-1 0-71,0 0-318,1 0-714,-9-2 322,9 2-698</inkml:trace>
+</inkml:ink>
+</file>
+
+<file path=ppt/ink/ink114.xml><?xml version="1.0" encoding="utf-8"?>
+<inkml:ink xmlns:inkml="http://www.w3.org/2003/InkML">
+  <inkml:definitions>
+    <inkml:context xml:id="ctx0">
+      <inkml:inkSource xml:id="inkSrc0">
+        <inkml:traceFormat>
+          <inkml:channel name="X" type="integer" min="-2.14748E9" max="2.14748E9" units="cm"/>
+          <inkml:channel name="Y" type="integer" min="-2.14748E9" max="2.14748E9" units="cm"/>
+          <inkml:channel name="F" type="integer" max="32767" units="dev"/>
+        </inkml:traceFormat>
+        <inkml:channelProperties>
+          <inkml:channelProperty channel="X" name="resolution" value="1000" units="1/cm"/>
+          <inkml:channelProperty channel="Y" name="resolution" value="1000" units="1/cm"/>
+          <inkml:channelProperty channel="F" name="resolution" value="0" units="1/dev"/>
+        </inkml:channelProperties>
+      </inkml:inkSource>
+      <inkml:timestamp xml:id="ts0" timeString="2023-09-16T03:56:27.474"/>
+    </inkml:context>
+    <inkml:brush xml:id="br0">
+      <inkml:brushProperty name="width" value="0.05" units="cm"/>
+      <inkml:brushProperty name="height" value="0.05" units="cm"/>
+    </inkml:brush>
+  </inkml:definitions>
+  <inkml:trace contextRef="#ctx0" brushRef="#br0">1 230 1684,'2'-1'783,"8"-4"-277,0 0 0,0 0-1,0-1 1,-1-1 0,0 1 0,0-1 0,-1-1-1,0 0 1,8-10 0,-11 12-295,0 0-1,0-1 1,-1 1 0,0-1-1,0 0 1,0-1-1,-1 1 1,-1-1 0,1 1-1,-1-1 1,0 0-1,-1 0 1,1-13 0,-1 19-117,-1 1 1,0-1 0,0 0 0,0 0 0,-1 0 0,1 1 0,0-1-1,-1 0 1,1 0 0,-1 0 0,1 1 0,-1-1 0,0 0 0,0 1-1,0-1 1,0 1 0,0-1 0,0 1 0,0-1 0,0 1-1,-1 0 1,-1-2 0,1 2 133,-2 3-29,-3 1-121,1 0 1,0 1-1,0-1 0,1 1 1,-1 1-1,1-1 0,-9 9 1,8-5-8,0 0 0,1 1 0,0-1 0,0 1 0,1 0 1,-4 10-1,7-16-124,0 0 0,0 0 0,0 0 0,0 0 0,1 0 0,-1 0 0,1 0 0,0 0 0,0 0 0,0 0 0,0 0 0,0 0 0,1 0 0,0 0 0,-1 0 0,1 0 0,0 0 0,0-1 0,1 1 0,-1 0 0,0 0 0,1-1 0,2 3 0,-1-2-362,-1-1-1,2 1 1,-1-1-1,0 0 0,0 0 1,1 0-1,-1-1 1,1 1-1,-1-1 1,1 0-1,0 0 1,-1 0-1,1 0 1,0-1-1,7 1 1,8-1-2400</inkml:trace>
+</inkml:ink>
+</file>
+
+<file path=ppt/ink/ink115.xml><?xml version="1.0" encoding="utf-8"?>
+<inkml:ink xmlns:inkml="http://www.w3.org/2003/InkML">
+  <inkml:definitions>
+    <inkml:context xml:id="ctx0">
+      <inkml:inkSource xml:id="inkSrc0">
+        <inkml:traceFormat>
+          <inkml:channel name="X" type="integer" min="-2.14748E9" max="2.14748E9" units="cm"/>
+          <inkml:channel name="Y" type="integer" min="-2.14748E9" max="2.14748E9" units="cm"/>
+          <inkml:channel name="F" type="integer" max="32767" units="dev"/>
+        </inkml:traceFormat>
+        <inkml:channelProperties>
+          <inkml:channelProperty channel="X" name="resolution" value="1000" units="1/cm"/>
+          <inkml:channelProperty channel="Y" name="resolution" value="1000" units="1/cm"/>
+          <inkml:channelProperty channel="F" name="resolution" value="0" units="1/dev"/>
+        </inkml:channelProperties>
+      </inkml:inkSource>
+      <inkml:timestamp xml:id="ts0" timeString="2023-09-16T03:56:27.857"/>
+    </inkml:context>
+    <inkml:brush xml:id="br0">
+      <inkml:brushProperty name="width" value="0.05" units="cm"/>
+      <inkml:brushProperty name="height" value="0.05" units="cm"/>
+    </inkml:brush>
+  </inkml:definitions>
+  <inkml:trace contextRef="#ctx0" brushRef="#br0">1 65 1444,'1'-3'746,"13"-31"1995,-14 33-2021,5-1-291,-4 1-403,-1 1 1,1 0-1,-1-1 1,0 1 0,1 0-1,-1 0 1,1 0 0,-1 0-1,1-1 1,-1 1-1,0 0 1,1 0 0,-1 0-1,1 0 1,-1 0-1,1 0 1,-1 0 0,1 0-1,-1 0 1,1 0 0,-1 1-1,0-1 1,1 0-1,-1 0 1,1 0 0,-1 0-1,0 1 1,1-1-1,-1 0 1,1 0 0,-1 1-1,8 5 53,-1 1-1,0 0 1,-1 0-1,1 0 1,-2 1-1,1 0 1,-1 0-1,0 0 1,-1 1-1,1 0 1,-2 0-1,1 0 1,-1 0-1,-1 0 0,0 1 1,2 15-1,-5-17-1,1 1-1,-1 0 1,0-1-1,-1 1 0,-2 9 1,2-14-3,1 0 0,-1 0 0,0 0 1,0 0-1,0-1 0,0 1 0,0 0 0,-1-1 1,0 0-1,0 1 0,-4 3 0,5-6-5,0 0-1,0-1 0,1 1 1,-1 0-1,0-1 1,0 1-1,0-1 0,0 0 1,0 1-1,0-1 1,-4 0-1,6 0-53,-3 0 367,0-3-205,1 1-128,-1-1-1,1 0 1,0 1-1,0-1 1,0 0-1,0 0 1,0 0-1,0 0 1,1-1 0,-2-5-1,3 6-29,0 1 0,0-1 0,0 0-1,1 0 1,-1 1 0,1-1 0,0 0 0,0 1 0,0-1 0,0 0-1,0 1 1,0-1 0,1 1 0,2-4 0,1-2 25,12-20-673,1 2-1,1 0 1,1 1-1,46-43 1,-46 46-2967,-11 14 1361</inkml:trace>
+</inkml:ink>
+</file>
+
+<file path=ppt/ink/ink116.xml><?xml version="1.0" encoding="utf-8"?>
+<inkml:ink xmlns:inkml="http://www.w3.org/2003/InkML">
+  <inkml:definitions>
+    <inkml:context xml:id="ctx0">
+      <inkml:inkSource xml:id="inkSrc0">
+        <inkml:traceFormat>
+          <inkml:channel name="X" type="integer" min="-2.14748E9" max="2.14748E9" units="cm"/>
+          <inkml:channel name="Y" type="integer" min="-2.14748E9" max="2.14748E9" units="cm"/>
+          <inkml:channel name="F" type="integer" max="32767" units="dev"/>
+        </inkml:traceFormat>
+        <inkml:channelProperties>
+          <inkml:channelProperty channel="X" name="resolution" value="1000" units="1/cm"/>
+          <inkml:channelProperty channel="Y" name="resolution" value="1000" units="1/cm"/>
+          <inkml:channelProperty channel="F" name="resolution" value="0" units="1/dev"/>
+        </inkml:channelProperties>
+      </inkml:inkSource>
+      <inkml:timestamp xml:id="ts0" timeString="2023-09-16T03:56:28.203"/>
+    </inkml:context>
+    <inkml:brush xml:id="br0">
+      <inkml:brushProperty name="width" value="0.05" units="cm"/>
+      <inkml:brushProperty name="height" value="0.05" units="cm"/>
+    </inkml:brush>
+  </inkml:definitions>
+  <inkml:trace contextRef="#ctx0" brushRef="#br0">176 1 1432,'0'0'3367,"-7"2"-2695,0 1-465,0 0 1,0 1 0,0 0 0,0 0-1,0 1 1,1 0 0,0 0 0,0 0-1,0 1 1,1 0 0,0 0 0,-6 8-1,7-6-85,1-1 0,0 0 0,0 1-1,0 0 1,1 0 0,0 0 0,0 9-1,0 6 191,1 26-1,0 16 142,0-40-234,2-22-192,-1 0 1,0 0-1,0 1 0,-1-1 1,1 0-1,0 0 0,-1 0 1,0 0-1,0 0 1,-1 3-1,0-2-17,0 1 0,0-1 0,0 0 0,0 0 0,-1 0 0,0 0 0,1 0-1,-2-1 1,-2 4 0,4-6-176,2-1 150,0 0-1,-1 0 0,1 0 1,0 0-1,-1 0 0,1 1 1,0-1-1,-1 0 1,1 0-1,0 0 0,-1 0 1,1 1-1,0-1 0,0 0 1,-1 0-1,1 1 0,0-1 1,0 0-1,-1 0 0,1 1 1,0-1-1,0 0 0,0 1 1,0-1-1,0 0 1,-1 1-1,1 0-44,0-1 1,-1 1-1,1 0 1,0-1-1,-1 1 0,1-1 1,-1 1-1,1 0 1,-1-1-1,1 1 0,-1-1 1,1 0-1,-1 1 1,0-1-1,0 1 1,-4 1-755</inkml:trace>
+</inkml:ink>
+</file>
+
+<file path=ppt/ink/ink117.xml><?xml version="1.0" encoding="utf-8"?>
+<inkml:ink xmlns:inkml="http://www.w3.org/2003/InkML">
+  <inkml:definitions>
+    <inkml:context xml:id="ctx0">
+      <inkml:inkSource xml:id="inkSrc0">
+        <inkml:traceFormat>
+          <inkml:channel name="X" type="integer" min="-2.14748E9" max="2.14748E9" units="cm"/>
+          <inkml:channel name="Y" type="integer" min="-2.14748E9" max="2.14748E9" units="cm"/>
+          <inkml:channel name="F" type="integer" max="32767" units="dev"/>
+        </inkml:traceFormat>
+        <inkml:channelProperties>
+          <inkml:channelProperty channel="X" name="resolution" value="1000" units="1/cm"/>
+          <inkml:channelProperty channel="Y" name="resolution" value="1000" units="1/cm"/>
+          <inkml:channelProperty channel="F" name="resolution" value="0" units="1/dev"/>
+        </inkml:channelProperties>
+      </inkml:inkSource>
+      <inkml:timestamp xml:id="ts0" timeString="2023-09-16T03:56:28.582"/>
+    </inkml:context>
+    <inkml:brush xml:id="br0">
+      <inkml:brushProperty name="width" value="0.05" units="cm"/>
+      <inkml:brushProperty name="height" value="0.05" units="cm"/>
+    </inkml:brush>
+  </inkml:definitions>
+  <inkml:trace contextRef="#ctx0" brushRef="#br0">240 11 1672,'-3'-11'4502,"1"16"-4157,-2 7-142,0 0 1,1 0 0,1 0 0,-1 0-1,0 24 1,3 70 602,1-86-690,8 168 953,-6-158-909,-1 22 356,-2-48-446,0-1 0,0 0 0,-1 1 0,1-1 0,-1 1 0,0-1 0,0 0 0,-1 0 0,1 0 0,0 1 0,-4 4 0,3-7-41,0 1 1,0 0 0,0-1 0,0 0-1,0 1 1,0-1 0,0 0 0,0 0-1,0 0 1,-1 0 0,1 0 0,0-1-1,-6 1 1,-26 2 102,27-4-210,-1 0 1,1 0-1,0-1 0,0 0 0,0 0 0,0 0 0,0-1 0,1 0 0,-1-1 0,1 1 0,0-1 0,-7-6 0,7 5-633,0 0 1,1 0-1,-1 0 0,1-1 0,1 0 1,-8-11-1,2-5-1865</inkml:trace>
+</inkml:ink>
+</file>
+
+<file path=ppt/ink/ink118.xml><?xml version="1.0" encoding="utf-8"?>
+<inkml:ink xmlns:inkml="http://www.w3.org/2003/InkML">
+  <inkml:definitions>
+    <inkml:context xml:id="ctx0">
+      <inkml:inkSource xml:id="inkSrc0">
+        <inkml:traceFormat>
+          <inkml:channel name="X" type="integer" min="-2.14748E9" max="2.14748E9" units="cm"/>
+          <inkml:channel name="Y" type="integer" min="-2.14748E9" max="2.14748E9" units="cm"/>
+          <inkml:channel name="F" type="integer" max="32767" units="dev"/>
+        </inkml:traceFormat>
+        <inkml:channelProperties>
+          <inkml:channelProperty channel="X" name="resolution" value="1000" units="1/cm"/>
+          <inkml:channelProperty channel="Y" name="resolution" value="1000" units="1/cm"/>
+          <inkml:channelProperty channel="F" name="resolution" value="0" units="1/dev"/>
+        </inkml:channelProperties>
+      </inkml:inkSource>
+      <inkml:timestamp xml:id="ts0" timeString="2023-09-16T03:56:28.973"/>
+    </inkml:context>
+    <inkml:brush xml:id="br0">
+      <inkml:brushProperty name="width" value="0.05" units="cm"/>
+      <inkml:brushProperty name="height" value="0.05" units="cm"/>
+    </inkml:brush>
+  </inkml:definitions>
+  <inkml:trace contextRef="#ctx0" brushRef="#br0">4 53 1412,'-1'-18'1100,"0"8"772,0-2 721,1 0-1177</inkml:trace>
+</inkml:ink>
+</file>
+
+<file path=ppt/ink/ink119.xml><?xml version="1.0" encoding="utf-8"?>
+<inkml:ink xmlns:inkml="http://www.w3.org/2003/InkML">
+  <inkml:definitions>
+    <inkml:context xml:id="ctx0">
+      <inkml:inkSource xml:id="inkSrc0">
+        <inkml:traceFormat>
+          <inkml:channel name="X" type="integer" min="-2.14748E9" max="2.14748E9" units="cm"/>
+          <inkml:channel name="Y" type="integer" min="-2.14748E9" max="2.14748E9" units="cm"/>
+          <inkml:channel name="F" type="integer" max="32767" units="dev"/>
+        </inkml:traceFormat>
+        <inkml:channelProperties>
+          <inkml:channelProperty channel="X" name="resolution" value="1000" units="1/cm"/>
+          <inkml:channelProperty channel="Y" name="resolution" value="1000" units="1/cm"/>
+          <inkml:channelProperty channel="F" name="resolution" value="0" units="1/dev"/>
+        </inkml:channelProperties>
+      </inkml:inkSource>
+      <inkml:timestamp xml:id="ts0" timeString="2023-09-16T03:56:29.317"/>
+    </inkml:context>
+    <inkml:brush xml:id="br0">
+      <inkml:brushProperty name="width" value="0.05" units="cm"/>
+      <inkml:brushProperty name="height" value="0.05" units="cm"/>
+    </inkml:brush>
+  </inkml:definitions>
+  <inkml:trace contextRef="#ctx0" brushRef="#br0">2 55 1024,'-1'17'803,"1"-5"-54,0 1 1,3 21-1,-2-30-607,0 0-1,0 0 0,1 0 1,-1 0-1,1 0 0,0 0 1,0 0-1,0 0 0,0-1 1,1 1-1,0-1 0,3 4 1,2 0 276,0 0 0,0 0 0,18 10 0,-25-16-107,2-1 14,10 2 7,-10-2 351,-3 0-670,0 0 0,0 0 0,0 0 1,0 0-1,0-1 0,0 1 0,0 0 0,0 0 0,0 0 0,0-1 0,0 1 0,0 0 0,1 0 0,-1 0 1,0 0-1,0 0 0,0-1 0,0 1 0,0 0 0,1 0 0,-1 0 0,0 0 0,0 0 0,0 0 0,1 0 1,-1 0-1,0-1 0,0 1 0,0 0 0,0 0 0,1 0 0,-1 0 0,0 0 0,0 0 0,1 0 10,-1 0 0,1 0 0,-1 0-1,0 0 1,1 0 0,-1 0-1,0 0 1,1 0 0,-1-1 0,0 1-1,1 0 1,-1 0 0,0 0-1,0-1 1,1 1 0,-1 0 0,0 0-1,1-1 1,-1 1 0,0 0 0,0 0-1,0-1 1,1 1 0,-1 0-1,0-1 1,0 1 0,0 0 0,0-1-1,0 1 1,0-1 0,0 1 0,0 0-1,0-1 1,0-5 92,-1 0 1,1 0-1,-2 0 1,1 0-1,-1 0 1,1 0-1,-2 1 1,1-1-1,-5-7 1,-2-4-407,-22-30 1,31 47 279,-3-4-760,1 0 0,-1 1 0,1-1 0,0 0 1,0 0-1,-2-5 0,-1-7-1719</inkml:trace>
+  <inkml:trace contextRef="#ctx0" brushRef="#br0" timeOffset="1">258 0 1000,'3'13'1078,"0"0"-1,-1 1 1,2 24 0,1 12-2,16 66 609,-11-67-3471</inkml:trace>
+</inkml:ink>
+</file>
+
 <file path=ppt/ink/ink12.xml><?xml version="1.0" encoding="utf-8"?>
 <inkml:ink xmlns:inkml="http://www.w3.org/2003/InkML">
   <inkml:definitions>
@@ -233,6 +785,87 @@
     </inkml:brush>
   </inkml:definitions>
   <inkml:trace contextRef="#ctx0" brushRef="#br0">283 99 1716,'4'-3'723,"-1"-1"1,0 0-1,0 0 0,0 0 0,-1 0 0,1 0 0,-1 0 1,3-7-1,-5 10 101,1 0-751,-1 1 0,1 0 0,-1-1-1,1 1 1,-1-1 0,0 1-1,1 0 1,-1-1 0,1 1-1,-1-1 1,0 1 0,1-1-1,-1 0 1,0 1 0,0-1-1,1 1 1,-1-1 0,0 0-1,0 1 1,0-1 0,0 1 0,0-1-1,0 0 1,0 1 0,0-1-1,0 0 1,0 0 0,0 0 20,0-1 0,0 1 0,0 0 0,0 0 0,0-1 1,-1 1-1,1 0 0,0 0 0,-1 0 0,1-1 0,-1 1 1,1 0-1,-1 0 0,1 0 0,-1 0 0,-1-1 0,-3-1-6,0 0-1,0 1 1,0 0-1,-1 0 1,0 0-1,1 1 1,-1-1-1,0 1 1,1 1-1,-1-1 1,0 1-1,-7 0 1,-8 1 278,-42 7 0,55-6-299,0-1 0,1 1 0,-1 0 1,1 0-1,0 1 0,0 0 1,0 0-1,0 1 0,0 0 0,1 0 1,-1 1-1,1-1 0,0 1 0,-8 10 1,12-12-43,0 0 1,0 0-1,1 1 1,-1-1-1,1 0 1,0 1-1,0-1 1,0 1-1,1-1 1,-1 1-1,1-1 1,0 1-1,0 0 1,0-1-1,0 1 1,1-1-1,-1 1 1,1-1-1,0 1 1,2 5-1,0-1 6,1 1 1,0-1-1,1 0 0,-1 0 1,1 0-1,11 12 0,10 6 46,1-1 0,2 0 0,35 21 0,46 41 281,-109-86-345,0 0-1,0 0 1,1 0 0,-1 0-1,0 1 1,0-1-1,0 0 1,-1 1-1,1-1 1,0 0 0,0 1-1,-1-1 1,1 1-1,-1 0 1,1-1 0,-1 1-1,0-1 1,1 1-1,-1 0 1,0-1-1,0 4 1,-1-3-2,0 0 0,1 0 0,-1 0 0,0 0 0,0 0 0,-1 0 0,1 0 0,0 0 0,-1 0 0,1 0 0,-1-1 0,1 1 0,-4 2 0,-3 2 14,-1 1 0,-1-2-1,1 1 1,-1-2-1,-13 6 1,1-1-65,0-1 0,-1-1 1,0-1-1,0 0 0,-1-2 0,-42 2 1,63-6-147,0 0 0,0 0 0,0-1 0,0 1 0,-1-1 0,1 1 0,0-1 0,0 0 0,0 0 0,-2-2 0,-6-9-7328</inkml:trace>
+</inkml:ink>
+</file>
+
+<file path=ppt/ink/ink120.xml><?xml version="1.0" encoding="utf-8"?>
+<inkml:ink xmlns:inkml="http://www.w3.org/2003/InkML">
+  <inkml:definitions>
+    <inkml:context xml:id="ctx0">
+      <inkml:inkSource xml:id="inkSrc0">
+        <inkml:traceFormat>
+          <inkml:channel name="X" type="integer" min="-2.14748E9" max="2.14748E9" units="cm"/>
+          <inkml:channel name="Y" type="integer" min="-2.14748E9" max="2.14748E9" units="cm"/>
+          <inkml:channel name="F" type="integer" max="32767" units="dev"/>
+        </inkml:traceFormat>
+        <inkml:channelProperties>
+          <inkml:channelProperty channel="X" name="resolution" value="1000" units="1/cm"/>
+          <inkml:channelProperty channel="Y" name="resolution" value="1000" units="1/cm"/>
+          <inkml:channelProperty channel="F" name="resolution" value="0" units="1/dev"/>
+        </inkml:channelProperties>
+      </inkml:inkSource>
+      <inkml:timestamp xml:id="ts0" timeString="2023-09-16T03:56:29.650"/>
+    </inkml:context>
+    <inkml:brush xml:id="br0">
+      <inkml:brushProperty name="width" value="0.05" units="cm"/>
+      <inkml:brushProperty name="height" value="0.05" units="cm"/>
+    </inkml:brush>
+  </inkml:definitions>
+  <inkml:trace contextRef="#ctx0" brushRef="#br0">2 11 984,'0'0'976,"-2"-10"-932</inkml:trace>
+</inkml:ink>
+</file>
+
+<file path=ppt/ink/ink121.xml><?xml version="1.0" encoding="utf-8"?>
+<inkml:ink xmlns:inkml="http://www.w3.org/2003/InkML">
+  <inkml:definitions>
+    <inkml:context xml:id="ctx0">
+      <inkml:inkSource xml:id="inkSrc0">
+        <inkml:traceFormat>
+          <inkml:channel name="X" type="integer" min="-2.14748E9" max="2.14748E9" units="cm"/>
+          <inkml:channel name="Y" type="integer" min="-2.14748E9" max="2.14748E9" units="cm"/>
+          <inkml:channel name="F" type="integer" max="32767" units="dev"/>
+        </inkml:traceFormat>
+        <inkml:channelProperties>
+          <inkml:channelProperty channel="X" name="resolution" value="1000" units="1/cm"/>
+          <inkml:channelProperty channel="Y" name="resolution" value="1000" units="1/cm"/>
+          <inkml:channelProperty channel="F" name="resolution" value="0" units="1/dev"/>
+        </inkml:channelProperties>
+      </inkml:inkSource>
+      <inkml:timestamp xml:id="ts0" timeString="2023-09-16T03:56:30.045"/>
+    </inkml:context>
+    <inkml:brush xml:id="br0">
+      <inkml:brushProperty name="width" value="0.05" units="cm"/>
+      <inkml:brushProperty name="height" value="0.05" units="cm"/>
+    </inkml:brush>
+  </inkml:definitions>
+  <inkml:trace contextRef="#ctx0" brushRef="#br0">0 103 1136,'17'10'6739,"-12"-12"-6181,61-33 1835,-29 11-1619,-21 13-363,0 1 0,0 1 0,25-11 1,-40 20-388,1 0 0,0-1 0,0 1 0,0 0 0,0 0 0,0 0 0,0 0 0,0 0 0,-1 1 0,1-1 1,0 0-1,0 1 0,0-1 0,0 1 0,-1 0 0,1 0 0,0 0 0,-1 0 0,1 0 0,-1 0 1,1 0-1,-1 0 0,1 0 0,-1 1 0,0-1 0,1 1 0,-1-1 0,2 4 0,1 1-5,0 0 0,0 1 0,-1 0 1,1 0-1,-1 0 0,-1 0 0,1 0 0,0 8 0,-1-4-190,-1 0 1,0 0 0,-1 1-1,-1-1 1,-1 13 0,-2 4-2824,-14 45 0,11-49-231</inkml:trace>
+</inkml:ink>
+</file>
+
+<file path=ppt/ink/ink122.xml><?xml version="1.0" encoding="utf-8"?>
+<inkml:ink xmlns:inkml="http://www.w3.org/2003/InkML">
+  <inkml:definitions>
+    <inkml:context xml:id="ctx0">
+      <inkml:inkSource xml:id="inkSrc0">
+        <inkml:traceFormat>
+          <inkml:channel name="X" type="integer" min="-2.14748E9" max="2.14748E9" units="cm"/>
+          <inkml:channel name="Y" type="integer" min="-2.14748E9" max="2.14748E9" units="cm"/>
+          <inkml:channel name="F" type="integer" max="32767" units="dev"/>
+        </inkml:traceFormat>
+        <inkml:channelProperties>
+          <inkml:channelProperty channel="X" name="resolution" value="1000" units="1/cm"/>
+          <inkml:channelProperty channel="Y" name="resolution" value="1000" units="1/cm"/>
+          <inkml:channelProperty channel="F" name="resolution" value="0" units="1/dev"/>
+        </inkml:channelProperties>
+      </inkml:inkSource>
+      <inkml:timestamp xml:id="ts0" timeString="2023-09-16T03:56:31.952"/>
+    </inkml:context>
+    <inkml:brush xml:id="br0">
+      <inkml:brushProperty name="width" value="0.05" units="cm"/>
+      <inkml:brushProperty name="height" value="0.05" units="cm"/>
+    </inkml:brush>
+  </inkml:definitions>
+  <inkml:trace contextRef="#ctx0" brushRef="#br0">2001 11 1244,'0'0'5116,"-5"-1"-4953,1-2-108,3 2-23,-1 0-1,1 1 0,-1-1 0,1 0 0,-1 0 0,1 1 0,-1-1 0,1 1 1,-1 0-1,0-1 0,-2 1 0,2 0-13,1 0 1,-1 1-1,0-1 1,0 0-1,1 1 0,-1 0 1,0-1-1,0 1 1,1 0-1,-4 2 0,0 0 19,-198 90 553,-17 8-429,32-23-74,-193 71 138,202-87 250,63-16-145,6 4-147,-14 12 67,61-29-16,29-18-53,20-9-30,0 1 0,-12 8 0,21-12-89,0-1 1,0 1 0,0-1-1,-1 0 1,-8 2 0,-21 8 251,-4 4-113,16-7 37,-33 17-1,55-25-198,-5 2 160,0-1 1,1 1-1,-1-1 0,-8 1 0,13-8-183,-2-15 8,3 19-24,0 1 0,0-1 1,0 1-1,0 0 0,0-1 1,0 1-1,0-1 0,0 1 1,0-1-1,0 1 1,0 0-1,0-1 0,0 1 1,0-1-1,1 1 0,-1 0 1,0-1-1,0 1 0,0-1 1,1 1-1,-1-1 1,20-33-1,-5 8 8,1 0 1,1 2-1,22-25 0,31-24 387,-69 72-341,1-2 2,34-39 340,-34 40-364,1 1-20,-1-1 0,1 0 0,-1 1 0,1-1 1,-1 0-1,0 0 0,0-1 0,2-2 1,6-5 49,-9 9-50,13-14 16,-8 10 89,-6 5-110,0 0-1,0 0 1,0 0 0,0 0-1,0 0 1,0 0-1,0 0 1,1 0-1,-1 0 1,0 0-1,0 0 1,0 0-1,0 0 1,0 0 0,0 0-1,0 0 1,0 0-1,0 0 1,0 0-1,0 0 1,0 0-1,0 0 1,0 0 0,0 0-1,0 0 1,0 0-1,0 0 1,0 0-1,0 0 1,0 0-1,0 0 1,0 0-1,0 0 1,0 0 0,0 0-1,1 0 1,-1 0-1,0 0 1,0 0-1,0 0 1,0 0-1,0 0 1,-1 1-7,-12 29 78,-3-1-1,-35 52 1,-32 27 68,63-79-116,10-14-29,-1 0 0,-15 14-1,15-13 29,-18 26-1,22-31-31,6-9 10,0 1-8,-15 17 7,15-18-4,-13 21-9,13-21-2,3 4 11,1 0 2,1 0 0,-1 0-1,1 0 1,1-1 0,-1 1 0,10 8 0,7 2-79,1 0 0,0-2 0,1 0-1,1-2 1,30 12 0,-5-6-3523,86 18 0,-88-27 311</inkml:trace>
 </inkml:ink>
 </file>
 
@@ -1372,6 +2005,249 @@
 </inkml:ink>
 </file>
 
+<file path=ppt/ink/ink51.xml><?xml version="1.0" encoding="utf-8"?>
+<inkml:ink xmlns:inkml="http://www.w3.org/2003/InkML">
+  <inkml:definitions>
+    <inkml:context xml:id="ctx0">
+      <inkml:inkSource xml:id="inkSrc0">
+        <inkml:traceFormat>
+          <inkml:channel name="X" type="integer" min="-2.14748E9" max="2.14748E9" units="cm"/>
+          <inkml:channel name="Y" type="integer" min="-2.14748E9" max="2.14748E9" units="cm"/>
+          <inkml:channel name="F" type="integer" max="32767" units="dev"/>
+        </inkml:traceFormat>
+        <inkml:channelProperties>
+          <inkml:channelProperty channel="X" name="resolution" value="1000" units="1/cm"/>
+          <inkml:channelProperty channel="Y" name="resolution" value="1000" units="1/cm"/>
+          <inkml:channelProperty channel="F" name="resolution" value="0" units="1/dev"/>
+        </inkml:channelProperties>
+      </inkml:inkSource>
+      <inkml:timestamp xml:id="ts0" timeString="2023-09-16T03:56:13.634"/>
+    </inkml:context>
+    <inkml:brush xml:id="br0">
+      <inkml:brushProperty name="width" value="0.05" units="cm"/>
+      <inkml:brushProperty name="height" value="0.05" units="cm"/>
+    </inkml:brush>
+  </inkml:definitions>
+  <inkml:trace contextRef="#ctx0" brushRef="#br0">1904 183 836,'-33'-31'4497,"26"26"-4160,0 0 0,1 0-1,-2 1 1,1 0 0,0 0-1,-11-3 1,-8-1-94,0 2 0,-1 0 1,1 2-1,-1 1 0,0 1 0,0 1 1,-39 5-1,-188 36 275,236-37-476,-47 12 24,2 3-1,0 3 0,1 2 1,1 4-1,-66 38 0,61-26-12,3 3 0,1 3 0,2 2 0,2 3 0,3 3 0,1 2 0,-58 79 0,104-123-30,-25 31 212,-53 94 1,9-7 60,57-92-218,-40 85 268,54-105-288,0-1 0,1 1 0,1 0-1,1 0 1,-3 33 0,5-19 15,1-1 0,2 1 0,1-1 0,1 0 0,17 59 0,-13-61-19,2 0 0,1 0 0,24 44 0,83 105 113,-96-148-132,1-2 0,1-1 0,54 44 1,-48-47-11,1-2 0,1-2 1,67 31-1,-49-31 51,0-1 0,63 12-1,13-8 121,189 10 0,-175-27-145,-78-4-38,256-6 74,-64-20-24,-186 17-73,404-56 69,-244 28-21,-67 6-19,195-45 15,-206 39-20,119-44 20,-183 51-16,264-95 5,-196 64-46,-13 3-29,-44 16 46,-61 27 16,36-20-1,-28 13-6,-12 5 6,36-23 0,-58 32 30,0 0 0,0 0 0,-1-1 0,-1 0 0,1-1 0,-1 0 0,12-18 0,-12 12 179,-1 0 0,-1 0 1,8-30-1,-4 11-35,13-59 134,-13 47-197,-6 26-64,-1 1 1,-1-1-1,0 1 1,-2-1 0,0 0-1,-1 1 1,-1-1-1,-1 1 1,0-1 0,-2 1-1,-11-32 1,-1 7 323,-38-70 0,45 95-332,-52-85 182,50 87-214,0 2-1,0 0 1,-2 0-1,-18-16 1,-10-2 8,-1 2 1,-1 2-1,-64-31 0,-155-50-52,35 44 56,161 48-32,-3 2 34,-103-21-15,11 2-24,1 2-24,99 22 16,-91-14-29,-23 10 78,28 3-129,3-1-167,112 9 190,-52 0 0,-67 1 48,99 1-8,-38-3 15,42 1 19,-84 7-4,94 0-89,1 2-1,0 2 1,0 1 0,0 1 0,-57 24 0,-28 16-1134,-27 11-1256,52-17-3346,60-26 2341</inkml:trace>
+</inkml:ink>
+</file>
+
+<file path=ppt/ink/ink52.xml><?xml version="1.0" encoding="utf-8"?>
+<inkml:ink xmlns:inkml="http://www.w3.org/2003/InkML">
+  <inkml:definitions>
+    <inkml:context xml:id="ctx0">
+      <inkml:inkSource xml:id="inkSrc0">
+        <inkml:traceFormat>
+          <inkml:channel name="X" type="integer" min="-2.14748E9" max="2.14748E9" units="cm"/>
+          <inkml:channel name="Y" type="integer" min="-2.14748E9" max="2.14748E9" units="cm"/>
+          <inkml:channel name="F" type="integer" max="32767" units="dev"/>
+        </inkml:traceFormat>
+        <inkml:channelProperties>
+          <inkml:channelProperty channel="X" name="resolution" value="1000" units="1/cm"/>
+          <inkml:channelProperty channel="Y" name="resolution" value="1000" units="1/cm"/>
+          <inkml:channelProperty channel="F" name="resolution" value="0" units="1/dev"/>
+        </inkml:channelProperties>
+      </inkml:inkSource>
+      <inkml:timestamp xml:id="ts0" timeString="2023-09-16T03:55:13.709"/>
+    </inkml:context>
+    <inkml:brush xml:id="br0">
+      <inkml:brushProperty name="width" value="0.05" units="cm"/>
+      <inkml:brushProperty name="height" value="0.05" units="cm"/>
+    </inkml:brush>
+  </inkml:definitions>
+  <inkml:trace contextRef="#ctx0" brushRef="#br0">28 214 1108,'0'0'2588,"-2"-3"-1905,-1 1-384,1-1 0,0 1 0,0-1 0,0 1 0,1-1 0,-1 0 0,1 0 1,-1 0-1,1 0 0,-1-5 0,0 2-26,1 0 0,0 0 0,0-1 0,1 1-1,0 0 1,0 0 0,0-1 0,1 1 0,1-8 0,0 7-179,0 1 1,0-1-1,0 1 0,1 0 0,-1 0 0,2 0 0,-1 0 1,1 1-1,0-1 0,0 1 0,8-9 0,-9 12-70,-1-1-1,1 1 0,-1 0 1,1 0-1,0 0 1,0 0-1,0 1 1,0-1-1,0 1 0,1 0 1,-1-1-1,0 1 1,1 1-1,-1-1 0,0 0 1,1 1-1,-1 0 1,1 0-1,-1 0 1,1 0-1,-1 1 0,0-1 1,1 1-1,-1 0 1,0 0-1,4 1 0,-3 0-8,0 0-1,0 1 0,0-1 0,-1 1 1,1 0-1,-1 0 0,0 0 0,1 0 1,-2 0-1,1 1 0,0 0 0,-1-1 0,1 1 1,-1 0-1,0 0 0,-1 0 0,1 0 1,-1 1-1,2 5 0,0 7 15,0 0 0,-1 0 1,0 29-1,-3-25-7,-1 0 1,0-1-1,-1 0 0,-2 0 1,-12 37-1,-48 96 85,24-61-52,17-43-14,16-32 70,0-1 1,-8 26 0,16-40 59,5 1-89,-5-3-78,0 0 0,1 1 0,-1-1 1,0 0-1,1 0 0,-1 1 0,0-1 0,1 0 0,-1 0 0,0 0 0,1 0 0,-1 1 0,0-1 0,1 0 0,-1 0 0,0 0 0,1 0 0,-1 0 0,1 0 0,-1 0 1,0 0-1,1 0 0,-1 0 0,1 0 0,-1 0 0,0 0 0,1-1 0,-1 1 0,0 0 0,1 0 0,-1 0 0,0 0 0,1-1 0,139-42 184,-99 29-177,64-27-1830,-18-10-2018,-69 40 2155,19-11-1236</inkml:trace>
+</inkml:ink>
+</file>
+
+<file path=ppt/ink/ink53.xml><?xml version="1.0" encoding="utf-8"?>
+<inkml:ink xmlns:inkml="http://www.w3.org/2003/InkML">
+  <inkml:definitions>
+    <inkml:context xml:id="ctx0">
+      <inkml:inkSource xml:id="inkSrc0">
+        <inkml:traceFormat>
+          <inkml:channel name="X" type="integer" min="-2.14748E9" max="2.14748E9" units="cm"/>
+          <inkml:channel name="Y" type="integer" min="-2.14748E9" max="2.14748E9" units="cm"/>
+          <inkml:channel name="F" type="integer" max="32767" units="dev"/>
+        </inkml:traceFormat>
+        <inkml:channelProperties>
+          <inkml:channelProperty channel="X" name="resolution" value="1000" units="1/cm"/>
+          <inkml:channelProperty channel="Y" name="resolution" value="1000" units="1/cm"/>
+          <inkml:channelProperty channel="F" name="resolution" value="0" units="1/dev"/>
+        </inkml:channelProperties>
+      </inkml:inkSource>
+      <inkml:timestamp xml:id="ts0" timeString="2023-09-16T03:55:14.055"/>
+    </inkml:context>
+    <inkml:brush xml:id="br0">
+      <inkml:brushProperty name="width" value="0.05" units="cm"/>
+      <inkml:brushProperty name="height" value="0.05" units="cm"/>
+    </inkml:brush>
+  </inkml:definitions>
+  <inkml:trace contextRef="#ctx0" brushRef="#br0">27 79 1320,'0'0'3682,"-3"3"-3129,-1-1-368,3-1-133,0 0-1,0 0 1,0-1-1,0 1 1,0 0-1,0 0 0,0 0 1,0 0-1,0 0 1,0 1-1,0-1 1,1 0-1,-1 0 1,0 0-1,1 1 1,-1-1-1,1 0 1,-1 1-1,1-1 1,0 0-1,0 1 0,-1 2 1,0 13 231,0 1 0,0-1 0,2 1 0,0 0 0,6 29 0,-5-39-188,0 0 0,1 0 0,0-1-1,0 1 1,1-1 0,8 12 0,-10-15-52,2 0-1,-1 0 1,0 0 0,1-1 0,0 0-1,-1 0 1,1 0 0,0 0 0,1-1-1,-1 1 1,0-1 0,7 2 0,-7-2-16,1-1 0,-1 0 0,1 0 0,0 0 0,-1-1 0,1 1 0,0-1 0,-1 0 0,1 0 1,0-1-1,-1 0 0,1 1 0,0-2 0,4-1 0,-3 1 46,0-1 0,-1 0-1,1 0 1,-1 0 0,0-1 0,0 0 0,0 0-1,0 0 1,6-8 0,-4 2 71,1 0-1,-2 0 1,1-1-1,-1 0 1,-1 0 0,0-1-1,-1 1 1,0-1 0,0 0-1,1-16 1,-2 12 59,-2 0 0,0 0 1,-2-17-1,1 26-96,-1 0 1,0-1 0,-1 1-1,0 0 1,0 0 0,0 0-1,-1 0 1,0 0 0,-4-6-1,6 12-94,0-1-1,-1 1 1,1 0-1,0-1 1,-1 1-1,1 0 1,0 0-1,-1 0 1,1 0-1,-1 1 0,1-1 1,-1 0-1,0 1 1,1-1-1,-1 1 1,0-1-1,0 1 1,1 0-1,-4-1 1,3 1-163,-2 1-130,-2-1 26,1 1 0,0 1 0,0-1 0,-7 3 0,-10 9-5644</inkml:trace>
+</inkml:ink>
+</file>
+
+<file path=ppt/ink/ink54.xml><?xml version="1.0" encoding="utf-8"?>
+<inkml:ink xmlns:inkml="http://www.w3.org/2003/InkML">
+  <inkml:definitions>
+    <inkml:context xml:id="ctx0">
+      <inkml:inkSource xml:id="inkSrc0">
+        <inkml:traceFormat>
+          <inkml:channel name="X" type="integer" min="-2.14748E9" max="2.14748E9" units="cm"/>
+          <inkml:channel name="Y" type="integer" min="-2.14748E9" max="2.14748E9" units="cm"/>
+          <inkml:channel name="F" type="integer" max="32767" units="dev"/>
+        </inkml:traceFormat>
+        <inkml:channelProperties>
+          <inkml:channelProperty channel="X" name="resolution" value="1000" units="1/cm"/>
+          <inkml:channelProperty channel="Y" name="resolution" value="1000" units="1/cm"/>
+          <inkml:channelProperty channel="F" name="resolution" value="0" units="1/dev"/>
+        </inkml:channelProperties>
+      </inkml:inkSource>
+      <inkml:timestamp xml:id="ts0" timeString="2023-09-16T03:55:14.575"/>
+    </inkml:context>
+    <inkml:brush xml:id="br0">
+      <inkml:brushProperty name="width" value="0.05" units="cm"/>
+      <inkml:brushProperty name="height" value="0.05" units="cm"/>
+    </inkml:brush>
+  </inkml:definitions>
+  <inkml:trace contextRef="#ctx0" brushRef="#br0">77 340 952,'-3'5'976,"-7"22"-115,1 0 1,1 1-1,-5 29 1,-9 91 1005,21-143-1800,-9 126 1721,10-129-252,1-12-1350,0-9-114,14-176 846,-16-8 285,-3 148-645,4-62-1,0 33 201,-1 54-357,0-26 1165,5 61-1472,5 7-50,-1 1 0,0 1 1,-1-1-1,7 22 0,16 54 80,84 220 98,-105-288-502,43 99-312,-14-43-4735</inkml:trace>
+</inkml:ink>
+</file>
+
+<file path=ppt/ink/ink55.xml><?xml version="1.0" encoding="utf-8"?>
+<inkml:ink xmlns:inkml="http://www.w3.org/2003/InkML">
+  <inkml:definitions>
+    <inkml:context xml:id="ctx0">
+      <inkml:inkSource xml:id="inkSrc0">
+        <inkml:traceFormat>
+          <inkml:channel name="X" type="integer" min="-2.14748E9" max="2.14748E9" units="cm"/>
+          <inkml:channel name="Y" type="integer" min="-2.14748E9" max="2.14748E9" units="cm"/>
+          <inkml:channel name="F" type="integer" max="32767" units="dev"/>
+        </inkml:traceFormat>
+        <inkml:channelProperties>
+          <inkml:channelProperty channel="X" name="resolution" value="1000" units="1/cm"/>
+          <inkml:channelProperty channel="Y" name="resolution" value="1000" units="1/cm"/>
+          <inkml:channelProperty channel="F" name="resolution" value="0" units="1/dev"/>
+        </inkml:channelProperties>
+      </inkml:inkSource>
+      <inkml:timestamp xml:id="ts0" timeString="2023-09-16T03:55:14.924"/>
+    </inkml:context>
+    <inkml:brush xml:id="br0">
+      <inkml:brushProperty name="width" value="0.05" units="cm"/>
+      <inkml:brushProperty name="height" value="0.05" units="cm"/>
+    </inkml:brush>
+  </inkml:definitions>
+  <inkml:trace contextRef="#ctx0" brushRef="#br0">26 330 1044,'-3'-2'460,"0"-1"-1,1 0 0,-1 1 1,1-1-1,-1 0 1,1 0-1,-2-4 1,4 6-365,-1 0 0,0-1 0,1 1 0,0 0 0,-1-1 0,1 1 0,0-1 0,0 1 0,0-1 0,0 1 0,0-1 0,0 1 0,0-1 0,0 1 0,0 0 0,1-1 0,-1 1 0,1-1 0,-1 1 0,1 0 0,-1-1 0,2-1 0,11-14 118,1 1-1,0 0 0,2 1 1,-1 1-1,22-15 0,-29 22-145,113-82-210,-44 36-3636,-59 39 1947</inkml:trace>
+</inkml:ink>
+</file>
+
+<file path=ppt/ink/ink56.xml><?xml version="1.0" encoding="utf-8"?>
+<inkml:ink xmlns:inkml="http://www.w3.org/2003/InkML">
+  <inkml:definitions>
+    <inkml:context xml:id="ctx0">
+      <inkml:inkSource xml:id="inkSrc0">
+        <inkml:traceFormat>
+          <inkml:channel name="X" type="integer" min="-2.14748E9" max="2.14748E9" units="cm"/>
+          <inkml:channel name="Y" type="integer" min="-2.14748E9" max="2.14748E9" units="cm"/>
+          <inkml:channel name="F" type="integer" max="32767" units="dev"/>
+        </inkml:traceFormat>
+        <inkml:channelProperties>
+          <inkml:channelProperty channel="X" name="resolution" value="1000" units="1/cm"/>
+          <inkml:channelProperty channel="Y" name="resolution" value="1000" units="1/cm"/>
+          <inkml:channelProperty channel="F" name="resolution" value="0" units="1/dev"/>
+        </inkml:channelProperties>
+      </inkml:inkSource>
+      <inkml:timestamp xml:id="ts0" timeString="2023-09-16T03:55:15.271"/>
+    </inkml:context>
+    <inkml:brush xml:id="br0">
+      <inkml:brushProperty name="width" value="0.05" units="cm"/>
+      <inkml:brushProperty name="height" value="0.05" units="cm"/>
+    </inkml:brush>
+  </inkml:definitions>
+  <inkml:trace contextRef="#ctx0" brushRef="#br0">30 57 2064,'-30'-3'8235,"34"0"-7966,29-26 376,-29 26-519,-1 1-1,1 0 1,0-1 0,-1 1 0,1 0-1,0 1 1,0-1 0,0 1-1,0 0 1,6-1 0,-8 2-85,0 0 0,-1 1 1,1-1-1,0 1 0,0-1 1,-1 1-1,1 0 0,0 0 1,-1 0-1,1 0 0,-1 0 1,1 0-1,-1 0 0,0 0 1,1 0-1,-1 1 0,0-1 1,0 1-1,0-1 0,0 1 1,0-1-1,0 1 0,-1-1 1,1 1-1,0 0 0,0 2 1,2 5 142,-1 1 0,1-1 1,0 15-1,0 14 257,-2 39 0,-2-48-216,1-1-1,2 1 1,5 28 0,-7-56-237,0 0 0,0 0 0,0 1 0,0-1 0,1 0 0,-1 0 0,0 0 0,1 1 0,-1-1 0,1 0 0,-1 0 0,1 0 0,0 0-1,-1 0 1,1 0 0,0 0 0,0 0 0,0-1 0,0 1 0,-1 0 0,1 0 0,0-1 0,0 1 0,1 0 0,-1-1 0,0 1 0,0-1 0,0 1 0,0-1 0,0 0 0,1 0 0,-1 1 0,0-1 0,0 0-1,0 0 1,1 0 0,-1 0 0,0 0 0,0 0 0,3-1 0,0-1-210,1 0 0,-1 0 0,1 0 0,-1 0 0,0-1 0,0 1 1,0-1-1,6-5 0,-4 1-838,0 1 1,0-1-1,0 0 1,-1 0-1,7-13 1,0 0-2303</inkml:trace>
+</inkml:ink>
+</file>
+
+<file path=ppt/ink/ink57.xml><?xml version="1.0" encoding="utf-8"?>
+<inkml:ink xmlns:inkml="http://www.w3.org/2003/InkML">
+  <inkml:definitions>
+    <inkml:context xml:id="ctx0">
+      <inkml:inkSource xml:id="inkSrc0">
+        <inkml:traceFormat>
+          <inkml:channel name="X" type="integer" min="-2.14748E9" max="2.14748E9" units="cm"/>
+          <inkml:channel name="Y" type="integer" min="-2.14748E9" max="2.14748E9" units="cm"/>
+          <inkml:channel name="F" type="integer" max="32767" units="dev"/>
+        </inkml:traceFormat>
+        <inkml:channelProperties>
+          <inkml:channelProperty channel="X" name="resolution" value="1000" units="1/cm"/>
+          <inkml:channelProperty channel="Y" name="resolution" value="1000" units="1/cm"/>
+          <inkml:channelProperty channel="F" name="resolution" value="0" units="1/dev"/>
+        </inkml:channelProperties>
+      </inkml:inkSource>
+      <inkml:timestamp xml:id="ts0" timeString="2023-09-16T03:55:15.635"/>
+    </inkml:context>
+    <inkml:brush xml:id="br0">
+      <inkml:brushProperty name="width" value="0.05" units="cm"/>
+      <inkml:brushProperty name="height" value="0.05" units="cm"/>
+    </inkml:brush>
+  </inkml:definitions>
+  <inkml:trace contextRef="#ctx0" brushRef="#br0">15 9 1288,'-6'-9'839,"3"11"779,-1 16 780,4-12-2929,-1 0 719,0 1 0,1 0 0,0-1 0,1 1 0,-1 0 0,1-1 0,0 1 0,1-1 0,0 1-1,0-1 1,3 9 0,0-7-54,-1 0 0,1-1 0,0 1 0,1-1 0,-1 0 0,14 13 0,-17-19-111,0 0 1,0 0-1,-1 0 1,1 0 0,0 0-1,0 0 1,0 0-1,0-1 1,0 1-1,0-1 1,0 1-1,0-1 1,0 0-1,0 0 1,0 0-1,1 0 1,-1 0 0,0 0-1,0 0 1,0-1-1,0 1 1,0-1-1,2-1 1,2 0 58,-1-1 1,0 1-1,0-2 1,0 1-1,0 0 0,6-6 1,-3-1 127,1 1 1,-2-1-1,1-1 0,-1 0 1,-1 0-1,9-20 0,-7 15 404,0 1 0,12-17 0,-19 30 206,3 5-756,-1 1-74,0 0 0,0 0 0,0 1 0,0-1 0,-1 1 0,3 5 0,16 26-1316,-20-34 798,1 0 0,0 0 0,0 0 0,0-1 0,0 1 0,0-1-1,0 1 1,1-1 0,-1 0 0,0 0 0,4 1 0</inkml:trace>
+</inkml:ink>
+</file>
+
+<file path=ppt/ink/ink58.xml><?xml version="1.0" encoding="utf-8"?>
+<inkml:ink xmlns:inkml="http://www.w3.org/2003/InkML">
+  <inkml:definitions>
+    <inkml:context xml:id="ctx0">
+      <inkml:inkSource xml:id="inkSrc0">
+        <inkml:traceFormat>
+          <inkml:channel name="X" type="integer" min="-2.14748E9" max="2.14748E9" units="cm"/>
+          <inkml:channel name="Y" type="integer" min="-2.14748E9" max="2.14748E9" units="cm"/>
+          <inkml:channel name="F" type="integer" max="32767" units="dev"/>
+        </inkml:traceFormat>
+        <inkml:channelProperties>
+          <inkml:channelProperty channel="X" name="resolution" value="1000" units="1/cm"/>
+          <inkml:channelProperty channel="Y" name="resolution" value="1000" units="1/cm"/>
+          <inkml:channelProperty channel="F" name="resolution" value="0" units="1/dev"/>
+        </inkml:channelProperties>
+      </inkml:inkSource>
+      <inkml:timestamp xml:id="ts0" timeString="2023-09-16T03:55:16.031"/>
+    </inkml:context>
+    <inkml:brush xml:id="br0">
+      <inkml:brushProperty name="width" value="0.05" units="cm"/>
+      <inkml:brushProperty name="height" value="0.05" units="cm"/>
+    </inkml:brush>
+  </inkml:definitions>
+  <inkml:trace contextRef="#ctx0" brushRef="#br0">2 83 1852,'0'0'1700,"0"-3"-994,-1-2-648,1 5-1,0-1 1,0 1-1,0 0 0,0 0 1,0 0-1,0 0 1,0 0-1,0 0 0,0-1 1,0 1-1,0 0 0,0 0 1,0 0-1,0 0 1,0 0-1,0-1 0,0 1 1,0 0-1,0 0 1,0 0-1,0 0 0,0 0 1,1 0-1,-1 0 1,0-1-1,0 1 0,0 0 1,0 0-1,0 0 0,0 0 1,0 0-1,1 0 1,-1 0-1,0 0 0,0 0 1,0 0-1,0 0 1,0 0-1,0 0 0,1 0 1,-1 0-1,0 0 1,0 0-1,0 0 0,0 0 1,0 0-1,0 0 0,1 0 1,-1 0-1,0 0 1,0 0-1,0 0 0,0 0 1,0 0-1,1 0 1,-1 0-1,0 0 0,0 0 1,0 0-1,0 0 1,0 0-1,0 0 0,0 1 1,17 11 257,-1 1 0,24 26-1,-16-12-41,-2 1 0,-1 1-1,-1 1 1,-1 1-1,25 58 1,-42-81-229,1 0-1,-2-1 1,1 1 0,-1 0-1,0 0 1,0 0 0,-2 9-1,2-16-33,-1-1-1,0 1 0,0 0 0,0 0 0,0 0 0,0-1 1,0 1-1,0 0 0,0 0 0,0 0 0,0 0 0,-1-1 1,1 1-1,0 0 0,0 0 0,-1-1 0,1 1 0,0 0 1,-1-1-1,1 1 0,-1 0 0,1-1 0,-1 1 0,1 0 1,-1-1-1,0 1 0,1-1 0,-1 1 0,0-1 0,1 0 1,-1 1-1,0-1 0,0 0 0,1 1 0,-1-1 0,0 0 1,0 0-1,1 1 0,-1-1 0,0 0 0,0 0 0,0 0 1,1 0-1,-1 0 0,0 0 0,0-1 0,0 1 1,-1 0-1,0-1 42,-1 0 0,0 0 1,1 0-1,-1 0 0,1-1 0,-1 1 1,1-1-1,-1 0 0,1 1 0,-3-4 1,-1-5 44,-1-1 0,2 0 0,-1 0 0,2 0 0,-1-1 1,1 1-1,1-1 0,0 0 0,1 0 0,1 0 0,-1-1 0,2 1 1,0 0-1,2-21 0,0 24-80,0 0 0,0 0 0,1 1 0,0-1 0,0 1 0,8-15 0,-8 18-261,1 0-1,-1 0 1,1 0-1,0 0 1,0 1 0,0 0-1,0-1 1,1 2-1,-1-1 1,11-6-1,-10 9-20,1-1 0,-1 1 0,0 0 0,1 0 0,-1 1 0,0-1 0,1 1 0,-1 1 0,0-1 0,1 1 1,-1 0-1,0 0 0,1 0 0,-1 1 0,10 4 0,20 5-192,-32-10 476,0-1 0,-1 1 0,1-1 0,0 0 0,-1 1 0,1-1 0,0 0 0,0-1 0,-1 1 0,1 0 1,4-2-1,-4 1-29,-1 1 21,-1-1 1,1 1-1,0-1 1,-1 0-1,1 0 1,-1 0-1,1 1 1,-1-1 0,1-1-1,-1 1 1,1 0-1,-1 0 1,0 0-1,0-1 1,0 1-1,1-2 1,1-1 55,3-4 277,-1 1-1,-1-1 1,1 0-1,-1 0 1,-1 0-1,1-1 1,-2 0 0,1 1-1,-1-1 1,1-11-1,-2 18 74,-2-1 125,0-4-670,1 7 163,0 0-1,0 0 1,0 0 0,0 0-1,0 0 1,0 0 0,0-1-1,0 1 1,0 0-1,0 0 1,0 0 0,0 0-1,0 0 1,-1 0 0,1 0-1,0 0 1,0 0 0,0 0-1,0 0 1,0 0 0,0 0-1,0 0 1,0 0 0,0 0-1,-1 0 1,1 0-1,0 0 1,0 0 0,0 0-1,0 0 1,0 0 0,0 0-1,0 0 1,0 0 0,-1 0-1,1 0 1,0 0 0,0 0-1,0 0 1,0 0-1,0 0 1,0 0 0,0 0-1,0 0 1,0 0 0,0 0-1,0 1 1,-1-1 0,1 0-1,0 0 1,0 0 0,0 0-1,0 0 1,0 0-1,0 0 1,0 0 0,0 0-1,0 0 1,0 1 0,0-1-1,0 0 1,0 0 0,0 0-1,0 0 1,0 0 0,-3 5 7,0 0 0,0 0 0,1 0 1,-1 0-1,1 0 0,0 0 0,0 1 1,1-1-1,0 1 0,-1 7 1,2-7 7,0 1 1,0-1 0,0 1 0,1-1-1,0 0 1,1 1 0,-1-1 0,1 0-1,0 0 1,6 10 0,-6-12-66,1 0 1,-1 0-1,1 0 1,0-1-1,0 1 0,1-1 1,-1 0-1,1 0 1,-1 0-1,1 0 0,0-1 1,0 0-1,0 1 1,0-2-1,7 4 1,-3-3-152,-1-1 0,1 1 0,0-1 1,0-1-1,-1 1 0,1-1 0,0-1 1,0 1-1,0-2 0,-1 1 0,14-4 0,0-2-1665,-1-1-1,39-21 1,-22 7-1138</inkml:trace>
+</inkml:ink>
+</file>
+
+<file path=ppt/ink/ink59.xml><?xml version="1.0" encoding="utf-8"?>
+<inkml:ink xmlns:inkml="http://www.w3.org/2003/InkML">
+  <inkml:definitions>
+    <inkml:context xml:id="ctx0">
+      <inkml:inkSource xml:id="inkSrc0">
+        <inkml:traceFormat>
+          <inkml:channel name="X" type="integer" min="-2.14748E9" max="2.14748E9" units="cm"/>
+          <inkml:channel name="Y" type="integer" min="-2.14748E9" max="2.14748E9" units="cm"/>
+          <inkml:channel name="F" type="integer" max="32767" units="dev"/>
+        </inkml:traceFormat>
+        <inkml:channelProperties>
+          <inkml:channelProperty channel="X" name="resolution" value="1000" units="1/cm"/>
+          <inkml:channelProperty channel="Y" name="resolution" value="1000" units="1/cm"/>
+          <inkml:channelProperty channel="F" name="resolution" value="0" units="1/dev"/>
+        </inkml:channelProperties>
+      </inkml:inkSource>
+      <inkml:timestamp xml:id="ts0" timeString="2023-09-16T03:55:16.524"/>
+    </inkml:context>
+    <inkml:brush xml:id="br0">
+      <inkml:brushProperty name="width" value="0.05" units="cm"/>
+      <inkml:brushProperty name="height" value="0.05" units="cm"/>
+    </inkml:brush>
+  </inkml:definitions>
+  <inkml:trace contextRef="#ctx0" brushRef="#br0">26 214 992,'-2'-1'1234,"-7"-6"2405,8 11-2939,-2-1-500,2-2-145,0 0 1,1 0-1,-1 0 1,0 0 0,1 0-1,-1 0 1,1 1-1,-1-1 1,1 0-1,-1 0 1,1 0-1,0 1 1,0-1 0,-1 0-1,1 0 1,0 1-1,0 0 1,-2 42 586,2 0 0,1-1 1,9 51-1,8-1 266,32 104-1,-49-195-580,-3-69 9,-11-22-52,-2-10 462,-4-145 1,19 223-640,1 0 1,0 0 0,2 0 0,0 0-1,8-24 1,-9 39-86,0 0-1,0 0 1,0 1-1,1-1 1,0 1-1,0 0 1,0 0-1,1 0 1,0 0-1,0 0 1,0 1-1,0 0 1,1 0-1,-1 0 1,1 0-1,0 1 1,0-1 0,1 1-1,-1 1 1,1-1-1,-1 1 1,11-3-1,-13 4-11,1 1-1,-1 0 1,1-1 0,-1 1 0,0 1-1,1-1 1,-1 0 0,1 1-1,-1 0 1,0-1 0,1 2-1,-1-1 1,0 0 0,0 0-1,0 1 1,0 0 0,0 0-1,0 0 1,0 0 0,-1 0-1,1 0 1,-1 1 0,1-1-1,-1 1 1,0 0 0,2 3-1,0 1-9,0-1 0,0 0 0,-1 1 0,0 0-1,0 0 1,-1 0 0,0 0 0,0 0-1,-1 1 1,0-1 0,0 10 0,-1-6-53,-2 0 1,1 0 0,-1 0 0,-1 0-1,0-1 1,0 1 0,-1-1-1,0 1 1,-9 13 0,4-9-64,0-1 0,-1 0 0,-1 0 0,0-1 0,-19 17 0,28-28 95,-1 0 0,0 0-1,0 0 1,0 0 0,0-1 0,0 1 0,0-1-1,0 0 1,-1 0 0,1 0 0,-1 0 0,1-1 0,-7 1-1,14 4 54,15 21 42,2 0 0,39 37 0,61 41-1079,-113-97 373,7 5-176,-2-5-4409,1 0 2012</inkml:trace>
+</inkml:ink>
+</file>
+
 <file path=ppt/ink/ink6.xml><?xml version="1.0" encoding="utf-8"?>
 <inkml:ink xmlns:inkml="http://www.w3.org/2003/InkML">
   <inkml:definitions>
@@ -1399,6 +2275,277 @@
 </inkml:ink>
 </file>
 
+<file path=ppt/ink/ink60.xml><?xml version="1.0" encoding="utf-8"?>
+<inkml:ink xmlns:inkml="http://www.w3.org/2003/InkML">
+  <inkml:definitions>
+    <inkml:context xml:id="ctx0">
+      <inkml:inkSource xml:id="inkSrc0">
+        <inkml:traceFormat>
+          <inkml:channel name="X" type="integer" min="-2.14748E9" max="2.14748E9" units="cm"/>
+          <inkml:channel name="Y" type="integer" min="-2.14748E9" max="2.14748E9" units="cm"/>
+          <inkml:channel name="F" type="integer" max="32767" units="dev"/>
+        </inkml:traceFormat>
+        <inkml:channelProperties>
+          <inkml:channelProperty channel="X" name="resolution" value="1000" units="1/cm"/>
+          <inkml:channelProperty channel="Y" name="resolution" value="1000" units="1/cm"/>
+          <inkml:channelProperty channel="F" name="resolution" value="0" units="1/dev"/>
+        </inkml:channelProperties>
+      </inkml:inkSource>
+      <inkml:timestamp xml:id="ts0" timeString="2023-09-16T03:55:16.859"/>
+    </inkml:context>
+    <inkml:brush xml:id="br0">
+      <inkml:brushProperty name="width" value="0.05" units="cm"/>
+      <inkml:brushProperty name="height" value="0.05" units="cm"/>
+    </inkml:brush>
+  </inkml:definitions>
+  <inkml:trace contextRef="#ctx0" brushRef="#br0">22 359 1364,'19'-37'3904,"17"-9"-2531,-6 6-575,-18 23-305,-1-1 0,16-35 0,-23 44-239,-1 1 0,0-1 1,-1 0-1,0 0 1,0 0-1,-1 0 0,0 0 1,-1-16-1,0 22-141,0 1 0,0-1 0,0 0 0,-1 1 0,1-1 0,-1 0 0,0 1 0,0-1 0,0 1 0,0-1 0,0 1 0,-1 0 0,1-1 0,-1 1 0,-2-2 0,3 3-54,0 0-1,0 0 1,-1 0-1,1 0 1,-1 0 0,1 1-1,0-1 1,-1 1-1,1-1 1,-1 1-1,0-1 1,1 1 0,-1 0-1,1 0 1,-1 0-1,0 0 1,1 0-1,-1 0 1,-1 0 0,-2 2 25,0-1 1,0 1-1,0 0 1,1 0-1,-1 0 0,0 1 1,1 0-1,0 0 1,0 0-1,0 0 1,0 1-1,0-1 1,-5 8-1,1-1 16,1 0-1,1 0 0,0 1 0,0 0 0,1 0 0,1 1 0,0-1 0,0 1 0,1 0 1,1 0-1,-3 19 0,5-25-75,0 0 0,0 0-1,0 0 1,1 0 0,-1 0 0,1 0 0,1 0 0,-1 0 0,1-1 0,0 1-1,1-1 1,-1 1 0,1-1 0,0 0 0,0 0 0,1 0 0,-1 0 0,1 0-1,0-1 1,0 0 0,1 0 0,0 0 0,-1 0 0,1-1 0,7 4 0,-7-4-88,1-1 0,0-1 0,0 1 0,-1-1 0,1 0-1,0 0 1,0 0 0,0-1 0,0 0 0,0 0 0,12-2 0,-10 1-164,0-1 0,-1 0 0,1 0-1,0-1 1,-1 1 0,1-2 0,-1 1 0,9-6-1,-7 1-352,0 1 0,0-1 0,-1 0 0,9-11-1,10-20-4157,-15 19 1707</inkml:trace>
+</inkml:ink>
+</file>
+
+<file path=ppt/ink/ink61.xml><?xml version="1.0" encoding="utf-8"?>
+<inkml:ink xmlns:inkml="http://www.w3.org/2003/InkML">
+  <inkml:definitions>
+    <inkml:context xml:id="ctx0">
+      <inkml:inkSource xml:id="inkSrc0">
+        <inkml:traceFormat>
+          <inkml:channel name="X" type="integer" min="-2.14748E9" max="2.14748E9" units="cm"/>
+          <inkml:channel name="Y" type="integer" min="-2.14748E9" max="2.14748E9" units="cm"/>
+          <inkml:channel name="F" type="integer" max="32767" units="dev"/>
+        </inkml:traceFormat>
+        <inkml:channelProperties>
+          <inkml:channelProperty channel="X" name="resolution" value="1000" units="1/cm"/>
+          <inkml:channelProperty channel="Y" name="resolution" value="1000" units="1/cm"/>
+          <inkml:channelProperty channel="F" name="resolution" value="0" units="1/dev"/>
+        </inkml:channelProperties>
+      </inkml:inkSource>
+      <inkml:timestamp xml:id="ts0" timeString="2023-09-16T03:55:17.223"/>
+    </inkml:context>
+    <inkml:brush xml:id="br0">
+      <inkml:brushProperty name="width" value="0.05" units="cm"/>
+      <inkml:brushProperty name="height" value="0.05" units="cm"/>
+    </inkml:brush>
+  </inkml:definitions>
+  <inkml:trace contextRef="#ctx0" brushRef="#br0">88 30 1888,'0'-1'260,"-1"-1"0,0 0 0,1 0 0,-1 1 0,0-1 0,0 0 0,0 1 0,0-1 0,0 1 0,0-1 0,0 1 0,-1 0 0,1-1 0,0 1-1,-1 0 1,1 0 0,-1 0 0,-3-2 0,3 3 644,-2 1-71,2-1-778,-1 1 126,1-1-1,-1 1 0,0 0 1,1 0-1,-1 0 0,0 0 1,1 0-1,-1 1 0,1-1 0,0 1 1,-1-1-1,1 1 0,0 0 1,0 0-1,0 0 0,-2 3 0,2 1-65,0 0-1,0 1 0,0-1 0,0 1 0,1-1 0,1 1 0,-1-1 0,1 1 1,0 0-1,0-1 0,1 1 0,0-1 0,0 1 0,0-1 0,1 1 1,0-1-1,0 0 0,1 0 0,0 0 0,0 0 0,6 9 0,76 104 944,-81-106-914,-4-10-118,1 0 56,-2 1-20,1-2-52,-1 1-1,0-1 1,0 1-1,1-1 1,-1 1-1,-1-1 1,1 1-1,0-1 1,0 0-1,-1 0 1,0 0-1,1 0 1,-1 0-1,0 0 0,0 0 1,0-1-1,0 1 1,0 0-1,-3 0 1,-45 22-1388,47-24 668,0-1-289,-9-2-949</inkml:trace>
+</inkml:ink>
+</file>
+
+<file path=ppt/ink/ink62.xml><?xml version="1.0" encoding="utf-8"?>
+<inkml:ink xmlns:inkml="http://www.w3.org/2003/InkML">
+  <inkml:definitions>
+    <inkml:context xml:id="ctx0">
+      <inkml:inkSource xml:id="inkSrc0">
+        <inkml:traceFormat>
+          <inkml:channel name="X" type="integer" min="-2.14748E9" max="2.14748E9" units="cm"/>
+          <inkml:channel name="Y" type="integer" min="-2.14748E9" max="2.14748E9" units="cm"/>
+          <inkml:channel name="F" type="integer" max="32767" units="dev"/>
+        </inkml:traceFormat>
+        <inkml:channelProperties>
+          <inkml:channelProperty channel="X" name="resolution" value="1000" units="1/cm"/>
+          <inkml:channelProperty channel="Y" name="resolution" value="1000" units="1/cm"/>
+          <inkml:channelProperty channel="F" name="resolution" value="0" units="1/dev"/>
+        </inkml:channelProperties>
+      </inkml:inkSource>
+      <inkml:timestamp xml:id="ts0" timeString="2023-09-16T03:55:17.572"/>
+    </inkml:context>
+    <inkml:brush xml:id="br0">
+      <inkml:brushProperty name="width" value="0.05" units="cm"/>
+      <inkml:brushProperty name="height" value="0.05" units="cm"/>
+    </inkml:brush>
+  </inkml:definitions>
+  <inkml:trace contextRef="#ctx0" brushRef="#br0">0 1 1704,'2'1'226,"1"1"0,-1-1 0,0 1 0,0 0 0,-1 0 0,1-1 0,0 1 0,-1 1 0,1-1 0,-1 0 0,1 0 0,-1 1 0,0-1 0,0 0 0,0 1 0,0-1 0,-1 1 0,1 3 0,2 2-113,11 39 1087,-7-20-512,15 37 1,-19-57-590,0 0 1,1-1 0,0 1-1,0-1 1,0 0-1,1 0 1,0 0 0,0-1-1,0 1 1,7 4 0,-10-9-4,0 0 1,1 1 0,-1-1 0,0-1-1,1 1 1,-1 0 0,1-1 0,-1 1-1,4 0 1,-5-1-62,1 0 692,1-2-335,10-8 1,-12 9-350,0 0 0,-1 0 0,1 0 0,0-1 0,0 1 0,-1 0 0,1 0 0,-1-1 0,1 1 0,-1 0 0,1-1-1,-1 1 1,0 0 0,0-1 0,1 1 0,-1-1 0,0 1 0,0 0 0,-1-2 0,1 1 90,0-7-11,-1 1 0,0 0 0,-1 0 0,0 0 0,0 0 0,-1 1 0,0-1 0,0 0 0,-7-11 0,-3-2-711,-28-34 1,9 18-5521,26 24 2825</inkml:trace>
+</inkml:ink>
+</file>
+
+<file path=ppt/ink/ink63.xml><?xml version="1.0" encoding="utf-8"?>
+<inkml:ink xmlns:inkml="http://www.w3.org/2003/InkML">
+  <inkml:definitions>
+    <inkml:context xml:id="ctx0">
+      <inkml:inkSource xml:id="inkSrc0">
+        <inkml:traceFormat>
+          <inkml:channel name="X" type="integer" min="-2.14748E9" max="2.14748E9" units="cm"/>
+          <inkml:channel name="Y" type="integer" min="-2.14748E9" max="2.14748E9" units="cm"/>
+          <inkml:channel name="F" type="integer" max="32767" units="dev"/>
+        </inkml:traceFormat>
+        <inkml:channelProperties>
+          <inkml:channelProperty channel="X" name="resolution" value="1000" units="1/cm"/>
+          <inkml:channelProperty channel="Y" name="resolution" value="1000" units="1/cm"/>
+          <inkml:channelProperty channel="F" name="resolution" value="0" units="1/dev"/>
+        </inkml:channelProperties>
+      </inkml:inkSource>
+      <inkml:timestamp xml:id="ts0" timeString="2023-09-16T03:55:17.920"/>
+    </inkml:context>
+    <inkml:brush xml:id="br0">
+      <inkml:brushProperty name="width" value="0.05" units="cm"/>
+      <inkml:brushProperty name="height" value="0.05" units="cm"/>
+    </inkml:brush>
+  </inkml:definitions>
+  <inkml:trace contextRef="#ctx0" brushRef="#br0">0 1 1668,'1'2'1137,"4"41"2557,-2-14-2032,7 33 0,-7-53-1476,-1-1 0,1 0 0,0 1 0,0-1-1,1-1 1,1 1 0,-1 0 0,8 9 0,-10-16-155,-1 0 1,0 0-1,1 0 1,0 0-1,-1 0 1,1 0-1,0 0 1,-1 0-1,1-1 0,0 1 1,0-1-1,0 1 1,-1-1-1,1 0 1,0 1-1,0-1 1,0 0-1,0 0 1,0-1-1,2 1 1,-1 0-3,0-1 1,0 0-1,1 1 1,-1-1-1,0 0 1,0-1 0,0 1-1,0 0 1,0-1-1,3-2 1,16-16 809,35-43 0,-46 54-346,-11 8-465,1 1 1,-1 0 0,0-1 0,1 1 0,-1 0 0,0-1-1,1 1 1,-1 0 0,0 0 0,1 0 0,-1-1 0,0 1-1,1 0 1,-1 0 0,1 0 0,-1 0 0,0 0-1,1 0 1,-1 0 0,1 0 0,-1 0 0,0 0 0,1 0-1,-1 0 1,1 0 0,-1 0 0,0 0 0,1 0 0,-1 0-1,1 0 1,-1 0 0,0 1 0,1-1 0,4 10-95,0 1 0,-1 0 0,4 14 0,-7-20-325,1-1 0,0 1 0,0 0 0,0 0 0,1-1 0,-1 1 0,6 5 0,4 2-5252</inkml:trace>
+</inkml:ink>
+</file>
+
+<file path=ppt/ink/ink64.xml><?xml version="1.0" encoding="utf-8"?>
+<inkml:ink xmlns:inkml="http://www.w3.org/2003/InkML">
+  <inkml:definitions>
+    <inkml:context xml:id="ctx0">
+      <inkml:inkSource xml:id="inkSrc0">
+        <inkml:traceFormat>
+          <inkml:channel name="X" type="integer" min="-2.14748E9" max="2.14748E9" units="cm"/>
+          <inkml:channel name="Y" type="integer" min="-2.14748E9" max="2.14748E9" units="cm"/>
+          <inkml:channel name="F" type="integer" max="32767" units="dev"/>
+        </inkml:traceFormat>
+        <inkml:channelProperties>
+          <inkml:channelProperty channel="X" name="resolution" value="1000" units="1/cm"/>
+          <inkml:channelProperty channel="Y" name="resolution" value="1000" units="1/cm"/>
+          <inkml:channelProperty channel="F" name="resolution" value="0" units="1/dev"/>
+        </inkml:channelProperties>
+      </inkml:inkSource>
+      <inkml:timestamp xml:id="ts0" timeString="2023-09-16T03:55:18.299"/>
+    </inkml:context>
+    <inkml:brush xml:id="br0">
+      <inkml:brushProperty name="width" value="0.05" units="cm"/>
+      <inkml:brushProperty name="height" value="0.05" units="cm"/>
+    </inkml:brush>
+  </inkml:definitions>
+  <inkml:trace contextRef="#ctx0" brushRef="#br0">0 177 892,'9'-21'2199,"-8"20"-2096,-1 0 0,1 1 0,-1-1 1,1 0-1,-1 1 0,1-1 0,0 0 0,-1 1 0,1-1 1,0 1-1,0-1 0,-1 1 0,1 0 0,0-1 0,0 1 0,0 0 1,-1-1-1,1 1 0,0 0 0,0 0 0,0 0 0,0 0 0,0 0 1,-1 0-1,1 0 0,0 0 0,1 0 0,8 3 133,-1 0 0,1 1 1,-1 0-1,0 1 0,0 0 0,-1 0 0,1 1 0,-1 0 0,10 10 0,-1 0 54,-1 2 0,28 36 0,-35-41-174,-1 1-1,0 0 1,0 1-1,-2 0 1,0 0-1,6 24 1,-10-32-84,0 1 1,-1 0-1,0-1 0,0 1 1,0 0-1,-1-1 1,-1 1-1,1 0 1,-1 0-1,-1-1 0,1 1 1,-1-1-1,0 1 1,-1-1-1,-4 9 1,5-13 31,0-1 0,0 0 1,0 0-1,0 0 0,0 0 1,0-1-1,-1 1 0,1 0 1,-1-1-1,1 0 1,-1 1-1,0-1 0,1 0 1,-1-1-1,0 1 0,0 0 1,0-1-1,1 1 0,-1-1 1,-5 0-1,6 0 246,1-1-268,0 0 0,0 0 0,0 0 0,0 1 0,0-1 0,1 0 0,-1 1 0,-1-1 0,1 1 0,0-1 0,0 1 0,-1-1 0,-2-1 63,3 1-60,-1 0 0,1 0-1,0 0 1,0 0 0,0 0 0,0 0 0,0-1 0,0 1 0,0 0 0,0-1-1,0 1 1,1-1 0,-1 1 0,1-1 0,-1 1 0,1-1 0,-1 1-1,1-1 1,0 0 0,0 1 0,0-3 0,0 1 85,-1-7-33,1 0 1,1 0-1,0-1 1,0 1 0,1 0-1,0 0 1,1 0-1,6-17 1,3 1-144,26-44 1,-22 43-197,-2 3-388,0 0-1,1 1 1,2 1 0,26-29-1,5 3-4674,-32 35 2606</inkml:trace>
+  <inkml:trace contextRef="#ctx0" brushRef="#br0" timeOffset="1">529 2 1400,'5'-1'5114,"-9"6"-3487,-14 16-2317,12-15 1340,-9 13-100,0 1-1,1 1 1,1 0-1,2 0 1,-18 44-1,21-47-288,1 1-1,1 0 0,1 0 0,-3 21 0,7-31-167,0 0 0,0 0 0,1 0-1,0 0 1,1 0 0,0 0 0,0-1-1,1 1 1,0 0 0,1-1 0,4 12 0,-6-18-162,1 0 1,-1 1-1,1-1 1,-1 0 0,1 0-1,0 0 1,0 0-1,0-1 1,0 1-1,0 0 1,0-1 0,0 0-1,0 1 1,1-1-1,3 1 1,-4-1-297,0 0-1,0-1 1,0 0 0,0 0 0,0 1-1,0-1 1,0 0 0,0-1 0,0 1-1,0 0 1,0 0 0,0-1 0,0 1-1,0-1 1,0 0 0,2-1 0,18-9-2564</inkml:trace>
+</inkml:ink>
+</file>
+
+<file path=ppt/ink/ink65.xml><?xml version="1.0" encoding="utf-8"?>
+<inkml:ink xmlns:inkml="http://www.w3.org/2003/InkML">
+  <inkml:definitions>
+    <inkml:context xml:id="ctx0">
+      <inkml:inkSource xml:id="inkSrc0">
+        <inkml:traceFormat>
+          <inkml:channel name="X" type="integer" min="-2.14748E9" max="2.14748E9" units="cm"/>
+          <inkml:channel name="Y" type="integer" min="-2.14748E9" max="2.14748E9" units="cm"/>
+          <inkml:channel name="F" type="integer" max="32767" units="dev"/>
+        </inkml:traceFormat>
+        <inkml:channelProperties>
+          <inkml:channelProperty channel="X" name="resolution" value="1000" units="1/cm"/>
+          <inkml:channelProperty channel="Y" name="resolution" value="1000" units="1/cm"/>
+          <inkml:channelProperty channel="F" name="resolution" value="0" units="1/dev"/>
+        </inkml:channelProperties>
+      </inkml:inkSource>
+      <inkml:timestamp xml:id="ts0" timeString="2023-09-16T03:55:18.662"/>
+    </inkml:context>
+    <inkml:brush xml:id="br0">
+      <inkml:brushProperty name="width" value="0.05" units="cm"/>
+      <inkml:brushProperty name="height" value="0.05" units="cm"/>
+    </inkml:brush>
+  </inkml:definitions>
+  <inkml:trace contextRef="#ctx0" brushRef="#br0">4 248 1364,'0'0'1108,"2"-2"-634,48-43 1477,-34 32-1749,0-1 1,-1-1-1,-1 0 0,16-21 1,-27 30-5,0 0 1,0 0 0,4-11 0,-6 14-43,0 0-1,0 0 1,0 1 0,-1-1-1,1 0 1,-1 0 0,0 0-1,0 0 1,0 0 0,0 0-1,0 1 1,-2-5-1,-4-10 199,6 17-329,-1-1-1,1 0 1,0 1-1,-1-1 1,1 0-1,-1 1 1,1-1-1,-1 1 0,1-1 1,-1 1-1,1-1 1,-1 1-1,1-1 1,-1 1-1,0-1 0,1 1 1,-1 0-1,0-1 1,1 1-1,-1 0 1,0 0-1,1-1 1,-1 1-1,-1 0 0,1 0 56,0-1-45,1 1-1,-1-1 1,0 1 0,1 0-1,-1-1 1,0 1-1,0 0 1,0 0-1,0-1 1,1 1 0,-1 0-1,0 0 1,0 0-1,0 0 1,-1 0-1,0 0 66,-1 0 197,-3 2-19,-1 2-182,0 0 0,-1 0 0,1 1 0,1 0 1,-1 0-1,1 1 0,0 0 0,0 0 0,1 0 1,-9 13-1,7-7-14,2 1-1,-1 0 1,1 0 0,1 1-1,1-1 1,0 1 0,0 0 0,1 0-1,1 0 1,0 0 0,2 16 0,0-27-79,-1 1 1,1-1-1,-1 0 1,1 0 0,0 1-1,1-1 1,-1 0-1,0 0 1,1 0 0,0 0-1,0-1 1,2 4-1,-3-4-76,1-1-1,-1 0 1,1 1-1,-1-1 0,1 0 1,0 0-1,-1 0 0,1 0 1,0-1-1,0 1 0,-1 0 1,1-1-1,0 1 1,0-1-1,0 0 0,0 0 1,0 1-1,0-1 0,-1 0 1,1-1-1,0 1 1,0 0-1,0-1 0,0 1 1,3-2-1,13-4-676,-1 0-1,0-2 1,19-10-1,-5-5-1776,2-4 33</inkml:trace>
+</inkml:ink>
+</file>
+
+<file path=ppt/ink/ink66.xml><?xml version="1.0" encoding="utf-8"?>
+<inkml:ink xmlns:inkml="http://www.w3.org/2003/InkML">
+  <inkml:definitions>
+    <inkml:context xml:id="ctx0">
+      <inkml:inkSource xml:id="inkSrc0">
+        <inkml:traceFormat>
+          <inkml:channel name="X" type="integer" min="-2.14748E9" max="2.14748E9" units="cm"/>
+          <inkml:channel name="Y" type="integer" min="-2.14748E9" max="2.14748E9" units="cm"/>
+          <inkml:channel name="F" type="integer" max="32767" units="dev"/>
+        </inkml:traceFormat>
+        <inkml:channelProperties>
+          <inkml:channelProperty channel="X" name="resolution" value="1000" units="1/cm"/>
+          <inkml:channelProperty channel="Y" name="resolution" value="1000" units="1/cm"/>
+          <inkml:channelProperty channel="F" name="resolution" value="0" units="1/dev"/>
+        </inkml:channelProperties>
+      </inkml:inkSource>
+      <inkml:timestamp xml:id="ts0" timeString="2023-09-16T03:55:19.011"/>
+    </inkml:context>
+    <inkml:brush xml:id="br0">
+      <inkml:brushProperty name="width" value="0.05" units="cm"/>
+      <inkml:brushProperty name="height" value="0.05" units="cm"/>
+    </inkml:brush>
+  </inkml:definitions>
+  <inkml:trace contextRef="#ctx0" brushRef="#br0">177 28 1876,'-2'-3'998,"-2"0"-548,1 0 0,0 1 1,-1-1-1,0 1 1,1 0-1,-1 0 1,0 0-1,0 0 1,-8-1-1,9 2 323,-1 2-65,-11 4-89,14-5-579,0 0 0,1 0-1,-1 0 1,0 1 0,0-1-1,1 0 1,-1 1 0,1-1-1,-1 1 1,0-1 0,1 1-1,-1-1 1,1 1 0,-1-1-1,1 1 1,-1 0 0,1-1-1,-1 1 1,1-1 0,0 1 0,-1 0-1,1 0 1,-1 1 93,0 0-33,-1 1 1,0-1 0,1 1 0,0 0-1,0 0 1,0-1 0,0 1 0,0 0-1,0 0 1,1 0 0,-1 0 0,1 0-1,0 0 1,0 0 0,1 6-1,1 2 97,0 0-1,6 19 0,-5-20-77,13 36 227,12 50 309,-26-87-604,0-1 0,-1 1 0,0 0 0,0-1 1,-1 1-1,-1 0 0,1 0 0,-4 14 1,3-20-141,0 0 0,0-1 0,0 1 1,-1 0-1,1-1 0,-1 1 0,0-1 1,0 0-1,1 0 0,-1 1 0,-1-1 1,1 0-1,0 0 0,0-1 0,-1 1 1,1 0-1,-1-1 0,-4 2 0,-3 1-890,0 0-1,0-1 0,-17 3 0,11-3-861,-13 5-1261</inkml:trace>
+</inkml:ink>
+</file>
+
+<file path=ppt/ink/ink67.xml><?xml version="1.0" encoding="utf-8"?>
+<inkml:ink xmlns:inkml="http://www.w3.org/2003/InkML">
+  <inkml:definitions>
+    <inkml:context xml:id="ctx0">
+      <inkml:inkSource xml:id="inkSrc0">
+        <inkml:traceFormat>
+          <inkml:channel name="X" type="integer" min="-2.14748E9" max="2.14748E9" units="cm"/>
+          <inkml:channel name="Y" type="integer" min="-2.14748E9" max="2.14748E9" units="cm"/>
+          <inkml:channel name="F" type="integer" max="32767" units="dev"/>
+        </inkml:traceFormat>
+        <inkml:channelProperties>
+          <inkml:channelProperty channel="X" name="resolution" value="1000" units="1/cm"/>
+          <inkml:channelProperty channel="Y" name="resolution" value="1000" units="1/cm"/>
+          <inkml:channelProperty channel="F" name="resolution" value="0" units="1/dev"/>
+        </inkml:channelProperties>
+      </inkml:inkSource>
+      <inkml:timestamp xml:id="ts0" timeString="2023-09-16T03:55:20.654"/>
+    </inkml:context>
+    <inkml:brush xml:id="br0">
+      <inkml:brushProperty name="width" value="0.05" units="cm"/>
+      <inkml:brushProperty name="height" value="0.05" units="cm"/>
+    </inkml:brush>
+  </inkml:definitions>
+  <inkml:trace contextRef="#ctx0" brushRef="#br0">12 12 1876,'0'0'885,"-6"-10"860,1 9 2257,11 33-3426,1 0-1,17 45 1,-2-5-55,10 19 32,-15-48-362,-10-23-676,2 0 0,14 25-1,-8-31-6286</inkml:trace>
+</inkml:ink>
+</file>
+
+<file path=ppt/ink/ink68.xml><?xml version="1.0" encoding="utf-8"?>
+<inkml:ink xmlns:inkml="http://www.w3.org/2003/InkML">
+  <inkml:definitions>
+    <inkml:context xml:id="ctx0">
+      <inkml:inkSource xml:id="inkSrc0">
+        <inkml:traceFormat>
+          <inkml:channel name="X" type="integer" min="-2.14748E9" max="2.14748E9" units="cm"/>
+          <inkml:channel name="Y" type="integer" min="-2.14748E9" max="2.14748E9" units="cm"/>
+          <inkml:channel name="F" type="integer" max="32767" units="dev"/>
+        </inkml:traceFormat>
+        <inkml:channelProperties>
+          <inkml:channelProperty channel="X" name="resolution" value="1000" units="1/cm"/>
+          <inkml:channelProperty channel="Y" name="resolution" value="1000" units="1/cm"/>
+          <inkml:channelProperty channel="F" name="resolution" value="0" units="1/dev"/>
+        </inkml:channelProperties>
+      </inkml:inkSource>
+      <inkml:timestamp xml:id="ts0" timeString="2023-09-16T03:55:21.049"/>
+    </inkml:context>
+    <inkml:brush xml:id="br0">
+      <inkml:brushProperty name="width" value="0.05" units="cm"/>
+      <inkml:brushProperty name="height" value="0.05" units="cm"/>
+    </inkml:brush>
+  </inkml:definitions>
+  <inkml:trace contextRef="#ctx0" brushRef="#br0">0 15 1740,'0'0'1800,"2"4"-1019,1 1-476,-1 0 1,0 0-1,0 0 1,0 0-1,2 10 0,-2-2-87,0-1-1,1 1 0,1-1 0,0 1 1,1-1-1,1 0 0,-1-1 1,2 1-1,0-1 0,0-1 1,1 1-1,13 14 0,-16-21-171,0 0 1,0-1-1,0 1 0,0-1 0,1 0 1,0 0-1,-1 0 0,1-1 0,0 0 1,0 0-1,0-1 0,1 0 1,-1 0-1,0 0 0,0-1 0,1 1 1,-1-2-1,0 1 0,0-1 0,9-1 1,-10 1 3,0-1 0,0 0 1,0 1-1,0-1 1,0-1-1,-1 1 0,1-1 1,-1 0-1,1 0 1,-1 0-1,0 0 0,0-1 1,-1 0-1,1 1 1,-1-2-1,0 1 0,0 0 1,0 0-1,0-1 1,-1 0-1,0 1 0,0-1 1,0 0-1,2-8 1,-3 4 72,0 0 0,0 1 0,-1-1 0,0 0 1,0 0-1,-1 1 0,0-1 0,-1 0 0,0 1 0,0-1 1,-1 1-1,0 0 0,0 0 0,-8-13 0,9 19-90,0-1-1,0 1 1,0 0-1,0 1 1,-1-1-1,1 0 1,0 1-1,-1-1 1,1 1-1,-1 0 0,0 0 1,1 0-1,-6-2 1,3 3-133,1-1-1,0 1 1,-1-1 0,1 1-1,-1 1 1,1-1 0,-1 1-1,-3 0 1,-21 9-5658,15-3 2659</inkml:trace>
+</inkml:ink>
+</file>
+
+<file path=ppt/ink/ink69.xml><?xml version="1.0" encoding="utf-8"?>
+<inkml:ink xmlns:inkml="http://www.w3.org/2003/InkML">
+  <inkml:definitions>
+    <inkml:context xml:id="ctx0">
+      <inkml:inkSource xml:id="inkSrc0">
+        <inkml:traceFormat>
+          <inkml:channel name="X" type="integer" min="-2.14748E9" max="2.14748E9" units="cm"/>
+          <inkml:channel name="Y" type="integer" min="-2.14748E9" max="2.14748E9" units="cm"/>
+          <inkml:channel name="F" type="integer" max="32767" units="dev"/>
+        </inkml:traceFormat>
+        <inkml:channelProperties>
+          <inkml:channelProperty channel="X" name="resolution" value="1000" units="1/cm"/>
+          <inkml:channelProperty channel="Y" name="resolution" value="1000" units="1/cm"/>
+          <inkml:channelProperty channel="F" name="resolution" value="0" units="1/dev"/>
+        </inkml:channelProperties>
+      </inkml:inkSource>
+      <inkml:timestamp xml:id="ts0" timeString="2023-09-16T03:55:21.440"/>
+    </inkml:context>
+    <inkml:brush xml:id="br0">
+      <inkml:brushProperty name="width" value="0.05" units="cm"/>
+      <inkml:brushProperty name="height" value="0.05" units="cm"/>
+    </inkml:brush>
+  </inkml:definitions>
+  <inkml:trace contextRef="#ctx0" brushRef="#br0">114 272 1572,'0'0'948,"-3"-2"-28,-7-9 2130,8 18-2458,-20 94 834,8-40-833,8-37-235,-4 42-1,6-37-61,-9 36-1,7-41-62,2 1 0,-3 36 0,5-42 46,-6 33 0,6-42-151,2-8 440,1-14-510,2-14-28,10-133 354,-5-279 924,-8 437-1299,1-38 413,3 1 1,8-42-1,-12 79-336,3-8 15,-3 9-90,0 0 1,1 0 0,-1 0-1,0-1 1,0 1 0,0 0-1,0 0 1,0 0 0,1 0-1,-1 0 1,0 0 0,0 0-1,0 0 1,0 0 0,1 0-1,-1 0 1,0 0-1,0 0 1,0 0 0,0 0-1,1 0 1,-1 0 0,0 0-1,0 0 1,0 0 0,0 0-1,1 0 1,-1 0 0,0 0-1,0 0 1,0 0 0,0 0-1,0 0 1,1 0-1,-1 0 1,0 0 0,0 1-1,0-1 1,0 0 0,0 0-1,0 0 1,1 0 0,-1 0-1,0 1 1,0-1 0,0 0-1,0 0 1,0 0 0,0 0-1,0 1 1,0-1-1,0 0 1,11 18 56,-1-1 1,-1 2-1,13 37 1,66 241 206,-61-200-841,-13-34-1067,-5-25-5799</inkml:trace>
+</inkml:ink>
+</file>
+
 <file path=ppt/ink/ink7.xml><?xml version="1.0" encoding="utf-8"?>
 <inkml:ink xmlns:inkml="http://www.w3.org/2003/InkML">
   <inkml:definitions>
@@ -1423,6 +2570,276 @@
     </inkml:brush>
   </inkml:definitions>
   <inkml:trace contextRef="#ctx0" brushRef="#br0">1405 244 836,'-13'-40'6225,"13"38"-5735,-1 0-27,-3-4-168,1 0 0,-1 0 0,0 0 0,-1 1 0,1-1 0,-1 1 0,0 0 0,-1 1-1,1-1 1,-1 1 0,0 0 0,0 0 0,0 1 0,-13-6 0,-8-1-232,0 2-1,-41-9 1,33 10 224,-20-5-191,-1 3 1,1 3 0,-77 1 0,20 13-23,57-3-27,9 2-19,0 2 1,1 2 0,0 2 0,-51 21 0,68-22 44,1 1 0,0 1 1,1 1-1,1 1 1,0 1-1,-37 35 1,45-35-53,1 1 1,0 1-1,1 0 1,2 1-1,0 1 1,1 0 0,-13 31-1,13-23-6,2 1 0,1-1-1,1 2 1,2-1 0,-4 42-1,9-54-5,1 0-1,1 1 1,6 32-1,17 53 30,-22-95-36,10 29 13,2-1 1,1-1 0,2 0-1,1-1 1,2 0-1,1-2 1,2 0 0,36 38-1,-33-43 4,1-2-1,2-1 0,1-1 1,65 40-1,140 57 39,-213-110-45,177 77 50,-164-77-54,47 9 1,-26-7 11,124 18-9,-57-13-20,-89-12 19,1-3-1,61 0 1,70-14 7,-85 1-7,108-25 0,-109 17-8,38-10 1,-41 8-48,-41 12 46,-1-2 1,49-20-1,6-5 8,-2 2 12,78-43-33,-27-8-12,-67 39-59,-23 11-109,70-61 0,-78 61 37,51-49-55,-85 75 203,0 0-1,-1-1 0,0 0 0,0 0 1,-1-1-1,0 1 0,-1-1 1,5-18-1,-6 16 35,-1 1 1,-1-1-1,0 0 1,-1 1 0,0-1-1,0 0 1,-1 0-1,-1 1 1,0-1-1,-6-18 1,2 16 49,-1 0 0,0 0 1,-1 1-1,-1 0 0,0 1 1,0 0-1,-1 0 0,-20-17 1,-104-112 577,112 118-500,-1 1-1,-2 2 0,0 0 1,-48-28-1,-117-52 194,169 90-320,-480-212 612,472 213-629,0 1 0,0 1 0,-1 1 0,0 2 0,-40-1 0,24 5-15,-64 8 0,93-6 10,0-1 1,0 0 0,-18-2 0,1 0 40,-83-4 199,48 1-78,-50-11 246,106 12-342,-70-9 138,77 11-186,0 0-7,-1 0 0,0 0 0,1 1 1,-8 1-1,-3 0-17,-25 2 18,5 0 33,-52 10-10,52-11-5,32-1-34,-22 0-11,7-1 30,-17-1-271,34 1 10</inkml:trace>
+</inkml:ink>
+</file>
+
+<file path=ppt/ink/ink70.xml><?xml version="1.0" encoding="utf-8"?>
+<inkml:ink xmlns:inkml="http://www.w3.org/2003/InkML">
+  <inkml:definitions>
+    <inkml:context xml:id="ctx0">
+      <inkml:inkSource xml:id="inkSrc0">
+        <inkml:traceFormat>
+          <inkml:channel name="X" type="integer" min="-2.14748E9" max="2.14748E9" units="cm"/>
+          <inkml:channel name="Y" type="integer" min="-2.14748E9" max="2.14748E9" units="cm"/>
+          <inkml:channel name="F" type="integer" max="32767" units="dev"/>
+        </inkml:traceFormat>
+        <inkml:channelProperties>
+          <inkml:channelProperty channel="X" name="resolution" value="1000" units="1/cm"/>
+          <inkml:channelProperty channel="Y" name="resolution" value="1000" units="1/cm"/>
+          <inkml:channelProperty channel="F" name="resolution" value="0" units="1/dev"/>
+        </inkml:channelProperties>
+      </inkml:inkSource>
+      <inkml:timestamp xml:id="ts0" timeString="2023-09-16T03:55:21.773"/>
+    </inkml:context>
+    <inkml:brush xml:id="br0">
+      <inkml:brushProperty name="width" value="0.05" units="cm"/>
+      <inkml:brushProperty name="height" value="0.05" units="cm"/>
+    </inkml:brush>
+  </inkml:definitions>
+  <inkml:trace contextRef="#ctx0" brushRef="#br0">1 328 1288,'0'0'2052,"3"-7"-1533,1 0-368,0-1 0,1 1 0,0 0-1,0 0 1,1 1 0,0-1 0,10-8 0,213-152 707,-119 90-3546,-93 64 1412</inkml:trace>
+</inkml:ink>
+</file>
+
+<file path=ppt/ink/ink71.xml><?xml version="1.0" encoding="utf-8"?>
+<inkml:ink xmlns:inkml="http://www.w3.org/2003/InkML">
+  <inkml:definitions>
+    <inkml:context xml:id="ctx0">
+      <inkml:inkSource xml:id="inkSrc0">
+        <inkml:traceFormat>
+          <inkml:channel name="X" type="integer" min="-2.14748E9" max="2.14748E9" units="cm"/>
+          <inkml:channel name="Y" type="integer" min="-2.14748E9" max="2.14748E9" units="cm"/>
+          <inkml:channel name="F" type="integer" max="32767" units="dev"/>
+        </inkml:traceFormat>
+        <inkml:channelProperties>
+          <inkml:channelProperty channel="X" name="resolution" value="1000" units="1/cm"/>
+          <inkml:channelProperty channel="Y" name="resolution" value="1000" units="1/cm"/>
+          <inkml:channelProperty channel="F" name="resolution" value="0" units="1/dev"/>
+        </inkml:channelProperties>
+      </inkml:inkSource>
+      <inkml:timestamp xml:id="ts0" timeString="2023-09-16T03:55:22.121"/>
+    </inkml:context>
+    <inkml:brush xml:id="br0">
+      <inkml:brushProperty name="width" value="0.05" units="cm"/>
+      <inkml:brushProperty name="height" value="0.05" units="cm"/>
+    </inkml:brush>
+  </inkml:definitions>
+  <inkml:trace contextRef="#ctx0" brushRef="#br0">58 12 1160,'0'0'330,"-5"-2"12,-14-5 20,14 5 1169,0 3-1204,1 1-114,-6 2-216,1-2 3130,14 1-2820,1 0-280,1 1 246,0 1-1,0-1 0,0 1 0,9 10 0,-11-9-22,0 0 1,-1 1-1,0-1 0,0 1 0,-1 0 0,0 0 0,0 0 1,-1 0-1,0 1 0,2 13 0,-1 3 451,0 48-1,-3-57-404,-2 66 979,3-78-1168,2 11 69,-3-11-124,3-3-253,1-1 89,0 1 1,-1-1-1,1 0 1,-1 0-1,1 0 1,-1-1-1,1 1 1,-1-1-1,0 0 0,0 0 1,0 0-1,0 0 1,3-3-1,8-8-624,17-18-1,-21 21 382,4-7-993,0-1 0,0 0 1,11-23-1,-6 8-1409</inkml:trace>
+</inkml:ink>
+</file>
+
+<file path=ppt/ink/ink72.xml><?xml version="1.0" encoding="utf-8"?>
+<inkml:ink xmlns:inkml="http://www.w3.org/2003/InkML">
+  <inkml:definitions>
+    <inkml:context xml:id="ctx0">
+      <inkml:inkSource xml:id="inkSrc0">
+        <inkml:traceFormat>
+          <inkml:channel name="X" type="integer" min="-2.14748E9" max="2.14748E9" units="cm"/>
+          <inkml:channel name="Y" type="integer" min="-2.14748E9" max="2.14748E9" units="cm"/>
+          <inkml:channel name="F" type="integer" max="32767" units="dev"/>
+        </inkml:traceFormat>
+        <inkml:channelProperties>
+          <inkml:channelProperty channel="X" name="resolution" value="1000" units="1/cm"/>
+          <inkml:channelProperty channel="Y" name="resolution" value="1000" units="1/cm"/>
+          <inkml:channelProperty channel="F" name="resolution" value="0" units="1/dev"/>
+        </inkml:channelProperties>
+      </inkml:inkSource>
+      <inkml:timestamp xml:id="ts0" timeString="2023-09-16T03:55:22.534"/>
+    </inkml:context>
+    <inkml:brush xml:id="br0">
+      <inkml:brushProperty name="width" value="0.05" units="cm"/>
+      <inkml:brushProperty name="height" value="0.05" units="cm"/>
+    </inkml:brush>
+  </inkml:definitions>
+  <inkml:trace contextRef="#ctx0" brushRef="#br0">1 107 5989,'12'-30'349,"10"-46"2743,-21 83-2798,7 102 726,-6-95-885,0 0 0,2-1-1,-1 1 1,2-1 0,0 0-1,8 16 1,-12-27-121,0-1 0,0 0-1,0 1 1,0-1 0,0 0-1,0 0 1,0 1 0,1-1 0,-1 0-1,0 0 1,1 0 0,-1-1 0,0 1-1,1 0 1,-1-1 0,1 1 0,0 0-1,-1-1 1,1 0 0,-1 1 0,1-1-1,0 0 1,-1 0 0,1 0-1,0 0 1,3-1 0,-2 1 1,0-1 0,0 0 0,0 0 0,0 0 0,0 0 0,0 0 0,0-1 0,0 1 0,-1-1 0,1 0 0,0 0 0,2-3 0,8-9 177,-1 0 1,0-2-1,-1 1 1,12-24-1,-6 5 770,15-40 0,-32 73-954,0 0-1,1 1 0,-1-1 0,0 1 0,0-1 0,0 1 0,0-1 0,1 0 0,-1 1 1,0-1-1,1 1 0,-1-1 0,0 1 0,1-1 0,-1 1 0,0 0 0,1-1 1,-1 1-1,1-1 0,-1 1 0,1 0 0,-1-1 0,1 1 0,-1 0 0,1 0 1,-1-1-1,1 1 0,0 0 0,-1 0 0,1 0 0,-1 0 0,1 0 0,0 0 1,-1 0-1,1 0 0,-1 0 0,1 0 0,0 0 0,-1 0 0,1 0 0,-1 0 1,2 1-1,12 12-422,-13-12 418,26 34-8077</inkml:trace>
+</inkml:ink>
+</file>
+
+<file path=ppt/ink/ink73.xml><?xml version="1.0" encoding="utf-8"?>
+<inkml:ink xmlns:inkml="http://www.w3.org/2003/InkML">
+  <inkml:definitions>
+    <inkml:context xml:id="ctx0">
+      <inkml:inkSource xml:id="inkSrc0">
+        <inkml:traceFormat>
+          <inkml:channel name="X" type="integer" min="-2.14748E9" max="2.14748E9" units="cm"/>
+          <inkml:channel name="Y" type="integer" min="-2.14748E9" max="2.14748E9" units="cm"/>
+          <inkml:channel name="F" type="integer" max="32767" units="dev"/>
+        </inkml:traceFormat>
+        <inkml:channelProperties>
+          <inkml:channelProperty channel="X" name="resolution" value="1000" units="1/cm"/>
+          <inkml:channelProperty channel="Y" name="resolution" value="1000" units="1/cm"/>
+          <inkml:channelProperty channel="F" name="resolution" value="0" units="1/dev"/>
+        </inkml:channelProperties>
+      </inkml:inkSource>
+      <inkml:timestamp xml:id="ts0" timeString="2023-09-16T03:55:22.913"/>
+    </inkml:context>
+    <inkml:brush xml:id="br0">
+      <inkml:brushProperty name="width" value="0.05" units="cm"/>
+      <inkml:brushProperty name="height" value="0.05" units="cm"/>
+    </inkml:brush>
+  </inkml:definitions>
+  <inkml:trace contextRef="#ctx0" brushRef="#br0">1 91 1752,'6'-25'6269,"-1"29"-5842,3 4-254,0 0-1,0 1 0,-1 0 1,-1 0-1,1 1 1,-1 0-1,-1 0 1,6 13-1,30 96 740,-38-105-835,0 0 0,0 0 0,-2 1 0,1-1 0,-2 1 0,-2 23 0,1-32-87,0-1 0,0 0 0,0 0 0,-1 1 0,0-1 0,0 0-1,-5 8 1,4-10 1,-4 0 5,6-3 213,-4-3-61,0 1-94,4 1-34,-1 0 1,0 1 0,1-1 0,-1 0 0,1 0 0,-1-1 0,1 1 0,-1 0 0,1 0 0,0-1 0,0 1 0,-3-4 0,2 1 34,1-1 1,-1 0-1,1 1 1,0-1-1,0 0 1,0 0-1,1 0 1,0 0-1,0 0 1,1-7-1,-1 2 16,2-1-1,0 0 0,6-19 1,-3 18-29,0-1 1,1 1-1,14-21 0,-16 27-101,0 0-1,0 1 1,1-1-1,0 1 0,0 0 1,1 1-1,-1-1 1,12-6-1,-16 11-19,22-6-215,-11 2 140,1 1 0,-1-2 0,0 0 0,0 0 1,15-9-1,49-39-491,-69 48 652,-1-1 0,0 0 1,-1 1-1,0-2 0,0 1 1,0-1-1,0 0 0,-1 0 1,5-12-1,-9 18 34,0 0 1,1 1-1,-1-1 0,0 0 1,0 0-1,0 0 0,-1 0 1,1 0-1,0 0 0,0 1 1,0-1-1,-1 0 0,1 0 1,0 0-1,-1 0 0,1 1 1,0-1-1,-1 0 0,1 0 1,-1 1-1,0-1 0,1 1 1,-1-1-1,1 0 0,-1 1 1,0-1-1,1 1 0,-1-1 1,0 1-1,0-1 0,0 1 1,-1-1-1,1 1-107,0-1 87,0 1 0,0 0-1,1-1 1,-1 1 0,0 0 0,0 0-1,0-1 1,0 1 0,0 0 0,0 0-1,0 0 1,0 0 0,0 0-1,1 1 1,-1-1 0,0 0 0,0 0-1,0 1 1,0-1 0,0 0 0,-1 1-1,0 0 51,-6 2 30,0 0 0,0 0-1,0 1 1,1 0 0,-1 0-1,1 1 1,0 0 0,0 0-1,1 0 1,0 1-1,0 0 1,-6 8 0,7-8-40,1 0 1,-1 0 0,1 1-1,1 0 1,-1-1 0,1 2-1,0-1 1,1 0 0,-1 0-1,2 1 1,-1 0 0,1-1-1,-1 12 1,3-15-41,-1 1 0,1 0-1,0-1 1,0 1 0,1 0 0,-1-1 0,1 1-1,0-1 1,0 0 0,1 0 0,-1 0 0,1 0-1,0 0 1,0 0 0,0-1 0,1 0 0,-1 1-1,1-1 1,4 3 0,2 1 2,-1-1-1,1 0 1,0-1 0,1 0-1,-1-1 1,23 7 0,2-3-38,1-2 1,0-1-1,0-1 1,49-2-1,-59-4-619,0 0 0,38-10 1,-46 8-617,0-2 0,-1 0 0,0-1 0,19-10 0,-14 5-1947</inkml:trace>
+</inkml:ink>
+</file>
+
+<file path=ppt/ink/ink74.xml><?xml version="1.0" encoding="utf-8"?>
+<inkml:ink xmlns:inkml="http://www.w3.org/2003/InkML">
+  <inkml:definitions>
+    <inkml:context xml:id="ctx0">
+      <inkml:inkSource xml:id="inkSrc0">
+        <inkml:traceFormat>
+          <inkml:channel name="X" type="integer" min="-2.14748E9" max="2.14748E9" units="cm"/>
+          <inkml:channel name="Y" type="integer" min="-2.14748E9" max="2.14748E9" units="cm"/>
+          <inkml:channel name="F" type="integer" max="32767" units="dev"/>
+        </inkml:traceFormat>
+        <inkml:channelProperties>
+          <inkml:channelProperty channel="X" name="resolution" value="1000" units="1/cm"/>
+          <inkml:channelProperty channel="Y" name="resolution" value="1000" units="1/cm"/>
+          <inkml:channelProperty channel="F" name="resolution" value="0" units="1/dev"/>
+        </inkml:channelProperties>
+      </inkml:inkSource>
+      <inkml:timestamp xml:id="ts0" timeString="2023-09-16T03:55:23.262"/>
+    </inkml:context>
+    <inkml:brush xml:id="br0">
+      <inkml:brushProperty name="width" value="0.05" units="cm"/>
+      <inkml:brushProperty name="height" value="0.05" units="cm"/>
+    </inkml:brush>
+  </inkml:definitions>
+  <inkml:trace contextRef="#ctx0" brushRef="#br0">5 305 924,'-2'33'1529,"-1"5"658,4 75 1,7-19-1060,11 85 564,-15-153-1324,-4-23 141,3-10-454,4-20 40,-1 1-1,-1-1 0,2-38 0,-2-89 444,-5 70-130,9-163 1467,5 119-132,-14 127-1711,1-1 0,-1 1 0,1-1 0,-1 1 0,1-1 0,-1 1 1,1-1-1,0 1 0,0-1 0,0 1 0,0 0 0,0-1 0,0 1 0,0 0 1,0 0-1,2-1 0,-2 1 451,4 4-415,16 8-17,-21-11-49,0 0-1,1 0 1,-1 0 0,0 0-1,1 0 1,-1 1 0,0-1 0,0 0-1,1 0 1,-1 0 0,0 1-1,1-1 1,-1 0 0,0 0 0,0 1-1,0-1 1,1 0 0,-1 1 0,0-1-1,0 0 1,0 0 0,0 1-1,1-1 1,-1 0 0,0 1 0,2 8-38,0 0 0,-1 1 0,0-1 0,-1 0 0,0 0 1,0 1-1,-1-1 0,0 0 0,0 0 0,-1 0 1,-1 0-1,0 0 0,-5 12 0,0-3-303,0-2 0,-1 1 0,-1-1 0,-1 0-1,-23 25 1,32-39 77,-2 3 293,4-5-45,0 0-1,0 0 1,0 0-1,0 0 1,0 0 0,0 1-1,0-1 1,0 0-1,0 0 1,0 0 0,0 0-1,0 0 1,0 0-1,0 0 1,0 0 0,0 0-1,0 0 1,0 0-1,0 0 1,0 0-1,0 0 1,0 1 0,0-1-1,0 0 1,0 0-1,0 0 1,0 0 0,0 0-1,0 0 1,0 0-1,0 0 1,0 0 0,0 0-1,1 0 1,-1 0-1,0 0 1,0 0 0,0 0-1,0 0 1,0 0-1,0 0 1,0 0 0,0 0-1,0 0 1,0 0-1,0 0 1,0 0 0,0 0-1,0 0 1,1 0-1,-1 0 1,0 0-1,0 0 1,0 0 0,0 0-1,0 0 1,0 0-1,0 0 1,0 0 0,0 0-1,0 0 1,0 0-1,0 0 1,0 0 0,0 0-1,6-1-14,0 0 0,1 1-1,-1-1 1,0 2 0,0-1 0,0 1 0,0-1-1,0 2 1,0-1 0,-1 1 0,1 0-1,6 3 1,2 4 5,0 0 0,-1 1 0,0 1 0,-1 0 1,0 1-1,-1 0 0,0 1 0,-1 0 0,14 24 0,-18-26-683,-1 1 0,1 0 1,-2 0-1,5 16 0,-7-24-2044,4 7 32</inkml:trace>
+</inkml:ink>
+</file>
+
+<file path=ppt/ink/ink75.xml><?xml version="1.0" encoding="utf-8"?>
+<inkml:ink xmlns:inkml="http://www.w3.org/2003/InkML">
+  <inkml:definitions>
+    <inkml:context xml:id="ctx0">
+      <inkml:inkSource xml:id="inkSrc0">
+        <inkml:traceFormat>
+          <inkml:channel name="X" type="integer" min="-2.14748E9" max="2.14748E9" units="cm"/>
+          <inkml:channel name="Y" type="integer" min="-2.14748E9" max="2.14748E9" units="cm"/>
+          <inkml:channel name="F" type="integer" max="32767" units="dev"/>
+        </inkml:traceFormat>
+        <inkml:channelProperties>
+          <inkml:channelProperty channel="X" name="resolution" value="1000" units="1/cm"/>
+          <inkml:channelProperty channel="Y" name="resolution" value="1000" units="1/cm"/>
+          <inkml:channelProperty channel="F" name="resolution" value="0" units="1/dev"/>
+        </inkml:channelProperties>
+      </inkml:inkSource>
+      <inkml:timestamp xml:id="ts0" timeString="2023-09-16T03:55:23.675"/>
+    </inkml:context>
+    <inkml:brush xml:id="br0">
+      <inkml:brushProperty name="width" value="0.05" units="cm"/>
+      <inkml:brushProperty name="height" value="0.05" units="cm"/>
+    </inkml:brush>
+  </inkml:definitions>
+  <inkml:trace contextRef="#ctx0" brushRef="#br0">247 1 1000,'0'0'2264,"-4"0"-1251,1 0-825,0 1 0,0-1 0,0 1 0,0 0 0,0 0 0,0 0-1,0 0 1,0 0 0,0 1 0,1-1 0,-1 1 0,1 0 0,-1-1 0,1 1 0,-1 1 0,1-1 0,0 0-1,-2 3 1,-22 32 549,1 1 0,2 1 0,2 1 0,1 1 0,2 1-1,-23 84 1,36-108-538,1 0-1,1 0 1,1 0-1,0 0 1,2 29 0,1-44-163,-1 0 0,1 0 0,0 0 0,0-1 0,0 1 0,0 0 0,1 0 1,-1-1-1,3 4 0,-4-6-33,1 2 69,18-1 51,-15-1-70,2-3 8,10-5-2,0-2 1,25-18-1,-8 5 36,-26 19-9,1-1 0,-1 0 0,10-10 0,-15 14-45,0-1-1,1 0 0,-1 1 1,1 0-1,0-1 0,-1 1 1,1 0-1,0 0 0,4 0 0,-3 0 5,-1 0 62,1 2-12,3 1-41,0 0 0,0 0 0,0 1 1,0 0-1,8 6 0,-7-3-111,-1 1-1,-1-1 1,1 1-1,-1 1 1,0-1 0,0 1-1,6 12 1,-11-18-467,-1 2-1238,1 10-347</inkml:trace>
+</inkml:ink>
+</file>
+
+<file path=ppt/ink/ink76.xml><?xml version="1.0" encoding="utf-8"?>
+<inkml:ink xmlns:inkml="http://www.w3.org/2003/InkML">
+  <inkml:definitions>
+    <inkml:context xml:id="ctx0">
+      <inkml:inkSource xml:id="inkSrc0">
+        <inkml:traceFormat>
+          <inkml:channel name="X" type="integer" min="-2.14748E9" max="2.14748E9" units="cm"/>
+          <inkml:channel name="Y" type="integer" min="-2.14748E9" max="2.14748E9" units="cm"/>
+          <inkml:channel name="F" type="integer" max="32767" units="dev"/>
+        </inkml:traceFormat>
+        <inkml:channelProperties>
+          <inkml:channelProperty channel="X" name="resolution" value="1000" units="1/cm"/>
+          <inkml:channelProperty channel="Y" name="resolution" value="1000" units="1/cm"/>
+          <inkml:channelProperty channel="F" name="resolution" value="0" units="1/dev"/>
+        </inkml:channelProperties>
+      </inkml:inkSource>
+      <inkml:timestamp xml:id="ts0" timeString="2023-09-16T03:55:28.779"/>
+    </inkml:context>
+    <inkml:brush xml:id="br0">
+      <inkml:brushProperty name="width" value="0.05" units="cm"/>
+      <inkml:brushProperty name="height" value="0.05" units="cm"/>
+    </inkml:brush>
+  </inkml:definitions>
+  <inkml:trace contextRef="#ctx0" brushRef="#br0">7 688 1148,'0'0'5163,"-1"-4"-4856,-4-9-36,5 13-264,0 0-1,0 0 1,0 0-1,0-1 0,0 1 1,0 0-1,0 0 1,0 0-1,0-1 1,0 1-1,0 0 0,0 0 1,0 0-1,0 0 1,0-1-1,0 1 1,0 0-1,0 0 0,0 0 1,0 0-1,0-1 1,0 1-1,0 0 1,0 0-1,0 0 0,0 0 1,0-1-1,0 1 1,0 0-1,1 0 1,-1 0-1,0 0 0,0 0 1,0 0-1,0-1 1,0 1-1,1 0 1,-1 0-1,25-22 406,1 0 1,42-26-1,66-31 205,-64 40-365,15-8 206,140-54-1,100-14 183,-271 97-550,417-119 929,-364 112 114,-105 25-1039,19-7-418,-15 6-3116,-2 0 512,15-2 35</inkml:trace>
+</inkml:ink>
+</file>
+
+<file path=ppt/ink/ink77.xml><?xml version="1.0" encoding="utf-8"?>
+<inkml:ink xmlns:inkml="http://www.w3.org/2003/InkML">
+  <inkml:definitions>
+    <inkml:context xml:id="ctx0">
+      <inkml:inkSource xml:id="inkSrc0">
+        <inkml:traceFormat>
+          <inkml:channel name="X" type="integer" min="-2.14748E9" max="2.14748E9" units="cm"/>
+          <inkml:channel name="Y" type="integer" min="-2.14748E9" max="2.14748E9" units="cm"/>
+          <inkml:channel name="F" type="integer" max="32767" units="dev"/>
+        </inkml:traceFormat>
+        <inkml:channelProperties>
+          <inkml:channelProperty channel="X" name="resolution" value="1000" units="1/cm"/>
+          <inkml:channelProperty channel="Y" name="resolution" value="1000" units="1/cm"/>
+          <inkml:channelProperty channel="F" name="resolution" value="0" units="1/dev"/>
+        </inkml:channelProperties>
+      </inkml:inkSource>
+      <inkml:timestamp xml:id="ts0" timeString="2023-09-16T03:55:29.424"/>
+    </inkml:context>
+    <inkml:brush xml:id="br0">
+      <inkml:brushProperty name="width" value="0.05" units="cm"/>
+      <inkml:brushProperty name="height" value="0.05" units="cm"/>
+    </inkml:brush>
+  </inkml:definitions>
+  <inkml:trace contextRef="#ctx0" brushRef="#br0">16 84 924,'-1'-1'272,"-1"0"0,1 0-1,0 0 1,0 0 0,0 0-1,0-1 1,0 1 0,0 0 0,1-1-1,-1 1 1,0 0 0,1-1-1,-1 1 1,0-1 0,1 1 0,0-1-1,-1 1 1,1-1 0,0 1 0,0-1-1,0 0 1,0 1 0,0-1-1,0 1 1,0-1 0,1 1 0,0-3-1,0 1-187,1 1-1,-1 0 1,1-1 0,0 1-1,0 0 1,0 0-1,0 1 1,0-1-1,0 0 1,0 1 0,1-1-1,-1 1 1,0-1-1,1 1 1,0 0-1,2-1 1,3 0-14,0-1 0,1 1 0,-1 0-1,0 1 1,1 0 0,-1 0 0,0 1 0,1 0 0,-1 1 0,1 0 0,13 3 0,-18-3-49,1 1 0,0-1 0,-1 1 0,1 0 0,-1 0 0,0 1 0,0 0 1,0-1-1,0 1 0,0 0 0,-1 1 0,1-1 0,-1 1 0,0 0 0,0-1 1,0 1-1,0 0 0,-1 1 0,0-1 0,0 0 0,3 9 0,-3-3 2,0-1 0,0 1 0,-1 0-1,0 1 1,-1-1 0,0 0 0,-1 0-1,0 0 1,-4 17 0,-4 8 44,-17 44 0,23-72-57,-40 90 106,9-22 56,33-73-122,2 1-36,0-2-18,-1 0-1,1 0 0,-1 0 0,1 0 0,0 0 0,-1 0 0,1 0 0,0-1 1,0 1-1,0 0 0,-1 0 0,1-1 0,0 1 0,0 0 0,0-1 0,0 1 1,0-1-1,0 1 0,0-1 0,0 0 0,0 1 0,1-1 0,-1 0 0,0 0 1,0 0-1,0 0 0,0 0 0,0 0 0,0 0 0,1 0 0,0-1 0,20-2-557,1-2 0,32-11 0,13-13-4130,-35 15 2298</inkml:trace>
+</inkml:ink>
+</file>
+
+<file path=ppt/ink/ink78.xml><?xml version="1.0" encoding="utf-8"?>
+<inkml:ink xmlns:inkml="http://www.w3.org/2003/InkML">
+  <inkml:definitions>
+    <inkml:context xml:id="ctx0">
+      <inkml:inkSource xml:id="inkSrc0">
+        <inkml:traceFormat>
+          <inkml:channel name="X" type="integer" min="-2.14748E9" max="2.14748E9" units="cm"/>
+          <inkml:channel name="Y" type="integer" min="-2.14748E9" max="2.14748E9" units="cm"/>
+          <inkml:channel name="F" type="integer" max="32767" units="dev"/>
+        </inkml:traceFormat>
+        <inkml:channelProperties>
+          <inkml:channelProperty channel="X" name="resolution" value="1000" units="1/cm"/>
+          <inkml:channelProperty channel="Y" name="resolution" value="1000" units="1/cm"/>
+          <inkml:channelProperty channel="F" name="resolution" value="0" units="1/dev"/>
+        </inkml:channelProperties>
+      </inkml:inkSource>
+      <inkml:timestamp xml:id="ts0" timeString="2023-09-16T03:55:30.025"/>
+    </inkml:context>
+    <inkml:brush xml:id="br0">
+      <inkml:brushProperty name="width" value="0.05" units="cm"/>
+      <inkml:brushProperty name="height" value="0.05" units="cm"/>
+    </inkml:brush>
+  </inkml:definitions>
+  <inkml:trace contextRef="#ctx0" brushRef="#br0">3 1 1284,'0'0'4161,"-1"7"-3795,-1 34 1218,5 63-1,4-67 173,-7-35-906,3 0-443,-3-2-366,0 0 0,0 1 0,0-1 0,1 0 0,-1 0 0,0 0 0,0 0 0,0 1 0,1-1 0,-1 0 0,0 0 0,0 0 0,0 0 0,1 0 0,-1 0 1,0 0-1,0 0 0,1 0 0,-1 0 0,0 1 0,0-1 0,1 0 0,-1 0 0,0 0 0,0 0 0,1-1 0,-1 1 0,0 0 0,0 0 0,0 0 0,1 0 0,-1 0 0,0 0 0,0 0 0,1 0 0,-1 0 0,0-1 1,0 1-1,0 0 0,1 0 0,-1 0 0,0 0 0,0-1 0,0 1 0,0 0 0,1-1 0,33-45 804,-33 44-743,7-12 136,-6 11-212,0 1 0,0-1 0,1 1 0,-1 0 0,0-1 0,1 1 0,-1 0 0,1 1 0,0-1 0,0 0 0,-1 1 0,7-3 0,-7 4-2,2 0-8,3 0-5,0 1-1,0 0 0,0 1 0,-1 0 0,1 0 0,7 3 0,43 21 40,-36-16-22,-19-9-21,1 1-1,0-1 1,0 0 0,0 0-1,0-1 1,1 1-1,-1-1 1,0 1 0,0-1-1,0 0 1,0 0-1,0 0 1,1-1 0,-1 1-1,0-1 1,0 0-1,0 0 1,3-1 0,3-2-4,-1-1 1,0 0 0,0 0 0,11-11-1,-12 10-9,-1 0-1,1 1 0,0 0 1,0 0-1,1 1 0,14-6 0,-19 9 3,0 0 0,1 1 0,-1 0 0,0 0 0,1 0 0,-1 0 0,0 0 0,0 0 0,1 1 0,-1 0 0,0 0-1,0-1 1,0 2 0,0-1 0,0 0 0,5 3 0,2 4-113,1 0 0,-1 0-1,0 1 1,-1 0 0,0 1-1,-1 0 1,9 13 0,22 24-4862,-35-44 1925,3 3 37</inkml:trace>
+</inkml:ink>
+</file>
+
+<file path=ppt/ink/ink79.xml><?xml version="1.0" encoding="utf-8"?>
+<inkml:ink xmlns:inkml="http://www.w3.org/2003/InkML">
+  <inkml:definitions>
+    <inkml:context xml:id="ctx0">
+      <inkml:inkSource xml:id="inkSrc0">
+        <inkml:traceFormat>
+          <inkml:channel name="X" type="integer" min="-2.14748E9" max="2.14748E9" units="cm"/>
+          <inkml:channel name="Y" type="integer" min="-2.14748E9" max="2.14748E9" units="cm"/>
+          <inkml:channel name="F" type="integer" max="32767" units="dev"/>
+        </inkml:traceFormat>
+        <inkml:channelProperties>
+          <inkml:channelProperty channel="X" name="resolution" value="1000" units="1/cm"/>
+          <inkml:channelProperty channel="Y" name="resolution" value="1000" units="1/cm"/>
+          <inkml:channelProperty channel="F" name="resolution" value="0" units="1/dev"/>
+        </inkml:channelProperties>
+      </inkml:inkSource>
+      <inkml:timestamp xml:id="ts0" timeString="2023-09-16T03:55:31.210"/>
+    </inkml:context>
+    <inkml:brush xml:id="br0">
+      <inkml:brushProperty name="width" value="0.05" units="cm"/>
+      <inkml:brushProperty name="height" value="0.05" units="cm"/>
+    </inkml:brush>
+  </inkml:definitions>
+  <inkml:trace contextRef="#ctx0" brushRef="#br0">58 380 1300,'9'-2'493,"-1"-1"-1,0 0 1,0 0-1,0-1 1,0 0-1,10-8 1,-2 2 316,25-26 0,-25 15 18,-15 19-581,0-1-32,0-9-21,0 9-18,-1 3-167,-1 0-1,1 0 0,0 0 1,-1 0-1,1 0 0,0 0 0,0 0 1,-1 0-1,1 0 0,0 0 1,0-1-1,-1 1 0,1 0 0,0 0 1,0 0-1,-1 0 0,1-1 1,0 1-1,0 0 0,0 0 0,-1 0 1,1-1-1,0 1 0,0 0 1,0 0-1,0-1 0,0 1 1,0 0-1,-1 0 0,1-1 0,0 0 1,0 1-1,0 0 0,-1-1 1,1 1-1,0-1 0,0 1 1,-1-1-1,1 1 0,0-1 0,-1 1 1,1 0-1,-1-1 0,1 1 1,0 0-1,-1-1 0,1 1 1,-1 0-1,1 0 0,-1-1 1,1 1-1,-1 0 0,1 0 0,-1 0 1,0 0-1,-6-1 31,1 1 0,0-1 0,-1 2-1,1-1 1,-1 1 0,1 0 0,0 0 0,0 1-1,-1 0 1,1 0 0,0 0 0,1 1 0,-1 0-1,0 0 1,-7 6 0,6-4-14,0 0-1,0 0 1,1 1 0,0 0 0,0 0-1,0 1 1,1-1 0,0 1-1,0 1 1,1-1 0,-5 11 0,8-16-18,0 0 1,0 0 0,1 1 0,-1-1 0,1 0 0,-1 0 0,1 1 0,0-1-1,0 0 1,0 0 0,0 1 0,0-1 0,0 0 0,1 1 0,-1-1 0,1 0-1,0 0 1,0 0 0,1 3 0,0-2-2,0 0 0,0-1 0,0 0 0,0 1 0,1-1 0,-1 0 0,1 0 0,-1 0 0,1-1 0,0 1 0,-1 0 0,5 0 0,6 3 6,0-1 1,0-1-1,0 0 0,0-1 0,18 0 1,-23-1-7,0-1 1,0-1-1,0 1 1,0-1-1,-1-1 1,1 1 0,0-1-1,0-1 1,-1 0-1,1 0 1,8-5-1,-5 2 162,-1-1 0,0 0-1,-1-1 1,0 0-1,0-1 1,15-18-1,3-9 479,-25 34-391,0 5-229,4 6-7,0 0-1,-1 1 0,0-1 1,3 12-1,-1-5 60,15 29 1,-21-44-66,1 2 51,-1 0-1,1 0 1,-1-1-1,1 1 1,0-1-1,0 1 1,0-1-1,1 0 1,4 4-1,-6-6-7,1 1-1,0-1 0,0 0 1,0 0-1,0 0 1,0 0-1,-1 0 1,1-1-1,0 1 0,0 0 1,0-1-1,0 0 1,-1 1-1,1-1 1,0 0-1,-1 0 0,1 0 1,-1 0-1,3-2 1,0-1 73,0-1 0,0 1-1,0-1 1,-1 0 0,5-10 0,1-3 166,9-23 0,-17 39-255,0 0-5,9-20 89,-9 20-106,5-9 22,-5 10-39,0 1 0,-1 0 1,1-1-1,-1 1 1,1 0-1,0-1 0,-1 1 1,1 0-1,0 0 0,-1 0 1,1-1-1,0 1 1,-1 0-1,1 0 0,0 0 1,-1 0-1,1 0 0,0 0 1,-1 1-1,2-1 1,1 1-1,0 1 1,0-1-1,0 1 1,0 0 0,-1 0-1,1 0 1,4 4-1,8 8 1,-13-12 2,0-1 3,4 5-2,-5-5-3,1 0 0,-1 0-1,0 0 1,0-1 0,0 1 0,1 0 0,-1-1 0,0 1 0,1-1 0,-1 1 0,1-1 0,-1 1 0,1-1 0,-1 0 0,0 0-1,1 0 1,-1 0 0,1 0 0,1 0 0,2-2-33,0 1-1,0-1 1,0 1-1,6-5 1,1 0-32,34-13-264,-44 19 264,80 4-1430,-71-4 1300,1 0 1,0-1-1,0 0 1,0-1 0,-1-1-1,1 1 1,-1-2 0,0 0-1,0 0 1,0-1 0,0 0-1,-1-1 1,0 0 0,0-1-1,16-13 1,-22 15 140,0-1 1,0 1 0,0-1-1,0 0 1,-1 0-1,0 0 1,0-1-1,-1 1 1,0-1-1,0 1 1,1-11-1,1-8 94,1-44 1,-5 59 22,0-10 225,-4-27 0,2 30-89,2 15 232,-2 7-384,-4 16-19,2 1-1,0-1 1,1 1 0,2-1 0,0 1 0,1 0 0,1-1 0,7 39 0,-8-58-13,1 0 0,0 0 0,0 0 0,-1 0 1,1 0-1,1 0 0,-1 0 0,0 0 0,0-1 1,1 1-1,-1 0 0,1-1 0,-1 1 0,1-1 1,0 1-1,-1-1 0,1 0 0,0 1 0,0-1 0,0 0 1,0-1-1,0 1 0,0 0 0,3 0 0,7 2 118,0-1-1,0 0 0,18 0 1,5 1-62,4 3 24,35 7 62,-65-11-159,1 1 0,-1 0 0,1 0 0,-1 1 0,11 7 0,-19-11-25,0 1-1,0 0 0,-1-1 0,1 1 0,0 0 0,0 0 0,0 0 0,-1 0 0,1 0 0,0 0 0,-1 0 0,1 0 1,-1 0-1,1 0 0,-1 0 0,0 0 0,1 0 0,-1 0 0,0 0 0,0 1 0,0 0 0,0-1 42,1 2-154,-4 0-90,1-2 193,0 1-16,-1 0-1,1 0 1,0 0 0,0 0 0,-1 0 0,0-1 0,1 0 0,-1 1 0,0-1 0,1 0 0,-1 0 0,0 0 0,0-1 0,0 1 0,-3 0 0,4-1-115,-19-3-496,4-6-3552,4-1 1742</inkml:trace>
 </inkml:ink>
 </file>
 
@@ -1454,6 +2871,276 @@
 </inkml:ink>
 </file>
 
+<file path=ppt/ink/ink80.xml><?xml version="1.0" encoding="utf-8"?>
+<inkml:ink xmlns:inkml="http://www.w3.org/2003/InkML">
+  <inkml:definitions>
+    <inkml:context xml:id="ctx0">
+      <inkml:inkSource xml:id="inkSrc0">
+        <inkml:traceFormat>
+          <inkml:channel name="X" type="integer" min="-2.14748E9" max="2.14748E9" units="cm"/>
+          <inkml:channel name="Y" type="integer" min="-2.14748E9" max="2.14748E9" units="cm"/>
+          <inkml:channel name="F" type="integer" max="32767" units="dev"/>
+        </inkml:traceFormat>
+        <inkml:channelProperties>
+          <inkml:channelProperty channel="X" name="resolution" value="1000" units="1/cm"/>
+          <inkml:channelProperty channel="Y" name="resolution" value="1000" units="1/cm"/>
+          <inkml:channelProperty channel="F" name="resolution" value="0" units="1/dev"/>
+        </inkml:channelProperties>
+      </inkml:inkSource>
+      <inkml:timestamp xml:id="ts0" timeString="2023-09-16T03:55:31.935"/>
+    </inkml:context>
+    <inkml:brush xml:id="br0">
+      <inkml:brushProperty name="width" value="0.05" units="cm"/>
+      <inkml:brushProperty name="height" value="0.05" units="cm"/>
+    </inkml:brush>
+  </inkml:definitions>
+  <inkml:trace contextRef="#ctx0" brushRef="#br0">0 152 1856,'0'0'2770,"2"2"-1991,5 4-64,-6-4 544,2-2-713,1 0-334,1 0 0,-1-1 1,1 0-1,-1 1 1,0-1-1,1-1 0,-1 1 1,0 0-1,0-1 1,0 0-1,0 0 0,0 0 1,0-1-1,-1 1 0,1-1 1,-1 0-1,1 0 1,-1 0-1,3-5 0,-1 2 5,0 0-1,-1 0 0,0 0 0,0-1 1,-1 0-1,0 0 0,0 0 0,-1 0 1,1 0-1,1-10 0,-4 15-173,0 0-1,0 0 1,0 1-1,-1-1 0,1 0 1,0 0-1,-1 1 1,1-1-1,-1 0 0,1 1 1,-1-1-1,0 1 1,0-1-1,1 1 0,-1-1 1,0 1-1,-1-1 1,1 1-1,0 0 1,0 0-1,0-1 0,-3 0 1,2 1 70,-1 1-6,-1 2-85,-1-1 0,1 1 0,0 0 0,0 0 1,0 0-1,0 0 0,0 1 0,0 0 0,1-1 0,-1 1 0,1 1 1,0-1-1,-1 0 0,2 1 0,-1 0 0,0 0 0,1 0 1,-4 7-1,4-7-10,0 0 1,1 0 0,-1 0-1,1 1 1,0-1 0,0 1 0,0-1-1,0 1 1,1-1 0,0 1-1,0-1 1,0 1 0,1-1-1,-1 1 1,1-1 0,0 1-1,0-1 1,1 0 0,3 9 0,0-4-5,1-1 1,1 1-1,0-1 1,0 0-1,0-1 1,1 1 0,0-2-1,1 1 1,-1-1-1,13 6 1,-1-1-181,1-1-1,0-1 1,39 10-1,-43-15-152,0 0 1,0-2-1,1 0 0,25 0 1,-31-2-624,-1-1 1,1 0 0,-1-1 0,1 0 0,-1-1 0,0 0-1,21-9 1,-14 2-2042</inkml:trace>
+</inkml:ink>
+</file>
+
+<file path=ppt/ink/ink81.xml><?xml version="1.0" encoding="utf-8"?>
+<inkml:ink xmlns:inkml="http://www.w3.org/2003/InkML">
+  <inkml:definitions>
+    <inkml:context xml:id="ctx0">
+      <inkml:inkSource xml:id="inkSrc0">
+        <inkml:traceFormat>
+          <inkml:channel name="X" type="integer" min="-2.14748E9" max="2.14748E9" units="cm"/>
+          <inkml:channel name="Y" type="integer" min="-2.14748E9" max="2.14748E9" units="cm"/>
+          <inkml:channel name="F" type="integer" max="32767" units="dev"/>
+        </inkml:traceFormat>
+        <inkml:channelProperties>
+          <inkml:channelProperty channel="X" name="resolution" value="1000" units="1/cm"/>
+          <inkml:channelProperty channel="Y" name="resolution" value="1000" units="1/cm"/>
+          <inkml:channelProperty channel="F" name="resolution" value="0" units="1/dev"/>
+        </inkml:channelProperties>
+      </inkml:inkSource>
+      <inkml:timestamp xml:id="ts0" timeString="2023-09-16T03:55:32.348"/>
+    </inkml:context>
+    <inkml:brush xml:id="br0">
+      <inkml:brushProperty name="width" value="0.05" units="cm"/>
+      <inkml:brushProperty name="height" value="0.05" units="cm"/>
+    </inkml:brush>
+  </inkml:definitions>
+  <inkml:trace contextRef="#ctx0" brushRef="#br0">11 65 1296,'0'0'797,"-2"-1"-98,-6-7 4287,10 17-4640,2 7-122,2-1-1,0 1 1,0-1-1,14 21 1,1-3 110,50 87 602,-70-118-890,9 19 75,-9-20-103,-1-1-1,1 1 0,-1 0 0,0 0 1,1 0-1,-1 0 0,0 0 0,0 0 1,0 0-1,0 0 0,0 0 0,0 0 1,0 0-1,0 0 0,0-1 0,0 1 1,0 0-1,0 0 0,-1 1 0,-6 6 37,6-6 317,-3-7-234,-1-1-78,3 4-27,0 0 0,0-1 0,1 1 1,-1 0-1,1-1 0,-1 0 0,1 1 0,0-1 1,0 0-1,-1-5 0,1 0 26,-1 0 1,1 0-1,1 0 0,-1 0 0,1 0 1,2-12-1,0 3-114,1 0 0,7-22-1,-4 23-254,1 0 0,0 0-1,1 0 1,1 1-1,13-17 1,10-12-3236,-26 35 2389,8-9-1347</inkml:trace>
+</inkml:ink>
+</file>
+
+<file path=ppt/ink/ink82.xml><?xml version="1.0" encoding="utf-8"?>
+<inkml:ink xmlns:inkml="http://www.w3.org/2003/InkML">
+  <inkml:definitions>
+    <inkml:context xml:id="ctx0">
+      <inkml:inkSource xml:id="inkSrc0">
+        <inkml:traceFormat>
+          <inkml:channel name="X" type="integer" min="-2.14748E9" max="2.14748E9" units="cm"/>
+          <inkml:channel name="Y" type="integer" min="-2.14748E9" max="2.14748E9" units="cm"/>
+          <inkml:channel name="F" type="integer" max="32767" units="dev"/>
+        </inkml:traceFormat>
+        <inkml:channelProperties>
+          <inkml:channelProperty channel="X" name="resolution" value="1000" units="1/cm"/>
+          <inkml:channelProperty channel="Y" name="resolution" value="1000" units="1/cm"/>
+          <inkml:channelProperty channel="F" name="resolution" value="0" units="1/dev"/>
+        </inkml:channelProperties>
+      </inkml:inkSource>
+      <inkml:timestamp xml:id="ts0" timeString="2023-09-16T03:55:32.695"/>
+    </inkml:context>
+    <inkml:brush xml:id="br0">
+      <inkml:brushProperty name="width" value="0.05" units="cm"/>
+      <inkml:brushProperty name="height" value="0.05" units="cm"/>
+    </inkml:brush>
+  </inkml:definitions>
+  <inkml:trace contextRef="#ctx0" brushRef="#br0">22 1 1040,'0'0'5469,"-1"12"-3412,-3-4-1890,1 1-1,0 0 1,0 0 0,1 0-1,0 1 1,1-1-1,0 0 1,0 1 0,1-1-1,1 1 1,-1-1 0,1 0-1,1 1 1,3 9-1,3 7 156,1 0-1,1 0 0,24 40 0,-33-64-303,1 1-1,-1-1 1,0 1-1,0 0 1,0-1-1,0 1 1,0 0-1,0 0 1,-1-1-1,1 1 1,-1 0-1,0 0 1,0 0-1,0 0 1,0 0-1,-1-1 1,0 6-1,-1-5-232,1 0 0,-1-1 0,1 1 0,-1-1 0,0 0 1,0 1-1,0-1 0,0 0 0,-1 0 0,1 0 0,-1 0 0,1-1 0,-1 1 0,1-1 0,-1 1 0,-4 0 0,-11 6-2594,-3-1 35</inkml:trace>
+</inkml:ink>
+</file>
+
+<file path=ppt/ink/ink83.xml><?xml version="1.0" encoding="utf-8"?>
+<inkml:ink xmlns:inkml="http://www.w3.org/2003/InkML">
+  <inkml:definitions>
+    <inkml:context xml:id="ctx0">
+      <inkml:inkSource xml:id="inkSrc0">
+        <inkml:traceFormat>
+          <inkml:channel name="X" type="integer" min="-2.14748E9" max="2.14748E9" units="cm"/>
+          <inkml:channel name="Y" type="integer" min="-2.14748E9" max="2.14748E9" units="cm"/>
+          <inkml:channel name="F" type="integer" max="32767" units="dev"/>
+        </inkml:traceFormat>
+        <inkml:channelProperties>
+          <inkml:channelProperty channel="X" name="resolution" value="1000" units="1/cm"/>
+          <inkml:channelProperty channel="Y" name="resolution" value="1000" units="1/cm"/>
+          <inkml:channelProperty channel="F" name="resolution" value="0" units="1/dev"/>
+        </inkml:channelProperties>
+      </inkml:inkSource>
+      <inkml:timestamp xml:id="ts0" timeString="2023-09-16T03:55:33.534"/>
+    </inkml:context>
+    <inkml:brush xml:id="br0">
+      <inkml:brushProperty name="width" value="0.05" units="cm"/>
+      <inkml:brushProperty name="height" value="0.05" units="cm"/>
+    </inkml:brush>
+  </inkml:definitions>
+  <inkml:trace contextRef="#ctx0" brushRef="#br0">6 33 992,'0'0'1872,"-1"-4"-1634,-3-14 1991,5 17-2104,0 0 20,0 0 1,0 0-1,0 1 0,0-1 1,0 0-1,0 1 1,0-1-1,0 0 1,0 1-1,0-1 0,0 1 1,0 0-1,0-1 1,0 1-1,0 0 0,1 0 1,-1-1-1,0 1 1,0 0-1,2 0 0,1 3-54,73 40 1427,-65-37-1385,-1-1-1,1-1 1,0 1-1,0-2 1,13 3-1,-14-5-77,22 4-21,0-1-1,34-2 0,-62-3-861,0 1 0,0-1 0,-1-1 0,1 1 0,0-1 0,6-2 0</inkml:trace>
+</inkml:ink>
+</file>
+
+<file path=ppt/ink/ink84.xml><?xml version="1.0" encoding="utf-8"?>
+<inkml:ink xmlns:inkml="http://www.w3.org/2003/InkML">
+  <inkml:definitions>
+    <inkml:context xml:id="ctx0">
+      <inkml:inkSource xml:id="inkSrc0">
+        <inkml:traceFormat>
+          <inkml:channel name="X" type="integer" min="-2.14748E9" max="2.14748E9" units="cm"/>
+          <inkml:channel name="Y" type="integer" min="-2.14748E9" max="2.14748E9" units="cm"/>
+          <inkml:channel name="F" type="integer" max="32767" units="dev"/>
+        </inkml:traceFormat>
+        <inkml:channelProperties>
+          <inkml:channelProperty channel="X" name="resolution" value="1000" units="1/cm"/>
+          <inkml:channelProperty channel="Y" name="resolution" value="1000" units="1/cm"/>
+          <inkml:channelProperty channel="F" name="resolution" value="0" units="1/dev"/>
+        </inkml:channelProperties>
+      </inkml:inkSource>
+      <inkml:timestamp xml:id="ts0" timeString="2023-09-16T03:55:34.549"/>
+    </inkml:context>
+    <inkml:brush xml:id="br0">
+      <inkml:brushProperty name="width" value="0.05" units="cm"/>
+      <inkml:brushProperty name="height" value="0.05" units="cm"/>
+    </inkml:brush>
+  </inkml:definitions>
+  <inkml:trace contextRef="#ctx0" brushRef="#br0">7 149 912,'0'0'3635,"-7"0"1998,30 28-5065,37 58 0,-36-50-379,-20-30-138,0 1 0,0-1 0,-1 1 0,0-1 0,0 1 0,0 0 0,-1 0 0,0 1 0,1 8 0,-3-15-43,0 1 0,0 0 0,-1-1 0,1 1 0,0 0 0,-1-1 0,0 1 0,1-1-1,-1 1 1,0-1 0,0 1 0,1-1 0,-1 0 0,0 1 0,0-1 0,-1 0 0,1 0 0,0 0 0,0 1 0,-1-1 0,1 0-1,0-1 1,-1 1 0,1 0 0,-1 0 0,-1 0 0,1 0-1,-1-1-1,1 0 1,0 1-1,0-1 1,0 0 0,0 0-1,0 0 1,0-1-1,0 1 1,0 0-1,0-1 1,0 1-1,-3-2 1,4 2-10,-3-2 5,1 0 0,0 1 1,0-1-1,0-1 0,0 1 1,0 0-1,0-1 0,1 1 1,-1-1-1,1 0 0,-4-5 1,4 5 3,-1-3 3,-1-1-1,1 1 0,1 0 0,-1-1 0,1 0 0,0 1 0,1-1 0,0 0 0,0 0 0,0 0 0,1-8 0,-1-9 67,2-1 0,1 1-1,0-1 1,2 1 0,1 0 0,14-44 0,-17 64-182,-1 0 1,1 0 0,0 0 0,0 0 0,0 1 0,0-1 0,0 1 0,6-6 0,17-12-5789,-13 11 3160</inkml:trace>
+</inkml:ink>
+</file>
+
+<file path=ppt/ink/ink85.xml><?xml version="1.0" encoding="utf-8"?>
+<inkml:ink xmlns:inkml="http://www.w3.org/2003/InkML">
+  <inkml:definitions>
+    <inkml:context xml:id="ctx0">
+      <inkml:inkSource xml:id="inkSrc0">
+        <inkml:traceFormat>
+          <inkml:channel name="X" type="integer" min="-2.14748E9" max="2.14748E9" units="cm"/>
+          <inkml:channel name="Y" type="integer" min="-2.14748E9" max="2.14748E9" units="cm"/>
+          <inkml:channel name="F" type="integer" max="32767" units="dev"/>
+        </inkml:traceFormat>
+        <inkml:channelProperties>
+          <inkml:channelProperty channel="X" name="resolution" value="1000" units="1/cm"/>
+          <inkml:channelProperty channel="Y" name="resolution" value="1000" units="1/cm"/>
+          <inkml:channelProperty channel="F" name="resolution" value="0" units="1/dev"/>
+        </inkml:channelProperties>
+      </inkml:inkSource>
+      <inkml:timestamp xml:id="ts0" timeString="2023-09-16T03:55:35.324"/>
+    </inkml:context>
+    <inkml:brush xml:id="br0">
+      <inkml:brushProperty name="width" value="0.05" units="cm"/>
+      <inkml:brushProperty name="height" value="0.05" units="cm"/>
+    </inkml:brush>
+  </inkml:definitions>
+  <inkml:trace contextRef="#ctx0" brushRef="#br0">33 526 1800,'0'0'5294,"3"-3"-4772,8-7-30,-10 8-368,0 0 1,0 0-1,0-1 0,0 1 0,0 0 1,0-1-1,-1 1 0,1-1 1,-1 1-1,0-1 0,1 1 0,-2-6 1,2 4-67,3-32 603,-2 0-1,-2-52 0,-14-70 258,13 148-853,-22-124 1183,20 124-1133,3 10-109,0 0 1,0 0-1,0 0 0,0 0 0,0 0 1,0 0-1,0 0 0,0 0 1,0 0-1,0 0 0,0-1 0,-1 1 1,1 0-1,0 0 0,0 0 0,0 0 1,0 0-1,0 0 0,0 0 0,0 0 1,0 0-1,-1 0 0,1 0 0,0 0 1,0 0-1,0 0 0,0 0 1,0 0-1,0 0 0,0 0 0,-1 0 1,1 0-1,0 0 0,0 1 0,0-1 1,0 0-1,0 0 0,0 0 0,0 0 1,0 0-1,0 0 0,0 0 0,-1 0 1,1 0-1,0 0 0,0 0 1,0 1-1,0-1 0,0 0 0,0 0 1,0 0-1,0 0 0,0 0 0,0 0 1,0 0-1,0 0 0,0 1 0,0-1 1,0 0-1,0 0 0,0 0 0,0 0 1,0 0-1,-3 8 11,0 0 1,0 1 0,1-1-1,0 0 1,1 1-1,0 0 1,0 13-1,1 9 13,2 0 1,1 0-1,1 0 0,16 55 1,-17-77-30,1 1 1,0-1 0,1 1 0,0-2 0,0 1 0,1 0 0,0-1 0,9 9-1,-10-12-8,0 0-1,1 0 0,0-1 0,0 0 0,0 0 0,1-1 0,-1 1 0,1-1 0,0-1 0,0 1 0,0-1 0,13 2 0,-14-3-13,1-1 1,-1 0-1,0 0 1,1 0 0,-1-1-1,0 0 1,1 0-1,-1-1 1,0 1 0,0-1-1,0-1 1,0 1-1,0-1 1,-1 0 0,1 0-1,-1-1 1,0 0-1,0 0 1,0 0 0,0 0-1,-1-1 1,0 0-1,0 0 1,0 0 0,0 0-1,-1-1 1,0 1-1,0-1 1,0 0 0,-1 0-1,0 0 1,2-6-1,-1 0 9,0 1-15,0-1 0,0-1-1,0-16 1,-3 27 5,-4 6-66,-12 18 81,15-20-25,-1 1-1,1 0 0,0 0 1,0 0-1,0 0 0,0 0 1,1 0-1,-1 0 0,1 0 1,0 0-1,0 0 0,0 0 1,0 0-1,0 0 0,1 0 1,-1 0-1,1 0 0,0 0 1,0 0-1,0 0 0,0 0 1,1-1-1,-1 1 0,1 0 1,-1-1-1,1 1 0,0-1 1,0 0-1,0 1 0,1-1 0,-1 0 1,0 0-1,1-1 0,4 4 1,-1-2-359,1 0 0,0 0 0,0 0 0,9 2 0,17 0-3764,-13-3 1205</inkml:trace>
+</inkml:ink>
+</file>
+
+<file path=ppt/ink/ink86.xml><?xml version="1.0" encoding="utf-8"?>
+<inkml:ink xmlns:inkml="http://www.w3.org/2003/InkML">
+  <inkml:definitions>
+    <inkml:context xml:id="ctx0">
+      <inkml:inkSource xml:id="inkSrc0">
+        <inkml:traceFormat>
+          <inkml:channel name="X" type="integer" min="-2.14748E9" max="2.14748E9" units="cm"/>
+          <inkml:channel name="Y" type="integer" min="-2.14748E9" max="2.14748E9" units="cm"/>
+          <inkml:channel name="F" type="integer" max="32767" units="dev"/>
+        </inkml:traceFormat>
+        <inkml:channelProperties>
+          <inkml:channelProperty channel="X" name="resolution" value="1000" units="1/cm"/>
+          <inkml:channelProperty channel="Y" name="resolution" value="1000" units="1/cm"/>
+          <inkml:channelProperty channel="F" name="resolution" value="0" units="1/dev"/>
+        </inkml:channelProperties>
+      </inkml:inkSource>
+      <inkml:timestamp xml:id="ts0" timeString="2023-09-16T03:55:36.006"/>
+    </inkml:context>
+    <inkml:brush xml:id="br0">
+      <inkml:brushProperty name="width" value="0.05" units="cm"/>
+      <inkml:brushProperty name="height" value="0.05" units="cm"/>
+    </inkml:brush>
+  </inkml:definitions>
+  <inkml:trace contextRef="#ctx0" brushRef="#br0">91 147 1076,'0'0'5098,"0"-2"-4786,1-3-54,0-1 1,1 1-1,0 0 0,0 0 1,0 0-1,1 0 0,0 1 1,0-1-1,4-4 0,-5 6-127,-1 2 132,0-3 40,1 0 1,-1 0 0,1 1-1,0-1 1,4-4-1,-5 7-295,0-1 594,-1 0-508,3-5 113,-1 0 1,0 0 0,2-14 0,-4 19-204,-2 0-30,-7-5 15,7 6 2,-2 2 3,-5 3 2,0 0 0,0 1 0,0 0 0,1 1 0,0 0 0,0 0 0,0 0 0,1 1 0,0 0 0,0 1 0,1 0 1,0 0-1,0 0 0,-4 9 0,8-11-51,-1 1 0,1-1-1,1 0 1,-3 13 0,4-17 45,0 0-70,1 1-7,-1 0 63,1-1 0,-1 0 0,1 0 0,0 0 0,0 0 0,0-1 0,0 1 0,0 0 0,0 0 0,0 0 0,1-1 0,-1 1 0,0-1 0,1 1 0,0-1 0,-1 0 0,1 1 0,0-1 0,0 0 0,-1 0 0,1 0 0,0 0 0,3 0 0,-4 0 21,1 0 1,0-1-1,0 1 0,0-1 0,-1 0 1,1 1-1,0-1 0,0 0 0,0 0 1,0 0-1,-1 0 0,1-1 0,0 1 1,0 0-1,0-1 0,-1 1 1,1-1-1,0 0 0,-1 1 0,1-1 1,0 0-1,-1 0 0,1 0 0,-1 0 1,1 0-1,-1-1 0,2-1 0,-1 1 79,11-39 441,-4 1 261,-8 38-580,1 6-170,-1-4-27,3 8-216,0-1 0,0 0 0,1 0 0,1 0 0,-1-1 0,1 1-1,0-1 1,10 7 0,-14-11-133,-1-1-1,1-1 0,0 1 1,-1 0-1,1 0 0,0-1 0,0 1 1,0-1-1,0 1 0,-1-1 1,1 0-1,0 0 0,0 0 1,0 0-1,3 0 0,6-2-2172</inkml:trace>
+</inkml:ink>
+</file>
+
+<file path=ppt/ink/ink87.xml><?xml version="1.0" encoding="utf-8"?>
+<inkml:ink xmlns:inkml="http://www.w3.org/2003/InkML">
+  <inkml:definitions>
+    <inkml:context xml:id="ctx0">
+      <inkml:inkSource xml:id="inkSrc0">
+        <inkml:traceFormat>
+          <inkml:channel name="X" type="integer" min="-2.14748E9" max="2.14748E9" units="cm"/>
+          <inkml:channel name="Y" type="integer" min="-2.14748E9" max="2.14748E9" units="cm"/>
+          <inkml:channel name="F" type="integer" max="32767" units="dev"/>
+        </inkml:traceFormat>
+        <inkml:channelProperties>
+          <inkml:channelProperty channel="X" name="resolution" value="1000" units="1/cm"/>
+          <inkml:channelProperty channel="Y" name="resolution" value="1000" units="1/cm"/>
+          <inkml:channelProperty channel="F" name="resolution" value="0" units="1/dev"/>
+        </inkml:channelProperties>
+      </inkml:inkSource>
+      <inkml:timestamp xml:id="ts0" timeString="2023-09-16T03:55:36.386"/>
+    </inkml:context>
+    <inkml:brush xml:id="br0">
+      <inkml:brushProperty name="width" value="0.05" units="cm"/>
+      <inkml:brushProperty name="height" value="0.05" units="cm"/>
+    </inkml:brush>
+  </inkml:definitions>
+  <inkml:trace contextRef="#ctx0" brushRef="#br0">3 21 924,'-1'-2'719,"-1"-11"3996,5 19-4469,8 15-77,5 10 706,27 39 0,-41-67-776,0 0 0,0-1 0,0 0 0,1 1 0,-1-1 0,1 0 0,-1 0 0,7 3 0,-8-5-70,0 1-1,1-1 1,-1 0-1,0 1 1,0-1-1,1 0 1,-1 0-1,0 1 1,1-1-1,-1 0 1,0 0-1,1-1 1,-1 1 0,0 0-1,1 0 1,-1-1-1,0 1 1,0-1-1,1 1 1,-1-1-1,0 1 1,0-1-1,0 0 1,0 0 0,0 1-1,0-1 1,0 0-1,0 0 1,1-1-1,11-14-52,-1-1-1,0 0 0,-1-1 0,10-23 1,-13 27-526,4-9-1948,-11 20 331</inkml:trace>
+</inkml:ink>
+</file>
+
+<file path=ppt/ink/ink88.xml><?xml version="1.0" encoding="utf-8"?>
+<inkml:ink xmlns:inkml="http://www.w3.org/2003/InkML">
+  <inkml:definitions>
+    <inkml:context xml:id="ctx0">
+      <inkml:inkSource xml:id="inkSrc0">
+        <inkml:traceFormat>
+          <inkml:channel name="X" type="integer" min="-2.14748E9" max="2.14748E9" units="cm"/>
+          <inkml:channel name="Y" type="integer" min="-2.14748E9" max="2.14748E9" units="cm"/>
+          <inkml:channel name="F" type="integer" max="32767" units="dev"/>
+        </inkml:traceFormat>
+        <inkml:channelProperties>
+          <inkml:channelProperty channel="X" name="resolution" value="1000" units="1/cm"/>
+          <inkml:channelProperty channel="Y" name="resolution" value="1000" units="1/cm"/>
+          <inkml:channelProperty channel="F" name="resolution" value="0" units="1/dev"/>
+        </inkml:channelProperties>
+      </inkml:inkSource>
+      <inkml:timestamp xml:id="ts0" timeString="2023-09-16T03:55:36.780"/>
+    </inkml:context>
+    <inkml:brush xml:id="br0">
+      <inkml:brushProperty name="width" value="0.05" units="cm"/>
+      <inkml:brushProperty name="height" value="0.05" units="cm"/>
+    </inkml:brush>
+  </inkml:definitions>
+  <inkml:trace contextRef="#ctx0" brushRef="#br0">64 101 892,'6'-3'322,"-1"1"0,0-1 0,0 0-1,0-1 1,0 1 0,-1-1 0,1 0 0,-1 0 0,0 0-1,0 0 1,-1-1 0,7-10 0,-9 14 171,-1-2-27,0-9-30,0 10 335,-2-1-442,1 1-277,1 1 0,-1-1 0,0 1 1,0 0-1,0 0 0,0-1 1,0 1-1,0 0 0,0 0 0,0 0 1,0 0-1,-1 0 0,1 0 0,0 1 1,0-1-1,-1 0 0,1 1 0,-1-1 1,1 1-1,-1-1 0,1 1 0,-1 0 1,1-1-1,-1 1 0,1 0 1,-1 0-1,1 0 0,-1 0 0,1 0 1,-4 1-1,1 0 32,-1 1 0,0-1 0,1 1 0,-1 0 0,1 0 0,-1 1 0,1-1 1,0 1-1,0 0 0,0 0 0,1 0 0,-1 1 0,1-1 0,-1 1 0,1 0 0,0 0 0,1 0 0,-1 0 1,1 0-1,-1 1 0,1-1 0,1 1 0,-3 7 0,4-11-69,0 1-1,0 0 1,-1-1-1,2 1 1,-1 0-1,0 0 1,0-1-1,0 1 1,1 0-1,-1-1 1,1 1 0,-1-1-1,1 1 1,0-1-1,0 1 1,0-1-1,0 1 1,0-1-1,0 1 1,0-1-1,0 0 1,0 0 0,0 0-1,1 0 1,1 2-1,2 0-31,0 1 1,0-1-1,0 0 0,1-1 0,6 3 0,6 0-554,-1-1 0,1 0 0,0-1 0,0-2 0,0 0 0,1 0 0,-1-2-1,0 0 1,21-5 0,5-3-1988</inkml:trace>
+</inkml:ink>
+</file>
+
+<file path=ppt/ink/ink89.xml><?xml version="1.0" encoding="utf-8"?>
+<inkml:ink xmlns:inkml="http://www.w3.org/2003/InkML">
+  <inkml:definitions>
+    <inkml:context xml:id="ctx0">
+      <inkml:inkSource xml:id="inkSrc0">
+        <inkml:traceFormat>
+          <inkml:channel name="X" type="integer" min="-2.14748E9" max="2.14748E9" units="cm"/>
+          <inkml:channel name="Y" type="integer" min="-2.14748E9" max="2.14748E9" units="cm"/>
+          <inkml:channel name="F" type="integer" max="32767" units="dev"/>
+        </inkml:traceFormat>
+        <inkml:channelProperties>
+          <inkml:channelProperty channel="X" name="resolution" value="1000" units="1/cm"/>
+          <inkml:channelProperty channel="Y" name="resolution" value="1000" units="1/cm"/>
+          <inkml:channelProperty channel="F" name="resolution" value="0" units="1/dev"/>
+        </inkml:channelProperties>
+      </inkml:inkSource>
+      <inkml:timestamp xml:id="ts0" timeString="2023-09-16T03:55:00.478"/>
+    </inkml:context>
+    <inkml:brush xml:id="br0">
+      <inkml:brushProperty name="width" value="0.05" units="cm"/>
+      <inkml:brushProperty name="height" value="0.05" units="cm"/>
+    </inkml:brush>
+  </inkml:definitions>
+  <inkml:trace contextRef="#ctx0" brushRef="#br0">1 15 844,'1'-14'7460,"-1"14"-7396,6 20 2572,-3-12-3088,57 241 3490,-5-20-1099,-37-163-1480,-9-32-94,1-1-1,17 40 1,-9-30 66,-13-24-9582</inkml:trace>
+</inkml:ink>
+</file>
+
 <file path=ppt/ink/ink9.xml><?xml version="1.0" encoding="utf-8"?>
 <inkml:ink xmlns:inkml="http://www.w3.org/2003/InkML">
   <inkml:definitions>
@@ -1479,6 +3166,276 @@
     </inkml:brush>
   </inkml:definitions>
   <inkml:trace contextRef="#ctx0" brushRef="#br0">2379 58 1076,'0'0'653,"0"-3"-66,-16-44 3522,16 45-3671,-2-3-304,1 4 121,1 4 1332,25 80-978,22 67-3,-14-62-121,-33-86-380,0-1-62,1 0 1,-1 0 0,0 0-1,0 0 1,0 0 0,-1 0 0,1 0-1,0 0 1,0 0 0,0 0-1,-1 0 1,1 0 0,0 0 0,-1 0-1,1 0 1,-1 0 0,-1 1-1,1 0 6,-12-3 25,-107-15 99,-24-3-127,94 15-43,-269-14 33,227 14-23,-137-23 1,145 11-23,-45-7-7,-115-8-7,238 30 20,-26-1 10,29 3 0,-23-2 16,24 1-23,0 0 1,0 0-1,0 0 1,0 0-1,-1 1 0,1-1 1,0 1-1,0-1 1,0 1-1,0 0 1,-3 1-1,4-1 16,-1 1-10,1-1 0,0 1 0,0 0 0,-1 0-1,1 0 1,0 0 0,1 0 0,-1 0 0,0 0 0,1 0 0,-1 1-1,1 1 1,-1-1 16,-4 19 135,2 1-1,0 0 1,1 29 0,0-22-59,-3 64 515,13 175-1,-7-256-497,0 0 0,-1 0-1,-4 26 1,3-37-81,-2 24 101,3-24-117,-4 9 47,0-1 5,4-10-69,0 0-1,0 0 0,1 0 0,-1 0 1,0 0-1,0 0 0,0 0 1,0 0-1,0 1 0,0-1 0,0 0 1,0 0-1,0 0 0,0 0 1,0 0-1,0 0 0,-1 0 1,1 0-1,0 0 0,0 0 0,0 0 1,0 0-1,0 1 0,0-1 1,0 0-1,0 0 0,0 0 0,0 0 1,0 0-1,0 0 0,0 0 1,0 0-1,0 0 0,0 0 0,0 0 1,0 0-1,-1 0 0,1 0 1,0 0-1,0 0 0,0 0 0,0 0 1,0 0-1,0 0 0,0 0 1,0 0-1,0 0 0,0 0 0,0 0 1,0 0-1,-1 0 0,1 0 1,0 0-1,0 0 0,0 0 0,0 0 1,0 0-1,0 0 0,0 0 1,0 0-1,0 0 0,0 0 0,0 0 1,0 0-1,0 0 0,-8-14-6,0 1 0,-1-1 0,0 2 0,-1 0 0,0 0 0,-1 1 0,0 0 0,-1 0 0,0 2 0,-1-1 0,0 2 0,-1-1 0,1 2 0,-20-8 0,19 9 2,0 1-1,0 1 1,0 0 0,0 1 0,-1 0 0,1 1 0,-21 0-1,25 2 3,1 1 0,-1 0 0,1 0 1,-1 1-1,1 0 0,0 0 0,0 1 0,0 1 0,0-1 0,1 1 0,-1 1 0,-10 7 0,-1 2 3,1 2-1,1 0 1,0 1-1,1 0 1,-19 26-1,16-14 8,0 2 0,2 0 0,2 0 0,1 2-1,1 0 1,1 1 0,3 0 0,0 0 0,2 1 0,-5 62-1,8-6 36,11 154-1,0-185-20,3 0 0,2 0 0,29 88-1,-15-81 2,3-1 1,66 114-1,-78-156-18,1 0 0,1-1 1,0-2-1,2 1 0,1-2 1,0-1-1,2-1 0,0 0 1,0-2-1,48 24 0,-37-24 2,1-1-1,0-2 0,1-1 1,1-2-1,0-1 0,0-3 1,67 5-1,-44-9 6,0-2 0,118-17 0,-152 13-8,-2-2-1,1 0 1,0-2 0,-1-1-1,-1-1 1,0-1 0,0 0-1,-1-2 1,35-27 0,-36 22-2,-1-1 0,-1-1 0,-1-1 0,0-1 0,-2 0 0,0-2 0,-2 1 0,0-2 0,10-27 0,-8 14-13,-1-1 0,-2 0 0,-2-1 0,-1 0 0,5-53 0,-12 61 8,0-1 0,-3 1 1,-1 0-1,-1-1 0,-2 1 1,-1 0-1,-1 0 0,-2 0 1,-14-36-1,-99-197-28,41 128 18,25 51-14,34 50 7,-1 2 1,-2 1-1,-29-32 0,40 52 15,1 1 0,-1 1-1,-1 0 1,0 1 0,-1 0 0,1 2 0,-2-1-1,1 2 1,-1 0 0,-19-6 0,3 5-3,-1 1 0,1 2 0,-1 1 1,0 1-1,0 2 0,-40 4 0,1 4 5,-124 29 1,153-25-1,0 2 1,1 2-1,0 1 1,1 2 0,-57 36-1,68-36 3,2 3-1,1 0 0,1 1 1,0 2-1,2 0 1,1 2-1,-34 48 0,37-44 6,1 1-1,2 1 0,1 1 1,2 0-1,1 1 0,1 1 1,-12 65-1,18-70-7,1 1 1,2 1-1,1-1 1,2 0-1,4 45 1,2-29 5,2 0 1,2-1 0,2 0 0,28 70-1,-18-68 10,1-1 0,3-1-1,2-2 1,1 0 0,3-2-1,66 69 1,-54-70-5,1-2 1,2-1-1,2-3 1,103 56-1,-121-76-1,0-2 0,1-1 0,0-1 0,36 7-1,-45-14 1,1 0 0,0-2 0,-1 0 0,1-2 0,0-1 0,37-6 0,-27 1-1,0-1 0,-1-3-1,-1 0 1,0-2-1,0-1 1,-1-2-1,-1-1 1,0-2 0,-2 0-1,0-2 1,-1-1-1,43-43 1,-50 42-6,-2-1 0,0-1 0,-2 0 0,22-42-1,-23 36 2,-1 0 0,-2-2-1,9-34 1,15-102-7,-33 138 2,0 1 0,-3-1 0,0 0 0,-6-42 0,-2 23 47,-26-87-1,25 107-19,-2 1-1,0 0 1,-2 0 0,-1 1-1,-2 1 1,0 1-1,-28-34 1,32 45-37,0 1 0,-2 0 0,1 1 0,-2 1 1,1 0-1,-1 1 0,-1 0 0,0 1 0,-1 1 0,1 1 1,-1 0-1,-1 1 0,-26-5 0,13 6-618,-1 1 0,-58 0 0,26 9-5247,46-3 2560</inkml:trace>
+</inkml:ink>
+</file>
+
+<file path=ppt/ink/ink90.xml><?xml version="1.0" encoding="utf-8"?>
+<inkml:ink xmlns:inkml="http://www.w3.org/2003/InkML">
+  <inkml:definitions>
+    <inkml:context xml:id="ctx0">
+      <inkml:inkSource xml:id="inkSrc0">
+        <inkml:traceFormat>
+          <inkml:channel name="X" type="integer" min="-2.14748E9" max="2.14748E9" units="cm"/>
+          <inkml:channel name="Y" type="integer" min="-2.14748E9" max="2.14748E9" units="cm"/>
+          <inkml:channel name="F" type="integer" max="32767" units="dev"/>
+        </inkml:traceFormat>
+        <inkml:channelProperties>
+          <inkml:channelProperty channel="X" name="resolution" value="1000" units="1/cm"/>
+          <inkml:channelProperty channel="Y" name="resolution" value="1000" units="1/cm"/>
+          <inkml:channelProperty channel="F" name="resolution" value="0" units="1/dev"/>
+        </inkml:channelProperties>
+      </inkml:inkSource>
+      <inkml:timestamp xml:id="ts0" timeString="2023-09-16T03:55:00.841"/>
+    </inkml:context>
+    <inkml:brush xml:id="br0">
+      <inkml:brushProperty name="width" value="0.05" units="cm"/>
+      <inkml:brushProperty name="height" value="0.05" units="cm"/>
+    </inkml:brush>
+  </inkml:definitions>
+  <inkml:trace contextRef="#ctx0" brushRef="#br0">0 23 1332,'0'0'3514,"1"7"-2865,2 7-268,0 0 0,1-1 0,0 1 1,1-1-1,1 0 0,12 20 0,-11-21-155,2-1-1,-1-1 1,2 1-1,15 12 1,-20-18-119,2 0 1,-1-1-1,0 0 1,1 0-1,0 0 1,0-1 0,0 0-1,0-1 1,11 3-1,-15-5-54,-1 1-1,1-1 1,0 0-1,-1 0 1,1-1-1,0 1 0,0 0 1,-1-1-1,1 0 1,0 1-1,-1-1 1,1 0-1,-1 0 1,1-1-1,-1 1 1,0 0-1,1-1 1,-1 0-1,0 1 0,0-1 1,3-4-1,0 0 19,-1 0 0,-1-1 0,1 0-1,-1 0 1,-1 0 0,1 0 0,-1 0 0,0-1-1,-1 1 1,1-14 0,-1 9 51,0 0 0,-1 1 0,-1-1 1,0 0-1,-6-22 0,7 31-105,-1 1 1,0 0-1,1-1 0,-1 1 1,0 0-1,0 0 0,-1 0 1,1 0-1,0 0 1,-1 0-1,1 0 0,-1 0 1,0 0-1,1 1 0,-1-1 1,0 1-1,0-1 0,-4-1 1,3 1-19,0 2 1,0-1-1,-1 0 1,1 0-1,0 1 1,0 0-1,0 0 1,-1 0-1,1 0 1,0 0-1,0 0 1,-5 2-1,-5 2-339,0 1-1,0 0 0,1 0 0,-1 1 0,-12 10 0,-14 11-4385,24-12 1762</inkml:trace>
+</inkml:ink>
+</file>
+
+<file path=ppt/ink/ink91.xml><?xml version="1.0" encoding="utf-8"?>
+<inkml:ink xmlns:inkml="http://www.w3.org/2003/InkML">
+  <inkml:definitions>
+    <inkml:context xml:id="ctx0">
+      <inkml:inkSource xml:id="inkSrc0">
+        <inkml:traceFormat>
+          <inkml:channel name="X" type="integer" min="-2.14748E9" max="2.14748E9" units="cm"/>
+          <inkml:channel name="Y" type="integer" min="-2.14748E9" max="2.14748E9" units="cm"/>
+          <inkml:channel name="F" type="integer" max="32767" units="dev"/>
+        </inkml:traceFormat>
+        <inkml:channelProperties>
+          <inkml:channelProperty channel="X" name="resolution" value="1000" units="1/cm"/>
+          <inkml:channelProperty channel="Y" name="resolution" value="1000" units="1/cm"/>
+          <inkml:channelProperty channel="F" name="resolution" value="0" units="1/dev"/>
+        </inkml:channelProperties>
+      </inkml:inkSource>
+      <inkml:timestamp xml:id="ts0" timeString="2023-09-16T03:55:01.423"/>
+    </inkml:context>
+    <inkml:brush xml:id="br0">
+      <inkml:brushProperty name="width" value="0.05" units="cm"/>
+      <inkml:brushProperty name="height" value="0.05" units="cm"/>
+    </inkml:brush>
+  </inkml:definitions>
+  <inkml:trace contextRef="#ctx0" brushRef="#br0">2 0 884,'0'0'2422,"-1"8"-1719,1 16 153,1 1 0,1-1 0,7 38 0,0-25-60,-4-9 179,2-1 0,20 53 0,-17-48 439,-9-31-564,2 2-287,-3-3-535,0 0-1,0 0 0,0 1 0,0-1 0,0 0 0,0 0 0,1 0 0,-1 1 0,0-1 1,0 0-1,0 0 0,0 0 0,1 1 0,-1-1 0,0 0 0,0 0 0,0 0 0,1 0 1,-1 0-1,0 0 0,0 1 0,1-1 0,-1 0 0,0 0 0,0 0 0,1 0 0,-1 0 1,0 0-1,0 0 0,1 0 0,-1 0 0,0 0 0,0 0 0,1 0 0,-1 0 0,0 0 1,0 0-1,0-1 0,1 1 0,-1 0 0,0 0 0,0 0 0,1 0 0,-1 0 0,0 0 1,0-1-1,0 1 0,1 0 0,-1 0 0,0-1 0,8-19 292,-1 0 0,-1-1 1,5-32-1,-6 27 185,17-52-1,-21 77-492,-1 0-1,1 0 0,-1 1 1,1-1-1,0 0 0,-1 0 1,1 0-1,0 1 0,-1-1 0,1 0 1,0 1-1,0-1 0,0 0 1,-1 1-1,1-1 0,0 1 1,0 0-1,0-1 0,2 0 1,-2 1-15,1-1 33,2 2 8,14 7 17,-1 0 1,0 1-1,29 22 1,-45-31-52,0 1 1,1-1-1,-1 1 1,0-1-1,1 1 1,-1-1-1,1 0 0,-1 1 1,1-1-1,-1 0 1,1 0-1,-1 0 1,0 0-1,1-1 0,-1 1 1,1 0-1,-1 0 1,1-1-1,-1 1 1,2-2-1,2-1 9,1 0 0,-1-1 1,1 1-1,-1-1 0,-1-1 0,1 1 1,0-1-1,5-8 0,34-52 3,-12 16-19,-27 42-9,-5 7 12,1-1 0,0 1 0,-1-1 0,1 1 0,0-1 0,-1 1 0,1 0 0,0-1 0,-1 1 0,1 0 0,0 0 0,0 0 0,-1 0 0,1-1 0,0 1 1,0 0-1,0 0 0,-1 0 0,1 1 0,0-1 0,0 0 0,-1 0 0,1 0 0,0 0 0,1 1 0,11 5 23,-11-5-21,1 1 1,-1 0-1,0-1 0,1 1 0,-1 0 0,0 0 0,0 0 0,0 0 0,2 4 0,4 3 0,92 105-1978,-75-84-2230,-14-14-3461</inkml:trace>
+</inkml:ink>
+</file>
+
+<file path=ppt/ink/ink92.xml><?xml version="1.0" encoding="utf-8"?>
+<inkml:ink xmlns:inkml="http://www.w3.org/2003/InkML">
+  <inkml:definitions>
+    <inkml:context xml:id="ctx0">
+      <inkml:inkSource xml:id="inkSrc0">
+        <inkml:traceFormat>
+          <inkml:channel name="X" type="integer" min="-2.14748E9" max="2.14748E9" units="cm"/>
+          <inkml:channel name="Y" type="integer" min="-2.14748E9" max="2.14748E9" units="cm"/>
+          <inkml:channel name="F" type="integer" max="32767" units="dev"/>
+        </inkml:traceFormat>
+        <inkml:channelProperties>
+          <inkml:channelProperty channel="X" name="resolution" value="1000" units="1/cm"/>
+          <inkml:channelProperty channel="Y" name="resolution" value="1000" units="1/cm"/>
+          <inkml:channelProperty channel="F" name="resolution" value="0" units="1/dev"/>
+        </inkml:channelProperties>
+      </inkml:inkSource>
+      <inkml:timestamp xml:id="ts0" timeString="2023-09-16T03:55:02.665"/>
+    </inkml:context>
+    <inkml:brush xml:id="br0">
+      <inkml:brushProperty name="width" value="0.05" units="cm"/>
+      <inkml:brushProperty name="height" value="0.05" units="cm"/>
+    </inkml:brush>
+  </inkml:definitions>
+  <inkml:trace contextRef="#ctx0" brushRef="#br0">1 634 1004,'0'0'997,"2"0"-115,8-1-471,0 0-1,0 0 1,0-1-1,0-1 1,0 0 0,-1 0-1,0-1 1,1 0-1,9-6 1,-14 7-262,0 1 0,0-2 0,0 1 0,0-1 0,0 0 0,-1 0 0,1 0 0,-1 0 0,0-1 1,-1 0-1,1 0 0,-1 0 0,0 0 0,0 0 0,0-1 0,2-8 0,-4-3 454,0 14-331,-2 0-34,0 1-181,0 0 1,1 0-1,-1 0 1,0 0-1,0 0 1,0 0-1,-1 0 1,1 1 0,0-1-1,-1 0 1,1 1-1,-1-1 1,1 1-1,-1 0 1,-2-2-1,2 2 83,-1 2-24,-1-1-88,0 1 0,1 0 1,-1 0-1,0 0 0,1 0 1,0 1-1,-1-1 0,1 1 1,0 0-1,0 0 0,0 0 1,0 0-1,0 1 0,0-1 1,1 1-1,-1 0 0,-3 4 1,4-2-21,-1 0 1,1 0-1,0 0 1,0 0-1,1 0 1,0 0-1,0 1 1,0-1-1,0 0 1,1 1-1,0-1 1,0 0-1,0 1 1,0-1-1,1 0 1,0 1-1,1-1 1,-1 0-1,1 0 1,0 0-1,0 0 1,0 0-1,1 0 1,-1-1-1,1 1 1,1-1-1,-1 1 1,0-1-1,1 0 1,0-1-1,0 1 1,0-1-1,0 0 1,6 4-1,0-2-17,0 0 0,0-1 0,0 0 0,17 4 0,-13-7 5,-8-1 3,-1-1 0,1 0 0,-1-1 0,1 1 1,-1-1-1,1 0 0,-1-1 0,0 1 0,0-1 0,8-5 0,-5 1 23,0 1-1,-1-1 0,0-1 0,0 1 0,8-13 0,2-5 256,-2-2 0,24-54-1,-7-3 1110,-31 82-908,3 6-432,5 7-15,-1 1 0,0 0 0,9 18 0,-4-5 1,48 71 88,-55-85-83,-5-10-28,-1-1-1,0 1 1,0 0-1,1 0 0,-1-1 1,1 1-1,-1 0 1,0-1-1,1 1 0,-1 0 1,1-1-1,-1 1 1,1-1-1,0 1 0,-1-1 1,1 1-1,0-1 1,-1 0-1,1 1 0,1 0 1,1-6 1,3-6 90,-1 0 1,0-1-1,-1 0 1,6-20 0,20-113 637,-28 140-727,1-4 6,-2 7 7,-1 1-24,0 0 1,1 0 0,-1 0 0,0 1 0,1-1-1,-1 0 1,0 0 0,1 1 0,-1-1 0,1 0-1,0 1 1,-1-1 0,1 1 0,-1-1 0,1 1-1,0-1 1,-1 1 0,1-1 0,0 1 0,0 0-1,-1-1 1,1 1 0,0 0 0,0-1 0,-1 1-1,1 0 1,0 0 0,0 0 0,0 0-1,0 0 1,-1 0 0,1 0 0,0 0 0,1 0-1,-2 0-3,4 0-1,0 4 2,36 30 37,22 17-421,-61-51 362,1 1 0,-1 0 0,1-1 0,-1 1 0,1-1 1,-1 1-1,1-1 0,-1 0 0,1 1 0,-1-1 0,1 0 0,-1 0 0,1 0 1,0 0-1,1-1 0,4 1-71,-6-1 86,0 1-1,1 0 1,-1-1 0,0 1-1,1-1 1,-1 1 0,0-1-1,0 1 1,1-1 0,-1 0-1,0 0 1,1-1 0,2 0-11,9-6-51,0 0 0,0 0 0,-1-1 0,12-13-1,-12 12 8,-10 8 40,1 2-45,9 0 36,-9 0 17,0 2-14,21 19 42,-14-12-260,0 0-1,0-1 0,22 13 1,-30-21 221,-1 1 1,1-1 0,0 0 0,-1 0 0,1 0-1,0 0 1,0 0 0,-1-1 0,1 1 0,0-1-1,-1 1 1,1-1 0,-1 1 0,1-1 0,0 0-1,-1 0 1,1 1 0,-1-1 0,0 0 0,1-1-1,-1 1 1,0 0 0,0 0 0,1 0-1,0-3 1,7-14-29,-1-1 0,0 0 0,-2 0 0,-1 0 1,0 0-1,2-24 0,1 3 19,30-188-151,-38 227 178,1 8-3,4 30 15,-2 0 0,-2 37 0,1 22 2,1-6-8,6 61-7,-4-123-10,-5-25 18,0-1 1,0-1 0,1 1 1,-1 0-1,0-1 1,1 1-1,-1 0 0,1-1 1,0 1-1,-1-1 1,1 1-1,0-1 0,0 1 1,0-1-1,2 2 1,0-1 0,-1-1 1,1 1-1,-1-1 1,1 0-1,0 0 1,0 0-1,-1 0 1,1-1-1,0 1 1,0-1-1,0 0 1,0 0-1,0 0 1,0 0-1,4-1 1,1 1 13,53-4 0,-36 1-11,28 1-1,-29 2 4,-21 1-4,12 5 10,-13-6 22,-2 3-8,-1 7-11,-4-5-9,0-1-5,0-1 0,-1 0 1,1-1-1,-1 1 0,0-1 1,0 0-1,0 0 0,0-1 1,0 0-1,0 0 0,0 0 1,-7-1-1,4-1-9,1 1 0,0-2 0,-1 1 0,1-2 1,0 1-1,0-1 0,1 0 0,-1 0 0,0-1 0,-9-6 0,14 7-155,1 1 0,-1-1 0,0 0 0,1 0 0,0 0 0,0-1 0,0 1 0,0 0 0,-2-6 0,3 6-629,0 0 0,0 0 0,0 0 0,0-1 0,1 1 0,-1-5 0,1-9-2009</inkml:trace>
+</inkml:ink>
+</file>
+
+<file path=ppt/ink/ink93.xml><?xml version="1.0" encoding="utf-8"?>
+<inkml:ink xmlns:inkml="http://www.w3.org/2003/InkML">
+  <inkml:definitions>
+    <inkml:context xml:id="ctx0">
+      <inkml:inkSource xml:id="inkSrc0">
+        <inkml:traceFormat>
+          <inkml:channel name="X" type="integer" min="-2.14748E9" max="2.14748E9" units="cm"/>
+          <inkml:channel name="Y" type="integer" min="-2.14748E9" max="2.14748E9" units="cm"/>
+          <inkml:channel name="F" type="integer" max="32767" units="dev"/>
+        </inkml:traceFormat>
+        <inkml:channelProperties>
+          <inkml:channelProperty channel="X" name="resolution" value="1000" units="1/cm"/>
+          <inkml:channelProperty channel="Y" name="resolution" value="1000" units="1/cm"/>
+          <inkml:channelProperty channel="F" name="resolution" value="0" units="1/dev"/>
+        </inkml:channelProperties>
+      </inkml:inkSource>
+      <inkml:timestamp xml:id="ts0" timeString="2023-09-16T03:55:03.042"/>
+    </inkml:context>
+    <inkml:brush xml:id="br0">
+      <inkml:brushProperty name="width" value="0.05" units="cm"/>
+      <inkml:brushProperty name="height" value="0.05" units="cm"/>
+    </inkml:brush>
+  </inkml:definitions>
+  <inkml:trace contextRef="#ctx0" brushRef="#br0">0 192 1584,'0'0'2062,"4"-2"-1546,1-1-328,0 0 1,0-1-1,-1 0 1,1 1 0,-1-1-1,0-1 1,0 1-1,0-1 1,-1 1-1,0-1 1,0 0-1,0 0 1,0-1 0,-1 1-1,3-7 1,-3 2 155,1 1 1,-1-1 0,-1 0 0,0 0 0,0 0-1,-1 0 1,-1-12 0,1 21-273,0 0 0,0 0 0,-1-1 1,1 1-1,0 0 0,0 0 0,-1 0 0,1 0 0,-1 0 1,1 0-1,-1 0 0,1 0 0,-1 0 0,0 0 1,1 0-1,-1 0 0,-1-1 0,1 2-31,0-1 0,1 1 1,-1 0-1,0 0 0,1 0 0,-1-1 1,0 1-1,1 0 0,-1 0 0,0 0 0,1 0 1,-1 0-1,0 0 0,1 0 0,-1 0 1,0 1-1,1-1 0,-1 0 0,0 0 0,1 0 1,-2 1-1,-1 1 21,1-1 0,-1 1 0,1 0 0,0 0 1,-1 0-1,1 0 0,0 1 0,0-1 0,0 0 0,1 1 0,-3 4 1,0 1 6,0 0 1,1 1-1,0 0 1,1-1-1,0 1 1,0 0-1,1 0 1,0 1-1,1-1 1,0 0-1,0 0 1,1 0-1,4 17 1,-4-20-99,1 0-1,0 0 1,1 0 0,-1 0 0,1 0 0,0-1 0,1 1 0,-1-1 0,1 0-1,0 0 1,1 0 0,-1 0 0,1-1 0,0 0 0,0 0 0,0 0-1,0-1 1,1 1 0,-1-1 0,13 4 0,-7-3-303,0-1 0,0 0 0,1-1 1,-1-1-1,1 1 0,14-1 0,-14-2-770,0 0 0,0 0-1,15-4 1,12-7-1828</inkml:trace>
+</inkml:ink>
+</file>
+
+<file path=ppt/ink/ink94.xml><?xml version="1.0" encoding="utf-8"?>
+<inkml:ink xmlns:inkml="http://www.w3.org/2003/InkML">
+  <inkml:definitions>
+    <inkml:context xml:id="ctx0">
+      <inkml:inkSource xml:id="inkSrc0">
+        <inkml:traceFormat>
+          <inkml:channel name="X" type="integer" min="-2.14748E9" max="2.14748E9" units="cm"/>
+          <inkml:channel name="Y" type="integer" min="-2.14748E9" max="2.14748E9" units="cm"/>
+          <inkml:channel name="F" type="integer" max="32767" units="dev"/>
+        </inkml:traceFormat>
+        <inkml:channelProperties>
+          <inkml:channelProperty channel="X" name="resolution" value="1000" units="1/cm"/>
+          <inkml:channelProperty channel="Y" name="resolution" value="1000" units="1/cm"/>
+          <inkml:channelProperty channel="F" name="resolution" value="0" units="1/dev"/>
+        </inkml:channelProperties>
+      </inkml:inkSource>
+      <inkml:timestamp xml:id="ts0" timeString="2023-09-16T03:55:03.438"/>
+    </inkml:context>
+    <inkml:brush xml:id="br0">
+      <inkml:brushProperty name="width" value="0.05" units="cm"/>
+      <inkml:brushProperty name="height" value="0.05" units="cm"/>
+    </inkml:brush>
+  </inkml:definitions>
+  <inkml:trace contextRef="#ctx0" brushRef="#br0">31 68 1104,'-28'-33'6531,"26"20"-5742,2 13-694,-1-3 914,7 8-737,18 17 58,-1 1-1,31 40 0,26 68 142,-69-113-430,-1-1 0,15 39 0,-22-48-66,0 1-1,0-1 1,-1 1 0,-1 0-1,1 0 1,-1 0 0,-1 0-1,1 0 1,-2 10-1,0-17 16,1 2-9,0-1-1,-1 1 1,1-1-1,-1 0 1,0 0 0,0 1-1,-1-1 1,1 0-1,0 0 1,-4 5-1,-2-2 5,7-6 20,-1 0 0,1 0 0,-1 1-1,1-1 1,-1 0 0,1 0 0,-1 0 0,1 0 0,-1 0 0,1 0 0,-1 0-1,0 0 1,1 0 0,-1 0 0,1 0 0,-1 0 0,1 0 0,-1 0 0,0 0-1,1 0 1,-1-1 0,1 1 0,-1 0 0,1 0 0,-1-1 0,1 1-1,-1 0 1,1-1 0,0 1 0,-1-1 0,1 1 0,-1-1 0,-8-10 215,7 8-184,0 0 0,0 0-1,1 0 1,-1-1-1,1 1 1,0-1 0,0 1-1,0-1 1,0 1 0,0-8-1,1-36 188,0 41-192,2-8 18,0 1 0,1-1 0,0 1-1,1 0 1,0 0 0,1 0 0,1 1 0,8-15-1,4-2-77,0 1 0,27-30-1,-21 30-814,32-28 0,5 6-4699,-50 43 3351</inkml:trace>
+</inkml:ink>
+</file>
+
+<file path=ppt/ink/ink95.xml><?xml version="1.0" encoding="utf-8"?>
+<inkml:ink xmlns:inkml="http://www.w3.org/2003/InkML">
+  <inkml:definitions>
+    <inkml:context xml:id="ctx0">
+      <inkml:inkSource xml:id="inkSrc0">
+        <inkml:traceFormat>
+          <inkml:channel name="X" type="integer" min="-2.14748E9" max="2.14748E9" units="cm"/>
+          <inkml:channel name="Y" type="integer" min="-2.14748E9" max="2.14748E9" units="cm"/>
+          <inkml:channel name="F" type="integer" max="32767" units="dev"/>
+        </inkml:traceFormat>
+        <inkml:channelProperties>
+          <inkml:channelProperty channel="X" name="resolution" value="1000" units="1/cm"/>
+          <inkml:channelProperty channel="Y" name="resolution" value="1000" units="1/cm"/>
+          <inkml:channelProperty channel="F" name="resolution" value="0" units="1/dev"/>
+        </inkml:channelProperties>
+      </inkml:inkSource>
+      <inkml:timestamp xml:id="ts0" timeString="2023-09-16T03:55:03.799"/>
+    </inkml:context>
+    <inkml:brush xml:id="br0">
+      <inkml:brushProperty name="width" value="0.05" units="cm"/>
+      <inkml:brushProperty name="height" value="0.05" units="cm"/>
+    </inkml:brush>
+  </inkml:definitions>
+  <inkml:trace contextRef="#ctx0" brushRef="#br0">200 4 892,'0'-3'8217,"-10"6"-7021,-13 6-1669,21-8 503,1 0 0,0-1 0,0 1 0,0 0 0,0 0 0,0 0 0,0 0 0,0 0 0,0 0 0,0 0 1,0 1-1,0-1 0,1 0 0,-1 0 0,1 1 0,-1-1 0,1 0 0,-1 1 0,1-1 0,0 1 0,-1-1 0,1 0 1,0 3-1,0 0-17,-2 4 61,1-1 1,1 1-1,-1-1 1,1 0-1,1 1 1,-1-1-1,1 1 0,0-1 1,4 12-1,3 4 140,18 36-1,-17-41-66,-1 1 0,9 30-1,-17-47-83,1 2 0,2 12-3,-3-12-4,-1-1-10,-2 1-46,0 0 0,-1 0 0,1 0 0,-1-1-1,1 1 1,-1-1 0,0 0 0,-1 0 0,-7 4 0,-4 0-471,1-1-1,-33 7 1,15-4-742,-12 4-2878,24-4 1544</inkml:trace>
+</inkml:ink>
+</file>
+
+<file path=ppt/ink/ink96.xml><?xml version="1.0" encoding="utf-8"?>
+<inkml:ink xmlns:inkml="http://www.w3.org/2003/InkML">
+  <inkml:definitions>
+    <inkml:context xml:id="ctx0">
+      <inkml:inkSource xml:id="inkSrc0">
+        <inkml:traceFormat>
+          <inkml:channel name="X" type="integer" min="-2.14748E9" max="2.14748E9" units="cm"/>
+          <inkml:channel name="Y" type="integer" min="-2.14748E9" max="2.14748E9" units="cm"/>
+          <inkml:channel name="F" type="integer" max="32767" units="dev"/>
+        </inkml:traceFormat>
+        <inkml:channelProperties>
+          <inkml:channelProperty channel="X" name="resolution" value="1000" units="1/cm"/>
+          <inkml:channelProperty channel="Y" name="resolution" value="1000" units="1/cm"/>
+          <inkml:channelProperty channel="F" name="resolution" value="0" units="1/dev"/>
+        </inkml:channelProperties>
+      </inkml:inkSource>
+      <inkml:timestamp xml:id="ts0" timeString="2023-09-16T03:55:04.348"/>
+    </inkml:context>
+    <inkml:brush xml:id="br0">
+      <inkml:brushProperty name="width" value="0.05" units="cm"/>
+      <inkml:brushProperty name="height" value="0.05" units="cm"/>
+    </inkml:brush>
+  </inkml:definitions>
+  <inkml:trace contextRef="#ctx0" brushRef="#br0">43 93 1056,'0'0'2295,"-2"0"-1788,-20-5 2687,19 4-2405,-1-2-310,4 3-412,-1 0-1,1 0 0,0-1 0,-1 1 0,1 0 0,-1 0 1,1 0-1,0-1 0,-1 1 0,1 0 0,0 0 1,-1-1-1,1 1 0,0 0 0,-1-1 0,1 1 0,0-1 1,0 1-1,-1 0 0,1-1 0,0 0 0,-4-7 196,4 6 597,1-2-688,1 0-122,1 0-1,-1 0 1,1 0-1,0 0 1,0 1-1,0-1 1,0 1-1,1 0 1,0 0-1,-1 0 1,1 0-1,0 1 1,0 0-1,0 0 0,0 0 1,6-2-1,0 1-7,1 1 0,0 1 1,0 0-1,-1 0 0,1 1 0,0 0 0,0 1 0,12 2 0,-16-2-23,-1 0 0,0 0 1,0 1-1,0 0 0,0 0 0,0 1 1,0 0-1,0 0 0,-1 0 0,1 1 1,-1-1-1,0 1 0,0 0 1,8 10-1,-12-13-12,0 1 0,1 0 0,-1-1 0,0 1 0,0 0 0,0 0 0,0 0 0,-1 0 0,1 0 0,0-1 0,-1 1 0,0 1 0,1-1 0,-1 0 0,0 0 0,0 0 0,0 0 0,0 0 0,0 0 0,0 0 0,-2 3 0,1-2-4,-1 0 0,0-1 1,1 1-1,-1 0 0,0-1 0,-1 0 1,1 1-1,0-1 0,-1 0 1,1 0-1,-1 0 0,0 0 1,0-1-1,1 1 0,-6 1 0,4-1-70,0 0-1,-1-1 1,1 1-1,-1-1 1,1 0-1,-1 0 1,1 0-1,-1-1 1,0 1-1,-6-1 0,9-1-291,1 1 302,0-1 1,0 1 0,-1 0-1,1-1 1,0 1 0,0 0-1,0-1 1,0 1 0,-1 0-1,1 0 1,-2 0 0,2 0-73,-1 0 0,1 0 0,0 0 0,0 0 0,0 0 0,0 0 0,-1 0 1,1-1-1,0 1 0,0-1 0,0 1 0,0-1 0,0 1 0,0-1 0,0 1 1,0-1-1,0 0 0,0 0 0,-1 0 0,-5-5-2442</inkml:trace>
+</inkml:ink>
+</file>
+
+<file path=ppt/ink/ink97.xml><?xml version="1.0" encoding="utf-8"?>
+<inkml:ink xmlns:inkml="http://www.w3.org/2003/InkML">
+  <inkml:definitions>
+    <inkml:context xml:id="ctx0">
+      <inkml:inkSource xml:id="inkSrc0">
+        <inkml:traceFormat>
+          <inkml:channel name="X" type="integer" min="-2.14748E9" max="2.14748E9" units="cm"/>
+          <inkml:channel name="Y" type="integer" min="-2.14748E9" max="2.14748E9" units="cm"/>
+          <inkml:channel name="F" type="integer" max="32767" units="dev"/>
+        </inkml:traceFormat>
+        <inkml:channelProperties>
+          <inkml:channelProperty channel="X" name="resolution" value="1000" units="1/cm"/>
+          <inkml:channelProperty channel="Y" name="resolution" value="1000" units="1/cm"/>
+          <inkml:channelProperty channel="F" name="resolution" value="0" units="1/dev"/>
+        </inkml:channelProperties>
+      </inkml:inkSource>
+      <inkml:timestamp xml:id="ts0" timeString="2023-09-16T03:55:05.356"/>
+    </inkml:context>
+    <inkml:brush xml:id="br0">
+      <inkml:brushProperty name="width" value="0.05" units="cm"/>
+      <inkml:brushProperty name="height" value="0.05" units="cm"/>
+    </inkml:brush>
+  </inkml:definitions>
+  <inkml:trace contextRef="#ctx0" brushRef="#br0">1 938 892,'0'0'4048,"11"-3"-3583,523-158 1908,-65 29-1507,-278 81-614,141-39 122,385-102 192,-554 150-460,87-18 35,-88 23-50,201-59-261,-320 85-509,-1-3 0,52-23 0,-79 25-2560</inkml:trace>
+</inkml:ink>
+</file>
+
+<file path=ppt/ink/ink98.xml><?xml version="1.0" encoding="utf-8"?>
+<inkml:ink xmlns:inkml="http://www.w3.org/2003/InkML">
+  <inkml:definitions>
+    <inkml:context xml:id="ctx0">
+      <inkml:inkSource xml:id="inkSrc0">
+        <inkml:traceFormat>
+          <inkml:channel name="X" type="integer" min="-2.14748E9" max="2.14748E9" units="cm"/>
+          <inkml:channel name="Y" type="integer" min="-2.14748E9" max="2.14748E9" units="cm"/>
+          <inkml:channel name="F" type="integer" max="32767" units="dev"/>
+        </inkml:traceFormat>
+        <inkml:channelProperties>
+          <inkml:channelProperty channel="X" name="resolution" value="1000" units="1/cm"/>
+          <inkml:channelProperty channel="Y" name="resolution" value="1000" units="1/cm"/>
+          <inkml:channelProperty channel="F" name="resolution" value="0" units="1/dev"/>
+        </inkml:channelProperties>
+      </inkml:inkSource>
+      <inkml:timestamp xml:id="ts0" timeString="2023-09-16T03:55:05.829"/>
+    </inkml:context>
+    <inkml:brush xml:id="br0">
+      <inkml:brushProperty name="width" value="0.05" units="cm"/>
+      <inkml:brushProperty name="height" value="0.05" units="cm"/>
+    </inkml:brush>
+  </inkml:definitions>
+  <inkml:trace contextRef="#ctx0" brushRef="#br0">1 1057 1352,'0'0'588,"8"0"-29,39-3 46,0-2 0,64-15 0,-84 15-503,204-44 602,-185 39-604,640-163 1223,-124 29-533,-286 73-478,686-189 515,-754 200-675,191-58 198,-273 73-209,-100 35-62,0-3-1,38-23 1,-59 33-56,-1 0 1,0 0-1,0-1 1,0 0-1,0 0 1,5-8 0,-8 10 53</inkml:trace>
+</inkml:ink>
+</file>
+
+<file path=ppt/ink/ink99.xml><?xml version="1.0" encoding="utf-8"?>
+<inkml:ink xmlns:inkml="http://www.w3.org/2003/InkML">
+  <inkml:definitions>
+    <inkml:context xml:id="ctx0">
+      <inkml:inkSource xml:id="inkSrc0">
+        <inkml:traceFormat>
+          <inkml:channel name="X" type="integer" min="-2.14748E9" max="2.14748E9" units="cm"/>
+          <inkml:channel name="Y" type="integer" min="-2.14748E9" max="2.14748E9" units="cm"/>
+          <inkml:channel name="F" type="integer" max="32767" units="dev"/>
+        </inkml:traceFormat>
+        <inkml:channelProperties>
+          <inkml:channelProperty channel="X" name="resolution" value="1000" units="1/cm"/>
+          <inkml:channelProperty channel="Y" name="resolution" value="1000" units="1/cm"/>
+          <inkml:channelProperty channel="F" name="resolution" value="0" units="1/dev"/>
+        </inkml:channelProperties>
+      </inkml:inkSource>
+      <inkml:timestamp xml:id="ts0" timeString="2023-09-16T03:55:54.122"/>
+    </inkml:context>
+    <inkml:brush xml:id="br0">
+      <inkml:brushProperty name="width" value="0.05" units="cm"/>
+      <inkml:brushProperty name="height" value="0.05" units="cm"/>
+    </inkml:brush>
+  </inkml:definitions>
+  <inkml:trace contextRef="#ctx0" brushRef="#br0">11 14 1124,'0'0'2864,"-10"4"-2584,48-21-2920</inkml:trace>
 </inkml:ink>
 </file>
 
@@ -1631,7 +3588,7 @@
           <a:p>
             <a:fld id="{8A5A0539-3E60-4997-BD8E-9B5C42DE1667}" type="datetimeFigureOut">
               <a:rPr lang="en-IN" smtClean="0"/>
-              <a:t>10-09-2023</a:t>
+              <a:t>16-09-2023</a:t>
             </a:fld>
             <a:endParaRPr lang="en-IN"/>
           </a:p>
@@ -1831,7 +3788,7 @@
           <a:p>
             <a:fld id="{8A5A0539-3E60-4997-BD8E-9B5C42DE1667}" type="datetimeFigureOut">
               <a:rPr lang="en-IN" smtClean="0"/>
-              <a:t>10-09-2023</a:t>
+              <a:t>16-09-2023</a:t>
             </a:fld>
             <a:endParaRPr lang="en-IN"/>
           </a:p>
@@ -2041,7 +3998,7 @@
           <a:p>
             <a:fld id="{8A5A0539-3E60-4997-BD8E-9B5C42DE1667}" type="datetimeFigureOut">
               <a:rPr lang="en-IN" smtClean="0"/>
-              <a:t>10-09-2023</a:t>
+              <a:t>16-09-2023</a:t>
             </a:fld>
             <a:endParaRPr lang="en-IN"/>
           </a:p>
@@ -2241,7 +4198,7 @@
           <a:p>
             <a:fld id="{8A5A0539-3E60-4997-BD8E-9B5C42DE1667}" type="datetimeFigureOut">
               <a:rPr lang="en-IN" smtClean="0"/>
-              <a:t>10-09-2023</a:t>
+              <a:t>16-09-2023</a:t>
             </a:fld>
             <a:endParaRPr lang="en-IN"/>
           </a:p>
@@ -2517,7 +4474,7 @@
           <a:p>
             <a:fld id="{8A5A0539-3E60-4997-BD8E-9B5C42DE1667}" type="datetimeFigureOut">
               <a:rPr lang="en-IN" smtClean="0"/>
-              <a:t>10-09-2023</a:t>
+              <a:t>16-09-2023</a:t>
             </a:fld>
             <a:endParaRPr lang="en-IN"/>
           </a:p>
@@ -2785,7 +4742,7 @@
           <a:p>
             <a:fld id="{8A5A0539-3E60-4997-BD8E-9B5C42DE1667}" type="datetimeFigureOut">
               <a:rPr lang="en-IN" smtClean="0"/>
-              <a:t>10-09-2023</a:t>
+              <a:t>16-09-2023</a:t>
             </a:fld>
             <a:endParaRPr lang="en-IN"/>
           </a:p>
@@ -3200,7 +5157,7 @@
           <a:p>
             <a:fld id="{8A5A0539-3E60-4997-BD8E-9B5C42DE1667}" type="datetimeFigureOut">
               <a:rPr lang="en-IN" smtClean="0"/>
-              <a:t>10-09-2023</a:t>
+              <a:t>16-09-2023</a:t>
             </a:fld>
             <a:endParaRPr lang="en-IN"/>
           </a:p>
@@ -3342,7 +5299,7 @@
           <a:p>
             <a:fld id="{8A5A0539-3E60-4997-BD8E-9B5C42DE1667}" type="datetimeFigureOut">
               <a:rPr lang="en-IN" smtClean="0"/>
-              <a:t>10-09-2023</a:t>
+              <a:t>16-09-2023</a:t>
             </a:fld>
             <a:endParaRPr lang="en-IN"/>
           </a:p>
@@ -3455,7 +5412,7 @@
           <a:p>
             <a:fld id="{8A5A0539-3E60-4997-BD8E-9B5C42DE1667}" type="datetimeFigureOut">
               <a:rPr lang="en-IN" smtClean="0"/>
-              <a:t>10-09-2023</a:t>
+              <a:t>16-09-2023</a:t>
             </a:fld>
             <a:endParaRPr lang="en-IN"/>
           </a:p>
@@ -3768,7 +5725,7 @@
           <a:p>
             <a:fld id="{8A5A0539-3E60-4997-BD8E-9B5C42DE1667}" type="datetimeFigureOut">
               <a:rPr lang="en-IN" smtClean="0"/>
-              <a:t>10-09-2023</a:t>
+              <a:t>16-09-2023</a:t>
             </a:fld>
             <a:endParaRPr lang="en-IN"/>
           </a:p>
@@ -4057,7 +6014,7 @@
           <a:p>
             <a:fld id="{8A5A0539-3E60-4997-BD8E-9B5C42DE1667}" type="datetimeFigureOut">
               <a:rPr lang="en-IN" smtClean="0"/>
-              <a:t>10-09-2023</a:t>
+              <a:t>16-09-2023</a:t>
             </a:fld>
             <a:endParaRPr lang="en-IN"/>
           </a:p>
@@ -4300,7 +6257,7 @@
           <a:p>
             <a:fld id="{8A5A0539-3E60-4997-BD8E-9B5C42DE1667}" type="datetimeFigureOut">
               <a:rPr lang="en-IN" smtClean="0"/>
-              <a:t>10-09-2023</a:t>
+              <a:t>16-09-2023</a:t>
             </a:fld>
             <a:endParaRPr lang="en-IN"/>
           </a:p>
@@ -5530,8 +7487,8 @@
           </a:extLst>
         </p:spPr>
       </p:pic>
-      <mc:AlternateContent xmlns:mc="http://schemas.openxmlformats.org/markup-compatibility/2006">
-        <mc:Choice xmlns:p14="http://schemas.microsoft.com/office/powerpoint/2010/main" Requires="p14">
+      <mc:AlternateContent xmlns:mc="http://schemas.openxmlformats.org/markup-compatibility/2006" xmlns:p14="http://schemas.microsoft.com/office/powerpoint/2010/main">
+        <mc:Choice Requires="p14">
           <p:contentPart p14:bwMode="auto" r:id="rId3">
             <p14:nvContentPartPr>
               <p14:cNvPr id="2" name="Ink 1">
@@ -5550,7 +7507,7 @@
             </p14:xfrm>
           </p:contentPart>
         </mc:Choice>
-        <mc:Fallback>
+        <mc:Fallback xmlns="">
           <p:pic>
             <p:nvPicPr>
               <p:cNvPr id="2" name="Ink 1">
@@ -5581,8 +7538,8 @@
           </p:pic>
         </mc:Fallback>
       </mc:AlternateContent>
-      <mc:AlternateContent xmlns:mc="http://schemas.openxmlformats.org/markup-compatibility/2006">
-        <mc:Choice xmlns:p14="http://schemas.microsoft.com/office/powerpoint/2010/main" Requires="p14">
+      <mc:AlternateContent xmlns:mc="http://schemas.openxmlformats.org/markup-compatibility/2006" xmlns:p14="http://schemas.microsoft.com/office/powerpoint/2010/main">
+        <mc:Choice Requires="p14">
           <p:contentPart p14:bwMode="auto" r:id="rId5">
             <p14:nvContentPartPr>
               <p14:cNvPr id="3" name="Ink 2">
@@ -5601,7 +7558,7 @@
             </p14:xfrm>
           </p:contentPart>
         </mc:Choice>
-        <mc:Fallback>
+        <mc:Fallback xmlns="">
           <p:pic>
             <p:nvPicPr>
               <p:cNvPr id="3" name="Ink 2">
@@ -5632,8 +7589,8 @@
           </p:pic>
         </mc:Fallback>
       </mc:AlternateContent>
-      <mc:AlternateContent xmlns:mc="http://schemas.openxmlformats.org/markup-compatibility/2006">
-        <mc:Choice xmlns:p14="http://schemas.microsoft.com/office/powerpoint/2010/main" Requires="p14">
+      <mc:AlternateContent xmlns:mc="http://schemas.openxmlformats.org/markup-compatibility/2006" xmlns:p14="http://schemas.microsoft.com/office/powerpoint/2010/main">
+        <mc:Choice Requires="p14">
           <p:contentPart p14:bwMode="auto" r:id="rId7">
             <p14:nvContentPartPr>
               <p14:cNvPr id="4" name="Ink 3">
@@ -5652,7 +7609,7 @@
             </p14:xfrm>
           </p:contentPart>
         </mc:Choice>
-        <mc:Fallback>
+        <mc:Fallback xmlns="">
           <p:pic>
             <p:nvPicPr>
               <p:cNvPr id="4" name="Ink 3">
@@ -5683,8 +7640,8 @@
           </p:pic>
         </mc:Fallback>
       </mc:AlternateContent>
-      <mc:AlternateContent xmlns:mc="http://schemas.openxmlformats.org/markup-compatibility/2006">
-        <mc:Choice xmlns:p14="http://schemas.microsoft.com/office/powerpoint/2010/main" Requires="p14">
+      <mc:AlternateContent xmlns:mc="http://schemas.openxmlformats.org/markup-compatibility/2006" xmlns:p14="http://schemas.microsoft.com/office/powerpoint/2010/main">
+        <mc:Choice Requires="p14">
           <p:contentPart p14:bwMode="auto" r:id="rId9">
             <p14:nvContentPartPr>
               <p14:cNvPr id="5" name="Ink 4">
@@ -5703,7 +7660,7 @@
             </p14:xfrm>
           </p:contentPart>
         </mc:Choice>
-        <mc:Fallback>
+        <mc:Fallback xmlns="">
           <p:pic>
             <p:nvPicPr>
               <p:cNvPr id="5" name="Ink 4">
@@ -5754,8 +7711,8 @@
             <a:chExt cx="1712520" cy="978840"/>
           </a:xfrm>
         </p:grpSpPr>
-        <mc:AlternateContent xmlns:mc="http://schemas.openxmlformats.org/markup-compatibility/2006">
-          <mc:Choice xmlns:p14="http://schemas.microsoft.com/office/powerpoint/2010/main" Requires="p14">
+        <mc:AlternateContent xmlns:mc="http://schemas.openxmlformats.org/markup-compatibility/2006" xmlns:p14="http://schemas.microsoft.com/office/powerpoint/2010/main">
+          <mc:Choice Requires="p14">
             <p:contentPart p14:bwMode="auto" r:id="rId11">
               <p14:nvContentPartPr>
                 <p14:cNvPr id="6" name="Ink 5">
@@ -5774,7 +7731,7 @@
               </p14:xfrm>
             </p:contentPart>
           </mc:Choice>
-          <mc:Fallback>
+          <mc:Fallback xmlns="">
             <p:pic>
               <p:nvPicPr>
                 <p:cNvPr id="6" name="Ink 5">
@@ -5805,8 +7762,8 @@
             </p:pic>
           </mc:Fallback>
         </mc:AlternateContent>
-        <mc:AlternateContent xmlns:mc="http://schemas.openxmlformats.org/markup-compatibility/2006">
-          <mc:Choice xmlns:p14="http://schemas.microsoft.com/office/powerpoint/2010/main" Requires="p14">
+        <mc:AlternateContent xmlns:mc="http://schemas.openxmlformats.org/markup-compatibility/2006" xmlns:p14="http://schemas.microsoft.com/office/powerpoint/2010/main">
+          <mc:Choice Requires="p14">
             <p:contentPart p14:bwMode="auto" r:id="rId13">
               <p14:nvContentPartPr>
                 <p14:cNvPr id="7" name="Ink 6">
@@ -5825,7 +7782,7 @@
               </p14:xfrm>
             </p:contentPart>
           </mc:Choice>
-          <mc:Fallback>
+          <mc:Fallback xmlns="">
             <p:pic>
               <p:nvPicPr>
                 <p:cNvPr id="7" name="Ink 6">
@@ -5857,8 +7814,8 @@
           </mc:Fallback>
         </mc:AlternateContent>
       </p:grpSp>
-      <mc:AlternateContent xmlns:mc="http://schemas.openxmlformats.org/markup-compatibility/2006">
-        <mc:Choice xmlns:p14="http://schemas.microsoft.com/office/powerpoint/2010/main" Requires="p14">
+      <mc:AlternateContent xmlns:mc="http://schemas.openxmlformats.org/markup-compatibility/2006" xmlns:p14="http://schemas.microsoft.com/office/powerpoint/2010/main">
+        <mc:Choice Requires="p14">
           <p:contentPart p14:bwMode="auto" r:id="rId15">
             <p14:nvContentPartPr>
               <p14:cNvPr id="9" name="Ink 8">
@@ -5877,7 +7834,7 @@
             </p14:xfrm>
           </p:contentPart>
         </mc:Choice>
-        <mc:Fallback>
+        <mc:Fallback xmlns="">
           <p:pic>
             <p:nvPicPr>
               <p:cNvPr id="9" name="Ink 8">
@@ -6280,8 +8237,8 @@
             <a:chExt cx="3430080" cy="3930840"/>
           </a:xfrm>
         </p:grpSpPr>
-        <mc:AlternateContent xmlns:mc="http://schemas.openxmlformats.org/markup-compatibility/2006">
-          <mc:Choice xmlns:p14="http://schemas.microsoft.com/office/powerpoint/2010/main" Requires="p14">
+        <mc:AlternateContent xmlns:mc="http://schemas.openxmlformats.org/markup-compatibility/2006" xmlns:p14="http://schemas.microsoft.com/office/powerpoint/2010/main">
+          <mc:Choice Requires="p14">
             <p:contentPart p14:bwMode="auto" r:id="rId2">
               <p14:nvContentPartPr>
                 <p14:cNvPr id="12" name="Ink 11">
@@ -6300,7 +8257,7 @@
               </p14:xfrm>
             </p:contentPart>
           </mc:Choice>
-          <mc:Fallback>
+          <mc:Fallback xmlns="">
             <p:pic>
               <p:nvPicPr>
                 <p:cNvPr id="12" name="Ink 11">
@@ -6331,8 +8288,8 @@
             </p:pic>
           </mc:Fallback>
         </mc:AlternateContent>
-        <mc:AlternateContent xmlns:mc="http://schemas.openxmlformats.org/markup-compatibility/2006">
-          <mc:Choice xmlns:p14="http://schemas.microsoft.com/office/powerpoint/2010/main" Requires="p14">
+        <mc:AlternateContent xmlns:mc="http://schemas.openxmlformats.org/markup-compatibility/2006" xmlns:p14="http://schemas.microsoft.com/office/powerpoint/2010/main">
+          <mc:Choice Requires="p14">
             <p:contentPart p14:bwMode="auto" r:id="rId4">
               <p14:nvContentPartPr>
                 <p14:cNvPr id="13" name="Ink 12">
@@ -6351,7 +8308,7 @@
               </p14:xfrm>
             </p:contentPart>
           </mc:Choice>
-          <mc:Fallback>
+          <mc:Fallback xmlns="">
             <p:pic>
               <p:nvPicPr>
                 <p:cNvPr id="13" name="Ink 12">
@@ -6382,8 +8339,8 @@
             </p:pic>
           </mc:Fallback>
         </mc:AlternateContent>
-        <mc:AlternateContent xmlns:mc="http://schemas.openxmlformats.org/markup-compatibility/2006">
-          <mc:Choice xmlns:p14="http://schemas.microsoft.com/office/powerpoint/2010/main" Requires="p14">
+        <mc:AlternateContent xmlns:mc="http://schemas.openxmlformats.org/markup-compatibility/2006" xmlns:p14="http://schemas.microsoft.com/office/powerpoint/2010/main">
+          <mc:Choice Requires="p14">
             <p:contentPart p14:bwMode="auto" r:id="rId6">
               <p14:nvContentPartPr>
                 <p14:cNvPr id="14" name="Ink 13">
@@ -6402,7 +8359,7 @@
               </p14:xfrm>
             </p:contentPart>
           </mc:Choice>
-          <mc:Fallback>
+          <mc:Fallback xmlns="">
             <p:pic>
               <p:nvPicPr>
                 <p:cNvPr id="14" name="Ink 13">
@@ -6433,8 +8390,8 @@
             </p:pic>
           </mc:Fallback>
         </mc:AlternateContent>
-        <mc:AlternateContent xmlns:mc="http://schemas.openxmlformats.org/markup-compatibility/2006">
-          <mc:Choice xmlns:p14="http://schemas.microsoft.com/office/powerpoint/2010/main" Requires="p14">
+        <mc:AlternateContent xmlns:mc="http://schemas.openxmlformats.org/markup-compatibility/2006" xmlns:p14="http://schemas.microsoft.com/office/powerpoint/2010/main">
+          <mc:Choice Requires="p14">
             <p:contentPart p14:bwMode="auto" r:id="rId8">
               <p14:nvContentPartPr>
                 <p14:cNvPr id="15" name="Ink 14">
@@ -6453,7 +8410,7 @@
               </p14:xfrm>
             </p:contentPart>
           </mc:Choice>
-          <mc:Fallback>
+          <mc:Fallback xmlns="">
             <p:pic>
               <p:nvPicPr>
                 <p:cNvPr id="15" name="Ink 14">
@@ -6484,8 +8441,8 @@
             </p:pic>
           </mc:Fallback>
         </mc:AlternateContent>
-        <mc:AlternateContent xmlns:mc="http://schemas.openxmlformats.org/markup-compatibility/2006">
-          <mc:Choice xmlns:p14="http://schemas.microsoft.com/office/powerpoint/2010/main" Requires="p14">
+        <mc:AlternateContent xmlns:mc="http://schemas.openxmlformats.org/markup-compatibility/2006" xmlns:p14="http://schemas.microsoft.com/office/powerpoint/2010/main">
+          <mc:Choice Requires="p14">
             <p:contentPart p14:bwMode="auto" r:id="rId10">
               <p14:nvContentPartPr>
                 <p14:cNvPr id="21" name="Ink 20">
@@ -6504,7 +8461,7 @@
               </p14:xfrm>
             </p:contentPart>
           </mc:Choice>
-          <mc:Fallback>
+          <mc:Fallback xmlns="">
             <p:pic>
               <p:nvPicPr>
                 <p:cNvPr id="21" name="Ink 20">
@@ -6535,8 +8492,8 @@
             </p:pic>
           </mc:Fallback>
         </mc:AlternateContent>
-        <mc:AlternateContent xmlns:mc="http://schemas.openxmlformats.org/markup-compatibility/2006">
-          <mc:Choice xmlns:p14="http://schemas.microsoft.com/office/powerpoint/2010/main" Requires="p14">
+        <mc:AlternateContent xmlns:mc="http://schemas.openxmlformats.org/markup-compatibility/2006" xmlns:p14="http://schemas.microsoft.com/office/powerpoint/2010/main">
+          <mc:Choice Requires="p14">
             <p:contentPart p14:bwMode="auto" r:id="rId12">
               <p14:nvContentPartPr>
                 <p14:cNvPr id="22" name="Ink 21">
@@ -6555,7 +8512,7 @@
               </p14:xfrm>
             </p:contentPart>
           </mc:Choice>
-          <mc:Fallback>
+          <mc:Fallback xmlns="">
             <p:pic>
               <p:nvPicPr>
                 <p:cNvPr id="22" name="Ink 21">
@@ -6586,8 +8543,8 @@
             </p:pic>
           </mc:Fallback>
         </mc:AlternateContent>
-        <mc:AlternateContent xmlns:mc="http://schemas.openxmlformats.org/markup-compatibility/2006">
-          <mc:Choice xmlns:p14="http://schemas.microsoft.com/office/powerpoint/2010/main" Requires="p14">
+        <mc:AlternateContent xmlns:mc="http://schemas.openxmlformats.org/markup-compatibility/2006" xmlns:p14="http://schemas.microsoft.com/office/powerpoint/2010/main">
+          <mc:Choice Requires="p14">
             <p:contentPart p14:bwMode="auto" r:id="rId14">
               <p14:nvContentPartPr>
                 <p14:cNvPr id="23" name="Ink 22">
@@ -6606,7 +8563,7 @@
               </p14:xfrm>
             </p:contentPart>
           </mc:Choice>
-          <mc:Fallback>
+          <mc:Fallback xmlns="">
             <p:pic>
               <p:nvPicPr>
                 <p:cNvPr id="23" name="Ink 22">
@@ -6637,8 +8594,8 @@
             </p:pic>
           </mc:Fallback>
         </mc:AlternateContent>
-        <mc:AlternateContent xmlns:mc="http://schemas.openxmlformats.org/markup-compatibility/2006">
-          <mc:Choice xmlns:p14="http://schemas.microsoft.com/office/powerpoint/2010/main" Requires="p14">
+        <mc:AlternateContent xmlns:mc="http://schemas.openxmlformats.org/markup-compatibility/2006" xmlns:p14="http://schemas.microsoft.com/office/powerpoint/2010/main">
+          <mc:Choice Requires="p14">
             <p:contentPart p14:bwMode="auto" r:id="rId16">
               <p14:nvContentPartPr>
                 <p14:cNvPr id="24" name="Ink 23">
@@ -6657,7 +8614,7 @@
               </p14:xfrm>
             </p:contentPart>
           </mc:Choice>
-          <mc:Fallback>
+          <mc:Fallback xmlns="">
             <p:pic>
               <p:nvPicPr>
                 <p:cNvPr id="24" name="Ink 23">
@@ -6688,8 +8645,8 @@
             </p:pic>
           </mc:Fallback>
         </mc:AlternateContent>
-        <mc:AlternateContent xmlns:mc="http://schemas.openxmlformats.org/markup-compatibility/2006">
-          <mc:Choice xmlns:p14="http://schemas.microsoft.com/office/powerpoint/2010/main" Requires="p14">
+        <mc:AlternateContent xmlns:mc="http://schemas.openxmlformats.org/markup-compatibility/2006" xmlns:p14="http://schemas.microsoft.com/office/powerpoint/2010/main">
+          <mc:Choice Requires="p14">
             <p:contentPart p14:bwMode="auto" r:id="rId18">
               <p14:nvContentPartPr>
                 <p14:cNvPr id="25" name="Ink 24">
@@ -6708,7 +8665,7 @@
               </p14:xfrm>
             </p:contentPart>
           </mc:Choice>
-          <mc:Fallback>
+          <mc:Fallback xmlns="">
             <p:pic>
               <p:nvPicPr>
                 <p:cNvPr id="25" name="Ink 24">
@@ -6739,8 +8696,8 @@
             </p:pic>
           </mc:Fallback>
         </mc:AlternateContent>
-        <mc:AlternateContent xmlns:mc="http://schemas.openxmlformats.org/markup-compatibility/2006">
-          <mc:Choice xmlns:p14="http://schemas.microsoft.com/office/powerpoint/2010/main" Requires="p14">
+        <mc:AlternateContent xmlns:mc="http://schemas.openxmlformats.org/markup-compatibility/2006" xmlns:p14="http://schemas.microsoft.com/office/powerpoint/2010/main">
+          <mc:Choice Requires="p14">
             <p:contentPart p14:bwMode="auto" r:id="rId20">
               <p14:nvContentPartPr>
                 <p14:cNvPr id="26" name="Ink 25">
@@ -6759,7 +8716,7 @@
               </p14:xfrm>
             </p:contentPart>
           </mc:Choice>
-          <mc:Fallback>
+          <mc:Fallback xmlns="">
             <p:pic>
               <p:nvPicPr>
                 <p:cNvPr id="26" name="Ink 25">
@@ -6790,8 +8747,8 @@
             </p:pic>
           </mc:Fallback>
         </mc:AlternateContent>
-        <mc:AlternateContent xmlns:mc="http://schemas.openxmlformats.org/markup-compatibility/2006">
-          <mc:Choice xmlns:p14="http://schemas.microsoft.com/office/powerpoint/2010/main" Requires="p14">
+        <mc:AlternateContent xmlns:mc="http://schemas.openxmlformats.org/markup-compatibility/2006" xmlns:p14="http://schemas.microsoft.com/office/powerpoint/2010/main">
+          <mc:Choice Requires="p14">
             <p:contentPart p14:bwMode="auto" r:id="rId22">
               <p14:nvContentPartPr>
                 <p14:cNvPr id="30" name="Ink 29">
@@ -6810,7 +8767,7 @@
               </p14:xfrm>
             </p:contentPart>
           </mc:Choice>
-          <mc:Fallback>
+          <mc:Fallback xmlns="">
             <p:pic>
               <p:nvPicPr>
                 <p:cNvPr id="30" name="Ink 29">
@@ -6841,8 +8798,8 @@
             </p:pic>
           </mc:Fallback>
         </mc:AlternateContent>
-        <mc:AlternateContent xmlns:mc="http://schemas.openxmlformats.org/markup-compatibility/2006">
-          <mc:Choice xmlns:p14="http://schemas.microsoft.com/office/powerpoint/2010/main" Requires="p14">
+        <mc:AlternateContent xmlns:mc="http://schemas.openxmlformats.org/markup-compatibility/2006" xmlns:p14="http://schemas.microsoft.com/office/powerpoint/2010/main">
+          <mc:Choice Requires="p14">
             <p:contentPart p14:bwMode="auto" r:id="rId24">
               <p14:nvContentPartPr>
                 <p14:cNvPr id="31" name="Ink 30">
@@ -6861,7 +8818,7 @@
               </p14:xfrm>
             </p:contentPart>
           </mc:Choice>
-          <mc:Fallback>
+          <mc:Fallback xmlns="">
             <p:pic>
               <p:nvPicPr>
                 <p:cNvPr id="31" name="Ink 30">
@@ -6892,8 +8849,8 @@
             </p:pic>
           </mc:Fallback>
         </mc:AlternateContent>
-        <mc:AlternateContent xmlns:mc="http://schemas.openxmlformats.org/markup-compatibility/2006">
-          <mc:Choice xmlns:p14="http://schemas.microsoft.com/office/powerpoint/2010/main" Requires="p14">
+        <mc:AlternateContent xmlns:mc="http://schemas.openxmlformats.org/markup-compatibility/2006" xmlns:p14="http://schemas.microsoft.com/office/powerpoint/2010/main">
+          <mc:Choice Requires="p14">
             <p:contentPart p14:bwMode="auto" r:id="rId26">
               <p14:nvContentPartPr>
                 <p14:cNvPr id="33" name="Ink 32">
@@ -6912,7 +8869,7 @@
               </p14:xfrm>
             </p:contentPart>
           </mc:Choice>
-          <mc:Fallback>
+          <mc:Fallback xmlns="">
             <p:pic>
               <p:nvPicPr>
                 <p:cNvPr id="33" name="Ink 32">
@@ -6943,8 +8900,8 @@
             </p:pic>
           </mc:Fallback>
         </mc:AlternateContent>
-        <mc:AlternateContent xmlns:mc="http://schemas.openxmlformats.org/markup-compatibility/2006">
-          <mc:Choice xmlns:p14="http://schemas.microsoft.com/office/powerpoint/2010/main" Requires="p14">
+        <mc:AlternateContent xmlns:mc="http://schemas.openxmlformats.org/markup-compatibility/2006" xmlns:p14="http://schemas.microsoft.com/office/powerpoint/2010/main">
+          <mc:Choice Requires="p14">
             <p:contentPart p14:bwMode="auto" r:id="rId28">
               <p14:nvContentPartPr>
                 <p14:cNvPr id="34" name="Ink 33">
@@ -6963,7 +8920,7 @@
               </p14:xfrm>
             </p:contentPart>
           </mc:Choice>
-          <mc:Fallback>
+          <mc:Fallback xmlns="">
             <p:pic>
               <p:nvPicPr>
                 <p:cNvPr id="34" name="Ink 33">
@@ -6994,8 +8951,8 @@
             </p:pic>
           </mc:Fallback>
         </mc:AlternateContent>
-        <mc:AlternateContent xmlns:mc="http://schemas.openxmlformats.org/markup-compatibility/2006">
-          <mc:Choice xmlns:p14="http://schemas.microsoft.com/office/powerpoint/2010/main" Requires="p14">
+        <mc:AlternateContent xmlns:mc="http://schemas.openxmlformats.org/markup-compatibility/2006" xmlns:p14="http://schemas.microsoft.com/office/powerpoint/2010/main">
+          <mc:Choice Requires="p14">
             <p:contentPart p14:bwMode="auto" r:id="rId30">
               <p14:nvContentPartPr>
                 <p14:cNvPr id="35" name="Ink 34">
@@ -7014,7 +8971,7 @@
               </p14:xfrm>
             </p:contentPart>
           </mc:Choice>
-          <mc:Fallback>
+          <mc:Fallback xmlns="">
             <p:pic>
               <p:nvPicPr>
                 <p:cNvPr id="35" name="Ink 34">
@@ -7045,8 +9002,8 @@
             </p:pic>
           </mc:Fallback>
         </mc:AlternateContent>
-        <mc:AlternateContent xmlns:mc="http://schemas.openxmlformats.org/markup-compatibility/2006">
-          <mc:Choice xmlns:p14="http://schemas.microsoft.com/office/powerpoint/2010/main" Requires="p14">
+        <mc:AlternateContent xmlns:mc="http://schemas.openxmlformats.org/markup-compatibility/2006" xmlns:p14="http://schemas.microsoft.com/office/powerpoint/2010/main">
+          <mc:Choice Requires="p14">
             <p:contentPart p14:bwMode="auto" r:id="rId32">
               <p14:nvContentPartPr>
                 <p14:cNvPr id="36" name="Ink 35">
@@ -7065,7 +9022,7 @@
               </p14:xfrm>
             </p:contentPart>
           </mc:Choice>
-          <mc:Fallback>
+          <mc:Fallback xmlns="">
             <p:pic>
               <p:nvPicPr>
                 <p:cNvPr id="36" name="Ink 35">
@@ -7096,8 +9053,8 @@
             </p:pic>
           </mc:Fallback>
         </mc:AlternateContent>
-        <mc:AlternateContent xmlns:mc="http://schemas.openxmlformats.org/markup-compatibility/2006">
-          <mc:Choice xmlns:p14="http://schemas.microsoft.com/office/powerpoint/2010/main" Requires="p14">
+        <mc:AlternateContent xmlns:mc="http://schemas.openxmlformats.org/markup-compatibility/2006" xmlns:p14="http://schemas.microsoft.com/office/powerpoint/2010/main">
+          <mc:Choice Requires="p14">
             <p:contentPart p14:bwMode="auto" r:id="rId34">
               <p14:nvContentPartPr>
                 <p14:cNvPr id="16" name="Ink 15">
@@ -7116,7 +9073,7 @@
               </p14:xfrm>
             </p:contentPart>
           </mc:Choice>
-          <mc:Fallback>
+          <mc:Fallback xmlns="">
             <p:pic>
               <p:nvPicPr>
                 <p:cNvPr id="16" name="Ink 15">
@@ -7147,8 +9104,8 @@
             </p:pic>
           </mc:Fallback>
         </mc:AlternateContent>
-        <mc:AlternateContent xmlns:mc="http://schemas.openxmlformats.org/markup-compatibility/2006">
-          <mc:Choice xmlns:p14="http://schemas.microsoft.com/office/powerpoint/2010/main" Requires="p14">
+        <mc:AlternateContent xmlns:mc="http://schemas.openxmlformats.org/markup-compatibility/2006" xmlns:p14="http://schemas.microsoft.com/office/powerpoint/2010/main">
+          <mc:Choice Requires="p14">
             <p:contentPart p14:bwMode="auto" r:id="rId36">
               <p14:nvContentPartPr>
                 <p14:cNvPr id="17" name="Ink 16">
@@ -7167,7 +9124,7 @@
               </p14:xfrm>
             </p:contentPart>
           </mc:Choice>
-          <mc:Fallback>
+          <mc:Fallback xmlns="">
             <p:pic>
               <p:nvPicPr>
                 <p:cNvPr id="17" name="Ink 16">
@@ -7198,8 +9155,8 @@
             </p:pic>
           </mc:Fallback>
         </mc:AlternateContent>
-        <mc:AlternateContent xmlns:mc="http://schemas.openxmlformats.org/markup-compatibility/2006">
-          <mc:Choice xmlns:p14="http://schemas.microsoft.com/office/powerpoint/2010/main" Requires="p14">
+        <mc:AlternateContent xmlns:mc="http://schemas.openxmlformats.org/markup-compatibility/2006" xmlns:p14="http://schemas.microsoft.com/office/powerpoint/2010/main">
+          <mc:Choice Requires="p14">
             <p:contentPart p14:bwMode="auto" r:id="rId38">
               <p14:nvContentPartPr>
                 <p14:cNvPr id="18" name="Ink 17">
@@ -7218,7 +9175,7 @@
               </p14:xfrm>
             </p:contentPart>
           </mc:Choice>
-          <mc:Fallback>
+          <mc:Fallback xmlns="">
             <p:pic>
               <p:nvPicPr>
                 <p:cNvPr id="18" name="Ink 17">
@@ -7249,8 +9206,8 @@
             </p:pic>
           </mc:Fallback>
         </mc:AlternateContent>
-        <mc:AlternateContent xmlns:mc="http://schemas.openxmlformats.org/markup-compatibility/2006">
-          <mc:Choice xmlns:p14="http://schemas.microsoft.com/office/powerpoint/2010/main" Requires="p14">
+        <mc:AlternateContent xmlns:mc="http://schemas.openxmlformats.org/markup-compatibility/2006" xmlns:p14="http://schemas.microsoft.com/office/powerpoint/2010/main">
+          <mc:Choice Requires="p14">
             <p:contentPart p14:bwMode="auto" r:id="rId40">
               <p14:nvContentPartPr>
                 <p14:cNvPr id="37" name="Ink 36">
@@ -7269,7 +9226,7 @@
               </p14:xfrm>
             </p:contentPart>
           </mc:Choice>
-          <mc:Fallback>
+          <mc:Fallback xmlns="">
             <p:pic>
               <p:nvPicPr>
                 <p:cNvPr id="37" name="Ink 36">
@@ -7300,8 +9257,8 @@
             </p:pic>
           </mc:Fallback>
         </mc:AlternateContent>
-        <mc:AlternateContent xmlns:mc="http://schemas.openxmlformats.org/markup-compatibility/2006">
-          <mc:Choice xmlns:p14="http://schemas.microsoft.com/office/powerpoint/2010/main" Requires="p14">
+        <mc:AlternateContent xmlns:mc="http://schemas.openxmlformats.org/markup-compatibility/2006" xmlns:p14="http://schemas.microsoft.com/office/powerpoint/2010/main">
+          <mc:Choice Requires="p14">
             <p:contentPart p14:bwMode="auto" r:id="rId42">
               <p14:nvContentPartPr>
                 <p14:cNvPr id="38" name="Ink 37">
@@ -7320,7 +9277,7 @@
               </p14:xfrm>
             </p:contentPart>
           </mc:Choice>
-          <mc:Fallback>
+          <mc:Fallback xmlns="">
             <p:pic>
               <p:nvPicPr>
                 <p:cNvPr id="38" name="Ink 37">
@@ -7351,8 +9308,8 @@
             </p:pic>
           </mc:Fallback>
         </mc:AlternateContent>
-        <mc:AlternateContent xmlns:mc="http://schemas.openxmlformats.org/markup-compatibility/2006">
-          <mc:Choice xmlns:p14="http://schemas.microsoft.com/office/powerpoint/2010/main" Requires="p14">
+        <mc:AlternateContent xmlns:mc="http://schemas.openxmlformats.org/markup-compatibility/2006" xmlns:p14="http://schemas.microsoft.com/office/powerpoint/2010/main">
+          <mc:Choice Requires="p14">
             <p:contentPart p14:bwMode="auto" r:id="rId44">
               <p14:nvContentPartPr>
                 <p14:cNvPr id="41" name="Ink 40">
@@ -7371,7 +9328,7 @@
               </p14:xfrm>
             </p:contentPart>
           </mc:Choice>
-          <mc:Fallback>
+          <mc:Fallback xmlns="">
             <p:pic>
               <p:nvPicPr>
                 <p:cNvPr id="41" name="Ink 40">
@@ -7402,8 +9359,8 @@
             </p:pic>
           </mc:Fallback>
         </mc:AlternateContent>
-        <mc:AlternateContent xmlns:mc="http://schemas.openxmlformats.org/markup-compatibility/2006">
-          <mc:Choice xmlns:p14="http://schemas.microsoft.com/office/powerpoint/2010/main" Requires="p14">
+        <mc:AlternateContent xmlns:mc="http://schemas.openxmlformats.org/markup-compatibility/2006" xmlns:p14="http://schemas.microsoft.com/office/powerpoint/2010/main">
+          <mc:Choice Requires="p14">
             <p:contentPart p14:bwMode="auto" r:id="rId46">
               <p14:nvContentPartPr>
                 <p14:cNvPr id="42" name="Ink 41">
@@ -7422,7 +9379,7 @@
               </p14:xfrm>
             </p:contentPart>
           </mc:Choice>
-          <mc:Fallback>
+          <mc:Fallback xmlns="">
             <p:pic>
               <p:nvPicPr>
                 <p:cNvPr id="42" name="Ink 41">
@@ -7453,8 +9410,8 @@
             </p:pic>
           </mc:Fallback>
         </mc:AlternateContent>
-        <mc:AlternateContent xmlns:mc="http://schemas.openxmlformats.org/markup-compatibility/2006">
-          <mc:Choice xmlns:p14="http://schemas.microsoft.com/office/powerpoint/2010/main" Requires="p14">
+        <mc:AlternateContent xmlns:mc="http://schemas.openxmlformats.org/markup-compatibility/2006" xmlns:p14="http://schemas.microsoft.com/office/powerpoint/2010/main">
+          <mc:Choice Requires="p14">
             <p:contentPart p14:bwMode="auto" r:id="rId48">
               <p14:nvContentPartPr>
                 <p14:cNvPr id="43" name="Ink 42">
@@ -7473,7 +9430,7 @@
               </p14:xfrm>
             </p:contentPart>
           </mc:Choice>
-          <mc:Fallback>
+          <mc:Fallback xmlns="">
             <p:pic>
               <p:nvPicPr>
                 <p:cNvPr id="43" name="Ink 42">
@@ -7504,8 +9461,8 @@
             </p:pic>
           </mc:Fallback>
         </mc:AlternateContent>
-        <mc:AlternateContent xmlns:mc="http://schemas.openxmlformats.org/markup-compatibility/2006">
-          <mc:Choice xmlns:p14="http://schemas.microsoft.com/office/powerpoint/2010/main" Requires="p14">
+        <mc:AlternateContent xmlns:mc="http://schemas.openxmlformats.org/markup-compatibility/2006" xmlns:p14="http://schemas.microsoft.com/office/powerpoint/2010/main">
+          <mc:Choice Requires="p14">
             <p:contentPart p14:bwMode="auto" r:id="rId50">
               <p14:nvContentPartPr>
                 <p14:cNvPr id="44" name="Ink 43">
@@ -7524,7 +9481,7 @@
               </p14:xfrm>
             </p:contentPart>
           </mc:Choice>
-          <mc:Fallback>
+          <mc:Fallback xmlns="">
             <p:pic>
               <p:nvPicPr>
                 <p:cNvPr id="44" name="Ink 43">
@@ -7555,8 +9512,8 @@
             </p:pic>
           </mc:Fallback>
         </mc:AlternateContent>
-        <mc:AlternateContent xmlns:mc="http://schemas.openxmlformats.org/markup-compatibility/2006">
-          <mc:Choice xmlns:p14="http://schemas.microsoft.com/office/powerpoint/2010/main" Requires="p14">
+        <mc:AlternateContent xmlns:mc="http://schemas.openxmlformats.org/markup-compatibility/2006" xmlns:p14="http://schemas.microsoft.com/office/powerpoint/2010/main">
+          <mc:Choice Requires="p14">
             <p:contentPart p14:bwMode="auto" r:id="rId52">
               <p14:nvContentPartPr>
                 <p14:cNvPr id="45" name="Ink 44">
@@ -7575,7 +9532,7 @@
               </p14:xfrm>
             </p:contentPart>
           </mc:Choice>
-          <mc:Fallback>
+          <mc:Fallback xmlns="">
             <p:pic>
               <p:nvPicPr>
                 <p:cNvPr id="45" name="Ink 44">
@@ -7606,8 +9563,8 @@
             </p:pic>
           </mc:Fallback>
         </mc:AlternateContent>
-        <mc:AlternateContent xmlns:mc="http://schemas.openxmlformats.org/markup-compatibility/2006">
-          <mc:Choice xmlns:p14="http://schemas.microsoft.com/office/powerpoint/2010/main" Requires="p14">
+        <mc:AlternateContent xmlns:mc="http://schemas.openxmlformats.org/markup-compatibility/2006" xmlns:p14="http://schemas.microsoft.com/office/powerpoint/2010/main">
+          <mc:Choice Requires="p14">
             <p:contentPart p14:bwMode="auto" r:id="rId54">
               <p14:nvContentPartPr>
                 <p14:cNvPr id="46" name="Ink 45">
@@ -7626,7 +9583,7 @@
               </p14:xfrm>
             </p:contentPart>
           </mc:Choice>
-          <mc:Fallback>
+          <mc:Fallback xmlns="">
             <p:pic>
               <p:nvPicPr>
                 <p:cNvPr id="46" name="Ink 45">
@@ -7657,8 +9614,8 @@
             </p:pic>
           </mc:Fallback>
         </mc:AlternateContent>
-        <mc:AlternateContent xmlns:mc="http://schemas.openxmlformats.org/markup-compatibility/2006">
-          <mc:Choice xmlns:p14="http://schemas.microsoft.com/office/powerpoint/2010/main" Requires="p14">
+        <mc:AlternateContent xmlns:mc="http://schemas.openxmlformats.org/markup-compatibility/2006" xmlns:p14="http://schemas.microsoft.com/office/powerpoint/2010/main">
+          <mc:Choice Requires="p14">
             <p:contentPart p14:bwMode="auto" r:id="rId56">
               <p14:nvContentPartPr>
                 <p14:cNvPr id="48" name="Ink 47">
@@ -7677,7 +9634,7 @@
               </p14:xfrm>
             </p:contentPart>
           </mc:Choice>
-          <mc:Fallback>
+          <mc:Fallback xmlns="">
             <p:pic>
               <p:nvPicPr>
                 <p:cNvPr id="48" name="Ink 47">
@@ -7708,8 +9665,8 @@
             </p:pic>
           </mc:Fallback>
         </mc:AlternateContent>
-        <mc:AlternateContent xmlns:mc="http://schemas.openxmlformats.org/markup-compatibility/2006">
-          <mc:Choice xmlns:p14="http://schemas.microsoft.com/office/powerpoint/2010/main" Requires="p14">
+        <mc:AlternateContent xmlns:mc="http://schemas.openxmlformats.org/markup-compatibility/2006" xmlns:p14="http://schemas.microsoft.com/office/powerpoint/2010/main">
+          <mc:Choice Requires="p14">
             <p:contentPart p14:bwMode="auto" r:id="rId58">
               <p14:nvContentPartPr>
                 <p14:cNvPr id="49" name="Ink 48">
@@ -7728,7 +9685,7 @@
               </p14:xfrm>
             </p:contentPart>
           </mc:Choice>
-          <mc:Fallback>
+          <mc:Fallback xmlns="">
             <p:pic>
               <p:nvPicPr>
                 <p:cNvPr id="49" name="Ink 48">
@@ -7759,8 +9716,8 @@
             </p:pic>
           </mc:Fallback>
         </mc:AlternateContent>
-        <mc:AlternateContent xmlns:mc="http://schemas.openxmlformats.org/markup-compatibility/2006">
-          <mc:Choice xmlns:p14="http://schemas.microsoft.com/office/powerpoint/2010/main" Requires="p14">
+        <mc:AlternateContent xmlns:mc="http://schemas.openxmlformats.org/markup-compatibility/2006" xmlns:p14="http://schemas.microsoft.com/office/powerpoint/2010/main">
+          <mc:Choice Requires="p14">
             <p:contentPart p14:bwMode="auto" r:id="rId60">
               <p14:nvContentPartPr>
                 <p14:cNvPr id="50" name="Ink 49">
@@ -7779,7 +9736,7 @@
               </p14:xfrm>
             </p:contentPart>
           </mc:Choice>
-          <mc:Fallback>
+          <mc:Fallback xmlns="">
             <p:pic>
               <p:nvPicPr>
                 <p:cNvPr id="50" name="Ink 49">
@@ -7810,8 +9767,8 @@
             </p:pic>
           </mc:Fallback>
         </mc:AlternateContent>
-        <mc:AlternateContent xmlns:mc="http://schemas.openxmlformats.org/markup-compatibility/2006">
-          <mc:Choice xmlns:p14="http://schemas.microsoft.com/office/powerpoint/2010/main" Requires="p14">
+        <mc:AlternateContent xmlns:mc="http://schemas.openxmlformats.org/markup-compatibility/2006" xmlns:p14="http://schemas.microsoft.com/office/powerpoint/2010/main">
+          <mc:Choice Requires="p14">
             <p:contentPart p14:bwMode="auto" r:id="rId62">
               <p14:nvContentPartPr>
                 <p14:cNvPr id="51" name="Ink 50">
@@ -7830,7 +9787,7 @@
               </p14:xfrm>
             </p:contentPart>
           </mc:Choice>
-          <mc:Fallback>
+          <mc:Fallback xmlns="">
             <p:pic>
               <p:nvPicPr>
                 <p:cNvPr id="51" name="Ink 50">
@@ -7861,8 +9818,8 @@
             </p:pic>
           </mc:Fallback>
         </mc:AlternateContent>
-        <mc:AlternateContent xmlns:mc="http://schemas.openxmlformats.org/markup-compatibility/2006">
-          <mc:Choice xmlns:p14="http://schemas.microsoft.com/office/powerpoint/2010/main" Requires="p14">
+        <mc:AlternateContent xmlns:mc="http://schemas.openxmlformats.org/markup-compatibility/2006" xmlns:p14="http://schemas.microsoft.com/office/powerpoint/2010/main">
+          <mc:Choice Requires="p14">
             <p:contentPart p14:bwMode="auto" r:id="rId64">
               <p14:nvContentPartPr>
                 <p14:cNvPr id="52" name="Ink 51">
@@ -7881,7 +9838,7 @@
               </p14:xfrm>
             </p:contentPart>
           </mc:Choice>
-          <mc:Fallback>
+          <mc:Fallback xmlns="">
             <p:pic>
               <p:nvPicPr>
                 <p:cNvPr id="52" name="Ink 51">
@@ -7912,8 +9869,8 @@
             </p:pic>
           </mc:Fallback>
         </mc:AlternateContent>
-        <mc:AlternateContent xmlns:mc="http://schemas.openxmlformats.org/markup-compatibility/2006">
-          <mc:Choice xmlns:p14="http://schemas.microsoft.com/office/powerpoint/2010/main" Requires="p14">
+        <mc:AlternateContent xmlns:mc="http://schemas.openxmlformats.org/markup-compatibility/2006" xmlns:p14="http://schemas.microsoft.com/office/powerpoint/2010/main">
+          <mc:Choice Requires="p14">
             <p:contentPart p14:bwMode="auto" r:id="rId66">
               <p14:nvContentPartPr>
                 <p14:cNvPr id="53" name="Ink 52">
@@ -7932,7 +9889,7 @@
               </p14:xfrm>
             </p:contentPart>
           </mc:Choice>
-          <mc:Fallback>
+          <mc:Fallback xmlns="">
             <p:pic>
               <p:nvPicPr>
                 <p:cNvPr id="53" name="Ink 52">
@@ -7963,8 +9920,8 @@
             </p:pic>
           </mc:Fallback>
         </mc:AlternateContent>
-        <mc:AlternateContent xmlns:mc="http://schemas.openxmlformats.org/markup-compatibility/2006">
-          <mc:Choice xmlns:p14="http://schemas.microsoft.com/office/powerpoint/2010/main" Requires="p14">
+        <mc:AlternateContent xmlns:mc="http://schemas.openxmlformats.org/markup-compatibility/2006" xmlns:p14="http://schemas.microsoft.com/office/powerpoint/2010/main">
+          <mc:Choice Requires="p14">
             <p:contentPart p14:bwMode="auto" r:id="rId68">
               <p14:nvContentPartPr>
                 <p14:cNvPr id="54" name="Ink 53">
@@ -7983,7 +9940,7 @@
               </p14:xfrm>
             </p:contentPart>
           </mc:Choice>
-          <mc:Fallback>
+          <mc:Fallback xmlns="">
             <p:pic>
               <p:nvPicPr>
                 <p:cNvPr id="54" name="Ink 53">
@@ -8014,8 +9971,8 @@
             </p:pic>
           </mc:Fallback>
         </mc:AlternateContent>
-        <mc:AlternateContent xmlns:mc="http://schemas.openxmlformats.org/markup-compatibility/2006">
-          <mc:Choice xmlns:p14="http://schemas.microsoft.com/office/powerpoint/2010/main" Requires="p14">
+        <mc:AlternateContent xmlns:mc="http://schemas.openxmlformats.org/markup-compatibility/2006" xmlns:p14="http://schemas.microsoft.com/office/powerpoint/2010/main">
+          <mc:Choice Requires="p14">
             <p:contentPart p14:bwMode="auto" r:id="rId70">
               <p14:nvContentPartPr>
                 <p14:cNvPr id="55" name="Ink 54">
@@ -8034,7 +9991,7 @@
               </p14:xfrm>
             </p:contentPart>
           </mc:Choice>
-          <mc:Fallback>
+          <mc:Fallback xmlns="">
             <p:pic>
               <p:nvPicPr>
                 <p:cNvPr id="55" name="Ink 54">
@@ -8065,8 +10022,8 @@
             </p:pic>
           </mc:Fallback>
         </mc:AlternateContent>
-        <mc:AlternateContent xmlns:mc="http://schemas.openxmlformats.org/markup-compatibility/2006">
-          <mc:Choice xmlns:p14="http://schemas.microsoft.com/office/powerpoint/2010/main" Requires="p14">
+        <mc:AlternateContent xmlns:mc="http://schemas.openxmlformats.org/markup-compatibility/2006" xmlns:p14="http://schemas.microsoft.com/office/powerpoint/2010/main">
+          <mc:Choice Requires="p14">
             <p:contentPart p14:bwMode="auto" r:id="rId72">
               <p14:nvContentPartPr>
                 <p14:cNvPr id="56" name="Ink 55">
@@ -8085,7 +10042,7 @@
               </p14:xfrm>
             </p:contentPart>
           </mc:Choice>
-          <mc:Fallback>
+          <mc:Fallback xmlns="">
             <p:pic>
               <p:nvPicPr>
                 <p:cNvPr id="56" name="Ink 55">
@@ -8116,8 +10073,8 @@
             </p:pic>
           </mc:Fallback>
         </mc:AlternateContent>
-        <mc:AlternateContent xmlns:mc="http://schemas.openxmlformats.org/markup-compatibility/2006">
-          <mc:Choice xmlns:p14="http://schemas.microsoft.com/office/powerpoint/2010/main" Requires="p14">
+        <mc:AlternateContent xmlns:mc="http://schemas.openxmlformats.org/markup-compatibility/2006" xmlns:p14="http://schemas.microsoft.com/office/powerpoint/2010/main">
+          <mc:Choice Requires="p14">
             <p:contentPart p14:bwMode="auto" r:id="rId74">
               <p14:nvContentPartPr>
                 <p14:cNvPr id="57" name="Ink 56">
@@ -8136,7 +10093,7 @@
               </p14:xfrm>
             </p:contentPart>
           </mc:Choice>
-          <mc:Fallback>
+          <mc:Fallback xmlns="">
             <p:pic>
               <p:nvPicPr>
                 <p:cNvPr id="57" name="Ink 56">
@@ -8167,8 +10124,8 @@
             </p:pic>
           </mc:Fallback>
         </mc:AlternateContent>
-        <mc:AlternateContent xmlns:mc="http://schemas.openxmlformats.org/markup-compatibility/2006">
-          <mc:Choice xmlns:p14="http://schemas.microsoft.com/office/powerpoint/2010/main" Requires="p14">
+        <mc:AlternateContent xmlns:mc="http://schemas.openxmlformats.org/markup-compatibility/2006" xmlns:p14="http://schemas.microsoft.com/office/powerpoint/2010/main">
+          <mc:Choice Requires="p14">
             <p:contentPart p14:bwMode="auto" r:id="rId76">
               <p14:nvContentPartPr>
                 <p14:cNvPr id="58" name="Ink 57">
@@ -8187,7 +10144,7 @@
               </p14:xfrm>
             </p:contentPart>
           </mc:Choice>
-          <mc:Fallback>
+          <mc:Fallback xmlns="">
             <p:pic>
               <p:nvPicPr>
                 <p:cNvPr id="58" name="Ink 57">
@@ -8218,8 +10175,8 @@
             </p:pic>
           </mc:Fallback>
         </mc:AlternateContent>
-        <mc:AlternateContent xmlns:mc="http://schemas.openxmlformats.org/markup-compatibility/2006">
-          <mc:Choice xmlns:p14="http://schemas.microsoft.com/office/powerpoint/2010/main" Requires="p14">
+        <mc:AlternateContent xmlns:mc="http://schemas.openxmlformats.org/markup-compatibility/2006" xmlns:p14="http://schemas.microsoft.com/office/powerpoint/2010/main">
+          <mc:Choice Requires="p14">
             <p:contentPart p14:bwMode="auto" r:id="rId78">
               <p14:nvContentPartPr>
                 <p14:cNvPr id="59" name="Ink 58">
@@ -8238,7 +10195,7 @@
               </p14:xfrm>
             </p:contentPart>
           </mc:Choice>
-          <mc:Fallback>
+          <mc:Fallback xmlns="">
             <p:pic>
               <p:nvPicPr>
                 <p:cNvPr id="59" name="Ink 58">
@@ -8274,6 +10231,90 @@
     <p:extLst>
       <p:ext uri="{BB962C8B-B14F-4D97-AF65-F5344CB8AC3E}">
         <p14:creationId xmlns:p14="http://schemas.microsoft.com/office/powerpoint/2010/main" val="1748226416"/>
+      </p:ext>
+    </p:extLst>
+  </p:cSld>
+  <p:clrMapOvr>
+    <a:masterClrMapping/>
+  </p:clrMapOvr>
+</p:sld>
+</file>
+
+<file path=ppt/slides/slide19.xml><?xml version="1.0" encoding="utf-8"?>
+<p:sld xmlns:a="http://schemas.openxmlformats.org/drawingml/2006/main" xmlns:r="http://schemas.openxmlformats.org/officeDocument/2006/relationships" xmlns:p="http://schemas.openxmlformats.org/presentationml/2006/main">
+  <p:cSld>
+    <p:spTree>
+      <p:nvGrpSpPr>
+        <p:cNvPr id="1" name=""/>
+        <p:cNvGrpSpPr/>
+        <p:nvPr/>
+      </p:nvGrpSpPr>
+      <p:grpSpPr>
+        <a:xfrm>
+          <a:off x="0" y="0"/>
+          <a:ext cx="0" cy="0"/>
+          <a:chOff x="0" y="0"/>
+          <a:chExt cx="0" cy="0"/>
+        </a:xfrm>
+      </p:grpSpPr>
+      <p:sp>
+        <p:nvSpPr>
+          <p:cNvPr id="2" name="Title 1">
+            <a:extLst>
+              <a:ext uri="{FF2B5EF4-FFF2-40B4-BE49-F238E27FC236}">
+                <a16:creationId xmlns:a16="http://schemas.microsoft.com/office/drawing/2014/main" id="{529B0CC5-6745-7303-55A4-4118B37F89E2}"/>
+              </a:ext>
+            </a:extLst>
+          </p:cNvPr>
+          <p:cNvSpPr>
+            <a:spLocks noGrp="1"/>
+          </p:cNvSpPr>
+          <p:nvPr>
+            <p:ph type="ctrTitle"/>
+          </p:nvPr>
+        </p:nvSpPr>
+        <p:spPr/>
+        <p:txBody>
+          <a:bodyPr/>
+          <a:lstStyle/>
+          <a:p>
+            <a:r>
+              <a:rPr lang="en-US" dirty="0"/>
+              <a:t>Users and Groups</a:t>
+            </a:r>
+            <a:endParaRPr lang="en-IN" dirty="0"/>
+          </a:p>
+        </p:txBody>
+      </p:sp>
+      <p:sp>
+        <p:nvSpPr>
+          <p:cNvPr id="3" name="Subtitle 2">
+            <a:extLst>
+              <a:ext uri="{FF2B5EF4-FFF2-40B4-BE49-F238E27FC236}">
+                <a16:creationId xmlns:a16="http://schemas.microsoft.com/office/drawing/2014/main" id="{B2C0E935-67F3-A031-E9FA-E41475EC7BAB}"/>
+              </a:ext>
+            </a:extLst>
+          </p:cNvPr>
+          <p:cNvSpPr>
+            <a:spLocks noGrp="1"/>
+          </p:cNvSpPr>
+          <p:nvPr>
+            <p:ph type="subTitle" idx="1"/>
+          </p:nvPr>
+        </p:nvSpPr>
+        <p:spPr/>
+        <p:txBody>
+          <a:bodyPr/>
+          <a:lstStyle/>
+          <a:p>
+            <a:endParaRPr lang="en-IN"/>
+          </a:p>
+        </p:txBody>
+      </p:sp>
+    </p:spTree>
+    <p:extLst>
+      <p:ext uri="{BB962C8B-B14F-4D97-AF65-F5344CB8AC3E}">
+        <p14:creationId xmlns:p14="http://schemas.microsoft.com/office/powerpoint/2010/main" val="3718142447"/>
       </p:ext>
     </p:extLst>
   </p:cSld>
@@ -8389,6 +10430,3986 @@
     <p:extLst>
       <p:ext uri="{BB962C8B-B14F-4D97-AF65-F5344CB8AC3E}">
         <p14:creationId xmlns:p14="http://schemas.microsoft.com/office/powerpoint/2010/main" val="265257614"/>
+      </p:ext>
+    </p:extLst>
+  </p:cSld>
+  <p:clrMapOvr>
+    <a:masterClrMapping/>
+  </p:clrMapOvr>
+</p:sld>
+</file>
+
+<file path=ppt/slides/slide20.xml><?xml version="1.0" encoding="utf-8"?>
+<p:sld xmlns:a="http://schemas.openxmlformats.org/drawingml/2006/main" xmlns:r="http://schemas.openxmlformats.org/officeDocument/2006/relationships" xmlns:p="http://schemas.openxmlformats.org/presentationml/2006/main">
+  <p:cSld>
+    <p:spTree>
+      <p:nvGrpSpPr>
+        <p:cNvPr id="1" name=""/>
+        <p:cNvGrpSpPr/>
+        <p:nvPr/>
+      </p:nvGrpSpPr>
+      <p:grpSpPr>
+        <a:xfrm>
+          <a:off x="0" y="0"/>
+          <a:ext cx="0" cy="0"/>
+          <a:chOff x="0" y="0"/>
+          <a:chExt cx="0" cy="0"/>
+        </a:xfrm>
+      </p:grpSpPr>
+      <p:sp>
+        <p:nvSpPr>
+          <p:cNvPr id="2" name="Title 1">
+            <a:extLst>
+              <a:ext uri="{FF2B5EF4-FFF2-40B4-BE49-F238E27FC236}">
+                <a16:creationId xmlns:a16="http://schemas.microsoft.com/office/drawing/2014/main" id="{18F6CF0E-3678-D6D6-D08D-AF7161268114}"/>
+              </a:ext>
+            </a:extLst>
+          </p:cNvPr>
+          <p:cNvSpPr>
+            <a:spLocks noGrp="1"/>
+          </p:cNvSpPr>
+          <p:nvPr>
+            <p:ph type="title"/>
+          </p:nvPr>
+        </p:nvSpPr>
+        <p:spPr/>
+        <p:txBody>
+          <a:bodyPr/>
+          <a:lstStyle/>
+          <a:p>
+            <a:r>
+              <a:rPr lang="en-US" dirty="0"/>
+              <a:t>User</a:t>
+            </a:r>
+            <a:endParaRPr lang="en-IN" dirty="0"/>
+          </a:p>
+        </p:txBody>
+      </p:sp>
+      <p:sp>
+        <p:nvSpPr>
+          <p:cNvPr id="3" name="Content Placeholder 2">
+            <a:extLst>
+              <a:ext uri="{FF2B5EF4-FFF2-40B4-BE49-F238E27FC236}">
+                <a16:creationId xmlns:a16="http://schemas.microsoft.com/office/drawing/2014/main" id="{E9A54623-B916-CC09-5F7A-72D2586B63EB}"/>
+              </a:ext>
+            </a:extLst>
+          </p:cNvPr>
+          <p:cNvSpPr>
+            <a:spLocks noGrp="1"/>
+          </p:cNvSpPr>
+          <p:nvPr>
+            <p:ph idx="1"/>
+          </p:nvPr>
+        </p:nvSpPr>
+        <p:spPr/>
+        <p:txBody>
+          <a:bodyPr/>
+          <a:lstStyle/>
+          <a:p>
+            <a:r>
+              <a:rPr lang="en-US" dirty="0"/>
+              <a:t>Users who require access to resources must have a user account.</a:t>
+            </a:r>
+          </a:p>
+          <a:p>
+            <a:r>
+              <a:rPr lang="en-US" dirty="0"/>
+              <a:t>Types of Identities:</a:t>
+            </a:r>
+          </a:p>
+          <a:p>
+            <a:pPr lvl="1"/>
+            <a:r>
+              <a:rPr lang="en-US" dirty="0"/>
+              <a:t>Cloud Identities – User that only exist in Azure AD</a:t>
+            </a:r>
+            <a:br>
+              <a:rPr lang="en-US" dirty="0"/>
+            </a:br>
+            <a:r>
+              <a:rPr lang="en-US" dirty="0"/>
+              <a:t>Ex: Admin account</a:t>
+            </a:r>
+          </a:p>
+          <a:p>
+            <a:pPr lvl="1"/>
+            <a:r>
+              <a:rPr lang="en-US" dirty="0"/>
+              <a:t>Directory-synchronized identities – Users brought into the Azure through a synchronization activity using Azure AD Connect.</a:t>
+            </a:r>
+          </a:p>
+          <a:p>
+            <a:pPr lvl="1"/>
+            <a:r>
+              <a:rPr lang="en-IN" dirty="0"/>
+              <a:t>Guest User – Users from outside Azure.</a:t>
+            </a:r>
+            <a:br>
+              <a:rPr lang="en-IN" dirty="0"/>
+            </a:br>
+            <a:r>
+              <a:rPr lang="en-IN" dirty="0"/>
+              <a:t>Ex: abc@gmail.com</a:t>
+            </a:r>
+          </a:p>
+        </p:txBody>
+      </p:sp>
+    </p:spTree>
+    <p:extLst>
+      <p:ext uri="{BB962C8B-B14F-4D97-AF65-F5344CB8AC3E}">
+        <p14:creationId xmlns:p14="http://schemas.microsoft.com/office/powerpoint/2010/main" val="665886651"/>
+      </p:ext>
+    </p:extLst>
+  </p:cSld>
+  <p:clrMapOvr>
+    <a:masterClrMapping/>
+  </p:clrMapOvr>
+</p:sld>
+</file>
+
+<file path=ppt/slides/slide21.xml><?xml version="1.0" encoding="utf-8"?>
+<p:sld xmlns:a="http://schemas.openxmlformats.org/drawingml/2006/main" xmlns:r="http://schemas.openxmlformats.org/officeDocument/2006/relationships" xmlns:p="http://schemas.openxmlformats.org/presentationml/2006/main">
+  <p:cSld>
+    <p:spTree>
+      <p:nvGrpSpPr>
+        <p:cNvPr id="1" name=""/>
+        <p:cNvGrpSpPr/>
+        <p:nvPr/>
+      </p:nvGrpSpPr>
+      <p:grpSpPr>
+        <a:xfrm>
+          <a:off x="0" y="0"/>
+          <a:ext cx="0" cy="0"/>
+          <a:chOff x="0" y="0"/>
+          <a:chExt cx="0" cy="0"/>
+        </a:xfrm>
+      </p:grpSpPr>
+      <p:sp>
+        <p:nvSpPr>
+          <p:cNvPr id="2" name="Title 1">
+            <a:extLst>
+              <a:ext uri="{FF2B5EF4-FFF2-40B4-BE49-F238E27FC236}">
+                <a16:creationId xmlns:a16="http://schemas.microsoft.com/office/drawing/2014/main" id="{F25260B6-50A2-666D-7782-08061C1B012A}"/>
+              </a:ext>
+            </a:extLst>
+          </p:cNvPr>
+          <p:cNvSpPr>
+            <a:spLocks noGrp="1"/>
+          </p:cNvSpPr>
+          <p:nvPr>
+            <p:ph type="title"/>
+          </p:nvPr>
+        </p:nvSpPr>
+        <p:spPr/>
+        <p:txBody>
+          <a:bodyPr/>
+          <a:lstStyle/>
+          <a:p>
+            <a:r>
+              <a:rPr lang="en-US" dirty="0"/>
+              <a:t>Group</a:t>
+            </a:r>
+            <a:endParaRPr lang="en-IN" dirty="0"/>
+          </a:p>
+        </p:txBody>
+      </p:sp>
+      <p:sp>
+        <p:nvSpPr>
+          <p:cNvPr id="3" name="Content Placeholder 2">
+            <a:extLst>
+              <a:ext uri="{FF2B5EF4-FFF2-40B4-BE49-F238E27FC236}">
+                <a16:creationId xmlns:a16="http://schemas.microsoft.com/office/drawing/2014/main" id="{56DDB891-F165-5836-9AE0-A843CF897090}"/>
+              </a:ext>
+            </a:extLst>
+          </p:cNvPr>
+          <p:cNvSpPr>
+            <a:spLocks noGrp="1"/>
+          </p:cNvSpPr>
+          <p:nvPr>
+            <p:ph idx="1"/>
+          </p:nvPr>
+        </p:nvSpPr>
+        <p:spPr/>
+        <p:txBody>
+          <a:bodyPr/>
+          <a:lstStyle/>
+          <a:p>
+            <a:r>
+              <a:rPr lang="en-US" dirty="0"/>
+              <a:t>Helps organize users to make it easier to manage permissions.</a:t>
+            </a:r>
+          </a:p>
+          <a:p>
+            <a:r>
+              <a:rPr lang="en-US" dirty="0"/>
+              <a:t>Two Types:</a:t>
+            </a:r>
+          </a:p>
+          <a:p>
+            <a:pPr lvl="1"/>
+            <a:r>
+              <a:rPr lang="en-US" dirty="0"/>
+              <a:t>Security Group – Security Enabled and is used to assign the permissions.</a:t>
+            </a:r>
+          </a:p>
+          <a:p>
+            <a:pPr lvl="1"/>
+            <a:r>
+              <a:rPr lang="en-US" dirty="0"/>
+              <a:t>Distribution Group – Used mainly by email applications and not security enabled.</a:t>
+            </a:r>
+            <a:endParaRPr lang="en-IN" dirty="0"/>
+          </a:p>
+        </p:txBody>
+      </p:sp>
+    </p:spTree>
+    <p:extLst>
+      <p:ext uri="{BB962C8B-B14F-4D97-AF65-F5344CB8AC3E}">
+        <p14:creationId xmlns:p14="http://schemas.microsoft.com/office/powerpoint/2010/main" val="4212010729"/>
+      </p:ext>
+    </p:extLst>
+  </p:cSld>
+  <p:clrMapOvr>
+    <a:masterClrMapping/>
+  </p:clrMapOvr>
+</p:sld>
+</file>
+
+<file path=ppt/slides/slide22.xml><?xml version="1.0" encoding="utf-8"?>
+<p:sld xmlns:a="http://schemas.openxmlformats.org/drawingml/2006/main" xmlns:r="http://schemas.openxmlformats.org/officeDocument/2006/relationships" xmlns:p="http://schemas.openxmlformats.org/presentationml/2006/main">
+  <p:cSld>
+    <p:spTree>
+      <p:nvGrpSpPr>
+        <p:cNvPr id="1" name=""/>
+        <p:cNvGrpSpPr/>
+        <p:nvPr/>
+      </p:nvGrpSpPr>
+      <p:grpSpPr>
+        <a:xfrm>
+          <a:off x="0" y="0"/>
+          <a:ext cx="0" cy="0"/>
+          <a:chOff x="0" y="0"/>
+          <a:chExt cx="0" cy="0"/>
+        </a:xfrm>
+      </p:grpSpPr>
+      <mc:AlternateContent xmlns:mc="http://schemas.openxmlformats.org/markup-compatibility/2006">
+        <mc:Choice xmlns:p14="http://schemas.microsoft.com/office/powerpoint/2010/main" Requires="p14">
+          <p:contentPart p14:bwMode="auto" r:id="rId2">
+            <p14:nvContentPartPr>
+              <p14:cNvPr id="71" name="Ink 70">
+                <a:extLst>
+                  <a:ext uri="{FF2B5EF4-FFF2-40B4-BE49-F238E27FC236}">
+                    <a16:creationId xmlns:a16="http://schemas.microsoft.com/office/drawing/2014/main" id="{1DF7D970-3BDA-6A02-F62E-97A09116F713}"/>
+                  </a:ext>
+                </a:extLst>
+              </p14:cNvPr>
+              <p14:cNvContentPartPr/>
+              <p14:nvPr/>
+            </p14:nvContentPartPr>
+            <p14:xfrm>
+              <a:off x="4532847" y="1336361"/>
+              <a:ext cx="1777680" cy="844560"/>
+            </p14:xfrm>
+          </p:contentPart>
+        </mc:Choice>
+        <mc:Fallback>
+          <p:pic>
+            <p:nvPicPr>
+              <p:cNvPr id="71" name="Ink 70">
+                <a:extLst>
+                  <a:ext uri="{FF2B5EF4-FFF2-40B4-BE49-F238E27FC236}">
+                    <a16:creationId xmlns:a16="http://schemas.microsoft.com/office/drawing/2014/main" id="{1DF7D970-3BDA-6A02-F62E-97A09116F713}"/>
+                  </a:ext>
+                </a:extLst>
+              </p:cNvPr>
+              <p:cNvPicPr/>
+              <p:nvPr/>
+            </p:nvPicPr>
+            <p:blipFill>
+              <a:blip r:embed="rId3"/>
+              <a:stretch>
+                <a:fillRect/>
+              </a:stretch>
+            </p:blipFill>
+            <p:spPr>
+              <a:xfrm>
+                <a:off x="4524207" y="1327721"/>
+                <a:ext cx="1795320" cy="862200"/>
+              </a:xfrm>
+              <a:prstGeom prst="rect">
+                <a:avLst/>
+              </a:prstGeom>
+            </p:spPr>
+          </p:pic>
+        </mc:Fallback>
+      </mc:AlternateContent>
+      <p:grpSp>
+        <p:nvGrpSpPr>
+          <p:cNvPr id="74" name="Group 73">
+            <a:extLst>
+              <a:ext uri="{FF2B5EF4-FFF2-40B4-BE49-F238E27FC236}">
+                <a16:creationId xmlns:a16="http://schemas.microsoft.com/office/drawing/2014/main" id="{CD64C2A8-DE5A-1265-BA49-A03D9ED4B50C}"/>
+              </a:ext>
+            </a:extLst>
+          </p:cNvPr>
+          <p:cNvGrpSpPr/>
+          <p:nvPr/>
+        </p:nvGrpSpPr>
+        <p:grpSpPr>
+          <a:xfrm>
+            <a:off x="936807" y="468041"/>
+            <a:ext cx="5787000" cy="2992320"/>
+            <a:chOff x="936807" y="468041"/>
+            <a:chExt cx="5787000" cy="2992320"/>
+          </a:xfrm>
+        </p:grpSpPr>
+        <mc:AlternateContent xmlns:mc="http://schemas.openxmlformats.org/markup-compatibility/2006">
+          <mc:Choice xmlns:p14="http://schemas.microsoft.com/office/powerpoint/2010/main" Requires="p14">
+            <p:contentPart p14:bwMode="auto" r:id="rId4">
+              <p14:nvContentPartPr>
+                <p14:cNvPr id="15" name="Ink 14">
+                  <a:extLst>
+                    <a:ext uri="{FF2B5EF4-FFF2-40B4-BE49-F238E27FC236}">
+                      <a16:creationId xmlns:a16="http://schemas.microsoft.com/office/drawing/2014/main" id="{96B21010-A93D-56FF-6399-6794BA07B404}"/>
+                    </a:ext>
+                  </a:extLst>
+                </p14:cNvPr>
+                <p14:cNvContentPartPr/>
+                <p14:nvPr/>
+              </p14:nvContentPartPr>
+              <p14:xfrm>
+                <a:off x="936807" y="2878601"/>
+                <a:ext cx="164520" cy="256680"/>
+              </p14:xfrm>
+            </p:contentPart>
+          </mc:Choice>
+          <mc:Fallback>
+            <p:pic>
+              <p:nvPicPr>
+                <p:cNvPr id="15" name="Ink 14">
+                  <a:extLst>
+                    <a:ext uri="{FF2B5EF4-FFF2-40B4-BE49-F238E27FC236}">
+                      <a16:creationId xmlns:a16="http://schemas.microsoft.com/office/drawing/2014/main" id="{96B21010-A93D-56FF-6399-6794BA07B404}"/>
+                    </a:ext>
+                  </a:extLst>
+                </p:cNvPr>
+                <p:cNvPicPr/>
+                <p:nvPr/>
+              </p:nvPicPr>
+              <p:blipFill>
+                <a:blip r:embed="rId5"/>
+                <a:stretch>
+                  <a:fillRect/>
+                </a:stretch>
+              </p:blipFill>
+              <p:spPr>
+                <a:xfrm>
+                  <a:off x="928167" y="2869961"/>
+                  <a:ext cx="182160" cy="274320"/>
+                </a:xfrm>
+                <a:prstGeom prst="rect">
+                  <a:avLst/>
+                </a:prstGeom>
+              </p:spPr>
+            </p:pic>
+          </mc:Fallback>
+        </mc:AlternateContent>
+        <mc:AlternateContent xmlns:mc="http://schemas.openxmlformats.org/markup-compatibility/2006">
+          <mc:Choice xmlns:p14="http://schemas.microsoft.com/office/powerpoint/2010/main" Requires="p14">
+            <p:contentPart p14:bwMode="auto" r:id="rId6">
+              <p14:nvContentPartPr>
+                <p14:cNvPr id="16" name="Ink 15">
+                  <a:extLst>
+                    <a:ext uri="{FF2B5EF4-FFF2-40B4-BE49-F238E27FC236}">
+                      <a16:creationId xmlns:a16="http://schemas.microsoft.com/office/drawing/2014/main" id="{1CC39985-D890-9387-9633-DA63441BCDCA}"/>
+                    </a:ext>
+                  </a:extLst>
+                </p14:cNvPr>
+                <p14:cNvContentPartPr/>
+                <p14:nvPr/>
+              </p14:nvContentPartPr>
+              <p14:xfrm>
+                <a:off x="1185207" y="2900561"/>
+                <a:ext cx="105480" cy="130680"/>
+              </p14:xfrm>
+            </p:contentPart>
+          </mc:Choice>
+          <mc:Fallback>
+            <p:pic>
+              <p:nvPicPr>
+                <p:cNvPr id="16" name="Ink 15">
+                  <a:extLst>
+                    <a:ext uri="{FF2B5EF4-FFF2-40B4-BE49-F238E27FC236}">
+                      <a16:creationId xmlns:a16="http://schemas.microsoft.com/office/drawing/2014/main" id="{1CC39985-D890-9387-9633-DA63441BCDCA}"/>
+                    </a:ext>
+                  </a:extLst>
+                </p:cNvPr>
+                <p:cNvPicPr/>
+                <p:nvPr/>
+              </p:nvPicPr>
+              <p:blipFill>
+                <a:blip r:embed="rId7"/>
+                <a:stretch>
+                  <a:fillRect/>
+                </a:stretch>
+              </p:blipFill>
+              <p:spPr>
+                <a:xfrm>
+                  <a:off x="1176207" y="2891561"/>
+                  <a:ext cx="123120" cy="148320"/>
+                </a:xfrm>
+                <a:prstGeom prst="rect">
+                  <a:avLst/>
+                </a:prstGeom>
+              </p:spPr>
+            </p:pic>
+          </mc:Fallback>
+        </mc:AlternateContent>
+        <mc:AlternateContent xmlns:mc="http://schemas.openxmlformats.org/markup-compatibility/2006">
+          <mc:Choice xmlns:p14="http://schemas.microsoft.com/office/powerpoint/2010/main" Requires="p14">
+            <p:contentPart p14:bwMode="auto" r:id="rId8">
+              <p14:nvContentPartPr>
+                <p14:cNvPr id="17" name="Ink 16">
+                  <a:extLst>
+                    <a:ext uri="{FF2B5EF4-FFF2-40B4-BE49-F238E27FC236}">
+                      <a16:creationId xmlns:a16="http://schemas.microsoft.com/office/drawing/2014/main" id="{FE501C08-1C02-29E2-7CF2-70730FF0A1A7}"/>
+                    </a:ext>
+                  </a:extLst>
+                </p14:cNvPr>
+                <p14:cNvContentPartPr/>
+                <p14:nvPr/>
+              </p14:nvContentPartPr>
+              <p14:xfrm>
+                <a:off x="1515687" y="2667281"/>
+                <a:ext cx="109440" cy="277560"/>
+              </p14:xfrm>
+            </p:contentPart>
+          </mc:Choice>
+          <mc:Fallback>
+            <p:pic>
+              <p:nvPicPr>
+                <p:cNvPr id="17" name="Ink 16">
+                  <a:extLst>
+                    <a:ext uri="{FF2B5EF4-FFF2-40B4-BE49-F238E27FC236}">
+                      <a16:creationId xmlns:a16="http://schemas.microsoft.com/office/drawing/2014/main" id="{FE501C08-1C02-29E2-7CF2-70730FF0A1A7}"/>
+                    </a:ext>
+                  </a:extLst>
+                </p:cNvPr>
+                <p:cNvPicPr/>
+                <p:nvPr/>
+              </p:nvPicPr>
+              <p:blipFill>
+                <a:blip r:embed="rId9"/>
+                <a:stretch>
+                  <a:fillRect/>
+                </a:stretch>
+              </p:blipFill>
+              <p:spPr>
+                <a:xfrm>
+                  <a:off x="1507047" y="2658641"/>
+                  <a:ext cx="127080" cy="295200"/>
+                </a:xfrm>
+                <a:prstGeom prst="rect">
+                  <a:avLst/>
+                </a:prstGeom>
+              </p:spPr>
+            </p:pic>
+          </mc:Fallback>
+        </mc:AlternateContent>
+        <mc:AlternateContent xmlns:mc="http://schemas.openxmlformats.org/markup-compatibility/2006">
+          <mc:Choice xmlns:p14="http://schemas.microsoft.com/office/powerpoint/2010/main" Requires="p14">
+            <p:contentPart p14:bwMode="auto" r:id="rId10">
+              <p14:nvContentPartPr>
+                <p14:cNvPr id="18" name="Ink 17">
+                  <a:extLst>
+                    <a:ext uri="{FF2B5EF4-FFF2-40B4-BE49-F238E27FC236}">
+                      <a16:creationId xmlns:a16="http://schemas.microsoft.com/office/drawing/2014/main" id="{4F7AD583-86D9-8A25-4803-E40ACDD2A28A}"/>
+                    </a:ext>
+                  </a:extLst>
+                </p14:cNvPr>
+                <p14:cNvContentPartPr/>
+                <p14:nvPr/>
+              </p14:nvContentPartPr>
+              <p14:xfrm>
+                <a:off x="1485447" y="2764841"/>
+                <a:ext cx="122040" cy="119160"/>
+              </p14:xfrm>
+            </p:contentPart>
+          </mc:Choice>
+          <mc:Fallback>
+            <p:pic>
+              <p:nvPicPr>
+                <p:cNvPr id="18" name="Ink 17">
+                  <a:extLst>
+                    <a:ext uri="{FF2B5EF4-FFF2-40B4-BE49-F238E27FC236}">
+                      <a16:creationId xmlns:a16="http://schemas.microsoft.com/office/drawing/2014/main" id="{4F7AD583-86D9-8A25-4803-E40ACDD2A28A}"/>
+                    </a:ext>
+                  </a:extLst>
+                </p:cNvPr>
+                <p:cNvPicPr/>
+                <p:nvPr/>
+              </p:nvPicPr>
+              <p:blipFill>
+                <a:blip r:embed="rId11"/>
+                <a:stretch>
+                  <a:fillRect/>
+                </a:stretch>
+              </p:blipFill>
+              <p:spPr>
+                <a:xfrm>
+                  <a:off x="1476807" y="2755841"/>
+                  <a:ext cx="139680" cy="136800"/>
+                </a:xfrm>
+                <a:prstGeom prst="rect">
+                  <a:avLst/>
+                </a:prstGeom>
+              </p:spPr>
+            </p:pic>
+          </mc:Fallback>
+        </mc:AlternateContent>
+        <mc:AlternateContent xmlns:mc="http://schemas.openxmlformats.org/markup-compatibility/2006">
+          <mc:Choice xmlns:p14="http://schemas.microsoft.com/office/powerpoint/2010/main" Requires="p14">
+            <p:contentPart p14:bwMode="auto" r:id="rId12">
+              <p14:nvContentPartPr>
+                <p14:cNvPr id="19" name="Ink 18">
+                  <a:extLst>
+                    <a:ext uri="{FF2B5EF4-FFF2-40B4-BE49-F238E27FC236}">
+                      <a16:creationId xmlns:a16="http://schemas.microsoft.com/office/drawing/2014/main" id="{50CD4970-11D4-230E-5DC5-D403EC649F2A}"/>
+                    </a:ext>
+                  </a:extLst>
+                </p14:cNvPr>
+                <p14:cNvContentPartPr/>
+                <p14:nvPr/>
+              </p14:nvContentPartPr>
+              <p14:xfrm>
+                <a:off x="1616487" y="2704721"/>
+                <a:ext cx="99720" cy="133560"/>
+              </p14:xfrm>
+            </p:contentPart>
+          </mc:Choice>
+          <mc:Fallback>
+            <p:pic>
+              <p:nvPicPr>
+                <p:cNvPr id="19" name="Ink 18">
+                  <a:extLst>
+                    <a:ext uri="{FF2B5EF4-FFF2-40B4-BE49-F238E27FC236}">
+                      <a16:creationId xmlns:a16="http://schemas.microsoft.com/office/drawing/2014/main" id="{50CD4970-11D4-230E-5DC5-D403EC649F2A}"/>
+                    </a:ext>
+                  </a:extLst>
+                </p:cNvPr>
+                <p:cNvPicPr/>
+                <p:nvPr/>
+              </p:nvPicPr>
+              <p:blipFill>
+                <a:blip r:embed="rId13"/>
+                <a:stretch>
+                  <a:fillRect/>
+                </a:stretch>
+              </p:blipFill>
+              <p:spPr>
+                <a:xfrm>
+                  <a:off x="1607487" y="2696081"/>
+                  <a:ext cx="117360" cy="151200"/>
+                </a:xfrm>
+                <a:prstGeom prst="rect">
+                  <a:avLst/>
+                </a:prstGeom>
+              </p:spPr>
+            </p:pic>
+          </mc:Fallback>
+        </mc:AlternateContent>
+        <mc:AlternateContent xmlns:mc="http://schemas.openxmlformats.org/markup-compatibility/2006">
+          <mc:Choice xmlns:p14="http://schemas.microsoft.com/office/powerpoint/2010/main" Requires="p14">
+            <p:contentPart p14:bwMode="auto" r:id="rId14">
+              <p14:nvContentPartPr>
+                <p14:cNvPr id="20" name="Ink 19">
+                  <a:extLst>
+                    <a:ext uri="{FF2B5EF4-FFF2-40B4-BE49-F238E27FC236}">
+                      <a16:creationId xmlns:a16="http://schemas.microsoft.com/office/drawing/2014/main" id="{94BBE939-5090-BFDB-17FB-E3211468566B}"/>
+                    </a:ext>
+                  </a:extLst>
+                </p14:cNvPr>
+                <p14:cNvContentPartPr/>
+                <p14:nvPr/>
+              </p14:nvContentPartPr>
+              <p14:xfrm>
+                <a:off x="1750407" y="2695721"/>
+                <a:ext cx="118080" cy="68040"/>
+              </p14:xfrm>
+            </p:contentPart>
+          </mc:Choice>
+          <mc:Fallback>
+            <p:pic>
+              <p:nvPicPr>
+                <p:cNvPr id="20" name="Ink 19">
+                  <a:extLst>
+                    <a:ext uri="{FF2B5EF4-FFF2-40B4-BE49-F238E27FC236}">
+                      <a16:creationId xmlns:a16="http://schemas.microsoft.com/office/drawing/2014/main" id="{94BBE939-5090-BFDB-17FB-E3211468566B}"/>
+                    </a:ext>
+                  </a:extLst>
+                </p:cNvPr>
+                <p:cNvPicPr/>
+                <p:nvPr/>
+              </p:nvPicPr>
+              <p:blipFill>
+                <a:blip r:embed="rId15"/>
+                <a:stretch>
+                  <a:fillRect/>
+                </a:stretch>
+              </p:blipFill>
+              <p:spPr>
+                <a:xfrm>
+                  <a:off x="1741407" y="2686721"/>
+                  <a:ext cx="135720" cy="85680"/>
+                </a:xfrm>
+                <a:prstGeom prst="rect">
+                  <a:avLst/>
+                </a:prstGeom>
+              </p:spPr>
+            </p:pic>
+          </mc:Fallback>
+        </mc:AlternateContent>
+        <mc:AlternateContent xmlns:mc="http://schemas.openxmlformats.org/markup-compatibility/2006">
+          <mc:Choice xmlns:p14="http://schemas.microsoft.com/office/powerpoint/2010/main" Requires="p14">
+            <p:contentPart p14:bwMode="auto" r:id="rId16">
+              <p14:nvContentPartPr>
+                <p14:cNvPr id="21" name="Ink 20">
+                  <a:extLst>
+                    <a:ext uri="{FF2B5EF4-FFF2-40B4-BE49-F238E27FC236}">
+                      <a16:creationId xmlns:a16="http://schemas.microsoft.com/office/drawing/2014/main" id="{79F6256A-A9DF-467E-1347-7E39A7FA3D38}"/>
+                    </a:ext>
+                  </a:extLst>
+                </p14:cNvPr>
+                <p14:cNvContentPartPr/>
+                <p14:nvPr/>
+              </p14:nvContentPartPr>
+              <p14:xfrm>
+                <a:off x="1925007" y="2590241"/>
+                <a:ext cx="270000" cy="167760"/>
+              </p14:xfrm>
+            </p:contentPart>
+          </mc:Choice>
+          <mc:Fallback>
+            <p:pic>
+              <p:nvPicPr>
+                <p:cNvPr id="21" name="Ink 20">
+                  <a:extLst>
+                    <a:ext uri="{FF2B5EF4-FFF2-40B4-BE49-F238E27FC236}">
+                      <a16:creationId xmlns:a16="http://schemas.microsoft.com/office/drawing/2014/main" id="{79F6256A-A9DF-467E-1347-7E39A7FA3D38}"/>
+                    </a:ext>
+                  </a:extLst>
+                </p:cNvPr>
+                <p:cNvPicPr/>
+                <p:nvPr/>
+              </p:nvPicPr>
+              <p:blipFill>
+                <a:blip r:embed="rId17"/>
+                <a:stretch>
+                  <a:fillRect/>
+                </a:stretch>
+              </p:blipFill>
+              <p:spPr>
+                <a:xfrm>
+                  <a:off x="1916367" y="2581601"/>
+                  <a:ext cx="287640" cy="185400"/>
+                </a:xfrm>
+                <a:prstGeom prst="rect">
+                  <a:avLst/>
+                </a:prstGeom>
+              </p:spPr>
+            </p:pic>
+          </mc:Fallback>
+        </mc:AlternateContent>
+        <mc:AlternateContent xmlns:mc="http://schemas.openxmlformats.org/markup-compatibility/2006">
+          <mc:Choice xmlns:p14="http://schemas.microsoft.com/office/powerpoint/2010/main" Requires="p14">
+            <p:contentPart p14:bwMode="auto" r:id="rId18">
+              <p14:nvContentPartPr>
+                <p14:cNvPr id="22" name="Ink 21">
+                  <a:extLst>
+                    <a:ext uri="{FF2B5EF4-FFF2-40B4-BE49-F238E27FC236}">
+                      <a16:creationId xmlns:a16="http://schemas.microsoft.com/office/drawing/2014/main" id="{4F0E8E50-65C2-E7C1-E720-5B3D44BD2708}"/>
+                    </a:ext>
+                  </a:extLst>
+                </p14:cNvPr>
+                <p14:cNvContentPartPr/>
+                <p14:nvPr/>
+              </p14:nvContentPartPr>
+              <p14:xfrm>
+                <a:off x="2467887" y="2358761"/>
+                <a:ext cx="135360" cy="271080"/>
+              </p14:xfrm>
+            </p:contentPart>
+          </mc:Choice>
+          <mc:Fallback>
+            <p:pic>
+              <p:nvPicPr>
+                <p:cNvPr id="22" name="Ink 21">
+                  <a:extLst>
+                    <a:ext uri="{FF2B5EF4-FFF2-40B4-BE49-F238E27FC236}">
+                      <a16:creationId xmlns:a16="http://schemas.microsoft.com/office/drawing/2014/main" id="{4F0E8E50-65C2-E7C1-E720-5B3D44BD2708}"/>
+                    </a:ext>
+                  </a:extLst>
+                </p:cNvPr>
+                <p:cNvPicPr/>
+                <p:nvPr/>
+              </p:nvPicPr>
+              <p:blipFill>
+                <a:blip r:embed="rId19"/>
+                <a:stretch>
+                  <a:fillRect/>
+                </a:stretch>
+              </p:blipFill>
+              <p:spPr>
+                <a:xfrm>
+                  <a:off x="2459247" y="2349761"/>
+                  <a:ext cx="153000" cy="288720"/>
+                </a:xfrm>
+                <a:prstGeom prst="rect">
+                  <a:avLst/>
+                </a:prstGeom>
+              </p:spPr>
+            </p:pic>
+          </mc:Fallback>
+        </mc:AlternateContent>
+        <mc:AlternateContent xmlns:mc="http://schemas.openxmlformats.org/markup-compatibility/2006">
+          <mc:Choice xmlns:p14="http://schemas.microsoft.com/office/powerpoint/2010/main" Requires="p14">
+            <p:contentPart p14:bwMode="auto" r:id="rId20">
+              <p14:nvContentPartPr>
+                <p14:cNvPr id="23" name="Ink 22">
+                  <a:extLst>
+                    <a:ext uri="{FF2B5EF4-FFF2-40B4-BE49-F238E27FC236}">
+                      <a16:creationId xmlns:a16="http://schemas.microsoft.com/office/drawing/2014/main" id="{CDBD2420-822A-7C3E-1BAC-CF9B4E37DAE1}"/>
+                    </a:ext>
+                  </a:extLst>
+                </p14:cNvPr>
+                <p14:cNvContentPartPr/>
+                <p14:nvPr/>
+              </p14:nvContentPartPr>
+              <p14:xfrm>
+                <a:off x="2634927" y="2439041"/>
+                <a:ext cx="116640" cy="129240"/>
+              </p14:xfrm>
+            </p:contentPart>
+          </mc:Choice>
+          <mc:Fallback>
+            <p:pic>
+              <p:nvPicPr>
+                <p:cNvPr id="23" name="Ink 22">
+                  <a:extLst>
+                    <a:ext uri="{FF2B5EF4-FFF2-40B4-BE49-F238E27FC236}">
+                      <a16:creationId xmlns:a16="http://schemas.microsoft.com/office/drawing/2014/main" id="{CDBD2420-822A-7C3E-1BAC-CF9B4E37DAE1}"/>
+                    </a:ext>
+                  </a:extLst>
+                </p:cNvPr>
+                <p:cNvPicPr/>
+                <p:nvPr/>
+              </p:nvPicPr>
+              <p:blipFill>
+                <a:blip r:embed="rId21"/>
+                <a:stretch>
+                  <a:fillRect/>
+                </a:stretch>
+              </p:blipFill>
+              <p:spPr>
+                <a:xfrm>
+                  <a:off x="2626287" y="2430401"/>
+                  <a:ext cx="134280" cy="146880"/>
+                </a:xfrm>
+                <a:prstGeom prst="rect">
+                  <a:avLst/>
+                </a:prstGeom>
+              </p:spPr>
+            </p:pic>
+          </mc:Fallback>
+        </mc:AlternateContent>
+        <mc:AlternateContent xmlns:mc="http://schemas.openxmlformats.org/markup-compatibility/2006">
+          <mc:Choice xmlns:p14="http://schemas.microsoft.com/office/powerpoint/2010/main" Requires="p14">
+            <p:contentPart p14:bwMode="auto" r:id="rId22">
+              <p14:nvContentPartPr>
+                <p14:cNvPr id="24" name="Ink 23">
+                  <a:extLst>
+                    <a:ext uri="{FF2B5EF4-FFF2-40B4-BE49-F238E27FC236}">
+                      <a16:creationId xmlns:a16="http://schemas.microsoft.com/office/drawing/2014/main" id="{E02340F9-FFCC-B528-EB57-C186BA3D86AF}"/>
+                    </a:ext>
+                  </a:extLst>
+                </p14:cNvPr>
+                <p14:cNvContentPartPr/>
+                <p14:nvPr/>
+              </p14:nvContentPartPr>
+              <p14:xfrm>
+                <a:off x="2765607" y="2366681"/>
+                <a:ext cx="42840" cy="138960"/>
+              </p14:xfrm>
+            </p:contentPart>
+          </mc:Choice>
+          <mc:Fallback>
+            <p:pic>
+              <p:nvPicPr>
+                <p:cNvPr id="24" name="Ink 23">
+                  <a:extLst>
+                    <a:ext uri="{FF2B5EF4-FFF2-40B4-BE49-F238E27FC236}">
+                      <a16:creationId xmlns:a16="http://schemas.microsoft.com/office/drawing/2014/main" id="{E02340F9-FFCC-B528-EB57-C186BA3D86AF}"/>
+                    </a:ext>
+                  </a:extLst>
+                </p:cNvPr>
+                <p:cNvPicPr/>
+                <p:nvPr/>
+              </p:nvPicPr>
+              <p:blipFill>
+                <a:blip r:embed="rId23"/>
+                <a:stretch>
+                  <a:fillRect/>
+                </a:stretch>
+              </p:blipFill>
+              <p:spPr>
+                <a:xfrm>
+                  <a:off x="2756967" y="2358041"/>
+                  <a:ext cx="60480" cy="156600"/>
+                </a:xfrm>
+                <a:prstGeom prst="rect">
+                  <a:avLst/>
+                </a:prstGeom>
+              </p:spPr>
+            </p:pic>
+          </mc:Fallback>
+        </mc:AlternateContent>
+        <mc:AlternateContent xmlns:mc="http://schemas.openxmlformats.org/markup-compatibility/2006">
+          <mc:Choice xmlns:p14="http://schemas.microsoft.com/office/powerpoint/2010/main" Requires="p14">
+            <p:contentPart p14:bwMode="auto" r:id="rId24">
+              <p14:nvContentPartPr>
+                <p14:cNvPr id="25" name="Ink 24">
+                  <a:extLst>
+                    <a:ext uri="{FF2B5EF4-FFF2-40B4-BE49-F238E27FC236}">
+                      <a16:creationId xmlns:a16="http://schemas.microsoft.com/office/drawing/2014/main" id="{C29336E8-B3BC-F433-4FD8-152ADD70CA4C}"/>
+                    </a:ext>
+                  </a:extLst>
+                </p14:cNvPr>
+                <p14:cNvContentPartPr/>
+                <p14:nvPr/>
+              </p14:nvContentPartPr>
+              <p14:xfrm>
+                <a:off x="2890527" y="2360921"/>
+                <a:ext cx="65880" cy="97560"/>
+              </p14:xfrm>
+            </p:contentPart>
+          </mc:Choice>
+          <mc:Fallback>
+            <p:pic>
+              <p:nvPicPr>
+                <p:cNvPr id="25" name="Ink 24">
+                  <a:extLst>
+                    <a:ext uri="{FF2B5EF4-FFF2-40B4-BE49-F238E27FC236}">
+                      <a16:creationId xmlns:a16="http://schemas.microsoft.com/office/drawing/2014/main" id="{C29336E8-B3BC-F433-4FD8-152ADD70CA4C}"/>
+                    </a:ext>
+                  </a:extLst>
+                </p:cNvPr>
+                <p:cNvPicPr/>
+                <p:nvPr/>
+              </p:nvPicPr>
+              <p:blipFill>
+                <a:blip r:embed="rId25"/>
+                <a:stretch>
+                  <a:fillRect/>
+                </a:stretch>
+              </p:blipFill>
+              <p:spPr>
+                <a:xfrm>
+                  <a:off x="2881527" y="2352281"/>
+                  <a:ext cx="83520" cy="115200"/>
+                </a:xfrm>
+                <a:prstGeom prst="rect">
+                  <a:avLst/>
+                </a:prstGeom>
+              </p:spPr>
+            </p:pic>
+          </mc:Fallback>
+        </mc:AlternateContent>
+        <mc:AlternateContent xmlns:mc="http://schemas.openxmlformats.org/markup-compatibility/2006">
+          <mc:Choice xmlns:p14="http://schemas.microsoft.com/office/powerpoint/2010/main" Requires="p14">
+            <p:contentPart p14:bwMode="auto" r:id="rId26">
+              <p14:nvContentPartPr>
+                <p14:cNvPr id="26" name="Ink 25">
+                  <a:extLst>
+                    <a:ext uri="{FF2B5EF4-FFF2-40B4-BE49-F238E27FC236}">
+                      <a16:creationId xmlns:a16="http://schemas.microsoft.com/office/drawing/2014/main" id="{87E508AB-B6DD-B1BE-BF5D-251AD812AA19}"/>
+                    </a:ext>
+                  </a:extLst>
+                </p14:cNvPr>
+                <p14:cNvContentPartPr/>
+                <p14:nvPr/>
+              </p14:nvContentPartPr>
+              <p14:xfrm>
+                <a:off x="2993487" y="2292881"/>
+                <a:ext cx="105480" cy="83880"/>
+              </p14:xfrm>
+            </p:contentPart>
+          </mc:Choice>
+          <mc:Fallback>
+            <p:pic>
+              <p:nvPicPr>
+                <p:cNvPr id="26" name="Ink 25">
+                  <a:extLst>
+                    <a:ext uri="{FF2B5EF4-FFF2-40B4-BE49-F238E27FC236}">
+                      <a16:creationId xmlns:a16="http://schemas.microsoft.com/office/drawing/2014/main" id="{87E508AB-B6DD-B1BE-BF5D-251AD812AA19}"/>
+                    </a:ext>
+                  </a:extLst>
+                </p:cNvPr>
+                <p:cNvPicPr/>
+                <p:nvPr/>
+              </p:nvPicPr>
+              <p:blipFill>
+                <a:blip r:embed="rId27"/>
+                <a:stretch>
+                  <a:fillRect/>
+                </a:stretch>
+              </p:blipFill>
+              <p:spPr>
+                <a:xfrm>
+                  <a:off x="2984487" y="2284241"/>
+                  <a:ext cx="123120" cy="101520"/>
+                </a:xfrm>
+                <a:prstGeom prst="rect">
+                  <a:avLst/>
+                </a:prstGeom>
+              </p:spPr>
+            </p:pic>
+          </mc:Fallback>
+        </mc:AlternateContent>
+        <mc:AlternateContent xmlns:mc="http://schemas.openxmlformats.org/markup-compatibility/2006">
+          <mc:Choice xmlns:p14="http://schemas.microsoft.com/office/powerpoint/2010/main" Requires="p14">
+            <p:contentPart p14:bwMode="auto" r:id="rId28">
+              <p14:nvContentPartPr>
+                <p14:cNvPr id="27" name="Ink 26">
+                  <a:extLst>
+                    <a:ext uri="{FF2B5EF4-FFF2-40B4-BE49-F238E27FC236}">
+                      <a16:creationId xmlns:a16="http://schemas.microsoft.com/office/drawing/2014/main" id="{79BB4E9F-D713-91CB-994F-2B4D6C1347F8}"/>
+                    </a:ext>
+                  </a:extLst>
+                </p14:cNvPr>
+                <p14:cNvContentPartPr/>
+                <p14:nvPr/>
+              </p14:nvContentPartPr>
+              <p14:xfrm>
+                <a:off x="3140367" y="2194241"/>
+                <a:ext cx="192600" cy="206280"/>
+              </p14:xfrm>
+            </p:contentPart>
+          </mc:Choice>
+          <mc:Fallback>
+            <p:pic>
+              <p:nvPicPr>
+                <p:cNvPr id="27" name="Ink 26">
+                  <a:extLst>
+                    <a:ext uri="{FF2B5EF4-FFF2-40B4-BE49-F238E27FC236}">
+                      <a16:creationId xmlns:a16="http://schemas.microsoft.com/office/drawing/2014/main" id="{79BB4E9F-D713-91CB-994F-2B4D6C1347F8}"/>
+                    </a:ext>
+                  </a:extLst>
+                </p:cNvPr>
+                <p:cNvPicPr/>
+                <p:nvPr/>
+              </p:nvPicPr>
+              <p:blipFill>
+                <a:blip r:embed="rId29"/>
+                <a:stretch>
+                  <a:fillRect/>
+                </a:stretch>
+              </p:blipFill>
+              <p:spPr>
+                <a:xfrm>
+                  <a:off x="3131367" y="2185601"/>
+                  <a:ext cx="210240" cy="223920"/>
+                </a:xfrm>
+                <a:prstGeom prst="rect">
+                  <a:avLst/>
+                </a:prstGeom>
+              </p:spPr>
+            </p:pic>
+          </mc:Fallback>
+        </mc:AlternateContent>
+        <mc:AlternateContent xmlns:mc="http://schemas.openxmlformats.org/markup-compatibility/2006">
+          <mc:Choice xmlns:p14="http://schemas.microsoft.com/office/powerpoint/2010/main" Requires="p14">
+            <p:contentPart p14:bwMode="auto" r:id="rId30">
+              <p14:nvContentPartPr>
+                <p14:cNvPr id="28" name="Ink 27">
+                  <a:extLst>
+                    <a:ext uri="{FF2B5EF4-FFF2-40B4-BE49-F238E27FC236}">
+                      <a16:creationId xmlns:a16="http://schemas.microsoft.com/office/drawing/2014/main" id="{8A5C2F88-B8C3-75FD-E78F-CC5119D26C7B}"/>
+                    </a:ext>
+                  </a:extLst>
+                </p14:cNvPr>
+                <p14:cNvContentPartPr/>
+                <p14:nvPr/>
+              </p14:nvContentPartPr>
+              <p14:xfrm>
+                <a:off x="3378687" y="2188841"/>
+                <a:ext cx="79200" cy="110880"/>
+              </p14:xfrm>
+            </p:contentPart>
+          </mc:Choice>
+          <mc:Fallback>
+            <p:pic>
+              <p:nvPicPr>
+                <p:cNvPr id="28" name="Ink 27">
+                  <a:extLst>
+                    <a:ext uri="{FF2B5EF4-FFF2-40B4-BE49-F238E27FC236}">
+                      <a16:creationId xmlns:a16="http://schemas.microsoft.com/office/drawing/2014/main" id="{8A5C2F88-B8C3-75FD-E78F-CC5119D26C7B}"/>
+                    </a:ext>
+                  </a:extLst>
+                </p:cNvPr>
+                <p:cNvPicPr/>
+                <p:nvPr/>
+              </p:nvPicPr>
+              <p:blipFill>
+                <a:blip r:embed="rId31"/>
+                <a:stretch>
+                  <a:fillRect/>
+                </a:stretch>
+              </p:blipFill>
+              <p:spPr>
+                <a:xfrm>
+                  <a:off x="3369687" y="2179841"/>
+                  <a:ext cx="96840" cy="128520"/>
+                </a:xfrm>
+                <a:prstGeom prst="rect">
+                  <a:avLst/>
+                </a:prstGeom>
+              </p:spPr>
+            </p:pic>
+          </mc:Fallback>
+        </mc:AlternateContent>
+        <mc:AlternateContent xmlns:mc="http://schemas.openxmlformats.org/markup-compatibility/2006">
+          <mc:Choice xmlns:p14="http://schemas.microsoft.com/office/powerpoint/2010/main" Requires="p14">
+            <p:contentPart p14:bwMode="auto" r:id="rId32">
+              <p14:nvContentPartPr>
+                <p14:cNvPr id="29" name="Ink 28">
+                  <a:extLst>
+                    <a:ext uri="{FF2B5EF4-FFF2-40B4-BE49-F238E27FC236}">
+                      <a16:creationId xmlns:a16="http://schemas.microsoft.com/office/drawing/2014/main" id="{E7F8F1FF-14C8-FB34-B890-60726290B5A5}"/>
+                    </a:ext>
+                  </a:extLst>
+                </p14:cNvPr>
+                <p14:cNvContentPartPr/>
+                <p14:nvPr/>
+              </p14:nvContentPartPr>
+              <p14:xfrm>
+                <a:off x="3500727" y="2101001"/>
+                <a:ext cx="63720" cy="158040"/>
+              </p14:xfrm>
+            </p:contentPart>
+          </mc:Choice>
+          <mc:Fallback>
+            <p:pic>
+              <p:nvPicPr>
+                <p:cNvPr id="29" name="Ink 28">
+                  <a:extLst>
+                    <a:ext uri="{FF2B5EF4-FFF2-40B4-BE49-F238E27FC236}">
+                      <a16:creationId xmlns:a16="http://schemas.microsoft.com/office/drawing/2014/main" id="{E7F8F1FF-14C8-FB34-B890-60726290B5A5}"/>
+                    </a:ext>
+                  </a:extLst>
+                </p:cNvPr>
+                <p:cNvPicPr/>
+                <p:nvPr/>
+              </p:nvPicPr>
+              <p:blipFill>
+                <a:blip r:embed="rId33"/>
+                <a:stretch>
+                  <a:fillRect/>
+                </a:stretch>
+              </p:blipFill>
+              <p:spPr>
+                <a:xfrm>
+                  <a:off x="3492087" y="2092001"/>
+                  <a:ext cx="81360" cy="175680"/>
+                </a:xfrm>
+                <a:prstGeom prst="rect">
+                  <a:avLst/>
+                </a:prstGeom>
+              </p:spPr>
+            </p:pic>
+          </mc:Fallback>
+        </mc:AlternateContent>
+        <mc:AlternateContent xmlns:mc="http://schemas.openxmlformats.org/markup-compatibility/2006">
+          <mc:Choice xmlns:p14="http://schemas.microsoft.com/office/powerpoint/2010/main" Requires="p14">
+            <p:contentPart p14:bwMode="auto" r:id="rId34">
+              <p14:nvContentPartPr>
+                <p14:cNvPr id="32" name="Ink 31">
+                  <a:extLst>
+                    <a:ext uri="{FF2B5EF4-FFF2-40B4-BE49-F238E27FC236}">
+                      <a16:creationId xmlns:a16="http://schemas.microsoft.com/office/drawing/2014/main" id="{066ADF82-9F05-7D65-8472-962E128E9CAE}"/>
+                    </a:ext>
+                  </a:extLst>
+                </p14:cNvPr>
+                <p14:cNvContentPartPr/>
+                <p14:nvPr/>
+              </p14:nvContentPartPr>
+              <p14:xfrm>
+                <a:off x="1066047" y="3299441"/>
+                <a:ext cx="58680" cy="160920"/>
+              </p14:xfrm>
+            </p:contentPart>
+          </mc:Choice>
+          <mc:Fallback>
+            <p:pic>
+              <p:nvPicPr>
+                <p:cNvPr id="32" name="Ink 31">
+                  <a:extLst>
+                    <a:ext uri="{FF2B5EF4-FFF2-40B4-BE49-F238E27FC236}">
+                      <a16:creationId xmlns:a16="http://schemas.microsoft.com/office/drawing/2014/main" id="{066ADF82-9F05-7D65-8472-962E128E9CAE}"/>
+                    </a:ext>
+                  </a:extLst>
+                </p:cNvPr>
+                <p:cNvPicPr/>
+                <p:nvPr/>
+              </p:nvPicPr>
+              <p:blipFill>
+                <a:blip r:embed="rId35"/>
+                <a:stretch>
+                  <a:fillRect/>
+                </a:stretch>
+              </p:blipFill>
+              <p:spPr>
+                <a:xfrm>
+                  <a:off x="1057407" y="3290801"/>
+                  <a:ext cx="76320" cy="178560"/>
+                </a:xfrm>
+                <a:prstGeom prst="rect">
+                  <a:avLst/>
+                </a:prstGeom>
+              </p:spPr>
+            </p:pic>
+          </mc:Fallback>
+        </mc:AlternateContent>
+        <mc:AlternateContent xmlns:mc="http://schemas.openxmlformats.org/markup-compatibility/2006">
+          <mc:Choice xmlns:p14="http://schemas.microsoft.com/office/powerpoint/2010/main" Requires="p14">
+            <p:contentPart p14:bwMode="auto" r:id="rId36">
+              <p14:nvContentPartPr>
+                <p14:cNvPr id="33" name="Ink 32">
+                  <a:extLst>
+                    <a:ext uri="{FF2B5EF4-FFF2-40B4-BE49-F238E27FC236}">
+                      <a16:creationId xmlns:a16="http://schemas.microsoft.com/office/drawing/2014/main" id="{CCC6962E-D9CC-62E8-1064-CE6EA8AC7B30}"/>
+                    </a:ext>
+                  </a:extLst>
+                </p14:cNvPr>
+                <p14:cNvContentPartPr/>
+                <p14:nvPr/>
+              </p14:nvContentPartPr>
+              <p14:xfrm>
+                <a:off x="1238847" y="3307361"/>
+                <a:ext cx="117720" cy="95040"/>
+              </p14:xfrm>
+            </p:contentPart>
+          </mc:Choice>
+          <mc:Fallback>
+            <p:pic>
+              <p:nvPicPr>
+                <p:cNvPr id="33" name="Ink 32">
+                  <a:extLst>
+                    <a:ext uri="{FF2B5EF4-FFF2-40B4-BE49-F238E27FC236}">
+                      <a16:creationId xmlns:a16="http://schemas.microsoft.com/office/drawing/2014/main" id="{CCC6962E-D9CC-62E8-1064-CE6EA8AC7B30}"/>
+                    </a:ext>
+                  </a:extLst>
+                </p:cNvPr>
+                <p:cNvPicPr/>
+                <p:nvPr/>
+              </p:nvPicPr>
+              <p:blipFill>
+                <a:blip r:embed="rId37"/>
+                <a:stretch>
+                  <a:fillRect/>
+                </a:stretch>
+              </p:blipFill>
+              <p:spPr>
+                <a:xfrm>
+                  <a:off x="1229847" y="3298361"/>
+                  <a:ext cx="135360" cy="112680"/>
+                </a:xfrm>
+                <a:prstGeom prst="rect">
+                  <a:avLst/>
+                </a:prstGeom>
+              </p:spPr>
+            </p:pic>
+          </mc:Fallback>
+        </mc:AlternateContent>
+        <mc:AlternateContent xmlns:mc="http://schemas.openxmlformats.org/markup-compatibility/2006">
+          <mc:Choice xmlns:p14="http://schemas.microsoft.com/office/powerpoint/2010/main" Requires="p14">
+            <p:contentPart p14:bwMode="auto" r:id="rId38">
+              <p14:nvContentPartPr>
+                <p14:cNvPr id="34" name="Ink 33">
+                  <a:extLst>
+                    <a:ext uri="{FF2B5EF4-FFF2-40B4-BE49-F238E27FC236}">
+                      <a16:creationId xmlns:a16="http://schemas.microsoft.com/office/drawing/2014/main" id="{DA3F209A-9E78-7F94-F762-71C75D4759D0}"/>
+                    </a:ext>
+                  </a:extLst>
+                </p14:cNvPr>
+                <p14:cNvContentPartPr/>
+                <p14:nvPr/>
+              </p14:nvContentPartPr>
+              <p14:xfrm>
+                <a:off x="1584087" y="3089921"/>
+                <a:ext cx="87480" cy="290160"/>
+              </p14:xfrm>
+            </p:contentPart>
+          </mc:Choice>
+          <mc:Fallback>
+            <p:pic>
+              <p:nvPicPr>
+                <p:cNvPr id="34" name="Ink 33">
+                  <a:extLst>
+                    <a:ext uri="{FF2B5EF4-FFF2-40B4-BE49-F238E27FC236}">
+                      <a16:creationId xmlns:a16="http://schemas.microsoft.com/office/drawing/2014/main" id="{DA3F209A-9E78-7F94-F762-71C75D4759D0}"/>
+                    </a:ext>
+                  </a:extLst>
+                </p:cNvPr>
+                <p:cNvPicPr/>
+                <p:nvPr/>
+              </p:nvPicPr>
+              <p:blipFill>
+                <a:blip r:embed="rId39"/>
+                <a:stretch>
+                  <a:fillRect/>
+                </a:stretch>
+              </p:blipFill>
+              <p:spPr>
+                <a:xfrm>
+                  <a:off x="1575447" y="3081281"/>
+                  <a:ext cx="105120" cy="307800"/>
+                </a:xfrm>
+                <a:prstGeom prst="rect">
+                  <a:avLst/>
+                </a:prstGeom>
+              </p:spPr>
+            </p:pic>
+          </mc:Fallback>
+        </mc:AlternateContent>
+        <mc:AlternateContent xmlns:mc="http://schemas.openxmlformats.org/markup-compatibility/2006">
+          <mc:Choice xmlns:p14="http://schemas.microsoft.com/office/powerpoint/2010/main" Requires="p14">
+            <p:contentPart p14:bwMode="auto" r:id="rId40">
+              <p14:nvContentPartPr>
+                <p14:cNvPr id="35" name="Ink 34">
+                  <a:extLst>
+                    <a:ext uri="{FF2B5EF4-FFF2-40B4-BE49-F238E27FC236}">
+                      <a16:creationId xmlns:a16="http://schemas.microsoft.com/office/drawing/2014/main" id="{FFD02BEF-8F14-266A-6967-BF95E994C9EC}"/>
+                    </a:ext>
+                  </a:extLst>
+                </p14:cNvPr>
+                <p14:cNvContentPartPr/>
+                <p14:nvPr/>
+              </p14:nvContentPartPr>
+              <p14:xfrm>
+                <a:off x="1590567" y="3157601"/>
+                <a:ext cx="148320" cy="118440"/>
+              </p14:xfrm>
+            </p:contentPart>
+          </mc:Choice>
+          <mc:Fallback>
+            <p:pic>
+              <p:nvPicPr>
+                <p:cNvPr id="35" name="Ink 34">
+                  <a:extLst>
+                    <a:ext uri="{FF2B5EF4-FFF2-40B4-BE49-F238E27FC236}">
+                      <a16:creationId xmlns:a16="http://schemas.microsoft.com/office/drawing/2014/main" id="{FFD02BEF-8F14-266A-6967-BF95E994C9EC}"/>
+                    </a:ext>
+                  </a:extLst>
+                </p:cNvPr>
+                <p:cNvPicPr/>
+                <p:nvPr/>
+              </p:nvPicPr>
+              <p:blipFill>
+                <a:blip r:embed="rId41"/>
+                <a:stretch>
+                  <a:fillRect/>
+                </a:stretch>
+              </p:blipFill>
+              <p:spPr>
+                <a:xfrm>
+                  <a:off x="1581927" y="3148601"/>
+                  <a:ext cx="165960" cy="136080"/>
+                </a:xfrm>
+                <a:prstGeom prst="rect">
+                  <a:avLst/>
+                </a:prstGeom>
+              </p:spPr>
+            </p:pic>
+          </mc:Fallback>
+        </mc:AlternateContent>
+        <mc:AlternateContent xmlns:mc="http://schemas.openxmlformats.org/markup-compatibility/2006">
+          <mc:Choice xmlns:p14="http://schemas.microsoft.com/office/powerpoint/2010/main" Requires="p14">
+            <p:contentPart p14:bwMode="auto" r:id="rId42">
+              <p14:nvContentPartPr>
+                <p14:cNvPr id="36" name="Ink 35">
+                  <a:extLst>
+                    <a:ext uri="{FF2B5EF4-FFF2-40B4-BE49-F238E27FC236}">
+                      <a16:creationId xmlns:a16="http://schemas.microsoft.com/office/drawing/2014/main" id="{7B2B5D91-BF9A-FEC2-7846-9106E81D3772}"/>
+                    </a:ext>
+                  </a:extLst>
+                </p14:cNvPr>
+                <p14:cNvContentPartPr/>
+                <p14:nvPr/>
+              </p14:nvContentPartPr>
+              <p14:xfrm>
+                <a:off x="1750407" y="3125921"/>
+                <a:ext cx="107280" cy="126000"/>
+              </p14:xfrm>
+            </p:contentPart>
+          </mc:Choice>
+          <mc:Fallback>
+            <p:pic>
+              <p:nvPicPr>
+                <p:cNvPr id="36" name="Ink 35">
+                  <a:extLst>
+                    <a:ext uri="{FF2B5EF4-FFF2-40B4-BE49-F238E27FC236}">
+                      <a16:creationId xmlns:a16="http://schemas.microsoft.com/office/drawing/2014/main" id="{7B2B5D91-BF9A-FEC2-7846-9106E81D3772}"/>
+                    </a:ext>
+                  </a:extLst>
+                </p:cNvPr>
+                <p:cNvPicPr/>
+                <p:nvPr/>
+              </p:nvPicPr>
+              <p:blipFill>
+                <a:blip r:embed="rId43"/>
+                <a:stretch>
+                  <a:fillRect/>
+                </a:stretch>
+              </p:blipFill>
+              <p:spPr>
+                <a:xfrm>
+                  <a:off x="1741767" y="3117281"/>
+                  <a:ext cx="124920" cy="143640"/>
+                </a:xfrm>
+                <a:prstGeom prst="rect">
+                  <a:avLst/>
+                </a:prstGeom>
+              </p:spPr>
+            </p:pic>
+          </mc:Fallback>
+        </mc:AlternateContent>
+        <mc:AlternateContent xmlns:mc="http://schemas.openxmlformats.org/markup-compatibility/2006">
+          <mc:Choice xmlns:p14="http://schemas.microsoft.com/office/powerpoint/2010/main" Requires="p14">
+            <p:contentPart p14:bwMode="auto" r:id="rId44">
+              <p14:nvContentPartPr>
+                <p14:cNvPr id="37" name="Ink 36">
+                  <a:extLst>
+                    <a:ext uri="{FF2B5EF4-FFF2-40B4-BE49-F238E27FC236}">
+                      <a16:creationId xmlns:a16="http://schemas.microsoft.com/office/drawing/2014/main" id="{AE28914B-075C-4BCD-5D32-56E087BC5904}"/>
+                    </a:ext>
+                  </a:extLst>
+                </p14:cNvPr>
+                <p14:cNvContentPartPr/>
+                <p14:nvPr/>
+              </p14:nvContentPartPr>
+              <p14:xfrm>
+                <a:off x="1876047" y="3097841"/>
+                <a:ext cx="122760" cy="88920"/>
+              </p14:xfrm>
+            </p:contentPart>
+          </mc:Choice>
+          <mc:Fallback>
+            <p:pic>
+              <p:nvPicPr>
+                <p:cNvPr id="37" name="Ink 36">
+                  <a:extLst>
+                    <a:ext uri="{FF2B5EF4-FFF2-40B4-BE49-F238E27FC236}">
+                      <a16:creationId xmlns:a16="http://schemas.microsoft.com/office/drawing/2014/main" id="{AE28914B-075C-4BCD-5D32-56E087BC5904}"/>
+                    </a:ext>
+                  </a:extLst>
+                </p:cNvPr>
+                <p:cNvPicPr/>
+                <p:nvPr/>
+              </p:nvPicPr>
+              <p:blipFill>
+                <a:blip r:embed="rId45"/>
+                <a:stretch>
+                  <a:fillRect/>
+                </a:stretch>
+              </p:blipFill>
+              <p:spPr>
+                <a:xfrm>
+                  <a:off x="1867407" y="3089201"/>
+                  <a:ext cx="140400" cy="106560"/>
+                </a:xfrm>
+                <a:prstGeom prst="rect">
+                  <a:avLst/>
+                </a:prstGeom>
+              </p:spPr>
+            </p:pic>
+          </mc:Fallback>
+        </mc:AlternateContent>
+        <mc:AlternateContent xmlns:mc="http://schemas.openxmlformats.org/markup-compatibility/2006">
+          <mc:Choice xmlns:p14="http://schemas.microsoft.com/office/powerpoint/2010/main" Requires="p14">
+            <p:contentPart p14:bwMode="auto" r:id="rId46">
+              <p14:nvContentPartPr>
+                <p14:cNvPr id="38" name="Ink 37">
+                  <a:extLst>
+                    <a:ext uri="{FF2B5EF4-FFF2-40B4-BE49-F238E27FC236}">
+                      <a16:creationId xmlns:a16="http://schemas.microsoft.com/office/drawing/2014/main" id="{82FF0AFD-41C9-FB0A-5525-C65BDFB1BD05}"/>
+                    </a:ext>
+                  </a:extLst>
+                </p14:cNvPr>
+                <p14:cNvContentPartPr/>
+                <p14:nvPr/>
+              </p14:nvContentPartPr>
+              <p14:xfrm>
+                <a:off x="2068647" y="2953481"/>
+                <a:ext cx="304920" cy="167760"/>
+              </p14:xfrm>
+            </p:contentPart>
+          </mc:Choice>
+          <mc:Fallback>
+            <p:pic>
+              <p:nvPicPr>
+                <p:cNvPr id="38" name="Ink 37">
+                  <a:extLst>
+                    <a:ext uri="{FF2B5EF4-FFF2-40B4-BE49-F238E27FC236}">
+                      <a16:creationId xmlns:a16="http://schemas.microsoft.com/office/drawing/2014/main" id="{82FF0AFD-41C9-FB0A-5525-C65BDFB1BD05}"/>
+                    </a:ext>
+                  </a:extLst>
+                </p:cNvPr>
+                <p:cNvPicPr/>
+                <p:nvPr/>
+              </p:nvPicPr>
+              <p:blipFill>
+                <a:blip r:embed="rId47"/>
+                <a:stretch>
+                  <a:fillRect/>
+                </a:stretch>
+              </p:blipFill>
+              <p:spPr>
+                <a:xfrm>
+                  <a:off x="2060007" y="2944481"/>
+                  <a:ext cx="322560" cy="185400"/>
+                </a:xfrm>
+                <a:prstGeom prst="rect">
+                  <a:avLst/>
+                </a:prstGeom>
+              </p:spPr>
+            </p:pic>
+          </mc:Fallback>
+        </mc:AlternateContent>
+        <mc:AlternateContent xmlns:mc="http://schemas.openxmlformats.org/markup-compatibility/2006">
+          <mc:Choice xmlns:p14="http://schemas.microsoft.com/office/powerpoint/2010/main" Requires="p14">
+            <p:contentPart p14:bwMode="auto" r:id="rId48">
+              <p14:nvContentPartPr>
+                <p14:cNvPr id="39" name="Ink 38">
+                  <a:extLst>
+                    <a:ext uri="{FF2B5EF4-FFF2-40B4-BE49-F238E27FC236}">
+                      <a16:creationId xmlns:a16="http://schemas.microsoft.com/office/drawing/2014/main" id="{B075354E-F7F3-AC04-C333-7A7861E1DA71}"/>
+                    </a:ext>
+                  </a:extLst>
+                </p14:cNvPr>
+                <p14:cNvContentPartPr/>
+                <p14:nvPr/>
+              </p14:nvContentPartPr>
+              <p14:xfrm>
+                <a:off x="2559327" y="2773121"/>
+                <a:ext cx="106560" cy="284760"/>
+              </p14:xfrm>
+            </p:contentPart>
+          </mc:Choice>
+          <mc:Fallback>
+            <p:pic>
+              <p:nvPicPr>
+                <p:cNvPr id="39" name="Ink 38">
+                  <a:extLst>
+                    <a:ext uri="{FF2B5EF4-FFF2-40B4-BE49-F238E27FC236}">
+                      <a16:creationId xmlns:a16="http://schemas.microsoft.com/office/drawing/2014/main" id="{B075354E-F7F3-AC04-C333-7A7861E1DA71}"/>
+                    </a:ext>
+                  </a:extLst>
+                </p:cNvPr>
+                <p:cNvPicPr/>
+                <p:nvPr/>
+              </p:nvPicPr>
+              <p:blipFill>
+                <a:blip r:embed="rId49"/>
+                <a:stretch>
+                  <a:fillRect/>
+                </a:stretch>
+              </p:blipFill>
+              <p:spPr>
+                <a:xfrm>
+                  <a:off x="2550327" y="2764481"/>
+                  <a:ext cx="124200" cy="302400"/>
+                </a:xfrm>
+                <a:prstGeom prst="rect">
+                  <a:avLst/>
+                </a:prstGeom>
+              </p:spPr>
+            </p:pic>
+          </mc:Fallback>
+        </mc:AlternateContent>
+        <mc:AlternateContent xmlns:mc="http://schemas.openxmlformats.org/markup-compatibility/2006">
+          <mc:Choice xmlns:p14="http://schemas.microsoft.com/office/powerpoint/2010/main" Requires="p14">
+            <p:contentPart p14:bwMode="auto" r:id="rId50">
+              <p14:nvContentPartPr>
+                <p14:cNvPr id="40" name="Ink 39">
+                  <a:extLst>
+                    <a:ext uri="{FF2B5EF4-FFF2-40B4-BE49-F238E27FC236}">
+                      <a16:creationId xmlns:a16="http://schemas.microsoft.com/office/drawing/2014/main" id="{72742A5B-4FD7-191A-9D49-1C7301AC1CB9}"/>
+                    </a:ext>
+                  </a:extLst>
+                </p14:cNvPr>
+                <p14:cNvContentPartPr/>
+                <p14:nvPr/>
+              </p14:nvContentPartPr>
+              <p14:xfrm>
+                <a:off x="2714847" y="2731001"/>
+                <a:ext cx="122400" cy="203400"/>
+              </p14:xfrm>
+            </p:contentPart>
+          </mc:Choice>
+          <mc:Fallback>
+            <p:pic>
+              <p:nvPicPr>
+                <p:cNvPr id="40" name="Ink 39">
+                  <a:extLst>
+                    <a:ext uri="{FF2B5EF4-FFF2-40B4-BE49-F238E27FC236}">
+                      <a16:creationId xmlns:a16="http://schemas.microsoft.com/office/drawing/2014/main" id="{72742A5B-4FD7-191A-9D49-1C7301AC1CB9}"/>
+                    </a:ext>
+                  </a:extLst>
+                </p:cNvPr>
+                <p:cNvPicPr/>
+                <p:nvPr/>
+              </p:nvPicPr>
+              <p:blipFill>
+                <a:blip r:embed="rId51"/>
+                <a:stretch>
+                  <a:fillRect/>
+                </a:stretch>
+              </p:blipFill>
+              <p:spPr>
+                <a:xfrm>
+                  <a:off x="2705847" y="2722361"/>
+                  <a:ext cx="140040" cy="221040"/>
+                </a:xfrm>
+                <a:prstGeom prst="rect">
+                  <a:avLst/>
+                </a:prstGeom>
+              </p:spPr>
+            </p:pic>
+          </mc:Fallback>
+        </mc:AlternateContent>
+        <mc:AlternateContent xmlns:mc="http://schemas.openxmlformats.org/markup-compatibility/2006">
+          <mc:Choice xmlns:p14="http://schemas.microsoft.com/office/powerpoint/2010/main" Requires="p14">
+            <p:contentPart p14:bwMode="auto" r:id="rId52">
+              <p14:nvContentPartPr>
+                <p14:cNvPr id="42" name="Ink 41">
+                  <a:extLst>
+                    <a:ext uri="{FF2B5EF4-FFF2-40B4-BE49-F238E27FC236}">
+                      <a16:creationId xmlns:a16="http://schemas.microsoft.com/office/drawing/2014/main" id="{4DAEFC20-52F5-8CBC-236C-8799643FD168}"/>
+                    </a:ext>
+                  </a:extLst>
+                </p14:cNvPr>
+                <p14:cNvContentPartPr/>
+                <p14:nvPr/>
+              </p14:nvContentPartPr>
+              <p14:xfrm>
+                <a:off x="3685767" y="706001"/>
+                <a:ext cx="592560" cy="247680"/>
+              </p14:xfrm>
+            </p:contentPart>
+          </mc:Choice>
+          <mc:Fallback>
+            <p:pic>
+              <p:nvPicPr>
+                <p:cNvPr id="42" name="Ink 41">
+                  <a:extLst>
+                    <a:ext uri="{FF2B5EF4-FFF2-40B4-BE49-F238E27FC236}">
+                      <a16:creationId xmlns:a16="http://schemas.microsoft.com/office/drawing/2014/main" id="{4DAEFC20-52F5-8CBC-236C-8799643FD168}"/>
+                    </a:ext>
+                  </a:extLst>
+                </p:cNvPr>
+                <p:cNvPicPr/>
+                <p:nvPr/>
+              </p:nvPicPr>
+              <p:blipFill>
+                <a:blip r:embed="rId53"/>
+                <a:stretch>
+                  <a:fillRect/>
+                </a:stretch>
+              </p:blipFill>
+              <p:spPr>
+                <a:xfrm>
+                  <a:off x="3677127" y="697001"/>
+                  <a:ext cx="610200" cy="265320"/>
+                </a:xfrm>
+                <a:prstGeom prst="rect">
+                  <a:avLst/>
+                </a:prstGeom>
+              </p:spPr>
+            </p:pic>
+          </mc:Fallback>
+        </mc:AlternateContent>
+        <mc:AlternateContent xmlns:mc="http://schemas.openxmlformats.org/markup-compatibility/2006">
+          <mc:Choice xmlns:p14="http://schemas.microsoft.com/office/powerpoint/2010/main" Requires="p14">
+            <p:contentPart p14:bwMode="auto" r:id="rId54">
+              <p14:nvContentPartPr>
+                <p14:cNvPr id="43" name="Ink 42">
+                  <a:extLst>
+                    <a:ext uri="{FF2B5EF4-FFF2-40B4-BE49-F238E27FC236}">
+                      <a16:creationId xmlns:a16="http://schemas.microsoft.com/office/drawing/2014/main" id="{0A559B2C-D345-9791-EF30-29CFB8AEA4B6}"/>
+                    </a:ext>
+                  </a:extLst>
+                </p14:cNvPr>
+                <p14:cNvContentPartPr/>
+                <p14:nvPr/>
+              </p14:nvContentPartPr>
+              <p14:xfrm>
+                <a:off x="4541127" y="640481"/>
+                <a:ext cx="127080" cy="185040"/>
+              </p14:xfrm>
+            </p:contentPart>
+          </mc:Choice>
+          <mc:Fallback>
+            <p:pic>
+              <p:nvPicPr>
+                <p:cNvPr id="43" name="Ink 42">
+                  <a:extLst>
+                    <a:ext uri="{FF2B5EF4-FFF2-40B4-BE49-F238E27FC236}">
+                      <a16:creationId xmlns:a16="http://schemas.microsoft.com/office/drawing/2014/main" id="{0A559B2C-D345-9791-EF30-29CFB8AEA4B6}"/>
+                    </a:ext>
+                  </a:extLst>
+                </p:cNvPr>
+                <p:cNvPicPr/>
+                <p:nvPr/>
+              </p:nvPicPr>
+              <p:blipFill>
+                <a:blip r:embed="rId55"/>
+                <a:stretch>
+                  <a:fillRect/>
+                </a:stretch>
+              </p:blipFill>
+              <p:spPr>
+                <a:xfrm>
+                  <a:off x="4532487" y="631481"/>
+                  <a:ext cx="144720" cy="202680"/>
+                </a:xfrm>
+                <a:prstGeom prst="rect">
+                  <a:avLst/>
+                </a:prstGeom>
+              </p:spPr>
+            </p:pic>
+          </mc:Fallback>
+        </mc:AlternateContent>
+        <mc:AlternateContent xmlns:mc="http://schemas.openxmlformats.org/markup-compatibility/2006">
+          <mc:Choice xmlns:p14="http://schemas.microsoft.com/office/powerpoint/2010/main" Requires="p14">
+            <p:contentPart p14:bwMode="auto" r:id="rId56">
+              <p14:nvContentPartPr>
+                <p14:cNvPr id="44" name="Ink 43">
+                  <a:extLst>
+                    <a:ext uri="{FF2B5EF4-FFF2-40B4-BE49-F238E27FC236}">
+                      <a16:creationId xmlns:a16="http://schemas.microsoft.com/office/drawing/2014/main" id="{28ED5419-F78E-532D-ECD9-6E1DD98F0F8C}"/>
+                    </a:ext>
+                  </a:extLst>
+                </p14:cNvPr>
+                <p14:cNvContentPartPr/>
+                <p14:nvPr/>
+              </p14:nvContentPartPr>
+              <p14:xfrm>
+                <a:off x="4769007" y="708521"/>
+                <a:ext cx="221040" cy="81720"/>
+              </p14:xfrm>
+            </p:contentPart>
+          </mc:Choice>
+          <mc:Fallback>
+            <p:pic>
+              <p:nvPicPr>
+                <p:cNvPr id="44" name="Ink 43">
+                  <a:extLst>
+                    <a:ext uri="{FF2B5EF4-FFF2-40B4-BE49-F238E27FC236}">
+                      <a16:creationId xmlns:a16="http://schemas.microsoft.com/office/drawing/2014/main" id="{28ED5419-F78E-532D-ECD9-6E1DD98F0F8C}"/>
+                    </a:ext>
+                  </a:extLst>
+                </p:cNvPr>
+                <p:cNvPicPr/>
+                <p:nvPr/>
+              </p:nvPicPr>
+              <p:blipFill>
+                <a:blip r:embed="rId57"/>
+                <a:stretch>
+                  <a:fillRect/>
+                </a:stretch>
+              </p:blipFill>
+              <p:spPr>
+                <a:xfrm>
+                  <a:off x="4760007" y="699881"/>
+                  <a:ext cx="238680" cy="99360"/>
+                </a:xfrm>
+                <a:prstGeom prst="rect">
+                  <a:avLst/>
+                </a:prstGeom>
+              </p:spPr>
+            </p:pic>
+          </mc:Fallback>
+        </mc:AlternateContent>
+        <mc:AlternateContent xmlns:mc="http://schemas.openxmlformats.org/markup-compatibility/2006">
+          <mc:Choice xmlns:p14="http://schemas.microsoft.com/office/powerpoint/2010/main" Requires="p14">
+            <p:contentPart p14:bwMode="auto" r:id="rId58">
+              <p14:nvContentPartPr>
+                <p14:cNvPr id="45" name="Ink 44">
+                  <a:extLst>
+                    <a:ext uri="{FF2B5EF4-FFF2-40B4-BE49-F238E27FC236}">
+                      <a16:creationId xmlns:a16="http://schemas.microsoft.com/office/drawing/2014/main" id="{65725C45-2942-65C8-4E24-0C7B119DBE79}"/>
+                    </a:ext>
+                  </a:extLst>
+                </p14:cNvPr>
+                <p14:cNvContentPartPr/>
+                <p14:nvPr/>
+              </p14:nvContentPartPr>
+              <p14:xfrm>
+                <a:off x="5019207" y="605201"/>
+                <a:ext cx="493560" cy="171720"/>
+              </p14:xfrm>
+            </p:contentPart>
+          </mc:Choice>
+          <mc:Fallback>
+            <p:pic>
+              <p:nvPicPr>
+                <p:cNvPr id="45" name="Ink 44">
+                  <a:extLst>
+                    <a:ext uri="{FF2B5EF4-FFF2-40B4-BE49-F238E27FC236}">
+                      <a16:creationId xmlns:a16="http://schemas.microsoft.com/office/drawing/2014/main" id="{65725C45-2942-65C8-4E24-0C7B119DBE79}"/>
+                    </a:ext>
+                  </a:extLst>
+                </p:cNvPr>
+                <p:cNvPicPr/>
+                <p:nvPr/>
+              </p:nvPicPr>
+              <p:blipFill>
+                <a:blip r:embed="rId59"/>
+                <a:stretch>
+                  <a:fillRect/>
+                </a:stretch>
+              </p:blipFill>
+              <p:spPr>
+                <a:xfrm>
+                  <a:off x="5010567" y="596561"/>
+                  <a:ext cx="511200" cy="189360"/>
+                </a:xfrm>
+                <a:prstGeom prst="rect">
+                  <a:avLst/>
+                </a:prstGeom>
+              </p:spPr>
+            </p:pic>
+          </mc:Fallback>
+        </mc:AlternateContent>
+        <mc:AlternateContent xmlns:mc="http://schemas.openxmlformats.org/markup-compatibility/2006">
+          <mc:Choice xmlns:p14="http://schemas.microsoft.com/office/powerpoint/2010/main" Requires="p14">
+            <p:contentPart p14:bwMode="auto" r:id="rId60">
+              <p14:nvContentPartPr>
+                <p14:cNvPr id="46" name="Ink 45">
+                  <a:extLst>
+                    <a:ext uri="{FF2B5EF4-FFF2-40B4-BE49-F238E27FC236}">
+                      <a16:creationId xmlns:a16="http://schemas.microsoft.com/office/drawing/2014/main" id="{D91949FB-B0BB-7A12-9DD6-959314D21379}"/>
+                    </a:ext>
+                  </a:extLst>
+                </p14:cNvPr>
+                <p14:cNvContentPartPr/>
+                <p14:nvPr/>
+              </p14:nvContentPartPr>
+              <p14:xfrm>
+                <a:off x="5568927" y="609881"/>
+                <a:ext cx="179640" cy="111600"/>
+              </p14:xfrm>
+            </p:contentPart>
+          </mc:Choice>
+          <mc:Fallback>
+            <p:pic>
+              <p:nvPicPr>
+                <p:cNvPr id="46" name="Ink 45">
+                  <a:extLst>
+                    <a:ext uri="{FF2B5EF4-FFF2-40B4-BE49-F238E27FC236}">
+                      <a16:creationId xmlns:a16="http://schemas.microsoft.com/office/drawing/2014/main" id="{D91949FB-B0BB-7A12-9DD6-959314D21379}"/>
+                    </a:ext>
+                  </a:extLst>
+                </p:cNvPr>
+                <p:cNvPicPr/>
+                <p:nvPr/>
+              </p:nvPicPr>
+              <p:blipFill>
+                <a:blip r:embed="rId61"/>
+                <a:stretch>
+                  <a:fillRect/>
+                </a:stretch>
+              </p:blipFill>
+              <p:spPr>
+                <a:xfrm>
+                  <a:off x="5559927" y="601241"/>
+                  <a:ext cx="197280" cy="129240"/>
+                </a:xfrm>
+                <a:prstGeom prst="rect">
+                  <a:avLst/>
+                </a:prstGeom>
+              </p:spPr>
+            </p:pic>
+          </mc:Fallback>
+        </mc:AlternateContent>
+        <mc:AlternateContent xmlns:mc="http://schemas.openxmlformats.org/markup-compatibility/2006">
+          <mc:Choice xmlns:p14="http://schemas.microsoft.com/office/powerpoint/2010/main" Requires="p14">
+            <p:contentPart p14:bwMode="auto" r:id="rId62">
+              <p14:nvContentPartPr>
+                <p14:cNvPr id="47" name="Ink 46">
+                  <a:extLst>
+                    <a:ext uri="{FF2B5EF4-FFF2-40B4-BE49-F238E27FC236}">
+                      <a16:creationId xmlns:a16="http://schemas.microsoft.com/office/drawing/2014/main" id="{C830878F-1480-B0A4-9501-C84670E1127F}"/>
+                    </a:ext>
+                  </a:extLst>
+                </p14:cNvPr>
+                <p14:cNvContentPartPr/>
+                <p14:nvPr/>
+              </p14:nvContentPartPr>
+              <p14:xfrm>
+                <a:off x="5758647" y="562361"/>
+                <a:ext cx="86040" cy="132480"/>
+              </p14:xfrm>
+            </p:contentPart>
+          </mc:Choice>
+          <mc:Fallback>
+            <p:pic>
+              <p:nvPicPr>
+                <p:cNvPr id="47" name="Ink 46">
+                  <a:extLst>
+                    <a:ext uri="{FF2B5EF4-FFF2-40B4-BE49-F238E27FC236}">
+                      <a16:creationId xmlns:a16="http://schemas.microsoft.com/office/drawing/2014/main" id="{C830878F-1480-B0A4-9501-C84670E1127F}"/>
+                    </a:ext>
+                  </a:extLst>
+                </p:cNvPr>
+                <p:cNvPicPr/>
+                <p:nvPr/>
+              </p:nvPicPr>
+              <p:blipFill>
+                <a:blip r:embed="rId63"/>
+                <a:stretch>
+                  <a:fillRect/>
+                </a:stretch>
+              </p:blipFill>
+              <p:spPr>
+                <a:xfrm>
+                  <a:off x="5750007" y="553721"/>
+                  <a:ext cx="103680" cy="150120"/>
+                </a:xfrm>
+                <a:prstGeom prst="rect">
+                  <a:avLst/>
+                </a:prstGeom>
+              </p:spPr>
+            </p:pic>
+          </mc:Fallback>
+        </mc:AlternateContent>
+        <mc:AlternateContent xmlns:mc="http://schemas.openxmlformats.org/markup-compatibility/2006">
+          <mc:Choice xmlns:p14="http://schemas.microsoft.com/office/powerpoint/2010/main" Requires="p14">
+            <p:contentPart p14:bwMode="auto" r:id="rId64">
+              <p14:nvContentPartPr>
+                <p14:cNvPr id="48" name="Ink 47">
+                  <a:extLst>
+                    <a:ext uri="{FF2B5EF4-FFF2-40B4-BE49-F238E27FC236}">
+                      <a16:creationId xmlns:a16="http://schemas.microsoft.com/office/drawing/2014/main" id="{48AAF8F4-8357-DAB5-A8D9-AE6E860828AB}"/>
+                    </a:ext>
+                  </a:extLst>
+                </p14:cNvPr>
+                <p14:cNvContentPartPr/>
+                <p14:nvPr/>
+              </p14:nvContentPartPr>
+              <p14:xfrm>
+                <a:off x="5910207" y="526721"/>
+                <a:ext cx="29880" cy="147960"/>
+              </p14:xfrm>
+            </p:contentPart>
+          </mc:Choice>
+          <mc:Fallback>
+            <p:pic>
+              <p:nvPicPr>
+                <p:cNvPr id="48" name="Ink 47">
+                  <a:extLst>
+                    <a:ext uri="{FF2B5EF4-FFF2-40B4-BE49-F238E27FC236}">
+                      <a16:creationId xmlns:a16="http://schemas.microsoft.com/office/drawing/2014/main" id="{48AAF8F4-8357-DAB5-A8D9-AE6E860828AB}"/>
+                    </a:ext>
+                  </a:extLst>
+                </p:cNvPr>
+                <p:cNvPicPr/>
+                <p:nvPr/>
+              </p:nvPicPr>
+              <p:blipFill>
+                <a:blip r:embed="rId65"/>
+                <a:stretch>
+                  <a:fillRect/>
+                </a:stretch>
+              </p:blipFill>
+              <p:spPr>
+                <a:xfrm>
+                  <a:off x="5901207" y="518081"/>
+                  <a:ext cx="47520" cy="165600"/>
+                </a:xfrm>
+                <a:prstGeom prst="rect">
+                  <a:avLst/>
+                </a:prstGeom>
+              </p:spPr>
+            </p:pic>
+          </mc:Fallback>
+        </mc:AlternateContent>
+        <mc:AlternateContent xmlns:mc="http://schemas.openxmlformats.org/markup-compatibility/2006">
+          <mc:Choice xmlns:p14="http://schemas.microsoft.com/office/powerpoint/2010/main" Requires="p14">
+            <p:contentPart p14:bwMode="auto" r:id="rId66">
+              <p14:nvContentPartPr>
+                <p14:cNvPr id="49" name="Ink 48">
+                  <a:extLst>
+                    <a:ext uri="{FF2B5EF4-FFF2-40B4-BE49-F238E27FC236}">
+                      <a16:creationId xmlns:a16="http://schemas.microsoft.com/office/drawing/2014/main" id="{DF76894D-2FDD-6C16-F0B1-8623E214EA22}"/>
+                    </a:ext>
+                  </a:extLst>
+                </p14:cNvPr>
+                <p14:cNvContentPartPr/>
+                <p14:nvPr/>
+              </p14:nvContentPartPr>
+              <p14:xfrm>
+                <a:off x="5366967" y="720041"/>
+                <a:ext cx="135000" cy="31320"/>
+              </p14:xfrm>
+            </p:contentPart>
+          </mc:Choice>
+          <mc:Fallback>
+            <p:pic>
+              <p:nvPicPr>
+                <p:cNvPr id="49" name="Ink 48">
+                  <a:extLst>
+                    <a:ext uri="{FF2B5EF4-FFF2-40B4-BE49-F238E27FC236}">
+                      <a16:creationId xmlns:a16="http://schemas.microsoft.com/office/drawing/2014/main" id="{DF76894D-2FDD-6C16-F0B1-8623E214EA22}"/>
+                    </a:ext>
+                  </a:extLst>
+                </p:cNvPr>
+                <p:cNvPicPr/>
+                <p:nvPr/>
+              </p:nvPicPr>
+              <p:blipFill>
+                <a:blip r:embed="rId67"/>
+                <a:stretch>
+                  <a:fillRect/>
+                </a:stretch>
+              </p:blipFill>
+              <p:spPr>
+                <a:xfrm>
+                  <a:off x="5358327" y="711041"/>
+                  <a:ext cx="152640" cy="48960"/>
+                </a:xfrm>
+                <a:prstGeom prst="rect">
+                  <a:avLst/>
+                </a:prstGeom>
+              </p:spPr>
+            </p:pic>
+          </mc:Fallback>
+        </mc:AlternateContent>
+        <mc:AlternateContent xmlns:mc="http://schemas.openxmlformats.org/markup-compatibility/2006">
+          <mc:Choice xmlns:p14="http://schemas.microsoft.com/office/powerpoint/2010/main" Requires="p14">
+            <p:contentPart p14:bwMode="auto" r:id="rId68">
+              <p14:nvContentPartPr>
+                <p14:cNvPr id="50" name="Ink 49">
+                  <a:extLst>
+                    <a:ext uri="{FF2B5EF4-FFF2-40B4-BE49-F238E27FC236}">
+                      <a16:creationId xmlns:a16="http://schemas.microsoft.com/office/drawing/2014/main" id="{C712AC26-4AEB-6A82-F76B-C4E9E58A6049}"/>
+                    </a:ext>
+                  </a:extLst>
+                </p14:cNvPr>
+                <p14:cNvContentPartPr/>
+                <p14:nvPr/>
+              </p14:nvContentPartPr>
+              <p14:xfrm>
+                <a:off x="5781687" y="573521"/>
+                <a:ext cx="50040" cy="148680"/>
+              </p14:xfrm>
+            </p:contentPart>
+          </mc:Choice>
+          <mc:Fallback>
+            <p:pic>
+              <p:nvPicPr>
+                <p:cNvPr id="50" name="Ink 49">
+                  <a:extLst>
+                    <a:ext uri="{FF2B5EF4-FFF2-40B4-BE49-F238E27FC236}">
+                      <a16:creationId xmlns:a16="http://schemas.microsoft.com/office/drawing/2014/main" id="{C712AC26-4AEB-6A82-F76B-C4E9E58A6049}"/>
+                    </a:ext>
+                  </a:extLst>
+                </p:cNvPr>
+                <p:cNvPicPr/>
+                <p:nvPr/>
+              </p:nvPicPr>
+              <p:blipFill>
+                <a:blip r:embed="rId69"/>
+                <a:stretch>
+                  <a:fillRect/>
+                </a:stretch>
+              </p:blipFill>
+              <p:spPr>
+                <a:xfrm>
+                  <a:off x="5772687" y="564881"/>
+                  <a:ext cx="67680" cy="166320"/>
+                </a:xfrm>
+                <a:prstGeom prst="rect">
+                  <a:avLst/>
+                </a:prstGeom>
+              </p:spPr>
+            </p:pic>
+          </mc:Fallback>
+        </mc:AlternateContent>
+        <mc:AlternateContent xmlns:mc="http://schemas.openxmlformats.org/markup-compatibility/2006">
+          <mc:Choice xmlns:p14="http://schemas.microsoft.com/office/powerpoint/2010/main" Requires="p14">
+            <p:contentPart p14:bwMode="auto" r:id="rId70">
+              <p14:nvContentPartPr>
+                <p14:cNvPr id="51" name="Ink 50">
+                  <a:extLst>
+                    <a:ext uri="{FF2B5EF4-FFF2-40B4-BE49-F238E27FC236}">
+                      <a16:creationId xmlns:a16="http://schemas.microsoft.com/office/drawing/2014/main" id="{CB5ABEC5-26F3-32CA-9C72-212A27BBE425}"/>
+                    </a:ext>
+                  </a:extLst>
+                </p14:cNvPr>
+                <p14:cNvContentPartPr/>
+                <p14:nvPr/>
+              </p14:nvContentPartPr>
+              <p14:xfrm>
+                <a:off x="6166887" y="468041"/>
+                <a:ext cx="165600" cy="189720"/>
+              </p14:xfrm>
+            </p:contentPart>
+          </mc:Choice>
+          <mc:Fallback>
+            <p:pic>
+              <p:nvPicPr>
+                <p:cNvPr id="51" name="Ink 50">
+                  <a:extLst>
+                    <a:ext uri="{FF2B5EF4-FFF2-40B4-BE49-F238E27FC236}">
+                      <a16:creationId xmlns:a16="http://schemas.microsoft.com/office/drawing/2014/main" id="{CB5ABEC5-26F3-32CA-9C72-212A27BBE425}"/>
+                    </a:ext>
+                  </a:extLst>
+                </p:cNvPr>
+                <p:cNvPicPr/>
+                <p:nvPr/>
+              </p:nvPicPr>
+              <p:blipFill>
+                <a:blip r:embed="rId71"/>
+                <a:stretch>
+                  <a:fillRect/>
+                </a:stretch>
+              </p:blipFill>
+              <p:spPr>
+                <a:xfrm>
+                  <a:off x="6158247" y="459041"/>
+                  <a:ext cx="183240" cy="207360"/>
+                </a:xfrm>
+                <a:prstGeom prst="rect">
+                  <a:avLst/>
+                </a:prstGeom>
+              </p:spPr>
+            </p:pic>
+          </mc:Fallback>
+        </mc:AlternateContent>
+        <mc:AlternateContent xmlns:mc="http://schemas.openxmlformats.org/markup-compatibility/2006">
+          <mc:Choice xmlns:p14="http://schemas.microsoft.com/office/powerpoint/2010/main" Requires="p14">
+            <p:contentPart p14:bwMode="auto" r:id="rId72">
+              <p14:nvContentPartPr>
+                <p14:cNvPr id="52" name="Ink 51">
+                  <a:extLst>
+                    <a:ext uri="{FF2B5EF4-FFF2-40B4-BE49-F238E27FC236}">
+                      <a16:creationId xmlns:a16="http://schemas.microsoft.com/office/drawing/2014/main" id="{90B71619-C36F-5B78-DAC3-A1D1C605AE99}"/>
+                    </a:ext>
+                  </a:extLst>
+                </p14:cNvPr>
+                <p14:cNvContentPartPr/>
+                <p14:nvPr/>
+              </p14:nvContentPartPr>
+              <p14:xfrm>
+                <a:off x="6383967" y="523481"/>
+                <a:ext cx="76680" cy="72000"/>
+              </p14:xfrm>
+            </p:contentPart>
+          </mc:Choice>
+          <mc:Fallback>
+            <p:pic>
+              <p:nvPicPr>
+                <p:cNvPr id="52" name="Ink 51">
+                  <a:extLst>
+                    <a:ext uri="{FF2B5EF4-FFF2-40B4-BE49-F238E27FC236}">
+                      <a16:creationId xmlns:a16="http://schemas.microsoft.com/office/drawing/2014/main" id="{90B71619-C36F-5B78-DAC3-A1D1C605AE99}"/>
+                    </a:ext>
+                  </a:extLst>
+                </p:cNvPr>
+                <p:cNvPicPr/>
+                <p:nvPr/>
+              </p:nvPicPr>
+              <p:blipFill>
+                <a:blip r:embed="rId73"/>
+                <a:stretch>
+                  <a:fillRect/>
+                </a:stretch>
+              </p:blipFill>
+              <p:spPr>
+                <a:xfrm>
+                  <a:off x="6375327" y="514841"/>
+                  <a:ext cx="94320" cy="89640"/>
+                </a:xfrm>
+                <a:prstGeom prst="rect">
+                  <a:avLst/>
+                </a:prstGeom>
+              </p:spPr>
+            </p:pic>
+          </mc:Fallback>
+        </mc:AlternateContent>
+        <mc:AlternateContent xmlns:mc="http://schemas.openxmlformats.org/markup-compatibility/2006">
+          <mc:Choice xmlns:p14="http://schemas.microsoft.com/office/powerpoint/2010/main" Requires="p14">
+            <p:contentPart p14:bwMode="auto" r:id="rId74">
+              <p14:nvContentPartPr>
+                <p14:cNvPr id="53" name="Ink 52">
+                  <a:extLst>
+                    <a:ext uri="{FF2B5EF4-FFF2-40B4-BE49-F238E27FC236}">
+                      <a16:creationId xmlns:a16="http://schemas.microsoft.com/office/drawing/2014/main" id="{77DF4FF9-B179-8C44-CB00-2A1DC145A1F8}"/>
+                    </a:ext>
+                  </a:extLst>
+                </p14:cNvPr>
+                <p14:cNvContentPartPr/>
+                <p14:nvPr/>
+              </p14:nvContentPartPr>
+              <p14:xfrm>
+                <a:off x="6482607" y="506561"/>
+                <a:ext cx="82080" cy="57960"/>
+              </p14:xfrm>
+            </p:contentPart>
+          </mc:Choice>
+          <mc:Fallback>
+            <p:pic>
+              <p:nvPicPr>
+                <p:cNvPr id="53" name="Ink 52">
+                  <a:extLst>
+                    <a:ext uri="{FF2B5EF4-FFF2-40B4-BE49-F238E27FC236}">
+                      <a16:creationId xmlns:a16="http://schemas.microsoft.com/office/drawing/2014/main" id="{77DF4FF9-B179-8C44-CB00-2A1DC145A1F8}"/>
+                    </a:ext>
+                  </a:extLst>
+                </p:cNvPr>
+                <p:cNvPicPr/>
+                <p:nvPr/>
+              </p:nvPicPr>
+              <p:blipFill>
+                <a:blip r:embed="rId75"/>
+                <a:stretch>
+                  <a:fillRect/>
+                </a:stretch>
+              </p:blipFill>
+              <p:spPr>
+                <a:xfrm>
+                  <a:off x="6473607" y="497561"/>
+                  <a:ext cx="99720" cy="75600"/>
+                </a:xfrm>
+                <a:prstGeom prst="rect">
+                  <a:avLst/>
+                </a:prstGeom>
+              </p:spPr>
+            </p:pic>
+          </mc:Fallback>
+        </mc:AlternateContent>
+        <mc:AlternateContent xmlns:mc="http://schemas.openxmlformats.org/markup-compatibility/2006">
+          <mc:Choice xmlns:p14="http://schemas.microsoft.com/office/powerpoint/2010/main" Requires="p14">
+            <p:contentPart p14:bwMode="auto" r:id="rId76">
+              <p14:nvContentPartPr>
+                <p14:cNvPr id="54" name="Ink 53">
+                  <a:extLst>
+                    <a:ext uri="{FF2B5EF4-FFF2-40B4-BE49-F238E27FC236}">
+                      <a16:creationId xmlns:a16="http://schemas.microsoft.com/office/drawing/2014/main" id="{DF2C86A5-1D44-6F3D-BA2C-4B245D897897}"/>
+                    </a:ext>
+                  </a:extLst>
+                </p14:cNvPr>
+                <p14:cNvContentPartPr/>
+                <p14:nvPr/>
+              </p14:nvContentPartPr>
+              <p14:xfrm>
+                <a:off x="6615087" y="486041"/>
+                <a:ext cx="108720" cy="59400"/>
+              </p14:xfrm>
+            </p:contentPart>
+          </mc:Choice>
+          <mc:Fallback>
+            <p:pic>
+              <p:nvPicPr>
+                <p:cNvPr id="54" name="Ink 53">
+                  <a:extLst>
+                    <a:ext uri="{FF2B5EF4-FFF2-40B4-BE49-F238E27FC236}">
+                      <a16:creationId xmlns:a16="http://schemas.microsoft.com/office/drawing/2014/main" id="{DF2C86A5-1D44-6F3D-BA2C-4B245D897897}"/>
+                    </a:ext>
+                  </a:extLst>
+                </p:cNvPr>
+                <p:cNvPicPr/>
+                <p:nvPr/>
+              </p:nvPicPr>
+              <p:blipFill>
+                <a:blip r:embed="rId77"/>
+                <a:stretch>
+                  <a:fillRect/>
+                </a:stretch>
+              </p:blipFill>
+              <p:spPr>
+                <a:xfrm>
+                  <a:off x="6606087" y="477041"/>
+                  <a:ext cx="126360" cy="77040"/>
+                </a:xfrm>
+                <a:prstGeom prst="rect">
+                  <a:avLst/>
+                </a:prstGeom>
+              </p:spPr>
+            </p:pic>
+          </mc:Fallback>
+        </mc:AlternateContent>
+        <mc:AlternateContent xmlns:mc="http://schemas.openxmlformats.org/markup-compatibility/2006">
+          <mc:Choice xmlns:p14="http://schemas.microsoft.com/office/powerpoint/2010/main" Requires="p14">
+            <p:contentPart p14:bwMode="auto" r:id="rId78">
+              <p14:nvContentPartPr>
+                <p14:cNvPr id="2" name="Ink 1">
+                  <a:extLst>
+                    <a:ext uri="{FF2B5EF4-FFF2-40B4-BE49-F238E27FC236}">
+                      <a16:creationId xmlns:a16="http://schemas.microsoft.com/office/drawing/2014/main" id="{62183B0C-ACA4-BB08-1349-14CA95A021CD}"/>
+                    </a:ext>
+                  </a:extLst>
+                </p14:cNvPr>
+                <p14:cNvContentPartPr/>
+                <p14:nvPr/>
+              </p14:nvContentPartPr>
+              <p14:xfrm>
+                <a:off x="1881447" y="1139441"/>
+                <a:ext cx="76680" cy="279000"/>
+              </p14:xfrm>
+            </p:contentPart>
+          </mc:Choice>
+          <mc:Fallback>
+            <p:pic>
+              <p:nvPicPr>
+                <p:cNvPr id="2" name="Ink 1">
+                  <a:extLst>
+                    <a:ext uri="{FF2B5EF4-FFF2-40B4-BE49-F238E27FC236}">
+                      <a16:creationId xmlns:a16="http://schemas.microsoft.com/office/drawing/2014/main" id="{62183B0C-ACA4-BB08-1349-14CA95A021CD}"/>
+                    </a:ext>
+                  </a:extLst>
+                </p:cNvPr>
+                <p:cNvPicPr/>
+                <p:nvPr/>
+              </p:nvPicPr>
+              <p:blipFill>
+                <a:blip r:embed="rId79"/>
+                <a:stretch>
+                  <a:fillRect/>
+                </a:stretch>
+              </p:blipFill>
+              <p:spPr>
+                <a:xfrm>
+                  <a:off x="1872807" y="1130801"/>
+                  <a:ext cx="94320" cy="296640"/>
+                </a:xfrm>
+                <a:prstGeom prst="rect">
+                  <a:avLst/>
+                </a:prstGeom>
+              </p:spPr>
+            </p:pic>
+          </mc:Fallback>
+        </mc:AlternateContent>
+        <mc:AlternateContent xmlns:mc="http://schemas.openxmlformats.org/markup-compatibility/2006">
+          <mc:Choice xmlns:p14="http://schemas.microsoft.com/office/powerpoint/2010/main" Requires="p14">
+            <p:contentPart p14:bwMode="auto" r:id="rId80">
+              <p14:nvContentPartPr>
+                <p14:cNvPr id="3" name="Ink 2">
+                  <a:extLst>
+                    <a:ext uri="{FF2B5EF4-FFF2-40B4-BE49-F238E27FC236}">
+                      <a16:creationId xmlns:a16="http://schemas.microsoft.com/office/drawing/2014/main" id="{06B78CEA-D10A-9ECC-C52F-185883ADAF11}"/>
+                    </a:ext>
+                  </a:extLst>
+                </p14:cNvPr>
+                <p14:cNvContentPartPr/>
+                <p14:nvPr/>
+              </p14:nvContentPartPr>
+              <p14:xfrm>
+                <a:off x="1999167" y="1231241"/>
+                <a:ext cx="97920" cy="90360"/>
+              </p14:xfrm>
+            </p:contentPart>
+          </mc:Choice>
+          <mc:Fallback>
+            <p:pic>
+              <p:nvPicPr>
+                <p:cNvPr id="3" name="Ink 2">
+                  <a:extLst>
+                    <a:ext uri="{FF2B5EF4-FFF2-40B4-BE49-F238E27FC236}">
+                      <a16:creationId xmlns:a16="http://schemas.microsoft.com/office/drawing/2014/main" id="{06B78CEA-D10A-9ECC-C52F-185883ADAF11}"/>
+                    </a:ext>
+                  </a:extLst>
+                </p:cNvPr>
+                <p:cNvPicPr/>
+                <p:nvPr/>
+              </p:nvPicPr>
+              <p:blipFill>
+                <a:blip r:embed="rId81"/>
+                <a:stretch>
+                  <a:fillRect/>
+                </a:stretch>
+              </p:blipFill>
+              <p:spPr>
+                <a:xfrm>
+                  <a:off x="1990167" y="1222601"/>
+                  <a:ext cx="115560" cy="108000"/>
+                </a:xfrm>
+                <a:prstGeom prst="rect">
+                  <a:avLst/>
+                </a:prstGeom>
+              </p:spPr>
+            </p:pic>
+          </mc:Fallback>
+        </mc:AlternateContent>
+        <mc:AlternateContent xmlns:mc="http://schemas.openxmlformats.org/markup-compatibility/2006">
+          <mc:Choice xmlns:p14="http://schemas.microsoft.com/office/powerpoint/2010/main" Requires="p14">
+            <p:contentPart p14:bwMode="auto" r:id="rId82">
+              <p14:nvContentPartPr>
+                <p14:cNvPr id="5" name="Ink 4">
+                  <a:extLst>
+                    <a:ext uri="{FF2B5EF4-FFF2-40B4-BE49-F238E27FC236}">
+                      <a16:creationId xmlns:a16="http://schemas.microsoft.com/office/drawing/2014/main" id="{FBD9F05D-66E8-4445-80D1-C91FC260D78B}"/>
+                    </a:ext>
+                  </a:extLst>
+                </p14:cNvPr>
+                <p14:cNvContentPartPr/>
+                <p14:nvPr/>
+              </p14:nvContentPartPr>
+              <p14:xfrm>
+                <a:off x="2220207" y="1191281"/>
+                <a:ext cx="226800" cy="127800"/>
+              </p14:xfrm>
+            </p:contentPart>
+          </mc:Choice>
+          <mc:Fallback>
+            <p:pic>
+              <p:nvPicPr>
+                <p:cNvPr id="5" name="Ink 4">
+                  <a:extLst>
+                    <a:ext uri="{FF2B5EF4-FFF2-40B4-BE49-F238E27FC236}">
+                      <a16:creationId xmlns:a16="http://schemas.microsoft.com/office/drawing/2014/main" id="{FBD9F05D-66E8-4445-80D1-C91FC260D78B}"/>
+                    </a:ext>
+                  </a:extLst>
+                </p:cNvPr>
+                <p:cNvPicPr/>
+                <p:nvPr/>
+              </p:nvPicPr>
+              <p:blipFill>
+                <a:blip r:embed="rId83"/>
+                <a:stretch>
+                  <a:fillRect/>
+                </a:stretch>
+              </p:blipFill>
+              <p:spPr>
+                <a:xfrm>
+                  <a:off x="2211567" y="1182281"/>
+                  <a:ext cx="244440" cy="145440"/>
+                </a:xfrm>
+                <a:prstGeom prst="rect">
+                  <a:avLst/>
+                </a:prstGeom>
+              </p:spPr>
+            </p:pic>
+          </mc:Fallback>
+        </mc:AlternateContent>
+        <mc:AlternateContent xmlns:mc="http://schemas.openxmlformats.org/markup-compatibility/2006">
+          <mc:Choice xmlns:p14="http://schemas.microsoft.com/office/powerpoint/2010/main" Requires="p14">
+            <p:contentPart p14:bwMode="auto" r:id="rId84">
+              <p14:nvContentPartPr>
+                <p14:cNvPr id="6" name="Ink 5">
+                  <a:extLst>
+                    <a:ext uri="{FF2B5EF4-FFF2-40B4-BE49-F238E27FC236}">
+                      <a16:creationId xmlns:a16="http://schemas.microsoft.com/office/drawing/2014/main" id="{33EC3F80-C130-D46A-C819-347CF3C9E3D9}"/>
+                    </a:ext>
+                  </a:extLst>
+                </p14:cNvPr>
+                <p14:cNvContentPartPr/>
+                <p14:nvPr/>
+              </p14:nvContentPartPr>
+              <p14:xfrm>
+                <a:off x="2502807" y="962681"/>
+                <a:ext cx="521280" cy="252720"/>
+              </p14:xfrm>
+            </p:contentPart>
+          </mc:Choice>
+          <mc:Fallback>
+            <p:pic>
+              <p:nvPicPr>
+                <p:cNvPr id="6" name="Ink 5">
+                  <a:extLst>
+                    <a:ext uri="{FF2B5EF4-FFF2-40B4-BE49-F238E27FC236}">
+                      <a16:creationId xmlns:a16="http://schemas.microsoft.com/office/drawing/2014/main" id="{33EC3F80-C130-D46A-C819-347CF3C9E3D9}"/>
+                    </a:ext>
+                  </a:extLst>
+                </p:cNvPr>
+                <p:cNvPicPr/>
+                <p:nvPr/>
+              </p:nvPicPr>
+              <p:blipFill>
+                <a:blip r:embed="rId85"/>
+                <a:stretch>
+                  <a:fillRect/>
+                </a:stretch>
+              </p:blipFill>
+              <p:spPr>
+                <a:xfrm>
+                  <a:off x="2494167" y="953681"/>
+                  <a:ext cx="538920" cy="270360"/>
+                </a:xfrm>
+                <a:prstGeom prst="rect">
+                  <a:avLst/>
+                </a:prstGeom>
+              </p:spPr>
+            </p:pic>
+          </mc:Fallback>
+        </mc:AlternateContent>
+        <mc:AlternateContent xmlns:mc="http://schemas.openxmlformats.org/markup-compatibility/2006">
+          <mc:Choice xmlns:p14="http://schemas.microsoft.com/office/powerpoint/2010/main" Requires="p14">
+            <p:contentPart p14:bwMode="auto" r:id="rId86">
+              <p14:nvContentPartPr>
+                <p14:cNvPr id="7" name="Ink 6">
+                  <a:extLst>
+                    <a:ext uri="{FF2B5EF4-FFF2-40B4-BE49-F238E27FC236}">
+                      <a16:creationId xmlns:a16="http://schemas.microsoft.com/office/drawing/2014/main" id="{F5419A2B-3CE6-CB3E-DA4C-0B7D61DEF241}"/>
+                    </a:ext>
+                  </a:extLst>
+                </p14:cNvPr>
+                <p14:cNvContentPartPr/>
+                <p14:nvPr/>
+              </p14:nvContentPartPr>
+              <p14:xfrm>
+                <a:off x="3099327" y="1050161"/>
+                <a:ext cx="106920" cy="105840"/>
+              </p14:xfrm>
+            </p:contentPart>
+          </mc:Choice>
+          <mc:Fallback>
+            <p:pic>
+              <p:nvPicPr>
+                <p:cNvPr id="7" name="Ink 6">
+                  <a:extLst>
+                    <a:ext uri="{FF2B5EF4-FFF2-40B4-BE49-F238E27FC236}">
+                      <a16:creationId xmlns:a16="http://schemas.microsoft.com/office/drawing/2014/main" id="{F5419A2B-3CE6-CB3E-DA4C-0B7D61DEF241}"/>
+                    </a:ext>
+                  </a:extLst>
+                </p:cNvPr>
+                <p:cNvPicPr/>
+                <p:nvPr/>
+              </p:nvPicPr>
+              <p:blipFill>
+                <a:blip r:embed="rId87"/>
+                <a:stretch>
+                  <a:fillRect/>
+                </a:stretch>
+              </p:blipFill>
+              <p:spPr>
+                <a:xfrm>
+                  <a:off x="3090327" y="1041161"/>
+                  <a:ext cx="124560" cy="123480"/>
+                </a:xfrm>
+                <a:prstGeom prst="rect">
+                  <a:avLst/>
+                </a:prstGeom>
+              </p:spPr>
+            </p:pic>
+          </mc:Fallback>
+        </mc:AlternateContent>
+        <mc:AlternateContent xmlns:mc="http://schemas.openxmlformats.org/markup-compatibility/2006">
+          <mc:Choice xmlns:p14="http://schemas.microsoft.com/office/powerpoint/2010/main" Requires="p14">
+            <p:contentPart p14:bwMode="auto" r:id="rId88">
+              <p14:nvContentPartPr>
+                <p14:cNvPr id="8" name="Ink 7">
+                  <a:extLst>
+                    <a:ext uri="{FF2B5EF4-FFF2-40B4-BE49-F238E27FC236}">
+                      <a16:creationId xmlns:a16="http://schemas.microsoft.com/office/drawing/2014/main" id="{354B83B5-4D31-D665-5EFA-9C218CA64FC6}"/>
+                    </a:ext>
+                  </a:extLst>
+                </p14:cNvPr>
+                <p14:cNvContentPartPr/>
+                <p14:nvPr/>
+              </p14:nvContentPartPr>
+              <p14:xfrm>
+                <a:off x="3226767" y="946121"/>
+                <a:ext cx="166680" cy="181080"/>
+              </p14:xfrm>
+            </p:contentPart>
+          </mc:Choice>
+          <mc:Fallback>
+            <p:pic>
+              <p:nvPicPr>
+                <p:cNvPr id="8" name="Ink 7">
+                  <a:extLst>
+                    <a:ext uri="{FF2B5EF4-FFF2-40B4-BE49-F238E27FC236}">
+                      <a16:creationId xmlns:a16="http://schemas.microsoft.com/office/drawing/2014/main" id="{354B83B5-4D31-D665-5EFA-9C218CA64FC6}"/>
+                    </a:ext>
+                  </a:extLst>
+                </p:cNvPr>
+                <p:cNvPicPr/>
+                <p:nvPr/>
+              </p:nvPicPr>
+              <p:blipFill>
+                <a:blip r:embed="rId89"/>
+                <a:stretch>
+                  <a:fillRect/>
+                </a:stretch>
+              </p:blipFill>
+              <p:spPr>
+                <a:xfrm>
+                  <a:off x="3217767" y="937481"/>
+                  <a:ext cx="184320" cy="198720"/>
+                </a:xfrm>
+                <a:prstGeom prst="rect">
+                  <a:avLst/>
+                </a:prstGeom>
+              </p:spPr>
+            </p:pic>
+          </mc:Fallback>
+        </mc:AlternateContent>
+        <mc:AlternateContent xmlns:mc="http://schemas.openxmlformats.org/markup-compatibility/2006">
+          <mc:Choice xmlns:p14="http://schemas.microsoft.com/office/powerpoint/2010/main" Requires="p14">
+            <p:contentPart p14:bwMode="auto" r:id="rId90">
+              <p14:nvContentPartPr>
+                <p14:cNvPr id="9" name="Ink 8">
+                  <a:extLst>
+                    <a:ext uri="{FF2B5EF4-FFF2-40B4-BE49-F238E27FC236}">
+                      <a16:creationId xmlns:a16="http://schemas.microsoft.com/office/drawing/2014/main" id="{00342363-29E4-BE30-94EB-61E80AA51E03}"/>
+                    </a:ext>
+                  </a:extLst>
+                </p14:cNvPr>
+                <p14:cNvContentPartPr/>
+                <p14:nvPr/>
+              </p14:nvContentPartPr>
+              <p14:xfrm>
+                <a:off x="3364647" y="913001"/>
+                <a:ext cx="81360" cy="153360"/>
+              </p14:xfrm>
+            </p:contentPart>
+          </mc:Choice>
+          <mc:Fallback>
+            <p:pic>
+              <p:nvPicPr>
+                <p:cNvPr id="9" name="Ink 8">
+                  <a:extLst>
+                    <a:ext uri="{FF2B5EF4-FFF2-40B4-BE49-F238E27FC236}">
+                      <a16:creationId xmlns:a16="http://schemas.microsoft.com/office/drawing/2014/main" id="{00342363-29E4-BE30-94EB-61E80AA51E03}"/>
+                    </a:ext>
+                  </a:extLst>
+                </p:cNvPr>
+                <p:cNvPicPr/>
+                <p:nvPr/>
+              </p:nvPicPr>
+              <p:blipFill>
+                <a:blip r:embed="rId91"/>
+                <a:stretch>
+                  <a:fillRect/>
+                </a:stretch>
+              </p:blipFill>
+              <p:spPr>
+                <a:xfrm>
+                  <a:off x="3356007" y="904361"/>
+                  <a:ext cx="99000" cy="171000"/>
+                </a:xfrm>
+                <a:prstGeom prst="rect">
+                  <a:avLst/>
+                </a:prstGeom>
+              </p:spPr>
+            </p:pic>
+          </mc:Fallback>
+        </mc:AlternateContent>
+        <mc:AlternateContent xmlns:mc="http://schemas.openxmlformats.org/markup-compatibility/2006">
+          <mc:Choice xmlns:p14="http://schemas.microsoft.com/office/powerpoint/2010/main" Requires="p14">
+            <p:contentPart p14:bwMode="auto" r:id="rId92">
+              <p14:nvContentPartPr>
+                <p14:cNvPr id="10" name="Ink 9">
+                  <a:extLst>
+                    <a:ext uri="{FF2B5EF4-FFF2-40B4-BE49-F238E27FC236}">
+                      <a16:creationId xmlns:a16="http://schemas.microsoft.com/office/drawing/2014/main" id="{29E8CB67-EE68-C5B2-9603-D0507E6A9F62}"/>
+                    </a:ext>
+                  </a:extLst>
+                </p14:cNvPr>
+                <p14:cNvContentPartPr/>
+                <p14:nvPr/>
+              </p14:nvContentPartPr>
+              <p14:xfrm>
+                <a:off x="2936967" y="1114601"/>
+                <a:ext cx="101160" cy="53640"/>
+              </p14:xfrm>
+            </p:contentPart>
+          </mc:Choice>
+          <mc:Fallback>
+            <p:pic>
+              <p:nvPicPr>
+                <p:cNvPr id="10" name="Ink 9">
+                  <a:extLst>
+                    <a:ext uri="{FF2B5EF4-FFF2-40B4-BE49-F238E27FC236}">
+                      <a16:creationId xmlns:a16="http://schemas.microsoft.com/office/drawing/2014/main" id="{29E8CB67-EE68-C5B2-9603-D0507E6A9F62}"/>
+                    </a:ext>
+                  </a:extLst>
+                </p:cNvPr>
+                <p:cNvPicPr/>
+                <p:nvPr/>
+              </p:nvPicPr>
+              <p:blipFill>
+                <a:blip r:embed="rId93"/>
+                <a:stretch>
+                  <a:fillRect/>
+                </a:stretch>
+              </p:blipFill>
+              <p:spPr>
+                <a:xfrm>
+                  <a:off x="2928327" y="1105961"/>
+                  <a:ext cx="118800" cy="71280"/>
+                </a:xfrm>
+                <a:prstGeom prst="rect">
+                  <a:avLst/>
+                </a:prstGeom>
+              </p:spPr>
+            </p:pic>
+          </mc:Fallback>
+        </mc:AlternateContent>
+        <mc:AlternateContent xmlns:mc="http://schemas.openxmlformats.org/markup-compatibility/2006">
+          <mc:Choice xmlns:p14="http://schemas.microsoft.com/office/powerpoint/2010/main" Requires="p14">
+            <p:contentPart p14:bwMode="auto" r:id="rId94">
+              <p14:nvContentPartPr>
+                <p14:cNvPr id="12" name="Ink 11">
+                  <a:extLst>
+                    <a:ext uri="{FF2B5EF4-FFF2-40B4-BE49-F238E27FC236}">
+                      <a16:creationId xmlns:a16="http://schemas.microsoft.com/office/drawing/2014/main" id="{A2C4B024-DDA2-C88E-BFB1-EFDD75BCB141}"/>
+                    </a:ext>
+                  </a:extLst>
+                </p14:cNvPr>
+                <p14:cNvContentPartPr/>
+                <p14:nvPr/>
+              </p14:nvContentPartPr>
+              <p14:xfrm>
+                <a:off x="2064327" y="1237001"/>
+                <a:ext cx="1219680" cy="337680"/>
+              </p14:xfrm>
+            </p:contentPart>
+          </mc:Choice>
+          <mc:Fallback>
+            <p:pic>
+              <p:nvPicPr>
+                <p:cNvPr id="12" name="Ink 11">
+                  <a:extLst>
+                    <a:ext uri="{FF2B5EF4-FFF2-40B4-BE49-F238E27FC236}">
+                      <a16:creationId xmlns:a16="http://schemas.microsoft.com/office/drawing/2014/main" id="{A2C4B024-DDA2-C88E-BFB1-EFDD75BCB141}"/>
+                    </a:ext>
+                  </a:extLst>
+                </p:cNvPr>
+                <p:cNvPicPr/>
+                <p:nvPr/>
+              </p:nvPicPr>
+              <p:blipFill>
+                <a:blip r:embed="rId95"/>
+                <a:stretch>
+                  <a:fillRect/>
+                </a:stretch>
+              </p:blipFill>
+              <p:spPr>
+                <a:xfrm>
+                  <a:off x="2055687" y="1228001"/>
+                  <a:ext cx="1237320" cy="355320"/>
+                </a:xfrm>
+                <a:prstGeom prst="rect">
+                  <a:avLst/>
+                </a:prstGeom>
+              </p:spPr>
+            </p:pic>
+          </mc:Fallback>
+        </mc:AlternateContent>
+        <mc:AlternateContent xmlns:mc="http://schemas.openxmlformats.org/markup-compatibility/2006">
+          <mc:Choice xmlns:p14="http://schemas.microsoft.com/office/powerpoint/2010/main" Requires="p14">
+            <p:contentPart p14:bwMode="auto" r:id="rId96">
+              <p14:nvContentPartPr>
+                <p14:cNvPr id="13" name="Ink 12">
+                  <a:extLst>
+                    <a:ext uri="{FF2B5EF4-FFF2-40B4-BE49-F238E27FC236}">
+                      <a16:creationId xmlns:a16="http://schemas.microsoft.com/office/drawing/2014/main" id="{4169000A-2904-E14C-5BF4-6E85FEA8632F}"/>
+                    </a:ext>
+                  </a:extLst>
+                </p14:cNvPr>
+                <p14:cNvContentPartPr/>
+                <p14:nvPr/>
+              </p14:nvContentPartPr>
+              <p14:xfrm>
+                <a:off x="2114727" y="1251401"/>
+                <a:ext cx="1399680" cy="380880"/>
+              </p14:xfrm>
+            </p:contentPart>
+          </mc:Choice>
+          <mc:Fallback>
+            <p:pic>
+              <p:nvPicPr>
+                <p:cNvPr id="13" name="Ink 12">
+                  <a:extLst>
+                    <a:ext uri="{FF2B5EF4-FFF2-40B4-BE49-F238E27FC236}">
+                      <a16:creationId xmlns:a16="http://schemas.microsoft.com/office/drawing/2014/main" id="{4169000A-2904-E14C-5BF4-6E85FEA8632F}"/>
+                    </a:ext>
+                  </a:extLst>
+                </p:cNvPr>
+                <p:cNvPicPr/>
+                <p:nvPr/>
+              </p:nvPicPr>
+              <p:blipFill>
+                <a:blip r:embed="rId97"/>
+                <a:stretch>
+                  <a:fillRect/>
+                </a:stretch>
+              </p:blipFill>
+              <p:spPr>
+                <a:xfrm>
+                  <a:off x="2106087" y="1242401"/>
+                  <a:ext cx="1417320" cy="398520"/>
+                </a:xfrm>
+                <a:prstGeom prst="rect">
+                  <a:avLst/>
+                </a:prstGeom>
+              </p:spPr>
+            </p:pic>
+          </mc:Fallback>
+        </mc:AlternateContent>
+        <mc:AlternateContent xmlns:mc="http://schemas.openxmlformats.org/markup-compatibility/2006">
+          <mc:Choice xmlns:p14="http://schemas.microsoft.com/office/powerpoint/2010/main" Requires="p14">
+            <p:contentPart p14:bwMode="auto" r:id="rId98">
+              <p14:nvContentPartPr>
+                <p14:cNvPr id="57" name="Ink 56">
+                  <a:extLst>
+                    <a:ext uri="{FF2B5EF4-FFF2-40B4-BE49-F238E27FC236}">
+                      <a16:creationId xmlns:a16="http://schemas.microsoft.com/office/drawing/2014/main" id="{0CAB6AF5-852D-83C1-6844-A12F4AFE7D6D}"/>
+                    </a:ext>
+                  </a:extLst>
+                </p14:cNvPr>
+                <p14:cNvContentPartPr/>
+                <p14:nvPr/>
+              </p14:nvContentPartPr>
+              <p14:xfrm>
+                <a:off x="1660767" y="1069961"/>
+                <a:ext cx="14400" cy="6840"/>
+              </p14:xfrm>
+            </p:contentPart>
+          </mc:Choice>
+          <mc:Fallback>
+            <p:pic>
+              <p:nvPicPr>
+                <p:cNvPr id="57" name="Ink 56">
+                  <a:extLst>
+                    <a:ext uri="{FF2B5EF4-FFF2-40B4-BE49-F238E27FC236}">
+                      <a16:creationId xmlns:a16="http://schemas.microsoft.com/office/drawing/2014/main" id="{0CAB6AF5-852D-83C1-6844-A12F4AFE7D6D}"/>
+                    </a:ext>
+                  </a:extLst>
+                </p:cNvPr>
+                <p:cNvPicPr/>
+                <p:nvPr/>
+              </p:nvPicPr>
+              <p:blipFill>
+                <a:blip r:embed="rId99"/>
+                <a:stretch>
+                  <a:fillRect/>
+                </a:stretch>
+              </p:blipFill>
+              <p:spPr>
+                <a:xfrm>
+                  <a:off x="1652127" y="1061321"/>
+                  <a:ext cx="32040" cy="24480"/>
+                </a:xfrm>
+                <a:prstGeom prst="rect">
+                  <a:avLst/>
+                </a:prstGeom>
+              </p:spPr>
+            </p:pic>
+          </mc:Fallback>
+        </mc:AlternateContent>
+        <mc:AlternateContent xmlns:mc="http://schemas.openxmlformats.org/markup-compatibility/2006">
+          <mc:Choice xmlns:p14="http://schemas.microsoft.com/office/powerpoint/2010/main" Requires="p14">
+            <p:contentPart p14:bwMode="auto" r:id="rId100">
+              <p14:nvContentPartPr>
+                <p14:cNvPr id="58" name="Ink 57">
+                  <a:extLst>
+                    <a:ext uri="{FF2B5EF4-FFF2-40B4-BE49-F238E27FC236}">
+                      <a16:creationId xmlns:a16="http://schemas.microsoft.com/office/drawing/2014/main" id="{C9B09547-8421-D4A1-F195-51BF2BC578B7}"/>
+                    </a:ext>
+                  </a:extLst>
+                </p14:cNvPr>
+                <p14:cNvContentPartPr/>
+                <p14:nvPr/>
+              </p14:nvContentPartPr>
+              <p14:xfrm>
+                <a:off x="2179887" y="867281"/>
+                <a:ext cx="509760" cy="60480"/>
+              </p14:xfrm>
+            </p:contentPart>
+          </mc:Choice>
+          <mc:Fallback>
+            <p:pic>
+              <p:nvPicPr>
+                <p:cNvPr id="58" name="Ink 57">
+                  <a:extLst>
+                    <a:ext uri="{FF2B5EF4-FFF2-40B4-BE49-F238E27FC236}">
+                      <a16:creationId xmlns:a16="http://schemas.microsoft.com/office/drawing/2014/main" id="{C9B09547-8421-D4A1-F195-51BF2BC578B7}"/>
+                    </a:ext>
+                  </a:extLst>
+                </p:cNvPr>
+                <p:cNvPicPr/>
+                <p:nvPr/>
+              </p:nvPicPr>
+              <p:blipFill>
+                <a:blip r:embed="rId101"/>
+                <a:stretch>
+                  <a:fillRect/>
+                </a:stretch>
+              </p:blipFill>
+              <p:spPr>
+                <a:xfrm>
+                  <a:off x="2171247" y="858281"/>
+                  <a:ext cx="527400" cy="78120"/>
+                </a:xfrm>
+                <a:prstGeom prst="rect">
+                  <a:avLst/>
+                </a:prstGeom>
+              </p:spPr>
+            </p:pic>
+          </mc:Fallback>
+        </mc:AlternateContent>
+        <mc:AlternateContent xmlns:mc="http://schemas.openxmlformats.org/markup-compatibility/2006">
+          <mc:Choice xmlns:p14="http://schemas.microsoft.com/office/powerpoint/2010/main" Requires="p14">
+            <p:contentPart p14:bwMode="auto" r:id="rId102">
+              <p14:nvContentPartPr>
+                <p14:cNvPr id="59" name="Ink 58">
+                  <a:extLst>
+                    <a:ext uri="{FF2B5EF4-FFF2-40B4-BE49-F238E27FC236}">
+                      <a16:creationId xmlns:a16="http://schemas.microsoft.com/office/drawing/2014/main" id="{35880B06-13B8-F6B9-7988-29C752786B47}"/>
+                    </a:ext>
+                  </a:extLst>
+                </p14:cNvPr>
+                <p14:cNvContentPartPr/>
+                <p14:nvPr/>
+              </p14:nvContentPartPr>
+              <p14:xfrm>
+                <a:off x="2821047" y="611681"/>
+                <a:ext cx="819360" cy="925920"/>
+              </p14:xfrm>
+            </p:contentPart>
+          </mc:Choice>
+          <mc:Fallback>
+            <p:pic>
+              <p:nvPicPr>
+                <p:cNvPr id="59" name="Ink 58">
+                  <a:extLst>
+                    <a:ext uri="{FF2B5EF4-FFF2-40B4-BE49-F238E27FC236}">
+                      <a16:creationId xmlns:a16="http://schemas.microsoft.com/office/drawing/2014/main" id="{35880B06-13B8-F6B9-7988-29C752786B47}"/>
+                    </a:ext>
+                  </a:extLst>
+                </p:cNvPr>
+                <p:cNvPicPr/>
+                <p:nvPr/>
+              </p:nvPicPr>
+              <p:blipFill>
+                <a:blip r:embed="rId103"/>
+                <a:stretch>
+                  <a:fillRect/>
+                </a:stretch>
+              </p:blipFill>
+              <p:spPr>
+                <a:xfrm>
+                  <a:off x="2812407" y="602681"/>
+                  <a:ext cx="837000" cy="943560"/>
+                </a:xfrm>
+                <a:prstGeom prst="rect">
+                  <a:avLst/>
+                </a:prstGeom>
+              </p:spPr>
+            </p:pic>
+          </mc:Fallback>
+        </mc:AlternateContent>
+        <mc:AlternateContent xmlns:mc="http://schemas.openxmlformats.org/markup-compatibility/2006">
+          <mc:Choice xmlns:p14="http://schemas.microsoft.com/office/powerpoint/2010/main" Requires="p14">
+            <p:contentPart p14:bwMode="auto" r:id="rId104">
+              <p14:nvContentPartPr>
+                <p14:cNvPr id="61" name="Ink 60">
+                  <a:extLst>
+                    <a:ext uri="{FF2B5EF4-FFF2-40B4-BE49-F238E27FC236}">
+                      <a16:creationId xmlns:a16="http://schemas.microsoft.com/office/drawing/2014/main" id="{49A969EC-7DFB-B939-5DDB-6C0A809AA34F}"/>
+                    </a:ext>
+                  </a:extLst>
+                </p14:cNvPr>
+                <p14:cNvContentPartPr/>
+                <p14:nvPr/>
+              </p14:nvContentPartPr>
+              <p14:xfrm>
+                <a:off x="1711167" y="1262921"/>
+                <a:ext cx="1865160" cy="521640"/>
+              </p14:xfrm>
+            </p:contentPart>
+          </mc:Choice>
+          <mc:Fallback>
+            <p:pic>
+              <p:nvPicPr>
+                <p:cNvPr id="61" name="Ink 60">
+                  <a:extLst>
+                    <a:ext uri="{FF2B5EF4-FFF2-40B4-BE49-F238E27FC236}">
+                      <a16:creationId xmlns:a16="http://schemas.microsoft.com/office/drawing/2014/main" id="{49A969EC-7DFB-B939-5DDB-6C0A809AA34F}"/>
+                    </a:ext>
+                  </a:extLst>
+                </p:cNvPr>
+                <p:cNvPicPr/>
+                <p:nvPr/>
+              </p:nvPicPr>
+              <p:blipFill>
+                <a:blip r:embed="rId105"/>
+                <a:stretch>
+                  <a:fillRect/>
+                </a:stretch>
+              </p:blipFill>
+              <p:spPr>
+                <a:xfrm>
+                  <a:off x="1702167" y="1253921"/>
+                  <a:ext cx="1882800" cy="539280"/>
+                </a:xfrm>
+                <a:prstGeom prst="rect">
+                  <a:avLst/>
+                </a:prstGeom>
+              </p:spPr>
+            </p:pic>
+          </mc:Fallback>
+        </mc:AlternateContent>
+        <mc:AlternateContent xmlns:mc="http://schemas.openxmlformats.org/markup-compatibility/2006">
+          <mc:Choice xmlns:p14="http://schemas.microsoft.com/office/powerpoint/2010/main" Requires="p14">
+            <p:contentPart p14:bwMode="auto" r:id="rId106">
+              <p14:nvContentPartPr>
+                <p14:cNvPr id="62" name="Ink 61">
+                  <a:extLst>
+                    <a:ext uri="{FF2B5EF4-FFF2-40B4-BE49-F238E27FC236}">
+                      <a16:creationId xmlns:a16="http://schemas.microsoft.com/office/drawing/2014/main" id="{736D9CF3-0728-6601-55A4-A95EEB4D1141}"/>
+                    </a:ext>
+                  </a:extLst>
+                </p14:cNvPr>
+                <p14:cNvContentPartPr/>
+                <p14:nvPr/>
+              </p14:nvContentPartPr>
+              <p14:xfrm>
+                <a:off x="3362127" y="1641641"/>
+                <a:ext cx="1219680" cy="219240"/>
+              </p14:xfrm>
+            </p:contentPart>
+          </mc:Choice>
+          <mc:Fallback>
+            <p:pic>
+              <p:nvPicPr>
+                <p:cNvPr id="62" name="Ink 61">
+                  <a:extLst>
+                    <a:ext uri="{FF2B5EF4-FFF2-40B4-BE49-F238E27FC236}">
+                      <a16:creationId xmlns:a16="http://schemas.microsoft.com/office/drawing/2014/main" id="{736D9CF3-0728-6601-55A4-A95EEB4D1141}"/>
+                    </a:ext>
+                  </a:extLst>
+                </p:cNvPr>
+                <p:cNvPicPr/>
+                <p:nvPr/>
+              </p:nvPicPr>
+              <p:blipFill>
+                <a:blip r:embed="rId107"/>
+                <a:stretch>
+                  <a:fillRect/>
+                </a:stretch>
+              </p:blipFill>
+              <p:spPr>
+                <a:xfrm>
+                  <a:off x="3353127" y="1632641"/>
+                  <a:ext cx="1237320" cy="236880"/>
+                </a:xfrm>
+                <a:prstGeom prst="rect">
+                  <a:avLst/>
+                </a:prstGeom>
+              </p:spPr>
+            </p:pic>
+          </mc:Fallback>
+        </mc:AlternateContent>
+        <mc:AlternateContent xmlns:mc="http://schemas.openxmlformats.org/markup-compatibility/2006">
+          <mc:Choice xmlns:p14="http://schemas.microsoft.com/office/powerpoint/2010/main" Requires="p14">
+            <p:contentPart p14:bwMode="auto" r:id="rId108">
+              <p14:nvContentPartPr>
+                <p14:cNvPr id="63" name="Ink 62">
+                  <a:extLst>
+                    <a:ext uri="{FF2B5EF4-FFF2-40B4-BE49-F238E27FC236}">
+                      <a16:creationId xmlns:a16="http://schemas.microsoft.com/office/drawing/2014/main" id="{0458799D-F7A2-5726-394F-41EB0F07B9FC}"/>
+                    </a:ext>
+                  </a:extLst>
+                </p14:cNvPr>
+                <p14:cNvContentPartPr/>
+                <p14:nvPr/>
+              </p14:nvContentPartPr>
+              <p14:xfrm>
+                <a:off x="4710687" y="1631561"/>
+                <a:ext cx="83520" cy="273600"/>
+              </p14:xfrm>
+            </p:contentPart>
+          </mc:Choice>
+          <mc:Fallback>
+            <p:pic>
+              <p:nvPicPr>
+                <p:cNvPr id="63" name="Ink 62">
+                  <a:extLst>
+                    <a:ext uri="{FF2B5EF4-FFF2-40B4-BE49-F238E27FC236}">
+                      <a16:creationId xmlns:a16="http://schemas.microsoft.com/office/drawing/2014/main" id="{0458799D-F7A2-5726-394F-41EB0F07B9FC}"/>
+                    </a:ext>
+                  </a:extLst>
+                </p:cNvPr>
+                <p:cNvPicPr/>
+                <p:nvPr/>
+              </p:nvPicPr>
+              <p:blipFill>
+                <a:blip r:embed="rId109"/>
+                <a:stretch>
+                  <a:fillRect/>
+                </a:stretch>
+              </p:blipFill>
+              <p:spPr>
+                <a:xfrm>
+                  <a:off x="4701687" y="1622561"/>
+                  <a:ext cx="101160" cy="291240"/>
+                </a:xfrm>
+                <a:prstGeom prst="rect">
+                  <a:avLst/>
+                </a:prstGeom>
+              </p:spPr>
+            </p:pic>
+          </mc:Fallback>
+        </mc:AlternateContent>
+        <mc:AlternateContent xmlns:mc="http://schemas.openxmlformats.org/markup-compatibility/2006">
+          <mc:Choice xmlns:p14="http://schemas.microsoft.com/office/powerpoint/2010/main" Requires="p14">
+            <p:contentPart p14:bwMode="auto" r:id="rId110">
+              <p14:nvContentPartPr>
+                <p14:cNvPr id="64" name="Ink 63">
+                  <a:extLst>
+                    <a:ext uri="{FF2B5EF4-FFF2-40B4-BE49-F238E27FC236}">
+                      <a16:creationId xmlns:a16="http://schemas.microsoft.com/office/drawing/2014/main" id="{A677B761-62A1-11CA-FFA6-0C9B66565D4D}"/>
+                    </a:ext>
+                  </a:extLst>
+                </p14:cNvPr>
+                <p14:cNvContentPartPr/>
+                <p14:nvPr/>
+              </p14:nvContentPartPr>
+              <p14:xfrm>
+                <a:off x="4701687" y="1779521"/>
+                <a:ext cx="137880" cy="69120"/>
+              </p14:xfrm>
+            </p:contentPart>
+          </mc:Choice>
+          <mc:Fallback>
+            <p:pic>
+              <p:nvPicPr>
+                <p:cNvPr id="64" name="Ink 63">
+                  <a:extLst>
+                    <a:ext uri="{FF2B5EF4-FFF2-40B4-BE49-F238E27FC236}">
+                      <a16:creationId xmlns:a16="http://schemas.microsoft.com/office/drawing/2014/main" id="{A677B761-62A1-11CA-FFA6-0C9B66565D4D}"/>
+                    </a:ext>
+                  </a:extLst>
+                </p:cNvPr>
+                <p:cNvPicPr/>
+                <p:nvPr/>
+              </p:nvPicPr>
+              <p:blipFill>
+                <a:blip r:embed="rId111"/>
+                <a:stretch>
+                  <a:fillRect/>
+                </a:stretch>
+              </p:blipFill>
+              <p:spPr>
+                <a:xfrm>
+                  <a:off x="4693047" y="1770881"/>
+                  <a:ext cx="155520" cy="86760"/>
+                </a:xfrm>
+                <a:prstGeom prst="rect">
+                  <a:avLst/>
+                </a:prstGeom>
+              </p:spPr>
+            </p:pic>
+          </mc:Fallback>
+        </mc:AlternateContent>
+        <mc:AlternateContent xmlns:mc="http://schemas.openxmlformats.org/markup-compatibility/2006">
+          <mc:Choice xmlns:p14="http://schemas.microsoft.com/office/powerpoint/2010/main" Requires="p14">
+            <p:contentPart p14:bwMode="auto" r:id="rId112">
+              <p14:nvContentPartPr>
+                <p14:cNvPr id="65" name="Ink 64">
+                  <a:extLst>
+                    <a:ext uri="{FF2B5EF4-FFF2-40B4-BE49-F238E27FC236}">
+                      <a16:creationId xmlns:a16="http://schemas.microsoft.com/office/drawing/2014/main" id="{45AF0579-2B81-6D69-5697-10331F3BFB3C}"/>
+                    </a:ext>
+                  </a:extLst>
+                </p14:cNvPr>
+                <p14:cNvContentPartPr/>
+                <p14:nvPr/>
+              </p14:nvContentPartPr>
+              <p14:xfrm>
+                <a:off x="4898607" y="1696361"/>
+                <a:ext cx="165960" cy="187200"/>
+              </p14:xfrm>
+            </p:contentPart>
+          </mc:Choice>
+          <mc:Fallback>
+            <p:pic>
+              <p:nvPicPr>
+                <p:cNvPr id="65" name="Ink 64">
+                  <a:extLst>
+                    <a:ext uri="{FF2B5EF4-FFF2-40B4-BE49-F238E27FC236}">
+                      <a16:creationId xmlns:a16="http://schemas.microsoft.com/office/drawing/2014/main" id="{45AF0579-2B81-6D69-5697-10331F3BFB3C}"/>
+                    </a:ext>
+                  </a:extLst>
+                </p:cNvPr>
+                <p:cNvPicPr/>
+                <p:nvPr/>
+              </p:nvPicPr>
+              <p:blipFill>
+                <a:blip r:embed="rId113"/>
+                <a:stretch>
+                  <a:fillRect/>
+                </a:stretch>
+              </p:blipFill>
+              <p:spPr>
+                <a:xfrm>
+                  <a:off x="4889607" y="1687721"/>
+                  <a:ext cx="183600" cy="204840"/>
+                </a:xfrm>
+                <a:prstGeom prst="rect">
+                  <a:avLst/>
+                </a:prstGeom>
+              </p:spPr>
+            </p:pic>
+          </mc:Fallback>
+        </mc:AlternateContent>
+        <mc:AlternateContent xmlns:mc="http://schemas.openxmlformats.org/markup-compatibility/2006">
+          <mc:Choice xmlns:p14="http://schemas.microsoft.com/office/powerpoint/2010/main" Requires="p14">
+            <p:contentPart p14:bwMode="auto" r:id="rId114">
+              <p14:nvContentPartPr>
+                <p14:cNvPr id="66" name="Ink 65">
+                  <a:extLst>
+                    <a:ext uri="{FF2B5EF4-FFF2-40B4-BE49-F238E27FC236}">
+                      <a16:creationId xmlns:a16="http://schemas.microsoft.com/office/drawing/2014/main" id="{C22CB68B-ED70-277C-DC6D-9A955DB3E1B5}"/>
+                    </a:ext>
+                  </a:extLst>
+                </p14:cNvPr>
+                <p14:cNvContentPartPr/>
+                <p14:nvPr/>
+              </p14:nvContentPartPr>
+              <p14:xfrm>
+                <a:off x="5368407" y="1537241"/>
+                <a:ext cx="172440" cy="263520"/>
+              </p14:xfrm>
+            </p:contentPart>
+          </mc:Choice>
+          <mc:Fallback>
+            <p:pic>
+              <p:nvPicPr>
+                <p:cNvPr id="66" name="Ink 65">
+                  <a:extLst>
+                    <a:ext uri="{FF2B5EF4-FFF2-40B4-BE49-F238E27FC236}">
+                      <a16:creationId xmlns:a16="http://schemas.microsoft.com/office/drawing/2014/main" id="{C22CB68B-ED70-277C-DC6D-9A955DB3E1B5}"/>
+                    </a:ext>
+                  </a:extLst>
+                </p:cNvPr>
+                <p:cNvPicPr/>
+                <p:nvPr/>
+              </p:nvPicPr>
+              <p:blipFill>
+                <a:blip r:embed="rId115"/>
+                <a:stretch>
+                  <a:fillRect/>
+                </a:stretch>
+              </p:blipFill>
+              <p:spPr>
+                <a:xfrm>
+                  <a:off x="5359407" y="1528601"/>
+                  <a:ext cx="190080" cy="281160"/>
+                </a:xfrm>
+                <a:prstGeom prst="rect">
+                  <a:avLst/>
+                </a:prstGeom>
+              </p:spPr>
+            </p:pic>
+          </mc:Fallback>
+        </mc:AlternateContent>
+        <mc:AlternateContent xmlns:mc="http://schemas.openxmlformats.org/markup-compatibility/2006">
+          <mc:Choice xmlns:p14="http://schemas.microsoft.com/office/powerpoint/2010/main" Requires="p14">
+            <p:contentPart p14:bwMode="auto" r:id="rId116">
+              <p14:nvContentPartPr>
+                <p14:cNvPr id="67" name="Ink 66">
+                  <a:extLst>
+                    <a:ext uri="{FF2B5EF4-FFF2-40B4-BE49-F238E27FC236}">
+                      <a16:creationId xmlns:a16="http://schemas.microsoft.com/office/drawing/2014/main" id="{B3034EFD-61C1-B906-FAC1-3E0D567AA1A3}"/>
+                    </a:ext>
+                  </a:extLst>
+                </p14:cNvPr>
+                <p14:cNvContentPartPr/>
+                <p14:nvPr/>
+              </p14:nvContentPartPr>
+              <p14:xfrm>
+                <a:off x="5536887" y="1588721"/>
+                <a:ext cx="280080" cy="209880"/>
+              </p14:xfrm>
+            </p:contentPart>
+          </mc:Choice>
+          <mc:Fallback>
+            <p:pic>
+              <p:nvPicPr>
+                <p:cNvPr id="67" name="Ink 66">
+                  <a:extLst>
+                    <a:ext uri="{FF2B5EF4-FFF2-40B4-BE49-F238E27FC236}">
+                      <a16:creationId xmlns:a16="http://schemas.microsoft.com/office/drawing/2014/main" id="{B3034EFD-61C1-B906-FAC1-3E0D567AA1A3}"/>
+                    </a:ext>
+                  </a:extLst>
+                </p:cNvPr>
+                <p:cNvPicPr/>
+                <p:nvPr/>
+              </p:nvPicPr>
+              <p:blipFill>
+                <a:blip r:embed="rId117"/>
+                <a:stretch>
+                  <a:fillRect/>
+                </a:stretch>
+              </p:blipFill>
+              <p:spPr>
+                <a:xfrm>
+                  <a:off x="5528247" y="1579721"/>
+                  <a:ext cx="297720" cy="227520"/>
+                </a:xfrm>
+                <a:prstGeom prst="rect">
+                  <a:avLst/>
+                </a:prstGeom>
+              </p:spPr>
+            </p:pic>
+          </mc:Fallback>
+        </mc:AlternateContent>
+        <mc:AlternateContent xmlns:mc="http://schemas.openxmlformats.org/markup-compatibility/2006">
+          <mc:Choice xmlns:p14="http://schemas.microsoft.com/office/powerpoint/2010/main" Requires="p14">
+            <p:contentPart p14:bwMode="auto" r:id="rId118">
+              <p14:nvContentPartPr>
+                <p14:cNvPr id="68" name="Ink 67">
+                  <a:extLst>
+                    <a:ext uri="{FF2B5EF4-FFF2-40B4-BE49-F238E27FC236}">
+                      <a16:creationId xmlns:a16="http://schemas.microsoft.com/office/drawing/2014/main" id="{ECAD342D-CD33-F88B-8DA0-D3EDFD271EDC}"/>
+                    </a:ext>
+                  </a:extLst>
+                </p14:cNvPr>
+                <p14:cNvContentPartPr/>
+                <p14:nvPr/>
+              </p14:nvContentPartPr>
+              <p14:xfrm>
+                <a:off x="5823087" y="1574321"/>
+                <a:ext cx="322560" cy="334080"/>
+              </p14:xfrm>
+            </p:contentPart>
+          </mc:Choice>
+          <mc:Fallback>
+            <p:pic>
+              <p:nvPicPr>
+                <p:cNvPr id="68" name="Ink 67">
+                  <a:extLst>
+                    <a:ext uri="{FF2B5EF4-FFF2-40B4-BE49-F238E27FC236}">
+                      <a16:creationId xmlns:a16="http://schemas.microsoft.com/office/drawing/2014/main" id="{ECAD342D-CD33-F88B-8DA0-D3EDFD271EDC}"/>
+                    </a:ext>
+                  </a:extLst>
+                </p:cNvPr>
+                <p:cNvPicPr/>
+                <p:nvPr/>
+              </p:nvPicPr>
+              <p:blipFill>
+                <a:blip r:embed="rId119"/>
+                <a:stretch>
+                  <a:fillRect/>
+                </a:stretch>
+              </p:blipFill>
+              <p:spPr>
+                <a:xfrm>
+                  <a:off x="5814447" y="1565681"/>
+                  <a:ext cx="340200" cy="351720"/>
+                </a:xfrm>
+                <a:prstGeom prst="rect">
+                  <a:avLst/>
+                </a:prstGeom>
+              </p:spPr>
+            </p:pic>
+          </mc:Fallback>
+        </mc:AlternateContent>
+        <mc:AlternateContent xmlns:mc="http://schemas.openxmlformats.org/markup-compatibility/2006">
+          <mc:Choice xmlns:p14="http://schemas.microsoft.com/office/powerpoint/2010/main" Requires="p14">
+            <p:contentPart p14:bwMode="auto" r:id="rId120">
+              <p14:nvContentPartPr>
+                <p14:cNvPr id="73" name="Ink 72">
+                  <a:extLst>
+                    <a:ext uri="{FF2B5EF4-FFF2-40B4-BE49-F238E27FC236}">
+                      <a16:creationId xmlns:a16="http://schemas.microsoft.com/office/drawing/2014/main" id="{EC98E226-E540-799D-A090-61C1AE256FDF}"/>
+                    </a:ext>
+                  </a:extLst>
+                </p14:cNvPr>
+                <p14:cNvContentPartPr/>
+                <p14:nvPr/>
+              </p14:nvContentPartPr>
+              <p14:xfrm>
+                <a:off x="3591447" y="1919921"/>
+                <a:ext cx="1671480" cy="692640"/>
+              </p14:xfrm>
+            </p:contentPart>
+          </mc:Choice>
+          <mc:Fallback>
+            <p:pic>
+              <p:nvPicPr>
+                <p:cNvPr id="73" name="Ink 72">
+                  <a:extLst>
+                    <a:ext uri="{FF2B5EF4-FFF2-40B4-BE49-F238E27FC236}">
+                      <a16:creationId xmlns:a16="http://schemas.microsoft.com/office/drawing/2014/main" id="{EC98E226-E540-799D-A090-61C1AE256FDF}"/>
+                    </a:ext>
+                  </a:extLst>
+                </p:cNvPr>
+                <p:cNvPicPr/>
+                <p:nvPr/>
+              </p:nvPicPr>
+              <p:blipFill>
+                <a:blip r:embed="rId121"/>
+                <a:stretch>
+                  <a:fillRect/>
+                </a:stretch>
+              </p:blipFill>
+              <p:spPr>
+                <a:xfrm>
+                  <a:off x="3582447" y="1910921"/>
+                  <a:ext cx="1689120" cy="710280"/>
+                </a:xfrm>
+                <a:prstGeom prst="rect">
+                  <a:avLst/>
+                </a:prstGeom>
+              </p:spPr>
+            </p:pic>
+          </mc:Fallback>
+        </mc:AlternateContent>
+      </p:grpSp>
+      <p:grpSp>
+        <p:nvGrpSpPr>
+          <p:cNvPr id="86" name="Group 85">
+            <a:extLst>
+              <a:ext uri="{FF2B5EF4-FFF2-40B4-BE49-F238E27FC236}">
+                <a16:creationId xmlns:a16="http://schemas.microsoft.com/office/drawing/2014/main" id="{84B2FADD-345C-01E2-8A95-6FE0B814E1D7}"/>
+              </a:ext>
+            </a:extLst>
+          </p:cNvPr>
+          <p:cNvGrpSpPr/>
+          <p:nvPr/>
+        </p:nvGrpSpPr>
+        <p:grpSpPr>
+          <a:xfrm>
+            <a:off x="7040967" y="988241"/>
+            <a:ext cx="1599120" cy="381240"/>
+            <a:chOff x="7040967" y="988241"/>
+            <a:chExt cx="1599120" cy="381240"/>
+          </a:xfrm>
+        </p:grpSpPr>
+        <mc:AlternateContent xmlns:mc="http://schemas.openxmlformats.org/markup-compatibility/2006">
+          <mc:Choice xmlns:p14="http://schemas.microsoft.com/office/powerpoint/2010/main" Requires="p14">
+            <p:contentPart p14:bwMode="auto" r:id="rId122">
+              <p14:nvContentPartPr>
+                <p14:cNvPr id="75" name="Ink 74">
+                  <a:extLst>
+                    <a:ext uri="{FF2B5EF4-FFF2-40B4-BE49-F238E27FC236}">
+                      <a16:creationId xmlns:a16="http://schemas.microsoft.com/office/drawing/2014/main" id="{E4FFE0EA-A209-1521-9FF2-72FCA178E07B}"/>
+                    </a:ext>
+                  </a:extLst>
+                </p14:cNvPr>
+                <p14:cNvContentPartPr/>
+                <p14:nvPr/>
+              </p14:nvContentPartPr>
+              <p14:xfrm>
+                <a:off x="7040967" y="1156361"/>
+                <a:ext cx="129960" cy="210240"/>
+              </p14:xfrm>
+            </p:contentPart>
+          </mc:Choice>
+          <mc:Fallback>
+            <p:pic>
+              <p:nvPicPr>
+                <p:cNvPr id="75" name="Ink 74">
+                  <a:extLst>
+                    <a:ext uri="{FF2B5EF4-FFF2-40B4-BE49-F238E27FC236}">
+                      <a16:creationId xmlns:a16="http://schemas.microsoft.com/office/drawing/2014/main" id="{E4FFE0EA-A209-1521-9FF2-72FCA178E07B}"/>
+                    </a:ext>
+                  </a:extLst>
+                </p:cNvPr>
+                <p:cNvPicPr/>
+                <p:nvPr/>
+              </p:nvPicPr>
+              <p:blipFill>
+                <a:blip r:embed="rId123"/>
+                <a:stretch>
+                  <a:fillRect/>
+                </a:stretch>
+              </p:blipFill>
+              <p:spPr>
+                <a:xfrm>
+                  <a:off x="7031967" y="1147721"/>
+                  <a:ext cx="147600" cy="227880"/>
+                </a:xfrm>
+                <a:prstGeom prst="rect">
+                  <a:avLst/>
+                </a:prstGeom>
+              </p:spPr>
+            </p:pic>
+          </mc:Fallback>
+        </mc:AlternateContent>
+        <mc:AlternateContent xmlns:mc="http://schemas.openxmlformats.org/markup-compatibility/2006">
+          <mc:Choice xmlns:p14="http://schemas.microsoft.com/office/powerpoint/2010/main" Requires="p14">
+            <p:contentPart p14:bwMode="auto" r:id="rId124">
+              <p14:nvContentPartPr>
+                <p14:cNvPr id="76" name="Ink 75">
+                  <a:extLst>
+                    <a:ext uri="{FF2B5EF4-FFF2-40B4-BE49-F238E27FC236}">
+                      <a16:creationId xmlns:a16="http://schemas.microsoft.com/office/drawing/2014/main" id="{FF2F0F9C-C5B8-5C78-7CF3-75F2CD3C6791}"/>
+                    </a:ext>
+                  </a:extLst>
+                </p14:cNvPr>
+                <p14:cNvContentPartPr/>
+                <p14:nvPr/>
+              </p14:nvContentPartPr>
+              <p14:xfrm>
+                <a:off x="7242567" y="1249601"/>
+                <a:ext cx="157680" cy="65520"/>
+              </p14:xfrm>
+            </p:contentPart>
+          </mc:Choice>
+          <mc:Fallback>
+            <p:pic>
+              <p:nvPicPr>
+                <p:cNvPr id="76" name="Ink 75">
+                  <a:extLst>
+                    <a:ext uri="{FF2B5EF4-FFF2-40B4-BE49-F238E27FC236}">
+                      <a16:creationId xmlns:a16="http://schemas.microsoft.com/office/drawing/2014/main" id="{FF2F0F9C-C5B8-5C78-7CF3-75F2CD3C6791}"/>
+                    </a:ext>
+                  </a:extLst>
+                </p:cNvPr>
+                <p:cNvPicPr/>
+                <p:nvPr/>
+              </p:nvPicPr>
+              <p:blipFill>
+                <a:blip r:embed="rId125"/>
+                <a:stretch>
+                  <a:fillRect/>
+                </a:stretch>
+              </p:blipFill>
+              <p:spPr>
+                <a:xfrm>
+                  <a:off x="7233927" y="1240961"/>
+                  <a:ext cx="175320" cy="83160"/>
+                </a:xfrm>
+                <a:prstGeom prst="rect">
+                  <a:avLst/>
+                </a:prstGeom>
+              </p:spPr>
+            </p:pic>
+          </mc:Fallback>
+        </mc:AlternateContent>
+        <mc:AlternateContent xmlns:mc="http://schemas.openxmlformats.org/markup-compatibility/2006">
+          <mc:Choice xmlns:p14="http://schemas.microsoft.com/office/powerpoint/2010/main" Requires="p14">
+            <p:contentPart p14:bwMode="auto" r:id="rId126">
+              <p14:nvContentPartPr>
+                <p14:cNvPr id="77" name="Ink 76">
+                  <a:extLst>
+                    <a:ext uri="{FF2B5EF4-FFF2-40B4-BE49-F238E27FC236}">
+                      <a16:creationId xmlns:a16="http://schemas.microsoft.com/office/drawing/2014/main" id="{1635FF7E-A2C8-0A32-B114-FB6BCF283A55}"/>
+                    </a:ext>
+                  </a:extLst>
+                </p14:cNvPr>
+                <p14:cNvContentPartPr/>
+                <p14:nvPr/>
+              </p14:nvContentPartPr>
+              <p14:xfrm>
+                <a:off x="7428687" y="1154561"/>
+                <a:ext cx="333720" cy="154800"/>
+              </p14:xfrm>
+            </p:contentPart>
+          </mc:Choice>
+          <mc:Fallback>
+            <p:pic>
+              <p:nvPicPr>
+                <p:cNvPr id="77" name="Ink 76">
+                  <a:extLst>
+                    <a:ext uri="{FF2B5EF4-FFF2-40B4-BE49-F238E27FC236}">
+                      <a16:creationId xmlns:a16="http://schemas.microsoft.com/office/drawing/2014/main" id="{1635FF7E-A2C8-0A32-B114-FB6BCF283A55}"/>
+                    </a:ext>
+                  </a:extLst>
+                </p:cNvPr>
+                <p:cNvPicPr/>
+                <p:nvPr/>
+              </p:nvPicPr>
+              <p:blipFill>
+                <a:blip r:embed="rId127"/>
+                <a:stretch>
+                  <a:fillRect/>
+                </a:stretch>
+              </p:blipFill>
+              <p:spPr>
+                <a:xfrm>
+                  <a:off x="7420047" y="1145921"/>
+                  <a:ext cx="351360" cy="172440"/>
+                </a:xfrm>
+                <a:prstGeom prst="rect">
+                  <a:avLst/>
+                </a:prstGeom>
+              </p:spPr>
+            </p:pic>
+          </mc:Fallback>
+        </mc:AlternateContent>
+        <mc:AlternateContent xmlns:mc="http://schemas.openxmlformats.org/markup-compatibility/2006">
+          <mc:Choice xmlns:p14="http://schemas.microsoft.com/office/powerpoint/2010/main" Requires="p14">
+            <p:contentPart p14:bwMode="auto" r:id="rId128">
+              <p14:nvContentPartPr>
+                <p14:cNvPr id="78" name="Ink 77">
+                  <a:extLst>
+                    <a:ext uri="{FF2B5EF4-FFF2-40B4-BE49-F238E27FC236}">
+                      <a16:creationId xmlns:a16="http://schemas.microsoft.com/office/drawing/2014/main" id="{A941625F-7A70-6F6C-098A-F8F5FDE48C4D}"/>
+                    </a:ext>
+                  </a:extLst>
+                </p14:cNvPr>
+                <p14:cNvContentPartPr/>
+                <p14:nvPr/>
+              </p14:nvContentPartPr>
+              <p14:xfrm>
+                <a:off x="7823607" y="1210721"/>
+                <a:ext cx="53640" cy="83160"/>
+              </p14:xfrm>
+            </p:contentPart>
+          </mc:Choice>
+          <mc:Fallback>
+            <p:pic>
+              <p:nvPicPr>
+                <p:cNvPr id="78" name="Ink 77">
+                  <a:extLst>
+                    <a:ext uri="{FF2B5EF4-FFF2-40B4-BE49-F238E27FC236}">
+                      <a16:creationId xmlns:a16="http://schemas.microsoft.com/office/drawing/2014/main" id="{A941625F-7A70-6F6C-098A-F8F5FDE48C4D}"/>
+                    </a:ext>
+                  </a:extLst>
+                </p:cNvPr>
+                <p:cNvPicPr/>
+                <p:nvPr/>
+              </p:nvPicPr>
+              <p:blipFill>
+                <a:blip r:embed="rId129"/>
+                <a:stretch>
+                  <a:fillRect/>
+                </a:stretch>
+              </p:blipFill>
+              <p:spPr>
+                <a:xfrm>
+                  <a:off x="7814967" y="1201721"/>
+                  <a:ext cx="71280" cy="100800"/>
+                </a:xfrm>
+                <a:prstGeom prst="rect">
+                  <a:avLst/>
+                </a:prstGeom>
+              </p:spPr>
+            </p:pic>
+          </mc:Fallback>
+        </mc:AlternateContent>
+        <mc:AlternateContent xmlns:mc="http://schemas.openxmlformats.org/markup-compatibility/2006">
+          <mc:Choice xmlns:p14="http://schemas.microsoft.com/office/powerpoint/2010/main" Requires="p14">
+            <p:contentPart p14:bwMode="auto" r:id="rId130">
+              <p14:nvContentPartPr>
+                <p14:cNvPr id="79" name="Ink 78">
+                  <a:extLst>
+                    <a:ext uri="{FF2B5EF4-FFF2-40B4-BE49-F238E27FC236}">
+                      <a16:creationId xmlns:a16="http://schemas.microsoft.com/office/drawing/2014/main" id="{D37860E4-F1F4-B894-7EE3-1D00CB04AF62}"/>
+                    </a:ext>
+                  </a:extLst>
+                </p14:cNvPr>
+                <p14:cNvContentPartPr/>
+                <p14:nvPr/>
+              </p14:nvContentPartPr>
+              <p14:xfrm>
+                <a:off x="7933047" y="1200641"/>
+                <a:ext cx="75600" cy="106560"/>
+              </p14:xfrm>
+            </p:contentPart>
+          </mc:Choice>
+          <mc:Fallback>
+            <p:pic>
+              <p:nvPicPr>
+                <p:cNvPr id="79" name="Ink 78">
+                  <a:extLst>
+                    <a:ext uri="{FF2B5EF4-FFF2-40B4-BE49-F238E27FC236}">
+                      <a16:creationId xmlns:a16="http://schemas.microsoft.com/office/drawing/2014/main" id="{D37860E4-F1F4-B894-7EE3-1D00CB04AF62}"/>
+                    </a:ext>
+                  </a:extLst>
+                </p:cNvPr>
+                <p:cNvPicPr/>
+                <p:nvPr/>
+              </p:nvPicPr>
+              <p:blipFill>
+                <a:blip r:embed="rId131"/>
+                <a:stretch>
+                  <a:fillRect/>
+                </a:stretch>
+              </p:blipFill>
+              <p:spPr>
+                <a:xfrm>
+                  <a:off x="7924407" y="1191641"/>
+                  <a:ext cx="93240" cy="124200"/>
+                </a:xfrm>
+                <a:prstGeom prst="rect">
+                  <a:avLst/>
+                </a:prstGeom>
+              </p:spPr>
+            </p:pic>
+          </mc:Fallback>
+        </mc:AlternateContent>
+        <mc:AlternateContent xmlns:mc="http://schemas.openxmlformats.org/markup-compatibility/2006">
+          <mc:Choice xmlns:p14="http://schemas.microsoft.com/office/powerpoint/2010/main" Requires="p14">
+            <p:contentPart p14:bwMode="auto" r:id="rId132">
+              <p14:nvContentPartPr>
+                <p14:cNvPr id="80" name="Ink 79">
+                  <a:extLst>
+                    <a:ext uri="{FF2B5EF4-FFF2-40B4-BE49-F238E27FC236}">
+                      <a16:creationId xmlns:a16="http://schemas.microsoft.com/office/drawing/2014/main" id="{8ABDBBBD-93C1-07E8-216A-387BB7580B57}"/>
+                    </a:ext>
+                  </a:extLst>
+                </p14:cNvPr>
+                <p14:cNvContentPartPr/>
+                <p14:nvPr/>
+              </p14:nvContentPartPr>
+              <p14:xfrm>
+                <a:off x="8013687" y="1156361"/>
+                <a:ext cx="63720" cy="145440"/>
+              </p14:xfrm>
+            </p:contentPart>
+          </mc:Choice>
+          <mc:Fallback>
+            <p:pic>
+              <p:nvPicPr>
+                <p:cNvPr id="80" name="Ink 79">
+                  <a:extLst>
+                    <a:ext uri="{FF2B5EF4-FFF2-40B4-BE49-F238E27FC236}">
+                      <a16:creationId xmlns:a16="http://schemas.microsoft.com/office/drawing/2014/main" id="{8ABDBBBD-93C1-07E8-216A-387BB7580B57}"/>
+                    </a:ext>
+                  </a:extLst>
+                </p:cNvPr>
+                <p:cNvPicPr/>
+                <p:nvPr/>
+              </p:nvPicPr>
+              <p:blipFill>
+                <a:blip r:embed="rId133"/>
+                <a:stretch>
+                  <a:fillRect/>
+                </a:stretch>
+              </p:blipFill>
+              <p:spPr>
+                <a:xfrm>
+                  <a:off x="8004687" y="1147721"/>
+                  <a:ext cx="81360" cy="163080"/>
+                </a:xfrm>
+                <a:prstGeom prst="rect">
+                  <a:avLst/>
+                </a:prstGeom>
+              </p:spPr>
+            </p:pic>
+          </mc:Fallback>
+        </mc:AlternateContent>
+        <mc:AlternateContent xmlns:mc="http://schemas.openxmlformats.org/markup-compatibility/2006">
+          <mc:Choice xmlns:p14="http://schemas.microsoft.com/office/powerpoint/2010/main" Requires="p14">
+            <p:contentPart p14:bwMode="auto" r:id="rId134">
+              <p14:nvContentPartPr>
+                <p14:cNvPr id="81" name="Ink 80">
+                  <a:extLst>
+                    <a:ext uri="{FF2B5EF4-FFF2-40B4-BE49-F238E27FC236}">
+                      <a16:creationId xmlns:a16="http://schemas.microsoft.com/office/drawing/2014/main" id="{8BF07FDF-635C-E523-1C68-7ABDC4D20ADD}"/>
+                    </a:ext>
+                  </a:extLst>
+                </p14:cNvPr>
+                <p14:cNvContentPartPr/>
+                <p14:nvPr/>
+              </p14:nvContentPartPr>
+              <p14:xfrm>
+                <a:off x="8203047" y="1167161"/>
+                <a:ext cx="86760" cy="202320"/>
+              </p14:xfrm>
+            </p:contentPart>
+          </mc:Choice>
+          <mc:Fallback>
+            <p:pic>
+              <p:nvPicPr>
+                <p:cNvPr id="81" name="Ink 80">
+                  <a:extLst>
+                    <a:ext uri="{FF2B5EF4-FFF2-40B4-BE49-F238E27FC236}">
+                      <a16:creationId xmlns:a16="http://schemas.microsoft.com/office/drawing/2014/main" id="{8BF07FDF-635C-E523-1C68-7ABDC4D20ADD}"/>
+                    </a:ext>
+                  </a:extLst>
+                </p:cNvPr>
+                <p:cNvPicPr/>
+                <p:nvPr/>
+              </p:nvPicPr>
+              <p:blipFill>
+                <a:blip r:embed="rId135"/>
+                <a:stretch>
+                  <a:fillRect/>
+                </a:stretch>
+              </p:blipFill>
+              <p:spPr>
+                <a:xfrm>
+                  <a:off x="8194047" y="1158161"/>
+                  <a:ext cx="104400" cy="219960"/>
+                </a:xfrm>
+                <a:prstGeom prst="rect">
+                  <a:avLst/>
+                </a:prstGeom>
+              </p:spPr>
+            </p:pic>
+          </mc:Fallback>
+        </mc:AlternateContent>
+        <mc:AlternateContent xmlns:mc="http://schemas.openxmlformats.org/markup-compatibility/2006">
+          <mc:Choice xmlns:p14="http://schemas.microsoft.com/office/powerpoint/2010/main" Requires="p14">
+            <p:contentPart p14:bwMode="auto" r:id="rId136">
+              <p14:nvContentPartPr>
+                <p14:cNvPr id="82" name="Ink 81">
+                  <a:extLst>
+                    <a:ext uri="{FF2B5EF4-FFF2-40B4-BE49-F238E27FC236}">
+                      <a16:creationId xmlns:a16="http://schemas.microsoft.com/office/drawing/2014/main" id="{749ECFF9-5B3D-E2F1-681C-046DF69EF78D}"/>
+                    </a:ext>
+                  </a:extLst>
+                </p14:cNvPr>
+                <p14:cNvContentPartPr/>
+                <p14:nvPr/>
+              </p14:nvContentPartPr>
+              <p14:xfrm>
+                <a:off x="8249487" y="1042601"/>
+                <a:ext cx="1800" cy="19080"/>
+              </p14:xfrm>
+            </p:contentPart>
+          </mc:Choice>
+          <mc:Fallback>
+            <p:pic>
+              <p:nvPicPr>
+                <p:cNvPr id="82" name="Ink 81">
+                  <a:extLst>
+                    <a:ext uri="{FF2B5EF4-FFF2-40B4-BE49-F238E27FC236}">
+                      <a16:creationId xmlns:a16="http://schemas.microsoft.com/office/drawing/2014/main" id="{749ECFF9-5B3D-E2F1-681C-046DF69EF78D}"/>
+                    </a:ext>
+                  </a:extLst>
+                </p:cNvPr>
+                <p:cNvPicPr/>
+                <p:nvPr/>
+              </p:nvPicPr>
+              <p:blipFill>
+                <a:blip r:embed="rId137"/>
+                <a:stretch>
+                  <a:fillRect/>
+                </a:stretch>
+              </p:blipFill>
+              <p:spPr>
+                <a:xfrm>
+                  <a:off x="8240847" y="1033961"/>
+                  <a:ext cx="19440" cy="36720"/>
+                </a:xfrm>
+                <a:prstGeom prst="rect">
+                  <a:avLst/>
+                </a:prstGeom>
+              </p:spPr>
+            </p:pic>
+          </mc:Fallback>
+        </mc:AlternateContent>
+        <mc:AlternateContent xmlns:mc="http://schemas.openxmlformats.org/markup-compatibility/2006">
+          <mc:Choice xmlns:p14="http://schemas.microsoft.com/office/powerpoint/2010/main" Requires="p14">
+            <p:contentPart p14:bwMode="auto" r:id="rId138">
+              <p14:nvContentPartPr>
+                <p14:cNvPr id="83" name="Ink 82">
+                  <a:extLst>
+                    <a:ext uri="{FF2B5EF4-FFF2-40B4-BE49-F238E27FC236}">
+                      <a16:creationId xmlns:a16="http://schemas.microsoft.com/office/drawing/2014/main" id="{3B4E6BAF-52A7-3B00-022F-269C2B9426BA}"/>
+                    </a:ext>
+                  </a:extLst>
+                </p14:cNvPr>
+                <p14:cNvContentPartPr/>
+                <p14:nvPr/>
+              </p14:nvContentPartPr>
+              <p14:xfrm>
+                <a:off x="8362887" y="1142321"/>
+                <a:ext cx="110160" cy="105840"/>
+              </p14:xfrm>
+            </p:contentPart>
+          </mc:Choice>
+          <mc:Fallback>
+            <p:pic>
+              <p:nvPicPr>
+                <p:cNvPr id="83" name="Ink 82">
+                  <a:extLst>
+                    <a:ext uri="{FF2B5EF4-FFF2-40B4-BE49-F238E27FC236}">
+                      <a16:creationId xmlns:a16="http://schemas.microsoft.com/office/drawing/2014/main" id="{3B4E6BAF-52A7-3B00-022F-269C2B9426BA}"/>
+                    </a:ext>
+                  </a:extLst>
+                </p:cNvPr>
+                <p:cNvPicPr/>
+                <p:nvPr/>
+              </p:nvPicPr>
+              <p:blipFill>
+                <a:blip r:embed="rId139"/>
+                <a:stretch>
+                  <a:fillRect/>
+                </a:stretch>
+              </p:blipFill>
+              <p:spPr>
+                <a:xfrm>
+                  <a:off x="8354247" y="1133321"/>
+                  <a:ext cx="127800" cy="123480"/>
+                </a:xfrm>
+                <a:prstGeom prst="rect">
+                  <a:avLst/>
+                </a:prstGeom>
+              </p:spPr>
+            </p:pic>
+          </mc:Fallback>
+        </mc:AlternateContent>
+        <mc:AlternateContent xmlns:mc="http://schemas.openxmlformats.org/markup-compatibility/2006">
+          <mc:Choice xmlns:p14="http://schemas.microsoft.com/office/powerpoint/2010/main" Requires="p14">
+            <p:contentPart p14:bwMode="auto" r:id="rId140">
+              <p14:nvContentPartPr>
+                <p14:cNvPr id="84" name="Ink 83">
+                  <a:extLst>
+                    <a:ext uri="{FF2B5EF4-FFF2-40B4-BE49-F238E27FC236}">
+                      <a16:creationId xmlns:a16="http://schemas.microsoft.com/office/drawing/2014/main" id="{D0C1805E-B1D1-1998-2C7C-282C8ABE97D7}"/>
+                    </a:ext>
+                  </a:extLst>
+                </p14:cNvPr>
+                <p14:cNvContentPartPr/>
+                <p14:nvPr/>
+              </p14:nvContentPartPr>
+              <p14:xfrm>
+                <a:off x="8457927" y="988241"/>
+                <a:ext cx="1080" cy="3960"/>
+              </p14:xfrm>
+            </p:contentPart>
+          </mc:Choice>
+          <mc:Fallback>
+            <p:pic>
+              <p:nvPicPr>
+                <p:cNvPr id="84" name="Ink 83">
+                  <a:extLst>
+                    <a:ext uri="{FF2B5EF4-FFF2-40B4-BE49-F238E27FC236}">
+                      <a16:creationId xmlns:a16="http://schemas.microsoft.com/office/drawing/2014/main" id="{D0C1805E-B1D1-1998-2C7C-282C8ABE97D7}"/>
+                    </a:ext>
+                  </a:extLst>
+                </p:cNvPr>
+                <p:cNvPicPr/>
+                <p:nvPr/>
+              </p:nvPicPr>
+              <p:blipFill>
+                <a:blip r:embed="rId141"/>
+                <a:stretch>
+                  <a:fillRect/>
+                </a:stretch>
+              </p:blipFill>
+              <p:spPr>
+                <a:xfrm>
+                  <a:off x="8448927" y="979601"/>
+                  <a:ext cx="18720" cy="21600"/>
+                </a:xfrm>
+                <a:prstGeom prst="rect">
+                  <a:avLst/>
+                </a:prstGeom>
+              </p:spPr>
+            </p:pic>
+          </mc:Fallback>
+        </mc:AlternateContent>
+        <mc:AlternateContent xmlns:mc="http://schemas.openxmlformats.org/markup-compatibility/2006">
+          <mc:Choice xmlns:p14="http://schemas.microsoft.com/office/powerpoint/2010/main" Requires="p14">
+            <p:contentPart p14:bwMode="auto" r:id="rId142">
+              <p14:nvContentPartPr>
+                <p14:cNvPr id="85" name="Ink 84">
+                  <a:extLst>
+                    <a:ext uri="{FF2B5EF4-FFF2-40B4-BE49-F238E27FC236}">
+                      <a16:creationId xmlns:a16="http://schemas.microsoft.com/office/drawing/2014/main" id="{EDC0929C-230B-B1FE-1F3F-E457A23F08E2}"/>
+                    </a:ext>
+                  </a:extLst>
+                </p14:cNvPr>
+                <p14:cNvContentPartPr/>
+                <p14:nvPr/>
+              </p14:nvContentPartPr>
+              <p14:xfrm>
+                <a:off x="8532807" y="1153481"/>
+                <a:ext cx="107280" cy="107280"/>
+              </p14:xfrm>
+            </p:contentPart>
+          </mc:Choice>
+          <mc:Fallback>
+            <p:pic>
+              <p:nvPicPr>
+                <p:cNvPr id="85" name="Ink 84">
+                  <a:extLst>
+                    <a:ext uri="{FF2B5EF4-FFF2-40B4-BE49-F238E27FC236}">
+                      <a16:creationId xmlns:a16="http://schemas.microsoft.com/office/drawing/2014/main" id="{EDC0929C-230B-B1FE-1F3F-E457A23F08E2}"/>
+                    </a:ext>
+                  </a:extLst>
+                </p:cNvPr>
+                <p:cNvPicPr/>
+                <p:nvPr/>
+              </p:nvPicPr>
+              <p:blipFill>
+                <a:blip r:embed="rId143"/>
+                <a:stretch>
+                  <a:fillRect/>
+                </a:stretch>
+              </p:blipFill>
+              <p:spPr>
+                <a:xfrm>
+                  <a:off x="8523807" y="1144841"/>
+                  <a:ext cx="124920" cy="124920"/>
+                </a:xfrm>
+                <a:prstGeom prst="rect">
+                  <a:avLst/>
+                </a:prstGeom>
+              </p:spPr>
+            </p:pic>
+          </mc:Fallback>
+        </mc:AlternateContent>
+      </p:grpSp>
+      <mc:AlternateContent xmlns:mc="http://schemas.openxmlformats.org/markup-compatibility/2006">
+        <mc:Choice xmlns:p14="http://schemas.microsoft.com/office/powerpoint/2010/main" Requires="p14">
+          <p:contentPart p14:bwMode="auto" r:id="rId144">
+            <p14:nvContentPartPr>
+              <p14:cNvPr id="87" name="Ink 86">
+                <a:extLst>
+                  <a:ext uri="{FF2B5EF4-FFF2-40B4-BE49-F238E27FC236}">
+                    <a16:creationId xmlns:a16="http://schemas.microsoft.com/office/drawing/2014/main" id="{C49730CA-EC10-E0B2-6041-4DFAC753F5F2}"/>
+                  </a:ext>
+                </a:extLst>
+              </p14:cNvPr>
+              <p14:cNvContentPartPr/>
+              <p14:nvPr/>
+            </p14:nvContentPartPr>
+            <p14:xfrm>
+              <a:off x="6206127" y="1273721"/>
+              <a:ext cx="720360" cy="406080"/>
+            </p14:xfrm>
+          </p:contentPart>
+        </mc:Choice>
+        <mc:Fallback>
+          <p:pic>
+            <p:nvPicPr>
+              <p:cNvPr id="87" name="Ink 86">
+                <a:extLst>
+                  <a:ext uri="{FF2B5EF4-FFF2-40B4-BE49-F238E27FC236}">
+                    <a16:creationId xmlns:a16="http://schemas.microsoft.com/office/drawing/2014/main" id="{C49730CA-EC10-E0B2-6041-4DFAC753F5F2}"/>
+                  </a:ext>
+                </a:extLst>
+              </p:cNvPr>
+              <p:cNvPicPr/>
+              <p:nvPr/>
+            </p:nvPicPr>
+            <p:blipFill>
+              <a:blip r:embed="rId145"/>
+              <a:stretch>
+                <a:fillRect/>
+              </a:stretch>
+            </p:blipFill>
+            <p:spPr>
+              <a:xfrm>
+                <a:off x="6197487" y="1264721"/>
+                <a:ext cx="738000" cy="423720"/>
+              </a:xfrm>
+              <a:prstGeom prst="rect">
+                <a:avLst/>
+              </a:prstGeom>
+            </p:spPr>
+          </p:pic>
+        </mc:Fallback>
+      </mc:AlternateContent>
+    </p:spTree>
+    <p:extLst>
+      <p:ext uri="{BB962C8B-B14F-4D97-AF65-F5344CB8AC3E}">
+        <p14:creationId xmlns:p14="http://schemas.microsoft.com/office/powerpoint/2010/main" val="451557313"/>
       </p:ext>
     </p:extLst>
   </p:cSld>
@@ -8462,8 +14483,8 @@
           </a:extLst>
         </p:spPr>
       </p:pic>
-      <mc:AlternateContent xmlns:mc="http://schemas.openxmlformats.org/markup-compatibility/2006">
-        <mc:Choice xmlns:p14="http://schemas.microsoft.com/office/powerpoint/2010/main" Requires="p14">
+      <mc:AlternateContent xmlns:mc="http://schemas.openxmlformats.org/markup-compatibility/2006" xmlns:p14="http://schemas.microsoft.com/office/powerpoint/2010/main">
+        <mc:Choice Requires="p14">
           <p:contentPart p14:bwMode="auto" r:id="rId3">
             <p14:nvContentPartPr>
               <p14:cNvPr id="2" name="Ink 1">
@@ -8482,7 +14503,7 @@
             </p14:xfrm>
           </p:contentPart>
         </mc:Choice>
-        <mc:Fallback>
+        <mc:Fallback xmlns="">
           <p:pic>
             <p:nvPicPr>
               <p:cNvPr id="2" name="Ink 1">
@@ -8513,8 +14534,8 @@
           </p:pic>
         </mc:Fallback>
       </mc:AlternateContent>
-      <mc:AlternateContent xmlns:mc="http://schemas.openxmlformats.org/markup-compatibility/2006">
-        <mc:Choice xmlns:p14="http://schemas.microsoft.com/office/powerpoint/2010/main" Requires="p14">
+      <mc:AlternateContent xmlns:mc="http://schemas.openxmlformats.org/markup-compatibility/2006" xmlns:p14="http://schemas.microsoft.com/office/powerpoint/2010/main">
+        <mc:Choice Requires="p14">
           <p:contentPart p14:bwMode="auto" r:id="rId5">
             <p14:nvContentPartPr>
               <p14:cNvPr id="3" name="Ink 2">
@@ -8533,7 +14554,7 @@
             </p14:xfrm>
           </p:contentPart>
         </mc:Choice>
-        <mc:Fallback>
+        <mc:Fallback xmlns="">
           <p:pic>
             <p:nvPicPr>
               <p:cNvPr id="3" name="Ink 2">
@@ -8564,8 +14585,8 @@
           </p:pic>
         </mc:Fallback>
       </mc:AlternateContent>
-      <mc:AlternateContent xmlns:mc="http://schemas.openxmlformats.org/markup-compatibility/2006">
-        <mc:Choice xmlns:p14="http://schemas.microsoft.com/office/powerpoint/2010/main" Requires="p14">
+      <mc:AlternateContent xmlns:mc="http://schemas.openxmlformats.org/markup-compatibility/2006" xmlns:p14="http://schemas.microsoft.com/office/powerpoint/2010/main">
+        <mc:Choice Requires="p14">
           <p:contentPart p14:bwMode="auto" r:id="rId7">
             <p14:nvContentPartPr>
               <p14:cNvPr id="4" name="Ink 3">
@@ -8584,7 +14605,7 @@
             </p14:xfrm>
           </p:contentPart>
         </mc:Choice>
-        <mc:Fallback>
+        <mc:Fallback xmlns="">
           <p:pic>
             <p:nvPicPr>
               <p:cNvPr id="4" name="Ink 3">
@@ -8615,8 +14636,8 @@
           </p:pic>
         </mc:Fallback>
       </mc:AlternateContent>
-      <mc:AlternateContent xmlns:mc="http://schemas.openxmlformats.org/markup-compatibility/2006">
-        <mc:Choice xmlns:p14="http://schemas.microsoft.com/office/powerpoint/2010/main" Requires="p14">
+      <mc:AlternateContent xmlns:mc="http://schemas.openxmlformats.org/markup-compatibility/2006" xmlns:p14="http://schemas.microsoft.com/office/powerpoint/2010/main">
+        <mc:Choice Requires="p14">
           <p:contentPart p14:bwMode="auto" r:id="rId9">
             <p14:nvContentPartPr>
               <p14:cNvPr id="5" name="Ink 4">
@@ -8635,7 +14656,7 @@
             </p14:xfrm>
           </p:contentPart>
         </mc:Choice>
-        <mc:Fallback>
+        <mc:Fallback xmlns="">
           <p:pic>
             <p:nvPicPr>
               <p:cNvPr id="5" name="Ink 4">
